--- a/gnu-parallel-tutorial.pptx
+++ b/gnu-parallel-tutorial.pptx
@@ -4960,32 +4960,6 @@
             </a:pPr>
             <a:r>
               <a:rPr lang="en-US" dirty="0"/>
-              <a:t>parallel --max-line-length-allowed # max size of command line</a:t>
-            </a:r>
-          </a:p>
-          <a:p>
-            <a:pPr marL="0" indent="0">
-              <a:buNone/>
-            </a:pPr>
-            <a:r>
-              <a:rPr lang="en-US" dirty="0"/>
-              <a:t>parallel --number-of-</a:t>
-            </a:r>
-            <a:r>
-              <a:rPr lang="en-US" dirty="0" err="1"/>
-              <a:t>cpus</a:t>
-            </a:r>
-            <a:r>
-              <a:rPr lang="en-US" dirty="0"/>
-              <a:t> &amp;&amp; parallel --number-of-cores</a:t>
-            </a:r>
-          </a:p>
-          <a:p>
-            <a:pPr marL="0" indent="0">
-              <a:buNone/>
-            </a:pPr>
-            <a:r>
-              <a:rPr lang="en-US" dirty="0"/>
               <a:t>Searching for ‘gnu parallel’ on Hacker news, Reddit, Stack Exchange yields many helpful links</a:t>
             </a:r>
           </a:p>
@@ -6494,8 +6468,12 @@
           <a:lstStyle/>
           <a:p>
             <a:r>
-              <a:rPr lang="en-US" dirty="0"/>
-              <a:t>Exercise</a:t>
+              <a:rPr lang="en-US"/>
+              <a:t>Exercise (7-8 </a:t>
+            </a:r>
+            <a:r>
+              <a:rPr lang="en-US" dirty="0"/>
+              <a:t>minutes)</a:t>
             </a:r>
           </a:p>
         </p:txBody>
@@ -6523,7 +6501,7 @@
           <a:p>
             <a:r>
               <a:rPr lang="en-US" dirty="0"/>
-              <a:t>Install / access GNU Parallel</a:t>
+              <a:t>Install / access and test GNU Parallel</a:t>
             </a:r>
           </a:p>
           <a:p>
@@ -6531,6 +6509,85 @@
               <a:rPr lang="en-US" dirty="0"/>
               <a:t>Instructions available at: </a:t>
             </a:r>
+            <a:r>
+              <a:rPr lang="en-US" dirty="0" err="1"/>
+              <a:t>github.com</a:t>
+            </a:r>
+            <a:r>
+              <a:rPr lang="en-US" dirty="0"/>
+              <a:t>/</a:t>
+            </a:r>
+            <a:r>
+              <a:rPr lang="en-US" dirty="0" err="1"/>
+              <a:t>ketancmaheshwari</a:t>
+            </a:r>
+            <a:r>
+              <a:rPr lang="en-US" dirty="0"/>
+              <a:t>/pearc24tut/blob/main/</a:t>
+            </a:r>
+            <a:r>
+              <a:rPr lang="en-US" dirty="0" err="1"/>
+              <a:t>install.txt</a:t>
+            </a:r>
+            <a:endParaRPr lang="en-US" dirty="0"/>
+          </a:p>
+          <a:p>
+            <a:r>
+              <a:rPr lang="en-US" dirty="0"/>
+              <a:t>Try the following commands:</a:t>
+            </a:r>
+            <a:br>
+              <a:rPr lang="en-US" dirty="0"/>
+            </a:br>
+            <a:br>
+              <a:rPr lang="en-US" dirty="0"/>
+            </a:br>
+            <a:r>
+              <a:rPr lang="en-US" dirty="0">
+                <a:latin typeface="Courier New" panose="02070309020205020404" pitchFamily="49" charset="0"/>
+                <a:cs typeface="Courier New" panose="02070309020205020404" pitchFamily="49" charset="0"/>
+              </a:rPr>
+              <a:t>parallel --number-of-</a:t>
+            </a:r>
+            <a:r>
+              <a:rPr lang="en-US" dirty="0" err="1">
+                <a:latin typeface="Courier New" panose="02070309020205020404" pitchFamily="49" charset="0"/>
+                <a:cs typeface="Courier New" panose="02070309020205020404" pitchFamily="49" charset="0"/>
+              </a:rPr>
+              <a:t>cpus</a:t>
+            </a:r>
+            <a:br>
+              <a:rPr lang="en-US" dirty="0">
+                <a:latin typeface="Courier New" panose="02070309020205020404" pitchFamily="49" charset="0"/>
+                <a:cs typeface="Courier New" panose="02070309020205020404" pitchFamily="49" charset="0"/>
+              </a:rPr>
+            </a:br>
+            <a:r>
+              <a:rPr lang="en-US" dirty="0">
+                <a:latin typeface="Courier New" panose="02070309020205020404" pitchFamily="49" charset="0"/>
+                <a:cs typeface="Courier New" panose="02070309020205020404" pitchFamily="49" charset="0"/>
+              </a:rPr>
+              <a:t>parallel --number-of-cores</a:t>
+            </a:r>
+            <a:br>
+              <a:rPr lang="en-US" dirty="0">
+                <a:latin typeface="Courier New" panose="02070309020205020404" pitchFamily="49" charset="0"/>
+                <a:cs typeface="Courier New" panose="02070309020205020404" pitchFamily="49" charset="0"/>
+              </a:rPr>
+            </a:br>
+            <a:r>
+              <a:rPr lang="en-US" dirty="0">
+                <a:latin typeface="Courier New" panose="02070309020205020404" pitchFamily="49" charset="0"/>
+                <a:cs typeface="Courier New" panose="02070309020205020404" pitchFamily="49" charset="0"/>
+              </a:rPr>
+              <a:t>parallel --eta sleep ::: {1..10}</a:t>
+            </a:r>
+          </a:p>
+          <a:p>
+            <a:pPr marL="0" indent="0">
+              <a:buNone/>
+            </a:pPr>
+            <a:endParaRPr lang="en-US" dirty="0"/>
           </a:p>
         </p:txBody>
       </p:sp>

--- a/gnu-parallel-tutorial.pptx
+++ b/gnu-parallel-tutorial.pptx
@@ -5,10 +5,10 @@
     <p:sldMasterId id="2147483660" r:id="rId1"/>
   </p:sldMasterIdLst>
   <p:notesMasterIdLst>
-    <p:notesMasterId r:id="rId66"/>
+    <p:notesMasterId r:id="rId65"/>
   </p:notesMasterIdLst>
   <p:handoutMasterIdLst>
-    <p:handoutMasterId r:id="rId67"/>
+    <p:handoutMasterId r:id="rId66"/>
   </p:handoutMasterIdLst>
   <p:sldIdLst>
     <p:sldId id="256" r:id="rId2"/>
@@ -50,31 +50,30 @@
     <p:sldId id="453" r:id="rId38"/>
     <p:sldId id="451" r:id="rId39"/>
     <p:sldId id="452" r:id="rId40"/>
-    <p:sldId id="455" r:id="rId41"/>
-    <p:sldId id="443" r:id="rId42"/>
-    <p:sldId id="435" r:id="rId43"/>
-    <p:sldId id="430" r:id="rId44"/>
-    <p:sldId id="440" r:id="rId45"/>
-    <p:sldId id="441" r:id="rId46"/>
-    <p:sldId id="444" r:id="rId47"/>
-    <p:sldId id="425" r:id="rId48"/>
-    <p:sldId id="439" r:id="rId49"/>
-    <p:sldId id="426" r:id="rId50"/>
-    <p:sldId id="458" r:id="rId51"/>
-    <p:sldId id="431" r:id="rId52"/>
-    <p:sldId id="427" r:id="rId53"/>
-    <p:sldId id="446" r:id="rId54"/>
-    <p:sldId id="447" r:id="rId55"/>
-    <p:sldId id="457" r:id="rId56"/>
-    <p:sldId id="450" r:id="rId57"/>
-    <p:sldId id="423" r:id="rId58"/>
-    <p:sldId id="432" r:id="rId59"/>
-    <p:sldId id="411" r:id="rId60"/>
-    <p:sldId id="288" r:id="rId61"/>
-    <p:sldId id="398" r:id="rId62"/>
-    <p:sldId id="393" r:id="rId63"/>
-    <p:sldId id="456" r:id="rId64"/>
-    <p:sldId id="309" r:id="rId65"/>
+    <p:sldId id="443" r:id="rId41"/>
+    <p:sldId id="466" r:id="rId42"/>
+    <p:sldId id="430" r:id="rId43"/>
+    <p:sldId id="440" r:id="rId44"/>
+    <p:sldId id="441" r:id="rId45"/>
+    <p:sldId id="444" r:id="rId46"/>
+    <p:sldId id="425" r:id="rId47"/>
+    <p:sldId id="439" r:id="rId48"/>
+    <p:sldId id="426" r:id="rId49"/>
+    <p:sldId id="458" r:id="rId50"/>
+    <p:sldId id="431" r:id="rId51"/>
+    <p:sldId id="427" r:id="rId52"/>
+    <p:sldId id="446" r:id="rId53"/>
+    <p:sldId id="447" r:id="rId54"/>
+    <p:sldId id="457" r:id="rId55"/>
+    <p:sldId id="450" r:id="rId56"/>
+    <p:sldId id="423" r:id="rId57"/>
+    <p:sldId id="432" r:id="rId58"/>
+    <p:sldId id="411" r:id="rId59"/>
+    <p:sldId id="288" r:id="rId60"/>
+    <p:sldId id="398" r:id="rId61"/>
+    <p:sldId id="393" r:id="rId62"/>
+    <p:sldId id="456" r:id="rId63"/>
+    <p:sldId id="309" r:id="rId64"/>
   </p:sldIdLst>
   <p:sldSz cx="9144000" cy="5143500" type="screen16x9"/>
   <p:notesSz cx="9144000" cy="6858000"/>
@@ -275,7 +274,7 @@
           <a:p>
             <a:fld id="{DE0C789A-1381-F54D-B55B-DCBB91319C08}" type="datetimeFigureOut">
               <a:rPr lang="en-US" smtClean="0"/>
-              <a:t>7/15/24</a:t>
+              <a:t>7/17/24</a:t>
             </a:fld>
             <a:endParaRPr lang="en-US"/>
           </a:p>
@@ -452,7 +451,7 @@
           <a:p>
             <a:fld id="{46CB9FDB-056B-6244-AE56-9549F1074EBB}" type="datetimeFigureOut">
               <a:rPr lang="en-US" smtClean="0"/>
-              <a:t>7/15/24</a:t>
+              <a:t>7/17/24</a:t>
             </a:fld>
             <a:endParaRPr lang="en-US"/>
           </a:p>
@@ -1183,6 +1182,16 @@
           <a:bodyPr/>
           <a:lstStyle/>
           <a:p>
+            <a:r>
+              <a:rPr lang="en-US" b="0" i="0" u="none" strike="noStrike" dirty="0">
+                <a:solidFill>
+                  <a:srgbClr val="1D1D1D"/>
+                </a:solidFill>
+                <a:effectLst/>
+                <a:latin typeface="Calibri" panose="020F0502020204030204" pitchFamily="34" charset="0"/>
+              </a:rPr>
+              <a:t>HMMER3 Takes a protein sequence and compares it to a probabilistic profile that describes a protein domain. It reports when there is a statistically significant likelihood that the protein and the domain share the same evolutionary origin. This basic comparison is repeated for all combinations of many protein sequences and many domains.</a:t>
+            </a:r>
             <a:endParaRPr lang="en-US" dirty="0"/>
           </a:p>
         </p:txBody>
@@ -1204,7 +1213,7 @@
           <a:p>
             <a:fld id="{D97B2049-7013-B143-AD62-F7BCB3DA4A6F}" type="slidenum">
               <a:rPr lang="en-US" smtClean="0"/>
-              <a:t>40</a:t>
+              <a:t>56</a:t>
             </a:fld>
             <a:endParaRPr lang="en-US"/>
           </a:p>
@@ -1213,7 +1222,7 @@
     </p:spTree>
     <p:extLst>
       <p:ext uri="{BB962C8B-B14F-4D97-AF65-F5344CB8AC3E}">
-        <p14:creationId xmlns:p14="http://schemas.microsoft.com/office/powerpoint/2010/main" val="34167055"/>
+        <p14:creationId xmlns:p14="http://schemas.microsoft.com/office/powerpoint/2010/main" val="1218435950"/>
       </p:ext>
     </p:extLst>
   </p:cSld>
@@ -1268,16 +1277,33 @@
           <a:lstStyle/>
           <a:p>
             <a:r>
-              <a:rPr lang="en-US" b="0" i="0" u="none" strike="noStrike" dirty="0">
-                <a:solidFill>
-                  <a:srgbClr val="1D1D1D"/>
-                </a:solidFill>
-                <a:effectLst/>
-                <a:latin typeface="Calibri" panose="020F0502020204030204" pitchFamily="34" charset="0"/>
-              </a:rPr>
-              <a:t>HMMER3 Takes a protein sequence and compares it to a probabilistic profile that describes a protein domain. It reports when there is a statistically significant likelihood that the protein and the domain share the same evolutionary origin. This basic comparison is repeated for all combinations of many protein sequences and many domains.</a:t>
-            </a:r>
-            <a:endParaRPr lang="en-US" dirty="0"/>
+              <a:rPr lang="en-US" dirty="0"/>
+              <a:t>http://</a:t>
+            </a:r>
+            <a:r>
+              <a:rPr lang="en-US" dirty="0" err="1"/>
+              <a:t>www.catb.org</a:t>
+            </a:r>
+            <a:r>
+              <a:rPr lang="en-US" dirty="0"/>
+              <a:t>/</a:t>
+            </a:r>
+            <a:r>
+              <a:rPr lang="en-US" dirty="0" err="1"/>
+              <a:t>esr</a:t>
+            </a:r>
+            <a:r>
+              <a:rPr lang="en-US" dirty="0"/>
+              <a:t>/writings/</a:t>
+            </a:r>
+            <a:r>
+              <a:rPr lang="en-US" dirty="0" err="1"/>
+              <a:t>taoup</a:t>
+            </a:r>
+            <a:r>
+              <a:rPr lang="en-US"/>
+              <a:t>/html/ch10s05.html</a:t>
+            </a:r>
           </a:p>
         </p:txBody>
       </p:sp>
@@ -1298,118 +1324,7 @@
           <a:p>
             <a:fld id="{D97B2049-7013-B143-AD62-F7BCB3DA4A6F}" type="slidenum">
               <a:rPr lang="en-US" smtClean="0"/>
-              <a:t>57</a:t>
-            </a:fld>
-            <a:endParaRPr lang="en-US"/>
-          </a:p>
-        </p:txBody>
-      </p:sp>
-    </p:spTree>
-    <p:extLst>
-      <p:ext uri="{BB962C8B-B14F-4D97-AF65-F5344CB8AC3E}">
-        <p14:creationId xmlns:p14="http://schemas.microsoft.com/office/powerpoint/2010/main" val="1218435950"/>
-      </p:ext>
-    </p:extLst>
-  </p:cSld>
-  <p:clrMapOvr>
-    <a:masterClrMapping/>
-  </p:clrMapOvr>
-</p:notes>
-</file>
-
-<file path=ppt/notesSlides/notesSlide8.xml><?xml version="1.0" encoding="utf-8"?>
-<p:notes xmlns:a="http://schemas.openxmlformats.org/drawingml/2006/main" xmlns:r="http://schemas.openxmlformats.org/officeDocument/2006/relationships" xmlns:p="http://schemas.openxmlformats.org/presentationml/2006/main">
-  <p:cSld>
-    <p:spTree>
-      <p:nvGrpSpPr>
-        <p:cNvPr id="1" name=""/>
-        <p:cNvGrpSpPr/>
-        <p:nvPr/>
-      </p:nvGrpSpPr>
-      <p:grpSpPr>
-        <a:xfrm>
-          <a:off x="0" y="0"/>
-          <a:ext cx="0" cy="0"/>
-          <a:chOff x="0" y="0"/>
-          <a:chExt cx="0" cy="0"/>
-        </a:xfrm>
-      </p:grpSpPr>
-      <p:sp>
-        <p:nvSpPr>
-          <p:cNvPr id="2" name="Slide Image Placeholder 1"/>
-          <p:cNvSpPr>
-            <a:spLocks noGrp="1" noRot="1" noChangeAspect="1"/>
-          </p:cNvSpPr>
-          <p:nvPr>
-            <p:ph type="sldImg"/>
-          </p:nvPr>
-        </p:nvSpPr>
-        <p:spPr/>
-      </p:sp>
-      <p:sp>
-        <p:nvSpPr>
-          <p:cNvPr id="3" name="Notes Placeholder 2"/>
-          <p:cNvSpPr>
-            <a:spLocks noGrp="1"/>
-          </p:cNvSpPr>
-          <p:nvPr>
-            <p:ph type="body" idx="1"/>
-          </p:nvPr>
-        </p:nvSpPr>
-        <p:spPr/>
-        <p:txBody>
-          <a:bodyPr/>
-          <a:lstStyle/>
-          <a:p>
-            <a:r>
-              <a:rPr lang="en-US" dirty="0"/>
-              <a:t>http://</a:t>
-            </a:r>
-            <a:r>
-              <a:rPr lang="en-US" dirty="0" err="1"/>
-              <a:t>www.catb.org</a:t>
-            </a:r>
-            <a:r>
-              <a:rPr lang="en-US" dirty="0"/>
-              <a:t>/</a:t>
-            </a:r>
-            <a:r>
-              <a:rPr lang="en-US" dirty="0" err="1"/>
-              <a:t>esr</a:t>
-            </a:r>
-            <a:r>
-              <a:rPr lang="en-US" dirty="0"/>
-              <a:t>/writings/</a:t>
-            </a:r>
-            <a:r>
-              <a:rPr lang="en-US" dirty="0" err="1"/>
-              <a:t>taoup</a:t>
-            </a:r>
-            <a:r>
-              <a:rPr lang="en-US"/>
-              <a:t>/html/ch10s05.html</a:t>
-            </a:r>
-          </a:p>
-        </p:txBody>
-      </p:sp>
-      <p:sp>
-        <p:nvSpPr>
-          <p:cNvPr id="4" name="Slide Number Placeholder 3"/>
-          <p:cNvSpPr>
-            <a:spLocks noGrp="1"/>
-          </p:cNvSpPr>
-          <p:nvPr>
-            <p:ph type="sldNum" sz="quarter" idx="5"/>
-          </p:nvPr>
-        </p:nvSpPr>
-        <p:spPr/>
-        <p:txBody>
-          <a:bodyPr/>
-          <a:lstStyle/>
-          <a:p>
-            <a:fld id="{D97B2049-7013-B143-AD62-F7BCB3DA4A6F}" type="slidenum">
-              <a:rPr lang="en-US" smtClean="0"/>
-              <a:t>60</a:t>
+              <a:t>59</a:t>
             </a:fld>
             <a:endParaRPr lang="en-US"/>
           </a:p>
@@ -1559,7 +1474,7 @@
           <a:p>
             <a:fld id="{524F091B-C9FE-714F-8F5F-8CFB82A747F1}" type="datetime1">
               <a:rPr lang="en-US" smtClean="0"/>
-              <a:t>7/15/24</a:t>
+              <a:t>7/17/24</a:t>
             </a:fld>
             <a:endParaRPr lang="en-US"/>
           </a:p>
@@ -1729,7 +1644,7 @@
           <a:p>
             <a:fld id="{E5121F4C-BC13-F84F-9AD9-260A611D728C}" type="datetime1">
               <a:rPr lang="en-US" smtClean="0"/>
-              <a:t>7/15/24</a:t>
+              <a:t>7/17/24</a:t>
             </a:fld>
             <a:endParaRPr lang="en-US"/>
           </a:p>
@@ -1909,7 +1824,7 @@
           <a:p>
             <a:fld id="{69934431-5E8A-0144-AD3C-F9F3B5843812}" type="datetime1">
               <a:rPr lang="en-US" smtClean="0"/>
-              <a:t>7/15/24</a:t>
+              <a:t>7/17/24</a:t>
             </a:fld>
             <a:endParaRPr lang="en-US"/>
           </a:p>
@@ -2079,7 +1994,7 @@
           <a:p>
             <a:fld id="{4D966F88-1DAF-F94F-A3D2-93E7964825AC}" type="datetime1">
               <a:rPr lang="en-US" smtClean="0"/>
-              <a:t>7/15/24</a:t>
+              <a:t>7/17/24</a:t>
             </a:fld>
             <a:endParaRPr lang="en-US"/>
           </a:p>
@@ -2325,7 +2240,7 @@
           <a:p>
             <a:fld id="{75F67F5F-B354-5B41-A0FF-E33ACFB7B000}" type="datetime1">
               <a:rPr lang="en-US" smtClean="0"/>
-              <a:t>7/15/24</a:t>
+              <a:t>7/17/24</a:t>
             </a:fld>
             <a:endParaRPr lang="en-US"/>
           </a:p>
@@ -2557,7 +2472,7 @@
           <a:p>
             <a:fld id="{1FE71E3D-61C4-AF47-B5F6-80F7A2125094}" type="datetime1">
               <a:rPr lang="en-US" smtClean="0"/>
-              <a:t>7/15/24</a:t>
+              <a:t>7/17/24</a:t>
             </a:fld>
             <a:endParaRPr lang="en-US"/>
           </a:p>
@@ -2924,7 +2839,7 @@
           <a:p>
             <a:fld id="{B7259F95-3E7B-AE48-BD5A-55F4F48F15EE}" type="datetime1">
               <a:rPr lang="en-US" smtClean="0"/>
-              <a:t>7/15/24</a:t>
+              <a:t>7/17/24</a:t>
             </a:fld>
             <a:endParaRPr lang="en-US"/>
           </a:p>
@@ -3042,7 +2957,7 @@
           <a:p>
             <a:fld id="{1E2D71D9-286E-D847-8194-60F3E909E40C}" type="datetime1">
               <a:rPr lang="en-US" smtClean="0"/>
-              <a:t>7/15/24</a:t>
+              <a:t>7/17/24</a:t>
             </a:fld>
             <a:endParaRPr lang="en-US"/>
           </a:p>
@@ -3137,7 +3052,7 @@
           <a:p>
             <a:fld id="{3AC70D76-DA63-C342-B98E-F532027F9CD7}" type="datetime1">
               <a:rPr lang="en-US" smtClean="0"/>
-              <a:t>7/15/24</a:t>
+              <a:t>7/17/24</a:t>
             </a:fld>
             <a:endParaRPr lang="en-US"/>
           </a:p>
@@ -3414,7 +3329,7 @@
           <a:p>
             <a:fld id="{74E169E1-67F4-DE43-8AD1-CF716A32D6D9}" type="datetime1">
               <a:rPr lang="en-US" smtClean="0"/>
-              <a:t>7/15/24</a:t>
+              <a:t>7/17/24</a:t>
             </a:fld>
             <a:endParaRPr lang="en-US"/>
           </a:p>
@@ -3671,7 +3586,7 @@
           <a:p>
             <a:fld id="{EDBC0E13-B072-744E-A1EF-1258C23FD22F}" type="datetime1">
               <a:rPr lang="en-US" smtClean="0"/>
-              <a:t>7/15/24</a:t>
+              <a:t>7/17/24</a:t>
             </a:fld>
             <a:endParaRPr lang="en-US"/>
           </a:p>
@@ -3884,7 +3799,7 @@
           <a:p>
             <a:fld id="{14D54490-4A22-8B41-9AA4-9BECA28CBC89}" type="datetime1">
               <a:rPr lang="en-US" smtClean="0"/>
-              <a:t>7/15/24</a:t>
+              <a:t>7/17/24</a:t>
             </a:fld>
             <a:endParaRPr lang="en-US"/>
           </a:p>
@@ -14270,14 +14185,23 @@
               <a:rPr lang="en-US" dirty="0"/>
             </a:br>
             <a:r>
-              <a:rPr lang="en-US" dirty="0"/>
+              <a:rPr lang="en-US" b="1" dirty="0">
+                <a:latin typeface="Courier New" panose="02070309020205020404" pitchFamily="49" charset="0"/>
+                <a:cs typeface="Courier New" panose="02070309020205020404" pitchFamily="49" charset="0"/>
+              </a:rPr>
               <a:t>parallel -S server1,server2 commands flags ::: </a:t>
             </a:r>
             <a:r>
-              <a:rPr lang="en-US" dirty="0" err="1"/>
+              <a:rPr lang="en-US" b="1" dirty="0" err="1">
+                <a:latin typeface="Courier New" panose="02070309020205020404" pitchFamily="49" charset="0"/>
+                <a:cs typeface="Courier New" panose="02070309020205020404" pitchFamily="49" charset="0"/>
+              </a:rPr>
               <a:t>args</a:t>
             </a:r>
-            <a:endParaRPr lang="en-US" dirty="0"/>
+            <a:endParaRPr lang="en-US" b="1" dirty="0">
+              <a:latin typeface="Courier New" panose="02070309020205020404" pitchFamily="49" charset="0"/>
+              <a:cs typeface="Courier New" panose="02070309020205020404" pitchFamily="49" charset="0"/>
+            </a:endParaRPr>
           </a:p>
           <a:p>
             <a:pPr marL="0" indent="0">
@@ -14294,32 +14218,49 @@
             <a:br>
               <a:rPr lang="en-US" dirty="0"/>
             </a:br>
-            <a:r>
-              <a:rPr lang="en-US" dirty="0"/>
-              <a:t>parallel -S u@vm1.org,u@vm2.org "hostname; echo {}" ::: foo bar</a:t>
-            </a:r>
             <a:br>
               <a:rPr lang="en-US" dirty="0"/>
             </a:br>
             <a:r>
-              <a:rPr lang="en-US" dirty="0"/>
+              <a:rPr lang="en-US" sz="1800" b="1" dirty="0">
+                <a:latin typeface="Courier New" panose="02070309020205020404" pitchFamily="49" charset="0"/>
+                <a:cs typeface="Courier New" panose="02070309020205020404" pitchFamily="49" charset="0"/>
+              </a:rPr>
+              <a:t>parallel -S u@vm1.org,u@vm2.org "hostname; echo {}":::foo bar</a:t>
+            </a:r>
+            <a:br>
+              <a:rPr lang="en-US" sz="1800" b="1" dirty="0">
+                <a:latin typeface="Courier New" panose="02070309020205020404" pitchFamily="49" charset="0"/>
+                <a:cs typeface="Courier New" panose="02070309020205020404" pitchFamily="49" charset="0"/>
+              </a:rPr>
+            </a:br>
+            <a:br>
+              <a:rPr lang="en-US" dirty="0"/>
+            </a:br>
+            <a:r>
+              <a:rPr lang="en-US" b="1" dirty="0">
+                <a:latin typeface="Courier New" panose="02070309020205020404" pitchFamily="49" charset="0"/>
+                <a:cs typeface="Courier New" panose="02070309020205020404" pitchFamily="49" charset="0"/>
+              </a:rPr>
               <a:t>--</a:t>
             </a:r>
             <a:r>
-              <a:rPr lang="en-US" dirty="0" err="1"/>
+              <a:rPr lang="en-US" b="1" dirty="0" err="1">
+                <a:latin typeface="Courier New" panose="02070309020205020404" pitchFamily="49" charset="0"/>
+                <a:cs typeface="Courier New" panose="02070309020205020404" pitchFamily="49" charset="0"/>
+              </a:rPr>
               <a:t>sshloginfile</a:t>
             </a:r>
             <a:r>
-              <a:rPr lang="en-US" dirty="0"/>
-              <a:t> flag allows to read the remote </a:t>
-            </a:r>
-            <a:r>
-              <a:rPr lang="en-US" dirty="0" err="1"/>
-              <a:t>ssh</a:t>
-            </a:r>
-            <a:r>
-              <a:rPr lang="en-US" dirty="0"/>
-              <a:t> config from a file, </a:t>
+              <a:rPr lang="en-US" b="1" dirty="0">
+                <a:latin typeface="Courier New" panose="02070309020205020404" pitchFamily="49" charset="0"/>
+                <a:cs typeface="Courier New" panose="02070309020205020404" pitchFamily="49" charset="0"/>
+              </a:rPr>
+              <a:t> </a:t>
+            </a:r>
+            <a:r>
+              <a:rPr lang="en-US" dirty="0"/>
+              <a:t>flag allows to read the remote ssh config from a file, </a:t>
             </a:r>
             <a:r>
               <a:rPr lang="en-US" dirty="0" err="1"/>
@@ -14327,70 +14268,14 @@
             </a:r>
             <a:r>
               <a:rPr lang="en-US" dirty="0"/>
-              <a:t> .</a:t>
-            </a:r>
-            <a:r>
-              <a:rPr lang="en-US" dirty="0" err="1"/>
-              <a:t>ssh</a:t>
-            </a:r>
-            <a:r>
-              <a:rPr lang="en-US" dirty="0"/>
-              <a:t>/config</a:t>
-            </a:r>
-          </a:p>
-          <a:p>
-            <a:pPr marL="0" indent="0">
-              <a:spcBef>
-                <a:spcPts val="1200"/>
-              </a:spcBef>
-              <a:spcAft>
-                <a:spcPts val="1200"/>
-              </a:spcAft>
-              <a:buFont typeface="Arial" panose="020B0604020202020204" pitchFamily="34" charset="0"/>
-              <a:buNone/>
-            </a:pPr>
-            <a:r>
-              <a:rPr lang="en-US" dirty="0"/>
-              <a:t>Remote </a:t>
-            </a:r>
-            <a:r>
-              <a:rPr lang="en-US" dirty="0" err="1"/>
-              <a:t>ssh</a:t>
-            </a:r>
-            <a:r>
-              <a:rPr lang="en-US" dirty="0"/>
-              <a:t> hosts may be divided into groups and jobs may be selectively run:</a:t>
-            </a:r>
-            <a:br>
-              <a:rPr lang="en-US" sz="1100" dirty="0">
-                <a:solidFill>
-                  <a:schemeClr val="dk1"/>
-                </a:solidFill>
-              </a:rPr>
-            </a:br>
-            <a:r>
-              <a:rPr lang="en-US" sz="1600" dirty="0">
-                <a:solidFill>
-                  <a:schemeClr val="dk1"/>
-                </a:solidFill>
-              </a:rPr>
-              <a:t>parallel --</a:t>
-            </a:r>
-            <a:r>
-              <a:rPr lang="en-US" sz="1600" dirty="0" err="1">
-                <a:solidFill>
-                  <a:schemeClr val="dk1"/>
-                </a:solidFill>
-              </a:rPr>
-              <a:t>hostgroup</a:t>
-            </a:r>
-            <a:r>
-              <a:rPr lang="en-US" sz="1600" dirty="0">
-                <a:solidFill>
-                  <a:schemeClr val="dk1"/>
-                </a:solidFill>
-              </a:rPr>
-              <a:t> -S @gp1/$server1 -S @gp2/$server2 echo {} ::: run_on_gp1@gp1 run_on_gp2@gp2</a:t>
+              <a:t> </a:t>
+            </a:r>
+            <a:r>
+              <a:rPr lang="en-US" b="1" dirty="0">
+                <a:latin typeface="Courier New" panose="02070309020205020404" pitchFamily="49" charset="0"/>
+                <a:cs typeface="Courier New" panose="02070309020205020404" pitchFamily="49" charset="0"/>
+              </a:rPr>
+              <a:t>.ssh/config</a:t>
             </a:r>
           </a:p>
         </p:txBody>
@@ -14453,7 +14338,7 @@
               <a:rPr lang="en-US" dirty="0">
                 <a:latin typeface="National Park " pitchFamily="2" charset="77"/>
               </a:rPr>
-              <a:t>GNU parallel can transfer data to / from remote</a:t>
+              <a:t>Transfer data to / from remote</a:t>
             </a:r>
           </a:p>
         </p:txBody>
@@ -14485,8 +14370,196 @@
               <a:buNone/>
             </a:pPr>
             <a:r>
-              <a:rPr lang="en-US" dirty="0"/>
+              <a:rPr lang="en-US" b="1" dirty="0">
+                <a:latin typeface="Courier New" panose="02070309020205020404" pitchFamily="49" charset="0"/>
+                <a:cs typeface="Courier New" panose="02070309020205020404" pitchFamily="49" charset="0"/>
+              </a:rPr>
               <a:t>--</a:t>
+            </a:r>
+            <a:r>
+              <a:rPr lang="en-US" b="1" dirty="0" err="1">
+                <a:latin typeface="Courier New" panose="02070309020205020404" pitchFamily="49" charset="0"/>
+                <a:cs typeface="Courier New" panose="02070309020205020404" pitchFamily="49" charset="0"/>
+              </a:rPr>
+              <a:t>transferfile</a:t>
+            </a:r>
+            <a:r>
+              <a:rPr lang="en-US" b="1" dirty="0">
+                <a:latin typeface="Courier New" panose="02070309020205020404" pitchFamily="49" charset="0"/>
+                <a:cs typeface="Courier New" panose="02070309020205020404" pitchFamily="49" charset="0"/>
+              </a:rPr>
+              <a:t> </a:t>
+            </a:r>
+            <a:r>
+              <a:rPr lang="en-US" dirty="0"/>
+              <a:t>to transfer files via </a:t>
+            </a:r>
+            <a:r>
+              <a:rPr lang="en-US" b="1" dirty="0" err="1">
+                <a:latin typeface="Courier New" panose="02070309020205020404" pitchFamily="49" charset="0"/>
+                <a:cs typeface="Courier New" panose="02070309020205020404" pitchFamily="49" charset="0"/>
+              </a:rPr>
+              <a:t>rsync</a:t>
+            </a:r>
+            <a:endParaRPr lang="en-US" b="1" dirty="0">
+              <a:latin typeface="Courier New" panose="02070309020205020404" pitchFamily="49" charset="0"/>
+              <a:cs typeface="Courier New" panose="02070309020205020404" pitchFamily="49" charset="0"/>
+            </a:endParaRPr>
+          </a:p>
+          <a:p>
+            <a:pPr marL="0" indent="0">
+              <a:buNone/>
+            </a:pPr>
+            <a:r>
+              <a:rPr lang="en-US" b="1" dirty="0">
+                <a:latin typeface="Courier New" panose="02070309020205020404" pitchFamily="49" charset="0"/>
+                <a:cs typeface="Courier New" panose="02070309020205020404" pitchFamily="49" charset="0"/>
+              </a:rPr>
+              <a:t>--return </a:t>
+            </a:r>
+            <a:r>
+              <a:rPr lang="en-US" dirty="0"/>
+              <a:t>to return files from remote</a:t>
+            </a:r>
+          </a:p>
+          <a:p>
+            <a:pPr marL="0" indent="0">
+              <a:buNone/>
+            </a:pPr>
+            <a:r>
+              <a:rPr lang="en-US" b="1" dirty="0">
+                <a:latin typeface="Courier New" panose="02070309020205020404" pitchFamily="49" charset="0"/>
+                <a:cs typeface="Courier New" panose="02070309020205020404" pitchFamily="49" charset="0"/>
+              </a:rPr>
+              <a:t>--cleanup </a:t>
+            </a:r>
+            <a:r>
+              <a:rPr lang="en-US" dirty="0"/>
+              <a:t>to remove files from remote once job is done</a:t>
+            </a:r>
+          </a:p>
+          <a:p>
+            <a:pPr marL="0" indent="0">
+              <a:buNone/>
+            </a:pPr>
+            <a:r>
+              <a:rPr lang="en-US" dirty="0">
+                <a:latin typeface="Courier New" panose="02070309020205020404" pitchFamily="49" charset="0"/>
+                <a:cs typeface="Courier New" panose="02070309020205020404" pitchFamily="49" charset="0"/>
+              </a:rPr>
+              <a:t>echo “This is input file” &gt; </a:t>
+            </a:r>
+            <a:r>
+              <a:rPr lang="en-US" dirty="0" err="1">
+                <a:latin typeface="Courier New" panose="02070309020205020404" pitchFamily="49" charset="0"/>
+                <a:cs typeface="Courier New" panose="02070309020205020404" pitchFamily="49" charset="0"/>
+              </a:rPr>
+              <a:t>infile</a:t>
+            </a:r>
+            <a:br>
+              <a:rPr lang="en-US" dirty="0">
+                <a:latin typeface="Courier New" panose="02070309020205020404" pitchFamily="49" charset="0"/>
+                <a:cs typeface="Courier New" panose="02070309020205020404" pitchFamily="49" charset="0"/>
+              </a:rPr>
+            </a:br>
+            <a:r>
+              <a:rPr lang="en-US" dirty="0">
+                <a:latin typeface="Courier New" panose="02070309020205020404" pitchFamily="49" charset="0"/>
+                <a:cs typeface="Courier New" panose="02070309020205020404" pitchFamily="49" charset="0"/>
+              </a:rPr>
+              <a:t>parallel -S $remote_server1 </a:t>
+            </a:r>
+            <a:r>
+              <a:rPr lang="en-US" b="1" dirty="0">
+                <a:latin typeface="Courier New" panose="02070309020205020404" pitchFamily="49" charset="0"/>
+                <a:cs typeface="Courier New" panose="02070309020205020404" pitchFamily="49" charset="0"/>
+              </a:rPr>
+              <a:t>--</a:t>
+            </a:r>
+            <a:r>
+              <a:rPr lang="en-US" b="1" dirty="0" err="1">
+                <a:latin typeface="Courier New" panose="02070309020205020404" pitchFamily="49" charset="0"/>
+                <a:cs typeface="Courier New" panose="02070309020205020404" pitchFamily="49" charset="0"/>
+              </a:rPr>
+              <a:t>transferfile</a:t>
+            </a:r>
+            <a:r>
+              <a:rPr lang="en-US" b="1" dirty="0">
+                <a:latin typeface="Courier New" panose="02070309020205020404" pitchFamily="49" charset="0"/>
+                <a:cs typeface="Courier New" panose="02070309020205020404" pitchFamily="49" charset="0"/>
+              </a:rPr>
+              <a:t> {} </a:t>
+            </a:r>
+            <a:r>
+              <a:rPr lang="en-US" dirty="0">
+                <a:latin typeface="Courier New" panose="02070309020205020404" pitchFamily="49" charset="0"/>
+                <a:cs typeface="Courier New" panose="02070309020205020404" pitchFamily="49" charset="0"/>
+              </a:rPr>
+              <a:t>cat ::: </a:t>
+            </a:r>
+            <a:r>
+              <a:rPr lang="en-US" b="1" dirty="0" err="1">
+                <a:latin typeface="Courier New" panose="02070309020205020404" pitchFamily="49" charset="0"/>
+                <a:cs typeface="Courier New" panose="02070309020205020404" pitchFamily="49" charset="0"/>
+              </a:rPr>
+              <a:t>infile</a:t>
+            </a:r>
+            <a:endParaRPr lang="en-US" b="1" dirty="0">
+              <a:latin typeface="Courier New" panose="02070309020205020404" pitchFamily="49" charset="0"/>
+              <a:cs typeface="Courier New" panose="02070309020205020404" pitchFamily="49" charset="0"/>
+            </a:endParaRPr>
+          </a:p>
+          <a:p>
+            <a:pPr marL="0" indent="0">
+              <a:buNone/>
+            </a:pPr>
+            <a:r>
+              <a:rPr lang="en-US" dirty="0">
+                <a:latin typeface="Courier New" panose="02070309020205020404" pitchFamily="49" charset="0"/>
+                <a:cs typeface="Courier New" panose="02070309020205020404" pitchFamily="49" charset="0"/>
+              </a:rPr>
+              <a:t>parallel -S $remote_server1 </a:t>
+            </a:r>
+            <a:r>
+              <a:rPr lang="en-US" b="1" dirty="0">
+                <a:latin typeface="Courier New" panose="02070309020205020404" pitchFamily="49" charset="0"/>
+                <a:cs typeface="Courier New" panose="02070309020205020404" pitchFamily="49" charset="0"/>
+              </a:rPr>
+              <a:t>--return {}.out </a:t>
+            </a:r>
+            <a:r>
+              <a:rPr lang="en-US" dirty="0">
+                <a:latin typeface="Courier New" panose="02070309020205020404" pitchFamily="49" charset="0"/>
+                <a:cs typeface="Courier New" panose="02070309020205020404" pitchFamily="49" charset="0"/>
+              </a:rPr>
+              <a:t>cat {} “&gt;” {}.out </a:t>
+            </a:r>
+            <a:r>
+              <a:rPr lang="en-US" b="1" dirty="0">
+                <a:latin typeface="Courier New" panose="02070309020205020404" pitchFamily="49" charset="0"/>
+                <a:cs typeface="Courier New" panose="02070309020205020404" pitchFamily="49" charset="0"/>
+              </a:rPr>
+              <a:t>::: </a:t>
+            </a:r>
+            <a:r>
+              <a:rPr lang="en-US" b="1" dirty="0" err="1">
+                <a:latin typeface="Courier New" panose="02070309020205020404" pitchFamily="49" charset="0"/>
+                <a:cs typeface="Courier New" panose="02070309020205020404" pitchFamily="49" charset="0"/>
+              </a:rPr>
+              <a:t>infile</a:t>
+            </a:r>
+            <a:endParaRPr lang="en-US" b="1" dirty="0">
+              <a:latin typeface="Courier New" panose="02070309020205020404" pitchFamily="49" charset="0"/>
+              <a:cs typeface="Courier New" panose="02070309020205020404" pitchFamily="49" charset="0"/>
+            </a:endParaRPr>
+          </a:p>
+          <a:p>
+            <a:pPr marL="0" indent="0">
+              <a:buNone/>
+            </a:pPr>
+            <a:r>
+              <a:rPr lang="en-US" dirty="0"/>
+              <a:t>All three options (--</a:t>
             </a:r>
             <a:r>
               <a:rPr lang="en-US" dirty="0" err="1"/>
@@ -14494,124 +14567,26 @@
             </a:r>
             <a:r>
               <a:rPr lang="en-US" dirty="0"/>
-              <a:t> to transfer files via </a:t>
-            </a:r>
-            <a:r>
-              <a:rPr lang="en-US" dirty="0" err="1"/>
-              <a:t>rsync</a:t>
-            </a:r>
-            <a:endParaRPr lang="en-US" dirty="0"/>
-          </a:p>
-          <a:p>
-            <a:pPr marL="0" indent="0">
-              <a:buNone/>
-            </a:pPr>
-            <a:r>
-              <a:rPr lang="en-US" dirty="0"/>
-              <a:t>--return to return files from remote via </a:t>
-            </a:r>
-            <a:r>
-              <a:rPr lang="en-US" dirty="0" err="1"/>
-              <a:t>rsync</a:t>
-            </a:r>
-            <a:endParaRPr lang="en-US" dirty="0"/>
-          </a:p>
-          <a:p>
-            <a:pPr marL="0" indent="0">
-              <a:buNone/>
-            </a:pPr>
-            <a:r>
-              <a:rPr lang="en-US" dirty="0"/>
-              <a:t>--cleanup to remove files from remote once job is done</a:t>
-            </a:r>
-          </a:p>
-          <a:p>
-            <a:pPr marL="0" indent="0">
-              <a:buNone/>
-            </a:pPr>
-            <a:r>
-              <a:rPr lang="en-US" dirty="0"/>
-              <a:t>echo “This is input file” &gt; </a:t>
-            </a:r>
-            <a:r>
-              <a:rPr lang="en-US" dirty="0" err="1"/>
-              <a:t>input_file</a:t>
-            </a:r>
-            <a:br>
-              <a:rPr lang="en-US" dirty="0"/>
-            </a:br>
-            <a:r>
-              <a:rPr lang="en-US" dirty="0"/>
-              <a:t>parallel -S $remote_server1 --</a:t>
-            </a:r>
-            <a:r>
-              <a:rPr lang="en-US" dirty="0" err="1"/>
-              <a:t>transferfile</a:t>
-            </a:r>
-            <a:r>
-              <a:rPr lang="en-US" dirty="0"/>
-              <a:t> {} cat ::: </a:t>
-            </a:r>
-            <a:r>
-              <a:rPr lang="en-US" dirty="0" err="1"/>
-              <a:t>input_file</a:t>
-            </a:r>
-            <a:endParaRPr lang="en-US" dirty="0"/>
-          </a:p>
-          <a:p>
-            <a:pPr marL="0" indent="0">
-              <a:buNone/>
-            </a:pPr>
-            <a:r>
-              <a:rPr lang="en-US" dirty="0"/>
-              <a:t>echo “This is input file” &gt; </a:t>
-            </a:r>
-            <a:r>
-              <a:rPr lang="en-US" dirty="0" err="1"/>
-              <a:t>input_file</a:t>
-            </a:r>
-            <a:br>
-              <a:rPr lang="en-US" dirty="0"/>
-            </a:br>
-            <a:r>
-              <a:rPr lang="en-US" dirty="0"/>
-              <a:t>parallel -S $remote_server1 --</a:t>
-            </a:r>
-            <a:r>
-              <a:rPr lang="en-US" dirty="0" err="1"/>
-              <a:t>transferfile</a:t>
-            </a:r>
-            <a:r>
-              <a:rPr lang="en-US" dirty="0"/>
-              <a:t> {} --return {}.out cat {} “&gt;” {}.out ::: </a:t>
-            </a:r>
-            <a:r>
-              <a:rPr lang="en-US" dirty="0" err="1"/>
-              <a:t>input_file</a:t>
-            </a:r>
-            <a:endParaRPr lang="en-US" dirty="0"/>
-          </a:p>
-          <a:p>
-            <a:pPr marL="0" indent="0">
-              <a:buNone/>
-            </a:pPr>
-            <a:r>
-              <a:rPr lang="en-US" dirty="0"/>
-              <a:t>All three options (--</a:t>
-            </a:r>
-            <a:r>
-              <a:rPr lang="en-US" dirty="0" err="1"/>
-              <a:t>transferfile</a:t>
-            </a:r>
-            <a:r>
-              <a:rPr lang="en-US" dirty="0"/>
-              <a:t>, --return, --cleanup) may be combined in a shortcut option: --</a:t>
-            </a:r>
-            <a:r>
-              <a:rPr lang="en-US" dirty="0" err="1"/>
+              <a:t>, --return, --cleanup) may be combined in a shortcut option: </a:t>
+            </a:r>
+            <a:r>
+              <a:rPr lang="en-US" b="1" dirty="0">
+                <a:latin typeface="Courier New" panose="02070309020205020404" pitchFamily="49" charset="0"/>
+                <a:cs typeface="Courier New" panose="02070309020205020404" pitchFamily="49" charset="0"/>
+              </a:rPr>
+              <a:t>--</a:t>
+            </a:r>
+            <a:r>
+              <a:rPr lang="en-US" b="1" dirty="0" err="1">
+                <a:latin typeface="Courier New" panose="02070309020205020404" pitchFamily="49" charset="0"/>
+                <a:cs typeface="Courier New" panose="02070309020205020404" pitchFamily="49" charset="0"/>
+              </a:rPr>
               <a:t>trc</a:t>
             </a:r>
-            <a:endParaRPr lang="en-US" dirty="0"/>
+            <a:endParaRPr lang="en-US" b="1" dirty="0">
+              <a:latin typeface="Courier New" panose="02070309020205020404" pitchFamily="49" charset="0"/>
+              <a:cs typeface="Courier New" panose="02070309020205020404" pitchFamily="49" charset="0"/>
+            </a:endParaRPr>
           </a:p>
           <a:p>
             <a:pPr marL="0" indent="0">
@@ -14701,23 +14676,12 @@
           <a:bodyPr/>
           <a:lstStyle/>
           <a:p>
+            <a:pPr algn="ctr"/>
             <a:r>
               <a:rPr lang="en-US" dirty="0">
                 <a:latin typeface="National Park " pitchFamily="2" charset="77"/>
               </a:rPr>
-              <a:t>Real-World Examples working with </a:t>
-            </a:r>
-            <a:r>
-              <a:rPr lang="en-US" dirty="0" err="1">
-                <a:latin typeface="National Park " pitchFamily="2" charset="77"/>
-              </a:rPr>
-              <a:t>ssh</a:t>
-            </a:r>
-            <a:r>
-              <a:rPr lang="en-US" dirty="0">
-                <a:latin typeface="National Park " pitchFamily="2" charset="77"/>
-              </a:rPr>
-              <a:t> I</a:t>
+              <a:t>Examples working with ssh I</a:t>
             </a:r>
           </a:p>
         </p:txBody>
@@ -14745,93 +14709,140 @@
           </a:bodyPr>
           <a:lstStyle/>
           <a:p>
-            <a:r>
-              <a:rPr lang="en-US" dirty="0"/>
-              <a:t>parallel -k -S rage1,rage4,rage7,rage8,rage9,rage10,rage11,rage12 ${</a:t>
-            </a:r>
-            <a:r>
-              <a:rPr lang="en-US" dirty="0" err="1"/>
+            <a:pPr marL="0" indent="0">
+              <a:buNone/>
+            </a:pPr>
+            <a:r>
+              <a:rPr lang="en-US" dirty="0">
+                <a:latin typeface="Courier New" panose="02070309020205020404" pitchFamily="49" charset="0"/>
+                <a:cs typeface="Courier New" panose="02070309020205020404" pitchFamily="49" charset="0"/>
+              </a:rPr>
+              <a:t>parallel -k -S rage1,rage4,rage7,rage8,rage9,rage10,rage11 ${</a:t>
+            </a:r>
+            <a:r>
+              <a:rPr lang="en-US" dirty="0" err="1">
+                <a:latin typeface="Courier New" panose="02070309020205020404" pitchFamily="49" charset="0"/>
+                <a:cs typeface="Courier New" panose="02070309020205020404" pitchFamily="49" charset="0"/>
+              </a:rPr>
               <a:t>scan_cmd</a:t>
             </a:r>
             <a:r>
-              <a:rPr lang="en-US" dirty="0"/>
+              <a:rPr lang="en-US" dirty="0">
+                <a:latin typeface="Courier New" panose="02070309020205020404" pitchFamily="49" charset="0"/>
+                <a:cs typeface="Courier New" panose="02070309020205020404" pitchFamily="49" charset="0"/>
+              </a:rPr>
               <a:t>} ::: ${</a:t>
             </a:r>
             <a:r>
-              <a:rPr lang="en-US" dirty="0" err="1"/>
+              <a:rPr lang="en-US" dirty="0" err="1">
+                <a:latin typeface="Courier New" panose="02070309020205020404" pitchFamily="49" charset="0"/>
+                <a:cs typeface="Courier New" panose="02070309020205020404" pitchFamily="49" charset="0"/>
+              </a:rPr>
               <a:t>scan_path</a:t>
             </a:r>
             <a:r>
-              <a:rPr lang="en-US" dirty="0"/>
+              <a:rPr lang="en-US" dirty="0">
+                <a:latin typeface="Courier New" panose="02070309020205020404" pitchFamily="49" charset="0"/>
+                <a:cs typeface="Courier New" panose="02070309020205020404" pitchFamily="49" charset="0"/>
+              </a:rPr>
               <a:t>}/{44..51} &gt;&gt; scanperf.8proc.8node.out</a:t>
             </a:r>
           </a:p>
           <a:p>
-            <a:r>
-              <a:rPr lang="en-US" dirty="0"/>
+            <a:endParaRPr lang="en-US" dirty="0"/>
+          </a:p>
+          <a:p>
+            <a:pPr marL="0" indent="0">
+              <a:buNone/>
+            </a:pPr>
+            <a:r>
+              <a:rPr lang="en-US" dirty="0">
+                <a:latin typeface="Courier New" panose="02070309020205020404" pitchFamily="49" charset="0"/>
+                <a:cs typeface="Courier New" panose="02070309020205020404" pitchFamily="49" charset="0"/>
+              </a:rPr>
               <a:t>parallel --jobs 30 '</a:t>
             </a:r>
             <a:r>
-              <a:rPr lang="en-US" dirty="0" err="1"/>
+              <a:rPr lang="en-US" dirty="0" err="1">
+                <a:latin typeface="Courier New" panose="02070309020205020404" pitchFamily="49" charset="0"/>
+                <a:cs typeface="Courier New" panose="02070309020205020404" pitchFamily="49" charset="0"/>
+              </a:rPr>
               <a:t>nats</a:t>
             </a:r>
             <a:r>
-              <a:rPr lang="en-US" dirty="0"/>
+              <a:rPr lang="en-US" dirty="0">
+                <a:latin typeface="Courier New" panose="02070309020205020404" pitchFamily="49" charset="0"/>
+                <a:cs typeface="Courier New" panose="02070309020205020404" pitchFamily="49" charset="0"/>
+              </a:rPr>
               <a:t> -s rage2:4222 pub </a:t>
             </a:r>
             <a:r>
-              <a:rPr lang="en-US" dirty="0" err="1"/>
+              <a:rPr lang="en-US" dirty="0" err="1">
+                <a:latin typeface="Courier New" panose="02070309020205020404" pitchFamily="49" charset="0"/>
+                <a:cs typeface="Courier New" panose="02070309020205020404" pitchFamily="49" charset="0"/>
+              </a:rPr>
               <a:t>migration.files.request</a:t>
             </a:r>
             <a:r>
-              <a:rPr lang="en-US" dirty="0"/>
-              <a:t> --count 1 "{\"path\": \"/</a:t>
-            </a:r>
-            <a:r>
-              <a:rPr lang="en-US" dirty="0" err="1"/>
+              <a:rPr lang="en-US" dirty="0">
+                <a:latin typeface="Courier New" panose="02070309020205020404" pitchFamily="49" charset="0"/>
+                <a:cs typeface="Courier New" panose="02070309020205020404" pitchFamily="49" charset="0"/>
+              </a:rPr>
+              <a:t> --count 1</a:t>
+            </a:r>
+            <a:br>
+              <a:rPr lang="en-US" dirty="0">
+                <a:latin typeface="Courier New" panose="02070309020205020404" pitchFamily="49" charset="0"/>
+                <a:cs typeface="Courier New" panose="02070309020205020404" pitchFamily="49" charset="0"/>
+              </a:rPr>
+            </a:br>
+            <a:r>
+              <a:rPr lang="en-US" dirty="0">
+                <a:latin typeface="Courier New" panose="02070309020205020404" pitchFamily="49" charset="0"/>
+                <a:cs typeface="Courier New" panose="02070309020205020404" pitchFamily="49" charset="0"/>
+              </a:rPr>
+              <a:t>{\"path\":\"/</a:t>
+            </a:r>
+            <a:r>
+              <a:rPr lang="en-US" dirty="0" err="1">
+                <a:latin typeface="Courier New" panose="02070309020205020404" pitchFamily="49" charset="0"/>
+                <a:cs typeface="Courier New" panose="02070309020205020404" pitchFamily="49" charset="0"/>
+              </a:rPr>
               <a:t>lustre</a:t>
             </a:r>
             <a:r>
-              <a:rPr lang="en-US" dirty="0"/>
+              <a:rPr lang="en-US" dirty="0">
+                <a:latin typeface="Courier New" panose="02070309020205020404" pitchFamily="49" charset="0"/>
+                <a:cs typeface="Courier New" panose="02070309020205020404" pitchFamily="49" charset="0"/>
+              </a:rPr>
               <a:t>/</a:t>
             </a:r>
             <a:r>
-              <a:rPr lang="en-US" dirty="0" err="1"/>
+              <a:rPr lang="en-US" dirty="0" err="1">
+                <a:latin typeface="Courier New" panose="02070309020205020404" pitchFamily="49" charset="0"/>
+                <a:cs typeface="Courier New" panose="02070309020205020404" pitchFamily="49" charset="0"/>
+              </a:rPr>
               <a:t>crius</a:t>
             </a:r>
             <a:r>
-              <a:rPr lang="en-US" dirty="0"/>
-              <a:t>/stf008/</a:t>
-            </a:r>
-            <a:r>
-              <a:rPr lang="en-US" dirty="0" err="1"/>
-              <a:t>ketan</a:t>
-            </a:r>
-            <a:r>
-              <a:rPr lang="en-US" dirty="0"/>
-              <a:t>/</a:t>
-            </a:r>
-            <a:r>
-              <a:rPr lang="en-US" dirty="0" err="1"/>
-              <a:t>migagenttests</a:t>
-            </a:r>
-            <a:r>
-              <a:rPr lang="en-US" dirty="0"/>
-              <a:t>/{1}/file.{2}\"}"' ::: {0..63} ::: {1..3000} &amp;&gt;/dev/null</a:t>
-            </a:r>
-          </a:p>
-          <a:p>
-            <a:r>
-              <a:rPr lang="en-US" dirty="0"/>
-              <a:t>parallel --jobs 30 "</a:t>
-            </a:r>
-            <a:r>
-              <a:rPr lang="en-US" dirty="0" err="1"/>
-              <a:t>fallocate</a:t>
-            </a:r>
-            <a:r>
-              <a:rPr lang="en-US" dirty="0"/>
-              <a:t> -l 2MB {1}/file.{2}" ::: {0..63} ::: {1..3000}</a:t>
+              <a:rPr lang="en-US" dirty="0">
+                <a:latin typeface="Courier New" panose="02070309020205020404" pitchFamily="49" charset="0"/>
+                <a:cs typeface="Courier New" panose="02070309020205020404" pitchFamily="49" charset="0"/>
+              </a:rPr>
+              <a:t>/{1}/file.{2}\"}’</a:t>
+            </a:r>
+            <a:br>
+              <a:rPr lang="en-US" dirty="0">
+                <a:latin typeface="Courier New" panose="02070309020205020404" pitchFamily="49" charset="0"/>
+                <a:cs typeface="Courier New" panose="02070309020205020404" pitchFamily="49" charset="0"/>
+              </a:rPr>
+            </a:br>
+            <a:r>
+              <a:rPr lang="en-US" dirty="0">
+                <a:latin typeface="Courier New" panose="02070309020205020404" pitchFamily="49" charset="0"/>
+                <a:cs typeface="Courier New" panose="02070309020205020404" pitchFamily="49" charset="0"/>
+              </a:rPr>
+              <a:t>::: {0..63} ::: {1..3000}</a:t>
             </a:r>
           </a:p>
         </p:txBody>
@@ -14916,23 +14927,12 @@
           <a:bodyPr/>
           <a:lstStyle/>
           <a:p>
+            <a:pPr algn="ctr"/>
             <a:r>
               <a:rPr lang="en-US" dirty="0">
                 <a:latin typeface="National Park " pitchFamily="2" charset="77"/>
               </a:rPr>
-              <a:t>Real-world examples working with </a:t>
-            </a:r>
-            <a:r>
-              <a:rPr lang="en-US" dirty="0" err="1">
-                <a:latin typeface="National Park " pitchFamily="2" charset="77"/>
-              </a:rPr>
-              <a:t>ssh</a:t>
-            </a:r>
-            <a:r>
-              <a:rPr lang="en-US" dirty="0">
-                <a:latin typeface="National Park " pitchFamily="2" charset="77"/>
-              </a:rPr>
-              <a:t> II</a:t>
+              <a:t>Examples working with ssh II</a:t>
             </a:r>
           </a:p>
         </p:txBody>
@@ -14958,84 +14958,134 @@
           <a:bodyPr/>
           <a:lstStyle/>
           <a:p>
-            <a:r>
-              <a:rPr lang="en-US" dirty="0"/>
-              <a:t>parallel --jobs 30 "touch -d '-1 week' {1}/file.{2}" ::: {0..63} ::: {1..3000}</a:t>
-            </a:r>
-          </a:p>
-          <a:p>
-            <a:r>
-              <a:rPr lang="en-US" dirty="0"/>
-              <a:t>parallel -k -S rage1,rage2,rage4,rage5,rage6,rage7,rage8,rage9 /</a:t>
-            </a:r>
-            <a:r>
-              <a:rPr lang="en-US" dirty="0" err="1"/>
+            <a:pPr marL="0" indent="0">
+              <a:buNone/>
+            </a:pPr>
+            <a:r>
+              <a:rPr lang="en-US" dirty="0">
+                <a:latin typeface="Courier New" panose="02070309020205020404" pitchFamily="49" charset="0"/>
+                <a:cs typeface="Courier New" panose="02070309020205020404" pitchFamily="49" charset="0"/>
+              </a:rPr>
+              <a:t>parallel -k -S rage1,rage2,rage4,rage5,rage6,rage7,rage8 /</a:t>
+            </a:r>
+            <a:r>
+              <a:rPr lang="en-US" dirty="0" err="1">
+                <a:latin typeface="Courier New" panose="02070309020205020404" pitchFamily="49" charset="0"/>
+                <a:cs typeface="Courier New" panose="02070309020205020404" pitchFamily="49" charset="0"/>
+              </a:rPr>
+              <a:t>crius</a:t>
+            </a:r>
+            <a:r>
+              <a:rPr lang="en-US" dirty="0">
+                <a:latin typeface="Courier New" panose="02070309020205020404" pitchFamily="49" charset="0"/>
+                <a:cs typeface="Courier New" panose="02070309020205020404" pitchFamily="49" charset="0"/>
+              </a:rPr>
+              <a:t>/scripts/</a:t>
+            </a:r>
+            <a:r>
+              <a:rPr lang="en-US" dirty="0" err="1">
+                <a:latin typeface="Courier New" panose="02070309020205020404" pitchFamily="49" charset="0"/>
+                <a:cs typeface="Courier New" panose="02070309020205020404" pitchFamily="49" charset="0"/>
+              </a:rPr>
+              <a:t>measure_lfsfind.sh</a:t>
+            </a:r>
+            <a:r>
+              <a:rPr lang="en-US" dirty="0">
+                <a:latin typeface="Courier New" panose="02070309020205020404" pitchFamily="49" charset="0"/>
+                <a:cs typeface="Courier New" panose="02070309020205020404" pitchFamily="49" charset="0"/>
+              </a:rPr>
+              <a:t> ::: {28..35} &gt;&gt; lfsfindperf.8proc.8node.out</a:t>
+            </a:r>
+            <a:br>
+              <a:rPr lang="en-US" dirty="0">
+                <a:latin typeface="Courier New" panose="02070309020205020404" pitchFamily="49" charset="0"/>
+                <a:cs typeface="Courier New" panose="02070309020205020404" pitchFamily="49" charset="0"/>
+              </a:rPr>
+            </a:br>
+            <a:endParaRPr lang="en-US" dirty="0">
+              <a:latin typeface="Courier New" panose="02070309020205020404" pitchFamily="49" charset="0"/>
+              <a:cs typeface="Courier New" panose="02070309020205020404" pitchFamily="49" charset="0"/>
+            </a:endParaRPr>
+          </a:p>
+          <a:p>
+            <a:pPr marL="0" indent="0">
+              <a:buNone/>
+            </a:pPr>
+            <a:r>
+              <a:rPr lang="en-US" dirty="0">
+                <a:latin typeface="Courier New" panose="02070309020205020404" pitchFamily="49" charset="0"/>
+                <a:cs typeface="Courier New" panose="02070309020205020404" pitchFamily="49" charset="0"/>
+              </a:rPr>
+              <a:t>parallel -j30 "</a:t>
+            </a:r>
+            <a:r>
+              <a:rPr lang="en-US" dirty="0" err="1">
+                <a:latin typeface="Courier New" panose="02070309020205020404" pitchFamily="49" charset="0"/>
+                <a:cs typeface="Courier New" panose="02070309020205020404" pitchFamily="49" charset="0"/>
+              </a:rPr>
+              <a:t>nats</a:t>
+            </a:r>
+            <a:r>
+              <a:rPr lang="en-US" dirty="0">
+                <a:latin typeface="Courier New" panose="02070309020205020404" pitchFamily="49" charset="0"/>
+                <a:cs typeface="Courier New" panose="02070309020205020404" pitchFamily="49" charset="0"/>
+              </a:rPr>
+              <a:t> -s rage2:4222 pub </a:t>
+            </a:r>
+            <a:r>
+              <a:rPr lang="en-US" dirty="0" err="1">
+                <a:latin typeface="Courier New" panose="02070309020205020404" pitchFamily="49" charset="0"/>
+                <a:cs typeface="Courier New" panose="02070309020205020404" pitchFamily="49" charset="0"/>
+              </a:rPr>
+              <a:t>purge.files.request</a:t>
+            </a:r>
+            <a:r>
+              <a:rPr lang="en-US" dirty="0">
+                <a:latin typeface="Courier New" panose="02070309020205020404" pitchFamily="49" charset="0"/>
+                <a:cs typeface="Courier New" panose="02070309020205020404" pitchFamily="49" charset="0"/>
+              </a:rPr>
+              <a:t> --count 1 {\"path\": \"/</a:t>
+            </a:r>
+            <a:r>
+              <a:rPr lang="en-US" dirty="0" err="1">
+                <a:latin typeface="Courier New" panose="02070309020205020404" pitchFamily="49" charset="0"/>
+                <a:cs typeface="Courier New" panose="02070309020205020404" pitchFamily="49" charset="0"/>
+              </a:rPr>
               <a:t>lustre</a:t>
             </a:r>
             <a:r>
-              <a:rPr lang="en-US" dirty="0"/>
+              <a:rPr lang="en-US" dirty="0">
+                <a:latin typeface="Courier New" panose="02070309020205020404" pitchFamily="49" charset="0"/>
+                <a:cs typeface="Courier New" panose="02070309020205020404" pitchFamily="49" charset="0"/>
+              </a:rPr>
               <a:t>/</a:t>
             </a:r>
             <a:r>
-              <a:rPr lang="en-US" dirty="0" err="1"/>
+              <a:rPr lang="en-US" dirty="0" err="1">
+                <a:latin typeface="Courier New" panose="02070309020205020404" pitchFamily="49" charset="0"/>
+                <a:cs typeface="Courier New" panose="02070309020205020404" pitchFamily="49" charset="0"/>
+              </a:rPr>
               <a:t>crius</a:t>
             </a:r>
             <a:r>
-              <a:rPr lang="en-US" dirty="0"/>
-              <a:t>/scripts-quicksilver/</a:t>
-            </a:r>
-            <a:r>
-              <a:rPr lang="en-US" dirty="0" err="1"/>
-              <a:t>measure_lfsfind.sh</a:t>
-            </a:r>
-            <a:r>
-              <a:rPr lang="en-US" dirty="0"/>
-              <a:t> ::: {28..35} &gt;&gt; lfsfindperf.8proc.8node.out</a:t>
-            </a:r>
-          </a:p>
-          <a:p>
-            <a:r>
-              <a:rPr lang="en-US" dirty="0"/>
-              <a:t>time -p parallel --jobs 30 "</a:t>
-            </a:r>
-            <a:r>
-              <a:rPr lang="en-US" dirty="0" err="1"/>
-              <a:t>nats</a:t>
-            </a:r>
-            <a:r>
-              <a:rPr lang="en-US" dirty="0"/>
-              <a:t> -s rage2:4222 pub </a:t>
-            </a:r>
-            <a:r>
-              <a:rPr lang="en-US" dirty="0" err="1"/>
-              <a:t>purge.files.request</a:t>
-            </a:r>
-            <a:r>
-              <a:rPr lang="en-US" dirty="0"/>
-              <a:t> --count 1 {\"path\": \"/</a:t>
-            </a:r>
-            <a:r>
-              <a:rPr lang="en-US" dirty="0" err="1"/>
-              <a:t>lustre</a:t>
-            </a:r>
-            <a:r>
-              <a:rPr lang="en-US" dirty="0"/>
+              <a:rPr lang="en-US" dirty="0">
+                <a:latin typeface="Courier New" panose="02070309020205020404" pitchFamily="49" charset="0"/>
+                <a:cs typeface="Courier New" panose="02070309020205020404" pitchFamily="49" charset="0"/>
+              </a:rPr>
               <a:t>/</a:t>
             </a:r>
             <a:r>
-              <a:rPr lang="en-US" dirty="0" err="1"/>
-              <a:t>crius</a:t>
-            </a:r>
-            <a:r>
-              <a:rPr lang="en-US" dirty="0"/>
-              <a:t>/</a:t>
-            </a:r>
-            <a:r>
-              <a:rPr lang="en-US" dirty="0" err="1"/>
+              <a:rPr lang="en-US" dirty="0" err="1">
+                <a:latin typeface="Courier New" panose="02070309020205020404" pitchFamily="49" charset="0"/>
+                <a:cs typeface="Courier New" panose="02070309020205020404" pitchFamily="49" charset="0"/>
+              </a:rPr>
               <a:t>purgeagenttests.ketan</a:t>
             </a:r>
             <a:r>
-              <a:rPr lang="en-US" dirty="0"/>
+              <a:rPr lang="en-US" dirty="0">
+                <a:latin typeface="Courier New" panose="02070309020205020404" pitchFamily="49" charset="0"/>
+                <a:cs typeface="Courier New" panose="02070309020205020404" pitchFamily="49" charset="0"/>
+              </a:rPr>
               <a:t>/{1}/file.{2}\"}" ::: {0..63} ::: {1..3000}</a:t>
             </a:r>
           </a:p>
@@ -15233,10 +15283,208 @@
       </p:grpSpPr>
       <p:sp>
         <p:nvSpPr>
+          <p:cNvPr id="2" name="Title 1">
+            <a:extLst>
+              <a:ext uri="{FF2B5EF4-FFF2-40B4-BE49-F238E27FC236}">
+                <a16:creationId xmlns:a16="http://schemas.microsoft.com/office/drawing/2014/main" id="{96C8C7D0-E526-3A4D-7C4F-5AD50D96E808}"/>
+              </a:ext>
+            </a:extLst>
+          </p:cNvPr>
+          <p:cNvSpPr>
+            <a:spLocks noGrp="1"/>
+          </p:cNvSpPr>
+          <p:nvPr>
+            <p:ph type="title"/>
+          </p:nvPr>
+        </p:nvSpPr>
+        <p:spPr/>
+        <p:txBody>
+          <a:bodyPr/>
+          <a:lstStyle/>
+          <a:p>
+            <a:pPr algn="ctr"/>
+            <a:r>
+              <a:rPr lang="en-US" dirty="0">
+                <a:latin typeface="National Park " pitchFamily="2" charset="77"/>
+              </a:rPr>
+              <a:t>Parallel Data Transfer with </a:t>
+            </a:r>
+            <a:r>
+              <a:rPr lang="en-US" dirty="0" err="1">
+                <a:latin typeface="National Park " pitchFamily="2" charset="77"/>
+              </a:rPr>
+              <a:t>rsync</a:t>
+            </a:r>
+            <a:endParaRPr lang="en-US" dirty="0">
+              <a:latin typeface="National Park " pitchFamily="2" charset="77"/>
+            </a:endParaRPr>
+          </a:p>
+        </p:txBody>
+      </p:sp>
+      <p:sp>
+        <p:nvSpPr>
+          <p:cNvPr id="3" name="Content Placeholder 2">
+            <a:extLst>
+              <a:ext uri="{FF2B5EF4-FFF2-40B4-BE49-F238E27FC236}">
+                <a16:creationId xmlns:a16="http://schemas.microsoft.com/office/drawing/2014/main" id="{74A59ADE-B4E6-3622-5560-5D362D7EB47F}"/>
+              </a:ext>
+            </a:extLst>
+          </p:cNvPr>
+          <p:cNvSpPr>
+            <a:spLocks noGrp="1"/>
+          </p:cNvSpPr>
+          <p:nvPr>
+            <p:ph idx="1"/>
+          </p:nvPr>
+        </p:nvSpPr>
+        <p:spPr/>
+        <p:txBody>
+          <a:bodyPr>
+            <a:normAutofit/>
+          </a:bodyPr>
+          <a:lstStyle/>
+          <a:p>
+            <a:r>
+              <a:rPr lang="en-US" dirty="0"/>
+              <a:t>Using </a:t>
+            </a:r>
+            <a:r>
+              <a:rPr lang="en-US" dirty="0" err="1"/>
+              <a:t>rsync</a:t>
+            </a:r>
+            <a:r>
+              <a:rPr lang="en-US" dirty="0"/>
+              <a:t> in parallel to transfer data:</a:t>
+            </a:r>
+            <a:br>
+              <a:rPr lang="en-US" dirty="0"/>
+            </a:br>
+            <a:br>
+              <a:rPr lang="en-US" dirty="0"/>
+            </a:br>
+            <a:r>
+              <a:rPr lang="en-US" sz="2400" dirty="0">
+                <a:latin typeface="Courier New" panose="02070309020205020404" pitchFamily="49" charset="0"/>
+                <a:cs typeface="Courier New" panose="02070309020205020404" pitchFamily="49" charset="0"/>
+              </a:rPr>
+              <a:t>find /</a:t>
+            </a:r>
+            <a:r>
+              <a:rPr lang="en-US" sz="2400" dirty="0" err="1">
+                <a:latin typeface="Courier New" panose="02070309020205020404" pitchFamily="49" charset="0"/>
+                <a:cs typeface="Courier New" panose="02070309020205020404" pitchFamily="49" charset="0"/>
+              </a:rPr>
+              <a:t>lustre</a:t>
+            </a:r>
+            <a:r>
+              <a:rPr lang="en-US" sz="2400" dirty="0">
+                <a:latin typeface="Courier New" panose="02070309020205020404" pitchFamily="49" charset="0"/>
+                <a:cs typeface="Courier New" panose="02070309020205020404" pitchFamily="49" charset="0"/>
+              </a:rPr>
+              <a:t>/</a:t>
+            </a:r>
+            <a:r>
+              <a:rPr lang="en-US" sz="2400" dirty="0" err="1">
+                <a:latin typeface="Courier New" panose="02070309020205020404" pitchFamily="49" charset="0"/>
+                <a:cs typeface="Courier New" panose="02070309020205020404" pitchFamily="49" charset="0"/>
+              </a:rPr>
+              <a:t>orion</a:t>
+            </a:r>
+            <a:r>
+              <a:rPr lang="en-US" sz="2400" dirty="0">
+                <a:latin typeface="Courier New" panose="02070309020205020404" pitchFamily="49" charset="0"/>
+                <a:cs typeface="Courier New" panose="02070309020205020404" pitchFamily="49" charset="0"/>
+              </a:rPr>
+              <a:t>/</a:t>
+            </a:r>
+            <a:r>
+              <a:rPr lang="en-US" sz="2400" dirty="0" err="1">
+                <a:latin typeface="Courier New" panose="02070309020205020404" pitchFamily="49" charset="0"/>
+                <a:cs typeface="Courier New" panose="02070309020205020404" pitchFamily="49" charset="0"/>
+              </a:rPr>
+              <a:t>projshared</a:t>
+            </a:r>
+            <a:r>
+              <a:rPr lang="en-US" sz="2400" dirty="0">
+                <a:latin typeface="Courier New" panose="02070309020205020404" pitchFamily="49" charset="0"/>
+                <a:cs typeface="Courier New" panose="02070309020205020404" pitchFamily="49" charset="0"/>
+              </a:rPr>
+              <a:t>/staff/2022 -type f </a:t>
+            </a:r>
+            <a:r>
+              <a:rPr lang="en-US" sz="2400" b="1" dirty="0">
+                <a:latin typeface="Courier New" panose="02070309020205020404" pitchFamily="49" charset="0"/>
+                <a:cs typeface="Courier New" panose="02070309020205020404" pitchFamily="49" charset="0"/>
+              </a:rPr>
+              <a:t>|</a:t>
+            </a:r>
+            <a:r>
+              <a:rPr lang="en-US" sz="2400" dirty="0">
+                <a:latin typeface="Courier New" panose="02070309020205020404" pitchFamily="49" charset="0"/>
+                <a:cs typeface="Courier New" panose="02070309020205020404" pitchFamily="49" charset="0"/>
+              </a:rPr>
+              <a:t> </a:t>
+            </a:r>
+            <a:br>
+              <a:rPr lang="en-US" sz="2400" dirty="0">
+                <a:latin typeface="Courier New" panose="02070309020205020404" pitchFamily="49" charset="0"/>
+                <a:cs typeface="Courier New" panose="02070309020205020404" pitchFamily="49" charset="0"/>
+              </a:rPr>
+            </a:br>
+            <a:r>
+              <a:rPr lang="en-US" sz="2400" b="1" dirty="0">
+                <a:latin typeface="Courier New" panose="02070309020205020404" pitchFamily="49" charset="0"/>
+                <a:cs typeface="Courier New" panose="02070309020205020404" pitchFamily="49" charset="0"/>
+              </a:rPr>
+              <a:t>parallel -j32 </a:t>
+            </a:r>
+            <a:r>
+              <a:rPr lang="en-US" sz="2400" dirty="0">
+                <a:latin typeface="Courier New" panose="02070309020205020404" pitchFamily="49" charset="0"/>
+                <a:cs typeface="Courier New" panose="02070309020205020404" pitchFamily="49" charset="0"/>
+              </a:rPr>
+              <a:t>-X </a:t>
+            </a:r>
+            <a:r>
+              <a:rPr lang="en-US" sz="2400" b="1" dirty="0" err="1">
+                <a:latin typeface="Courier New" panose="02070309020205020404" pitchFamily="49" charset="0"/>
+                <a:cs typeface="Courier New" panose="02070309020205020404" pitchFamily="49" charset="0"/>
+              </a:rPr>
+              <a:t>rsync</a:t>
+            </a:r>
+            <a:r>
+              <a:rPr lang="en-US" sz="2400" dirty="0">
+                <a:latin typeface="Courier New" panose="02070309020205020404" pitchFamily="49" charset="0"/>
+                <a:cs typeface="Courier New" panose="02070309020205020404" pitchFamily="49" charset="0"/>
+              </a:rPr>
+              <a:t> -R -Ha {} /</a:t>
+            </a:r>
+            <a:r>
+              <a:rPr lang="en-US" sz="2400" dirty="0" err="1">
+                <a:latin typeface="Courier New" panose="02070309020205020404" pitchFamily="49" charset="0"/>
+                <a:cs typeface="Courier New" panose="02070309020205020404" pitchFamily="49" charset="0"/>
+              </a:rPr>
+              <a:t>mnt</a:t>
+            </a:r>
+            <a:r>
+              <a:rPr lang="en-US" sz="2400" dirty="0">
+                <a:latin typeface="Courier New" panose="02070309020205020404" pitchFamily="49" charset="0"/>
+                <a:cs typeface="Courier New" panose="02070309020205020404" pitchFamily="49" charset="0"/>
+              </a:rPr>
+              <a:t>/bb/ketan2/ </a:t>
+            </a:r>
+          </a:p>
+          <a:p>
+            <a:endParaRPr lang="en-US" dirty="0"/>
+          </a:p>
+        </p:txBody>
+      </p:sp>
+      <p:sp>
+        <p:nvSpPr>
           <p:cNvPr id="4" name="Slide Number Placeholder 3">
             <a:extLst>
               <a:ext uri="{FF2B5EF4-FFF2-40B4-BE49-F238E27FC236}">
-                <a16:creationId xmlns:a16="http://schemas.microsoft.com/office/drawing/2014/main" id="{3D76030C-8C09-78B5-A4A1-A927DE33DB91}"/>
+                <a16:creationId xmlns:a16="http://schemas.microsoft.com/office/drawing/2014/main" id="{C0EE3985-C8B4-A3A8-193C-8744D0A828B6}"/>
               </a:ext>
             </a:extLst>
           </p:cNvPr>
@@ -15260,40 +15508,10 @@
           </a:p>
         </p:txBody>
       </p:sp>
-      <p:pic>
-        <p:nvPicPr>
-          <p:cNvPr id="5" name="Picture 4">
-            <a:extLst>
-              <a:ext uri="{FF2B5EF4-FFF2-40B4-BE49-F238E27FC236}">
-                <a16:creationId xmlns:a16="http://schemas.microsoft.com/office/drawing/2014/main" id="{853B73C5-E45D-78AF-6768-8E5FBC43EC40}"/>
-              </a:ext>
-            </a:extLst>
-          </p:cNvPr>
-          <p:cNvPicPr>
-            <a:picLocks noChangeAspect="1"/>
-          </p:cNvPicPr>
-          <p:nvPr/>
-        </p:nvPicPr>
-        <p:blipFill>
-          <a:blip r:embed="rId3"/>
-          <a:stretch>
-            <a:fillRect/>
-          </a:stretch>
-        </p:blipFill>
-        <p:spPr>
-          <a:xfrm>
-            <a:off x="685800" y="1100720"/>
-            <a:ext cx="7772400" cy="2942060"/>
-          </a:xfrm>
-          <a:prstGeom prst="rect">
-            <a:avLst/>
-          </a:prstGeom>
-        </p:spPr>
-      </p:pic>
     </p:spTree>
     <p:extLst>
       <p:ext uri="{BB962C8B-B14F-4D97-AF65-F5344CB8AC3E}">
-        <p14:creationId xmlns:p14="http://schemas.microsoft.com/office/powerpoint/2010/main" val="3830072192"/>
+        <p14:creationId xmlns:p14="http://schemas.microsoft.com/office/powerpoint/2010/main" val="1107554469"/>
       </p:ext>
     </p:extLst>
   </p:cSld>
@@ -15325,7 +15543,7 @@
           <p:cNvPr id="2" name="Title 1">
             <a:extLst>
               <a:ext uri="{FF2B5EF4-FFF2-40B4-BE49-F238E27FC236}">
-                <a16:creationId xmlns:a16="http://schemas.microsoft.com/office/drawing/2014/main" id="{96C8C7D0-E526-3A4D-7C4F-5AD50D96E808}"/>
+                <a16:creationId xmlns:a16="http://schemas.microsoft.com/office/drawing/2014/main" id="{E722AA52-7300-7323-D8A6-502EE1601C9A}"/>
               </a:ext>
             </a:extLst>
           </p:cNvPr>
@@ -15346,7 +15564,31 @@
               <a:rPr lang="en-US" dirty="0">
                 <a:latin typeface="National Park " pitchFamily="2" charset="77"/>
               </a:rPr>
-              <a:t>The Pipe Mode to Process Large Data I</a:t>
+              <a:t>For </a:t>
+            </a:r>
+            <a:r>
+              <a:rPr lang="en-US" dirty="0" err="1">
+                <a:latin typeface="National Park " pitchFamily="2" charset="77"/>
+              </a:rPr>
+              <a:t>Largefiles</a:t>
+            </a:r>
+            <a:r>
+              <a:rPr lang="en-US" dirty="0">
+                <a:latin typeface="National Park " pitchFamily="2" charset="77"/>
+              </a:rPr>
+              <a:t>: split - parallel </a:t>
+            </a:r>
+            <a:r>
+              <a:rPr lang="en-US" dirty="0" err="1">
+                <a:latin typeface="National Park " pitchFamily="2" charset="77"/>
+              </a:rPr>
+              <a:t>rsync</a:t>
+            </a:r>
+            <a:r>
+              <a:rPr lang="en-US" dirty="0">
+                <a:latin typeface="National Park " pitchFamily="2" charset="77"/>
+              </a:rPr>
+              <a:t> - join</a:t>
             </a:r>
           </a:p>
         </p:txBody>
@@ -15356,7 +15598,7 @@
           <p:cNvPr id="3" name="Content Placeholder 2">
             <a:extLst>
               <a:ext uri="{FF2B5EF4-FFF2-40B4-BE49-F238E27FC236}">
-                <a16:creationId xmlns:a16="http://schemas.microsoft.com/office/drawing/2014/main" id="{74A59ADE-B4E6-3622-5560-5D362D7EB47F}"/>
+                <a16:creationId xmlns:a16="http://schemas.microsoft.com/office/drawing/2014/main" id="{B418AEE8-D4B0-9140-077C-EE70806E5FAF}"/>
               </a:ext>
             </a:extLst>
           </p:cNvPr>
@@ -15369,123 +15611,162 @@
         </p:nvSpPr>
         <p:spPr/>
         <p:txBody>
-          <a:bodyPr>
-            <a:normAutofit/>
-          </a:bodyPr>
-          <a:lstStyle/>
-          <a:p>
-            <a:r>
-              <a:rPr lang="en-US" dirty="0"/>
-              <a:t>When data is send over a Linux pipe to parallel command, it is treated as </a:t>
-            </a:r>
-            <a:r>
-              <a:rPr lang="en-US" b="1" dirty="0"/>
-              <a:t>arguments</a:t>
-            </a:r>
-            <a:r>
-              <a:rPr lang="en-US" dirty="0"/>
-              <a:t> for command to run:</a:t>
-            </a:r>
-            <a:br>
-              <a:rPr lang="en-US" dirty="0"/>
-            </a:br>
-            <a:r>
-              <a:rPr lang="en-US" dirty="0"/>
-              <a:t>cat </a:t>
-            </a:r>
-            <a:r>
-              <a:rPr lang="en-US" dirty="0" err="1"/>
-              <a:t>data.txt</a:t>
-            </a:r>
-            <a:r>
-              <a:rPr lang="en-US" dirty="0"/>
-              <a:t> | parallel echo</a:t>
-            </a:r>
-          </a:p>
-          <a:p>
-            <a:r>
-              <a:rPr lang="en-US" dirty="0"/>
-              <a:t>In the pipe mode, the data is delivered to the parallel command as </a:t>
-            </a:r>
-            <a:r>
-              <a:rPr lang="en-US" b="1" dirty="0"/>
-              <a:t>stdin:</a:t>
-            </a:r>
-            <a:br>
-              <a:rPr lang="en-US" b="1" dirty="0"/>
-            </a:br>
-            <a:r>
-              <a:rPr lang="en-US" dirty="0"/>
-              <a:t>cat </a:t>
-            </a:r>
-            <a:r>
-              <a:rPr lang="en-US" dirty="0" err="1"/>
-              <a:t>data.txt</a:t>
-            </a:r>
-            <a:r>
-              <a:rPr lang="en-US" dirty="0"/>
-              <a:t> | parallel --pipe </a:t>
-            </a:r>
-            <a:r>
-              <a:rPr lang="en-US" dirty="0" err="1"/>
-              <a:t>wc</a:t>
-            </a:r>
-            <a:r>
-              <a:rPr lang="en-US" dirty="0"/>
-              <a:t> -l</a:t>
-            </a:r>
-          </a:p>
-          <a:p>
-            <a:r>
-              <a:rPr lang="en-US" dirty="0"/>
-              <a:t>The “--pipe” input may be controlled for block-size / number of lines and number of jobs:</a:t>
-            </a:r>
-            <a:br>
-              <a:rPr lang="en-US" dirty="0"/>
-            </a:br>
-            <a:r>
-              <a:rPr lang="en-US" dirty="0"/>
-              <a:t>cat </a:t>
-            </a:r>
-            <a:r>
-              <a:rPr lang="en-US" dirty="0" err="1"/>
-              <a:t>data.txt</a:t>
-            </a:r>
-            <a:r>
-              <a:rPr lang="en-US" dirty="0"/>
-              <a:t> | parallel --pipe --block 2M -j4 --round-robin </a:t>
-            </a:r>
-            <a:r>
-              <a:rPr lang="en-US" dirty="0" err="1"/>
-              <a:t>wc</a:t>
-            </a:r>
-            <a:r>
-              <a:rPr lang="en-US" dirty="0"/>
-              <a:t> -l</a:t>
-            </a:r>
-            <a:br>
-              <a:rPr lang="en-US" dirty="0"/>
-            </a:br>
-            <a:r>
-              <a:rPr lang="en-US" dirty="0"/>
-              <a:t>cat </a:t>
-            </a:r>
-            <a:r>
-              <a:rPr lang="en-US" dirty="0" err="1"/>
-              <a:t>data.txt</a:t>
-            </a:r>
-            <a:r>
-              <a:rPr lang="en-US" dirty="0"/>
-              <a:t> | parallel --pipe -N 12000 -j4 --round-robin </a:t>
-            </a:r>
-            <a:r>
-              <a:rPr lang="en-US" dirty="0" err="1"/>
-              <a:t>wc</a:t>
-            </a:r>
-            <a:r>
-              <a:rPr lang="en-US" dirty="0"/>
-              <a:t> -l</a:t>
-            </a:r>
+          <a:bodyPr anchor="ctr"/>
+          <a:lstStyle/>
+          <a:p>
+            <a:pPr marL="0" indent="0">
+              <a:buNone/>
+            </a:pPr>
+            <a:r>
+              <a:rPr lang="en-US" dirty="0">
+                <a:cs typeface="Courier New" panose="02070309020205020404" pitchFamily="49" charset="0"/>
+              </a:rPr>
+              <a:t>step1:</a:t>
+            </a:r>
+            <a:r>
+              <a:rPr lang="en-US" dirty="0">
+                <a:latin typeface="Courier New" panose="02070309020205020404" pitchFamily="49" charset="0"/>
+                <a:cs typeface="Courier New" panose="02070309020205020404" pitchFamily="49" charset="0"/>
+              </a:rPr>
+              <a:t> split -n32 </a:t>
+            </a:r>
+            <a:r>
+              <a:rPr lang="en-US" dirty="0" err="1">
+                <a:latin typeface="Courier New" panose="02070309020205020404" pitchFamily="49" charset="0"/>
+                <a:cs typeface="Courier New" panose="02070309020205020404" pitchFamily="49" charset="0"/>
+              </a:rPr>
+              <a:t>largefile</a:t>
+            </a:r>
+            <a:endParaRPr lang="en-US" dirty="0">
+              <a:latin typeface="Courier New" panose="02070309020205020404" pitchFamily="49" charset="0"/>
+              <a:cs typeface="Courier New" panose="02070309020205020404" pitchFamily="49" charset="0"/>
+            </a:endParaRPr>
+          </a:p>
+          <a:p>
+            <a:pPr marL="0" indent="0">
+              <a:buNone/>
+            </a:pPr>
+            <a:r>
+              <a:rPr lang="en-US" dirty="0">
+                <a:cs typeface="Courier New" panose="02070309020205020404" pitchFamily="49" charset="0"/>
+              </a:rPr>
+              <a:t>step2:</a:t>
+            </a:r>
+            <a:r>
+              <a:rPr lang="en-US" dirty="0">
+                <a:latin typeface="Courier New" panose="02070309020205020404" pitchFamily="49" charset="0"/>
+                <a:cs typeface="Courier New" panose="02070309020205020404" pitchFamily="49" charset="0"/>
+              </a:rPr>
+              <a:t> parallel -j32 -X </a:t>
+            </a:r>
+            <a:r>
+              <a:rPr lang="en-US" dirty="0" err="1">
+                <a:latin typeface="Courier New" panose="02070309020205020404" pitchFamily="49" charset="0"/>
+                <a:cs typeface="Courier New" panose="02070309020205020404" pitchFamily="49" charset="0"/>
+              </a:rPr>
+              <a:t>rsync</a:t>
+            </a:r>
+            <a:r>
+              <a:rPr lang="en-US" dirty="0">
+                <a:latin typeface="Courier New" panose="02070309020205020404" pitchFamily="49" charset="0"/>
+                <a:cs typeface="Courier New" panose="02070309020205020404" pitchFamily="49" charset="0"/>
+              </a:rPr>
+              <a:t> --remove-source-files -Ha ./{} /</a:t>
+            </a:r>
+            <a:r>
+              <a:rPr lang="en-US" dirty="0" err="1">
+                <a:latin typeface="Courier New" panose="02070309020205020404" pitchFamily="49" charset="0"/>
+                <a:cs typeface="Courier New" panose="02070309020205020404" pitchFamily="49" charset="0"/>
+              </a:rPr>
+              <a:t>dest</a:t>
+            </a:r>
+            <a:r>
+              <a:rPr lang="en-US" dirty="0">
+                <a:latin typeface="Courier New" panose="02070309020205020404" pitchFamily="49" charset="0"/>
+                <a:cs typeface="Courier New" panose="02070309020205020404" pitchFamily="49" charset="0"/>
+              </a:rPr>
+              <a:t>/ ::: x*</a:t>
+            </a:r>
+          </a:p>
+          <a:p>
+            <a:pPr marL="0" indent="0">
+              <a:buNone/>
+            </a:pPr>
+            <a:r>
+              <a:rPr lang="en-US" dirty="0">
+                <a:cs typeface="Courier New" panose="02070309020205020404" pitchFamily="49" charset="0"/>
+              </a:rPr>
+              <a:t>step3:</a:t>
+            </a:r>
+            <a:r>
+              <a:rPr lang="en-US" dirty="0">
+                <a:latin typeface="Courier New" panose="02070309020205020404" pitchFamily="49" charset="0"/>
+                <a:cs typeface="Courier New" panose="02070309020205020404" pitchFamily="49" charset="0"/>
+              </a:rPr>
+              <a:t> cat /</a:t>
+            </a:r>
+            <a:r>
+              <a:rPr lang="en-US" dirty="0" err="1">
+                <a:latin typeface="Courier New" panose="02070309020205020404" pitchFamily="49" charset="0"/>
+                <a:cs typeface="Courier New" panose="02070309020205020404" pitchFamily="49" charset="0"/>
+              </a:rPr>
+              <a:t>dest</a:t>
+            </a:r>
+            <a:r>
+              <a:rPr lang="en-US" dirty="0">
+                <a:latin typeface="Courier New" panose="02070309020205020404" pitchFamily="49" charset="0"/>
+                <a:cs typeface="Courier New" panose="02070309020205020404" pitchFamily="49" charset="0"/>
+              </a:rPr>
+              <a:t>/x* &gt; /</a:t>
+            </a:r>
+            <a:r>
+              <a:rPr lang="en-US" dirty="0" err="1">
+                <a:latin typeface="Courier New" panose="02070309020205020404" pitchFamily="49" charset="0"/>
+                <a:cs typeface="Courier New" panose="02070309020205020404" pitchFamily="49" charset="0"/>
+              </a:rPr>
+              <a:t>dest</a:t>
+            </a:r>
+            <a:r>
+              <a:rPr lang="en-US" dirty="0">
+                <a:latin typeface="Courier New" panose="02070309020205020404" pitchFamily="49" charset="0"/>
+                <a:cs typeface="Courier New" panose="02070309020205020404" pitchFamily="49" charset="0"/>
+              </a:rPr>
+              <a:t>/</a:t>
+            </a:r>
+            <a:r>
+              <a:rPr lang="en-US" dirty="0" err="1">
+                <a:latin typeface="Courier New" panose="02070309020205020404" pitchFamily="49" charset="0"/>
+                <a:cs typeface="Courier New" panose="02070309020205020404" pitchFamily="49" charset="0"/>
+              </a:rPr>
+              <a:t>largefile</a:t>
+            </a:r>
+            <a:r>
+              <a:rPr lang="en-US" dirty="0">
+                <a:latin typeface="Courier New" panose="02070309020205020404" pitchFamily="49" charset="0"/>
+                <a:cs typeface="Courier New" panose="02070309020205020404" pitchFamily="49" charset="0"/>
+              </a:rPr>
+              <a:t> &amp;&amp; rm -f /</a:t>
+            </a:r>
+            <a:r>
+              <a:rPr lang="en-US" dirty="0" err="1">
+                <a:latin typeface="Courier New" panose="02070309020205020404" pitchFamily="49" charset="0"/>
+                <a:cs typeface="Courier New" panose="02070309020205020404" pitchFamily="49" charset="0"/>
+              </a:rPr>
+              <a:t>dest</a:t>
+            </a:r>
+            <a:r>
+              <a:rPr lang="en-US" dirty="0">
+                <a:latin typeface="Courier New" panose="02070309020205020404" pitchFamily="49" charset="0"/>
+                <a:cs typeface="Courier New" panose="02070309020205020404" pitchFamily="49" charset="0"/>
+              </a:rPr>
+              <a:t>/x*</a:t>
+            </a:r>
+          </a:p>
+          <a:p>
+            <a:pPr marL="0" indent="0">
+              <a:buNone/>
+            </a:pPr>
+            <a:endParaRPr lang="en-US" dirty="0"/>
           </a:p>
         </p:txBody>
       </p:sp>
@@ -15494,7 +15775,7 @@
           <p:cNvPr id="4" name="Slide Number Placeholder 3">
             <a:extLst>
               <a:ext uri="{FF2B5EF4-FFF2-40B4-BE49-F238E27FC236}">
-                <a16:creationId xmlns:a16="http://schemas.microsoft.com/office/drawing/2014/main" id="{C0EE3985-C8B4-A3A8-193C-8744D0A828B6}"/>
+                <a16:creationId xmlns:a16="http://schemas.microsoft.com/office/drawing/2014/main" id="{A0B1FBEF-9DAC-ACAA-EB3C-32BE3BE696F8}"/>
               </a:ext>
             </a:extLst>
           </p:cNvPr>
@@ -15521,7 +15802,7 @@
     </p:spTree>
     <p:extLst>
       <p:ext uri="{BB962C8B-B14F-4D97-AF65-F5344CB8AC3E}">
-        <p14:creationId xmlns:p14="http://schemas.microsoft.com/office/powerpoint/2010/main" val="1107554469"/>
+        <p14:creationId xmlns:p14="http://schemas.microsoft.com/office/powerpoint/2010/main" val="1311948061"/>
       </p:ext>
     </p:extLst>
   </p:cSld>
@@ -15550,13 +15831,7 @@
       </p:grpSpPr>
       <p:sp>
         <p:nvSpPr>
-          <p:cNvPr id="2" name="Title 1">
-            <a:extLst>
-              <a:ext uri="{FF2B5EF4-FFF2-40B4-BE49-F238E27FC236}">
-                <a16:creationId xmlns:a16="http://schemas.microsoft.com/office/drawing/2014/main" id="{E1AACEE2-8BD4-296D-0BE0-EBADBAFF23B3}"/>
-              </a:ext>
-            </a:extLst>
-          </p:cNvPr>
+          <p:cNvPr id="2" name="Title 1"/>
           <p:cNvSpPr>
             <a:spLocks noGrp="1"/>
           </p:cNvSpPr>
@@ -15564,153 +15839,95 @@
             <p:ph type="title"/>
           </p:nvPr>
         </p:nvSpPr>
+        <p:spPr>
+          <a:xfrm>
+            <a:off x="628650" y="1577578"/>
+            <a:ext cx="7886700" cy="994172"/>
+          </a:xfrm>
+        </p:spPr>
+        <p:txBody>
+          <a:bodyPr/>
+          <a:lstStyle/>
+          <a:p>
+            <a:pPr algn="ctr"/>
+            <a:r>
+              <a:rPr lang="en-US" dirty="0">
+                <a:latin typeface="National Park " pitchFamily="2" charset="77"/>
+              </a:rPr>
+              <a:t>Part 5: HPC and GNU Parallel</a:t>
+            </a:r>
+            <a:endParaRPr lang="en-US" i="1" dirty="0">
+              <a:latin typeface="National Park Medium" pitchFamily="2" charset="77"/>
+            </a:endParaRPr>
+          </a:p>
+        </p:txBody>
+      </p:sp>
+      <p:sp>
+        <p:nvSpPr>
+          <p:cNvPr id="4" name="Slide Number Placeholder 3"/>
+          <p:cNvSpPr>
+            <a:spLocks noGrp="1"/>
+          </p:cNvSpPr>
+          <p:nvPr>
+            <p:ph type="sldNum" sz="quarter" idx="12"/>
+          </p:nvPr>
+        </p:nvSpPr>
         <p:spPr/>
         <p:txBody>
           <a:bodyPr/>
           <a:lstStyle/>
           <a:p>
-            <a:pPr algn="ctr"/>
-            <a:r>
-              <a:rPr lang="en-US" dirty="0">
+            <a:fld id="{4E3AEE2C-3A74-8643-B4A2-442777B583A3}" type="slidenum">
+              <a:rPr lang="en-US" smtClean="0">
                 <a:latin typeface="National Park " pitchFamily="2" charset="77"/>
               </a:rPr>
-              <a:t>The Pipe Mode to Process Large Data II</a:t>
-            </a:r>
-          </a:p>
-        </p:txBody>
-      </p:sp>
-      <p:sp>
-        <p:nvSpPr>
-          <p:cNvPr id="3" name="Content Placeholder 2">
-            <a:extLst>
-              <a:ext uri="{FF2B5EF4-FFF2-40B4-BE49-F238E27FC236}">
-                <a16:creationId xmlns:a16="http://schemas.microsoft.com/office/drawing/2014/main" id="{D9EF6FCA-5470-DEED-7016-F6C08A6F7B00}"/>
-              </a:ext>
-            </a:extLst>
-          </p:cNvPr>
-          <p:cNvSpPr>
-            <a:spLocks noGrp="1"/>
-          </p:cNvSpPr>
-          <p:nvPr>
-            <p:ph idx="1"/>
-          </p:nvPr>
-        </p:nvSpPr>
-        <p:spPr/>
-        <p:txBody>
-          <a:bodyPr>
-            <a:normAutofit lnSpcReduction="10000"/>
-          </a:bodyPr>
-          <a:lstStyle/>
-          <a:p>
-            <a:r>
-              <a:rPr lang="en-US" dirty="0"/>
-              <a:t>--</a:t>
-            </a:r>
-            <a:r>
-              <a:rPr lang="en-US" dirty="0" err="1"/>
-              <a:t>pipepart</a:t>
-            </a:r>
-            <a:r>
-              <a:rPr lang="en-US" dirty="0"/>
-              <a:t> </a:t>
-            </a:r>
-            <a:br>
-              <a:rPr lang="en-US" dirty="0"/>
-            </a:br>
-            <a:r>
-              <a:rPr lang="en-US" dirty="0"/>
-              <a:t>may be used when using large data. Same as pipe but faster, has a few limitations</a:t>
-            </a:r>
-          </a:p>
-          <a:p>
-            <a:r>
-              <a:rPr lang="en-US" dirty="0"/>
-              <a:t>--line-buffer</a:t>
-            </a:r>
-          </a:p>
-          <a:p>
-            <a:r>
-              <a:rPr lang="en-US" dirty="0"/>
-              <a:t>--</a:t>
-            </a:r>
-            <a:r>
-              <a:rPr lang="en-US" dirty="0" err="1"/>
-              <a:t>recend</a:t>
-            </a:r>
-            <a:endParaRPr lang="en-US" dirty="0"/>
-          </a:p>
-          <a:p>
-            <a:r>
-              <a:rPr lang="en-US" dirty="0"/>
-              <a:t>--group</a:t>
-            </a:r>
-          </a:p>
-          <a:p>
-            <a:r>
-              <a:rPr lang="en-US" dirty="0"/>
-              <a:t>--ungroup / -u</a:t>
-            </a:r>
-          </a:p>
-          <a:p>
-            <a:endParaRPr lang="en-US" dirty="0"/>
-          </a:p>
-          <a:p>
-            <a:r>
-              <a:rPr lang="en-US" dirty="0"/>
-              <a:t>Example: https://</a:t>
-            </a:r>
-            <a:r>
-              <a:rPr lang="en-US" dirty="0" err="1"/>
-              <a:t>thenybble.de</a:t>
-            </a:r>
-            <a:r>
-              <a:rPr lang="en-US" dirty="0"/>
-              <a:t>/posts/</a:t>
-            </a:r>
-            <a:r>
-              <a:rPr lang="en-US" dirty="0" err="1"/>
-              <a:t>json</a:t>
-            </a:r>
-            <a:r>
-              <a:rPr lang="en-US" dirty="0"/>
-              <a:t>-analysis/</a:t>
-            </a:r>
-          </a:p>
-        </p:txBody>
-      </p:sp>
-      <p:sp>
-        <p:nvSpPr>
-          <p:cNvPr id="4" name="Slide Number Placeholder 3">
-            <a:extLst>
-              <a:ext uri="{FF2B5EF4-FFF2-40B4-BE49-F238E27FC236}">
-                <a16:creationId xmlns:a16="http://schemas.microsoft.com/office/drawing/2014/main" id="{8A67F9CE-6E67-4717-1561-BEC877EBF254}"/>
-              </a:ext>
-            </a:extLst>
-          </p:cNvPr>
-          <p:cNvSpPr>
-            <a:spLocks noGrp="1"/>
-          </p:cNvSpPr>
-          <p:nvPr>
-            <p:ph type="sldNum" sz="quarter" idx="12"/>
-          </p:nvPr>
-        </p:nvSpPr>
-        <p:spPr/>
-        <p:txBody>
-          <a:bodyPr/>
-          <a:lstStyle/>
-          <a:p>
-            <a:fld id="{4E3AEE2C-3A74-8643-B4A2-442777B583A3}" type="slidenum">
-              <a:rPr lang="en-US" smtClean="0"/>
               <a:t>42</a:t>
             </a:fld>
-            <a:endParaRPr lang="en-US"/>
+            <a:endParaRPr lang="en-US">
+              <a:latin typeface="National Park " pitchFamily="2" charset="77"/>
+            </a:endParaRPr>
+          </a:p>
+        </p:txBody>
+      </p:sp>
+      <p:sp>
+        <p:nvSpPr>
+          <p:cNvPr id="5" name="TextBox 4"/>
+          <p:cNvSpPr txBox="1"/>
+          <p:nvPr/>
+        </p:nvSpPr>
+        <p:spPr>
+          <a:xfrm>
+            <a:off x="7603274" y="4490264"/>
+            <a:ext cx="816249" cy="248209"/>
+          </a:xfrm>
+          <a:prstGeom prst="rect">
+            <a:avLst/>
+          </a:prstGeom>
+          <a:noFill/>
+        </p:spPr>
+        <p:txBody>
+          <a:bodyPr wrap="none" rtlCol="0">
+            <a:spAutoFit/>
+          </a:bodyPr>
+          <a:lstStyle/>
+          <a:p>
+            <a:r>
+              <a:rPr lang="en-US" sz="1013" dirty="0">
+                <a:latin typeface="National Park " pitchFamily="2" charset="77"/>
+                <a:hlinkClick r:id="rId2" action="ppaction://hlinksldjump"/>
+              </a:rPr>
+              <a:t>back to toc</a:t>
+            </a:r>
+            <a:endParaRPr lang="en-US" sz="1013" dirty="0">
+              <a:latin typeface="National Park " pitchFamily="2" charset="77"/>
+            </a:endParaRPr>
           </a:p>
         </p:txBody>
       </p:sp>
     </p:spTree>
     <p:extLst>
       <p:ext uri="{BB962C8B-B14F-4D97-AF65-F5344CB8AC3E}">
-        <p14:creationId xmlns:p14="http://schemas.microsoft.com/office/powerpoint/2010/main" val="3201653726"/>
+        <p14:creationId xmlns:p14="http://schemas.microsoft.com/office/powerpoint/2010/main" val="572159004"/>
       </p:ext>
     </p:extLst>
   </p:cSld>
@@ -15739,7 +15956,13 @@
       </p:grpSpPr>
       <p:sp>
         <p:nvSpPr>
-          <p:cNvPr id="2" name="Title 1"/>
+          <p:cNvPr id="2" name="Title 1">
+            <a:extLst>
+              <a:ext uri="{FF2B5EF4-FFF2-40B4-BE49-F238E27FC236}">
+                <a16:creationId xmlns:a16="http://schemas.microsoft.com/office/drawing/2014/main" id="{ADE14ED2-6D53-4404-EACF-98B7B8336DEC}"/>
+              </a:ext>
+            </a:extLst>
+          </p:cNvPr>
           <p:cNvSpPr>
             <a:spLocks noGrp="1"/>
           </p:cNvSpPr>
@@ -15747,12 +15970,7 @@
             <p:ph type="title"/>
           </p:nvPr>
         </p:nvSpPr>
-        <p:spPr>
-          <a:xfrm>
-            <a:off x="628650" y="1577578"/>
-            <a:ext cx="7886700" cy="994172"/>
-          </a:xfrm>
-        </p:spPr>
+        <p:spPr/>
         <p:txBody>
           <a:bodyPr/>
           <a:lstStyle/>
@@ -15762,17 +15980,109 @@
               <a:rPr lang="en-US" dirty="0">
                 <a:latin typeface="National Park " pitchFamily="2" charset="77"/>
               </a:rPr>
-              <a:t>Part 5: HPC and GNU Parallel</a:t>
-            </a:r>
-            <a:endParaRPr lang="en-US" i="1" dirty="0">
-              <a:latin typeface="National Park Medium" pitchFamily="2" charset="77"/>
-            </a:endParaRPr>
-          </a:p>
-        </p:txBody>
-      </p:sp>
-      <p:sp>
-        <p:nvSpPr>
-          <p:cNvPr id="4" name="Slide Number Placeholder 3"/>
+              <a:t>SLURM Workload Manager Review I</a:t>
+            </a:r>
+          </a:p>
+        </p:txBody>
+      </p:sp>
+      <p:sp>
+        <p:nvSpPr>
+          <p:cNvPr id="3" name="Content Placeholder 2">
+            <a:extLst>
+              <a:ext uri="{FF2B5EF4-FFF2-40B4-BE49-F238E27FC236}">
+                <a16:creationId xmlns:a16="http://schemas.microsoft.com/office/drawing/2014/main" id="{2CE75291-1258-5802-B5AB-F6CF7D882656}"/>
+              </a:ext>
+            </a:extLst>
+          </p:cNvPr>
+          <p:cNvSpPr>
+            <a:spLocks noGrp="1"/>
+          </p:cNvSpPr>
+          <p:nvPr>
+            <p:ph idx="1"/>
+          </p:nvPr>
+        </p:nvSpPr>
+        <p:spPr/>
+        <p:txBody>
+          <a:bodyPr>
+            <a:normAutofit fontScale="92500" lnSpcReduction="10000"/>
+          </a:bodyPr>
+          <a:lstStyle/>
+          <a:p>
+            <a:r>
+              <a:rPr lang="en-US" dirty="0" err="1"/>
+              <a:t>salloc</a:t>
+            </a:r>
+            <a:br>
+              <a:rPr lang="en-US" dirty="0"/>
+            </a:br>
+            <a:r>
+              <a:rPr lang="en-US" dirty="0"/>
+              <a:t>Obtain a job allocation.</a:t>
+            </a:r>
+          </a:p>
+          <a:p>
+            <a:r>
+              <a:rPr lang="en-US" dirty="0" err="1"/>
+              <a:t>sbatch</a:t>
+            </a:r>
+            <a:br>
+              <a:rPr lang="en-US" dirty="0"/>
+            </a:br>
+            <a:r>
+              <a:rPr lang="en-US" dirty="0"/>
+              <a:t>Submit a batch script for later execution.</a:t>
+            </a:r>
+          </a:p>
+          <a:p>
+            <a:r>
+              <a:rPr lang="en-US" dirty="0" err="1"/>
+              <a:t>srun</a:t>
+            </a:r>
+            <a:br>
+              <a:rPr lang="en-US" dirty="0"/>
+            </a:br>
+            <a:r>
+              <a:rPr lang="en-US" dirty="0"/>
+              <a:t>Obtain a job allocation (as needed) and execute an application. Option we will use: --wait=0 means do not terminate other tasks if one finishes</a:t>
+            </a:r>
+          </a:p>
+          <a:p>
+            <a:r>
+              <a:rPr lang="en-US" dirty="0" err="1"/>
+              <a:t>squeue</a:t>
+            </a:r>
+            <a:br>
+              <a:rPr lang="en-US" dirty="0"/>
+            </a:br>
+            <a:r>
+              <a:rPr lang="en-US" dirty="0"/>
+              <a:t>View information about jobs.</a:t>
+            </a:r>
+          </a:p>
+          <a:p>
+            <a:r>
+              <a:rPr lang="en-US" dirty="0" err="1"/>
+              <a:t>sinfo</a:t>
+            </a:r>
+            <a:br>
+              <a:rPr lang="en-US" dirty="0"/>
+            </a:br>
+            <a:r>
+              <a:rPr lang="en-US" dirty="0"/>
+              <a:t>View information about nodes and partitions.</a:t>
+            </a:r>
+          </a:p>
+        </p:txBody>
+      </p:sp>
+      <p:sp>
+        <p:nvSpPr>
+          <p:cNvPr id="4" name="Slide Number Placeholder 3">
+            <a:extLst>
+              <a:ext uri="{FF2B5EF4-FFF2-40B4-BE49-F238E27FC236}">
+                <a16:creationId xmlns:a16="http://schemas.microsoft.com/office/drawing/2014/main" id="{82B29A77-DDB8-463F-40A1-38C47963CFD6}"/>
+              </a:ext>
+            </a:extLst>
+          </p:cNvPr>
           <p:cNvSpPr>
             <a:spLocks noGrp="1"/>
           </p:cNvSpPr>
@@ -15786,56 +16096,17 @@
           <a:lstStyle/>
           <a:p>
             <a:fld id="{4E3AEE2C-3A74-8643-B4A2-442777B583A3}" type="slidenum">
-              <a:rPr lang="en-US" smtClean="0">
-                <a:latin typeface="National Park " pitchFamily="2" charset="77"/>
-              </a:rPr>
+              <a:rPr lang="en-US" smtClean="0"/>
               <a:t>43</a:t>
             </a:fld>
-            <a:endParaRPr lang="en-US">
-              <a:latin typeface="National Park " pitchFamily="2" charset="77"/>
-            </a:endParaRPr>
-          </a:p>
-        </p:txBody>
-      </p:sp>
-      <p:sp>
-        <p:nvSpPr>
-          <p:cNvPr id="5" name="TextBox 4"/>
-          <p:cNvSpPr txBox="1"/>
-          <p:nvPr/>
-        </p:nvSpPr>
-        <p:spPr>
-          <a:xfrm>
-            <a:off x="7603274" y="4490264"/>
-            <a:ext cx="816249" cy="248209"/>
-          </a:xfrm>
-          <a:prstGeom prst="rect">
-            <a:avLst/>
-          </a:prstGeom>
-          <a:noFill/>
-        </p:spPr>
-        <p:txBody>
-          <a:bodyPr wrap="none" rtlCol="0">
-            <a:spAutoFit/>
-          </a:bodyPr>
-          <a:lstStyle/>
-          <a:p>
-            <a:r>
-              <a:rPr lang="en-US" sz="1013" dirty="0">
-                <a:latin typeface="National Park " pitchFamily="2" charset="77"/>
-                <a:hlinkClick r:id="rId2" action="ppaction://hlinksldjump"/>
-              </a:rPr>
-              <a:t>back to toc</a:t>
-            </a:r>
-            <a:endParaRPr lang="en-US" sz="1013" dirty="0">
-              <a:latin typeface="National Park " pitchFamily="2" charset="77"/>
-            </a:endParaRPr>
+            <a:endParaRPr lang="en-US"/>
           </a:p>
         </p:txBody>
       </p:sp>
     </p:spTree>
     <p:extLst>
       <p:ext uri="{BB962C8B-B14F-4D97-AF65-F5344CB8AC3E}">
-        <p14:creationId xmlns:p14="http://schemas.microsoft.com/office/powerpoint/2010/main" val="572159004"/>
+        <p14:creationId xmlns:p14="http://schemas.microsoft.com/office/powerpoint/2010/main" val="540319942"/>
       </p:ext>
     </p:extLst>
   </p:cSld>
@@ -15867,7 +16138,7 @@
           <p:cNvPr id="2" name="Title 1">
             <a:extLst>
               <a:ext uri="{FF2B5EF4-FFF2-40B4-BE49-F238E27FC236}">
-                <a16:creationId xmlns:a16="http://schemas.microsoft.com/office/drawing/2014/main" id="{ADE14ED2-6D53-4404-EACF-98B7B8336DEC}"/>
+                <a16:creationId xmlns:a16="http://schemas.microsoft.com/office/drawing/2014/main" id="{1DBC6371-51BF-6C62-8B72-9ACDCD1E95DC}"/>
               </a:ext>
             </a:extLst>
           </p:cNvPr>
@@ -15888,7 +16159,7 @@
               <a:rPr lang="en-US" dirty="0">
                 <a:latin typeface="National Park " pitchFamily="2" charset="77"/>
               </a:rPr>
-              <a:t>A SLURM Workload Manager Primer I</a:t>
+              <a:t>SLURM Workload Manager Review II</a:t>
             </a:r>
           </a:p>
         </p:txBody>
@@ -15898,7 +16169,7 @@
           <p:cNvPr id="3" name="Content Placeholder 2">
             <a:extLst>
               <a:ext uri="{FF2B5EF4-FFF2-40B4-BE49-F238E27FC236}">
-                <a16:creationId xmlns:a16="http://schemas.microsoft.com/office/drawing/2014/main" id="{2CE75291-1258-5802-B5AB-F6CF7D882656}"/>
+                <a16:creationId xmlns:a16="http://schemas.microsoft.com/office/drawing/2014/main" id="{4E144BCC-2A1E-EB06-4C50-223A6122708D}"/>
               </a:ext>
             </a:extLst>
           </p:cNvPr>
@@ -15912,72 +16183,106 @@
         <p:spPr/>
         <p:txBody>
           <a:bodyPr>
-            <a:normAutofit fontScale="92500" lnSpcReduction="10000"/>
+            <a:normAutofit lnSpcReduction="10000"/>
           </a:bodyPr>
           <a:lstStyle/>
           <a:p>
             <a:r>
+              <a:rPr lang="en-US" dirty="0"/>
+              <a:t>At runtime, SLURM offers several environment variables that could be leveraged to steer executions:</a:t>
+            </a:r>
+          </a:p>
+          <a:p>
+            <a:pPr lvl="1"/>
+            <a:r>
+              <a:rPr lang="en-US" dirty="0">
+                <a:latin typeface="Courier New" panose="02070309020205020404" pitchFamily="49" charset="0"/>
+                <a:cs typeface="Courier New" panose="02070309020205020404" pitchFamily="49" charset="0"/>
+              </a:rPr>
+              <a:t>$SLURM_NTASKS</a:t>
+            </a:r>
+            <a:br>
+              <a:rPr lang="en-US" dirty="0"/>
+            </a:br>
+            <a:r>
+              <a:rPr lang="en-US" dirty="0"/>
+              <a:t>Same as -n, –</a:t>
+            </a:r>
+            <a:r>
               <a:rPr lang="en-US" dirty="0" err="1"/>
-              <a:t>salloc</a:t>
+              <a:t>ntasks</a:t>
+            </a:r>
+            <a:r>
+              <a:rPr lang="en-US" dirty="0"/>
+              <a:t>. The number of tasks.</a:t>
+            </a:r>
+          </a:p>
+          <a:p>
+            <a:pPr lvl="1"/>
+            <a:r>
+              <a:rPr lang="en-US" dirty="0">
+                <a:latin typeface="Courier New" panose="02070309020205020404" pitchFamily="49" charset="0"/>
+                <a:cs typeface="Courier New" panose="02070309020205020404" pitchFamily="49" charset="0"/>
+              </a:rPr>
+              <a:t>$SLURM_CPUS_PER_TASK</a:t>
             </a:r>
             <a:br>
               <a:rPr lang="en-US" dirty="0"/>
             </a:br>
             <a:r>
               <a:rPr lang="en-US" dirty="0"/>
-              <a:t>Obtain a job allocation.</a:t>
-            </a:r>
-          </a:p>
-          <a:p>
-            <a:r>
-              <a:rPr lang="en-US" dirty="0" err="1"/>
-              <a:t>sbatch</a:t>
+              <a:t>Number of CPUs per task.</a:t>
+            </a:r>
+          </a:p>
+          <a:p>
+            <a:pPr lvl="1"/>
+            <a:r>
+              <a:rPr lang="en-US" dirty="0">
+                <a:latin typeface="Courier New" panose="02070309020205020404" pitchFamily="49" charset="0"/>
+                <a:cs typeface="Courier New" panose="02070309020205020404" pitchFamily="49" charset="0"/>
+              </a:rPr>
+              <a:t>$SLURM_NODEID</a:t>
             </a:r>
             <a:br>
               <a:rPr lang="en-US" dirty="0"/>
             </a:br>
             <a:r>
               <a:rPr lang="en-US" dirty="0"/>
-              <a:t>Submit a batch script for later execution.</a:t>
-            </a:r>
-          </a:p>
-          <a:p>
-            <a:r>
-              <a:rPr lang="en-US" dirty="0" err="1"/>
-              <a:t>srun</a:t>
+              <a:t>The relative node id of the current node.</a:t>
+            </a:r>
+          </a:p>
+          <a:p>
+            <a:pPr lvl="1"/>
+            <a:r>
+              <a:rPr lang="en-US" dirty="0">
+                <a:latin typeface="Courier New" panose="02070309020205020404" pitchFamily="49" charset="0"/>
+                <a:cs typeface="Courier New" panose="02070309020205020404" pitchFamily="49" charset="0"/>
+              </a:rPr>
+              <a:t>$SLURM_NNODES</a:t>
             </a:r>
             <a:br>
               <a:rPr lang="en-US" dirty="0"/>
             </a:br>
             <a:r>
               <a:rPr lang="en-US" dirty="0"/>
-              <a:t>Obtain a job allocation (as needed) and execute an application. Option we will use: --wait=0 means do not terminate other tasks if one finishes</a:t>
-            </a:r>
-          </a:p>
-          <a:p>
-            <a:r>
-              <a:rPr lang="en-US" dirty="0" err="1"/>
-              <a:t>squeue</a:t>
+              <a:t>Total nodes allocated to current job.</a:t>
+            </a:r>
+          </a:p>
+          <a:p>
+            <a:pPr lvl="1"/>
+            <a:r>
+              <a:rPr lang="en-US" dirty="0">
+                <a:latin typeface="Courier New" panose="02070309020205020404" pitchFamily="49" charset="0"/>
+                <a:cs typeface="Courier New" panose="02070309020205020404" pitchFamily="49" charset="0"/>
+              </a:rPr>
+              <a:t>$SLURM_NODELIST</a:t>
             </a:r>
             <a:br>
               <a:rPr lang="en-US" dirty="0"/>
             </a:br>
             <a:r>
               <a:rPr lang="en-US" dirty="0"/>
-              <a:t>View information about jobs.</a:t>
-            </a:r>
-          </a:p>
-          <a:p>
-            <a:r>
-              <a:rPr lang="en-US" dirty="0" err="1"/>
-              <a:t>sinfo</a:t>
-            </a:r>
-            <a:br>
-              <a:rPr lang="en-US" dirty="0"/>
-            </a:br>
-            <a:r>
-              <a:rPr lang="en-US" dirty="0"/>
-              <a:t>View information about nodes and partitions.</a:t>
+              <a:t>A list of nodes allocated to current job.</a:t>
             </a:r>
           </a:p>
         </p:txBody>
@@ -15987,7 +16292,7 @@
           <p:cNvPr id="4" name="Slide Number Placeholder 3">
             <a:extLst>
               <a:ext uri="{FF2B5EF4-FFF2-40B4-BE49-F238E27FC236}">
-                <a16:creationId xmlns:a16="http://schemas.microsoft.com/office/drawing/2014/main" id="{82B29A77-DDB8-463F-40A1-38C47963CFD6}"/>
+                <a16:creationId xmlns:a16="http://schemas.microsoft.com/office/drawing/2014/main" id="{AF89DDDB-C621-C019-A2A8-623C53F6CCFC}"/>
               </a:ext>
             </a:extLst>
           </p:cNvPr>
@@ -16014,7 +16319,7 @@
     </p:spTree>
     <p:extLst>
       <p:ext uri="{BB962C8B-B14F-4D97-AF65-F5344CB8AC3E}">
-        <p14:creationId xmlns:p14="http://schemas.microsoft.com/office/powerpoint/2010/main" val="540319942"/>
+        <p14:creationId xmlns:p14="http://schemas.microsoft.com/office/powerpoint/2010/main" val="2637454293"/>
       </p:ext>
     </p:extLst>
   </p:cSld>
@@ -16046,7 +16351,7 @@
           <p:cNvPr id="2" name="Title 1">
             <a:extLst>
               <a:ext uri="{FF2B5EF4-FFF2-40B4-BE49-F238E27FC236}">
-                <a16:creationId xmlns:a16="http://schemas.microsoft.com/office/drawing/2014/main" id="{1DBC6371-51BF-6C62-8B72-9ACDCD1E95DC}"/>
+                <a16:creationId xmlns:a16="http://schemas.microsoft.com/office/drawing/2014/main" id="{DD55406B-8FD4-0F4A-D41C-050E1F104D50}"/>
               </a:ext>
             </a:extLst>
           </p:cNvPr>
@@ -16064,10 +16369,28 @@
           <a:p>
             <a:pPr algn="ctr"/>
             <a:r>
-              <a:rPr lang="en-US" dirty="0">
+              <a:rPr lang="en-US" dirty="0" err="1">
                 <a:latin typeface="National Park " pitchFamily="2" charset="77"/>
               </a:rPr>
-              <a:t>A SLURM Workload Manager Primer II</a:t>
+              <a:t>srun</a:t>
+            </a:r>
+            <a:r>
+              <a:rPr lang="en-US" dirty="0">
+                <a:latin typeface="National Park " pitchFamily="2" charset="77"/>
+              </a:rPr>
+              <a:t> parallel vs parallel </a:t>
+            </a:r>
+            <a:r>
+              <a:rPr lang="en-US" dirty="0" err="1">
+                <a:latin typeface="National Park " pitchFamily="2" charset="77"/>
+              </a:rPr>
+              <a:t>srun</a:t>
+            </a:r>
+            <a:r>
+              <a:rPr lang="en-US" dirty="0">
+                <a:latin typeface="National Park " pitchFamily="2" charset="77"/>
+              </a:rPr>
+              <a:t>?</a:t>
             </a:r>
           </a:p>
         </p:txBody>
@@ -16077,7 +16400,7 @@
           <p:cNvPr id="3" name="Content Placeholder 2">
             <a:extLst>
               <a:ext uri="{FF2B5EF4-FFF2-40B4-BE49-F238E27FC236}">
-                <a16:creationId xmlns:a16="http://schemas.microsoft.com/office/drawing/2014/main" id="{4E144BCC-2A1E-EB06-4C50-223A6122708D}"/>
+                <a16:creationId xmlns:a16="http://schemas.microsoft.com/office/drawing/2014/main" id="{CA1D3F3C-6A44-D225-BD69-F53719602D35}"/>
               </a:ext>
             </a:extLst>
           </p:cNvPr>
@@ -16091,30 +16414,75 @@
         <p:spPr/>
         <p:txBody>
           <a:bodyPr>
-            <a:normAutofit lnSpcReduction="10000"/>
+            <a:normAutofit/>
           </a:bodyPr>
           <a:lstStyle/>
           <a:p>
-            <a:r>
-              <a:rPr lang="en-US" dirty="0"/>
-              <a:t>At runtime, SLURM offers several environment variables that could be leveraged to steer executions:</a:t>
-            </a:r>
-          </a:p>
-          <a:p>
-            <a:pPr lvl="1"/>
-            <a:r>
-              <a:rPr lang="en-US" dirty="0">
-                <a:latin typeface="Courier New" panose="02070309020205020404" pitchFamily="49" charset="0"/>
-                <a:cs typeface="Courier New" panose="02070309020205020404" pitchFamily="49" charset="0"/>
-              </a:rPr>
-              <a:t>$SLURM_NTASKS</a:t>
-            </a:r>
-            <a:br>
-              <a:rPr lang="en-US" dirty="0"/>
-            </a:br>
-            <a:r>
-              <a:rPr lang="en-US" dirty="0"/>
-              <a:t>Same as -n, –</a:t>
+            <a:pPr marL="0" indent="0">
+              <a:buNone/>
+            </a:pPr>
+            <a:r>
+              <a:rPr lang="en-US" dirty="0" err="1"/>
+              <a:t>srun</a:t>
+            </a:r>
+            <a:r>
+              <a:rPr lang="en-US" dirty="0"/>
+              <a:t>="</a:t>
+            </a:r>
+            <a:r>
+              <a:rPr lang="en-US" dirty="0" err="1"/>
+              <a:t>srun</a:t>
+            </a:r>
+            <a:r>
+              <a:rPr lang="en-US" dirty="0"/>
+              <a:t> --exclusive -N1 -n1 -c1"</a:t>
+            </a:r>
+          </a:p>
+          <a:p>
+            <a:pPr marL="0" indent="0">
+              <a:buNone/>
+            </a:pPr>
+            <a:r>
+              <a:rPr lang="en-US" dirty="0"/>
+              <a:t>parallel -j $SLURM_NTASKS "$</a:t>
+            </a:r>
+            <a:r>
+              <a:rPr lang="en-US" dirty="0" err="1"/>
+              <a:t>srun</a:t>
+            </a:r>
+            <a:r>
+              <a:rPr lang="en-US" dirty="0"/>
+              <a:t> ./</a:t>
+            </a:r>
+            <a:r>
+              <a:rPr lang="en-US" dirty="0" err="1"/>
+              <a:t>runtask.sh</a:t>
+            </a:r>
+            <a:r>
+              <a:rPr lang="en-US" dirty="0"/>
+              <a:t> {1}" ::: {1..112}</a:t>
+            </a:r>
+          </a:p>
+          <a:p>
+            <a:pPr marL="0" indent="0">
+              <a:buNone/>
+            </a:pPr>
+            <a:r>
+              <a:rPr lang="en-US" dirty="0"/>
+              <a:t>Vs</a:t>
+            </a:r>
+          </a:p>
+          <a:p>
+            <a:pPr marL="0" indent="0">
+              <a:buNone/>
+            </a:pPr>
+            <a:r>
+              <a:rPr lang="en-US" dirty="0" err="1"/>
+              <a:t>srun</a:t>
+            </a:r>
+            <a:r>
+              <a:rPr lang="en-US" dirty="0"/>
+              <a:t> --</a:t>
             </a:r>
             <a:r>
               <a:rPr lang="en-US" dirty="0" err="1"/>
@@ -16122,76 +16490,89 @@
             </a:r>
             <a:r>
               <a:rPr lang="en-US" dirty="0"/>
-              <a:t>. The number of tasks.</a:t>
-            </a:r>
-          </a:p>
-          <a:p>
-            <a:pPr lvl="1"/>
-            <a:r>
-              <a:rPr lang="en-US" dirty="0">
-                <a:latin typeface="Courier New" panose="02070309020205020404" pitchFamily="49" charset="0"/>
-                <a:cs typeface="Courier New" panose="02070309020205020404" pitchFamily="49" charset="0"/>
-              </a:rPr>
-              <a:t>$SLURM_CPUS_PER_TASK</a:t>
-            </a:r>
-            <a:br>
-              <a:rPr lang="en-US" dirty="0"/>
-            </a:br>
-            <a:r>
-              <a:rPr lang="en-US" dirty="0"/>
-              <a:t>Number of CPUs per task.</a:t>
-            </a:r>
-          </a:p>
-          <a:p>
-            <a:pPr lvl="1"/>
-            <a:r>
-              <a:rPr lang="en-US" dirty="0">
-                <a:latin typeface="Courier New" panose="02070309020205020404" pitchFamily="49" charset="0"/>
-                <a:cs typeface="Courier New" panose="02070309020205020404" pitchFamily="49" charset="0"/>
-              </a:rPr>
-              <a:t>$SLURM_NODEID</a:t>
-            </a:r>
-            <a:br>
-              <a:rPr lang="en-US" dirty="0"/>
-            </a:br>
-            <a:r>
-              <a:rPr lang="en-US" dirty="0"/>
-              <a:t>The relative node id of the current node.</a:t>
-            </a:r>
-          </a:p>
-          <a:p>
-            <a:pPr lvl="1"/>
-            <a:r>
-              <a:rPr lang="en-US" dirty="0">
-                <a:latin typeface="Courier New" panose="02070309020205020404" pitchFamily="49" charset="0"/>
-                <a:cs typeface="Courier New" panose="02070309020205020404" pitchFamily="49" charset="0"/>
-              </a:rPr>
-              <a:t>$SLURM_NNODES</a:t>
-            </a:r>
-            <a:br>
-              <a:rPr lang="en-US" dirty="0"/>
-            </a:br>
-            <a:r>
-              <a:rPr lang="en-US" dirty="0"/>
-              <a:t>Total nodes allocated to current job.</a:t>
-            </a:r>
-          </a:p>
-          <a:p>
-            <a:pPr lvl="1"/>
-            <a:r>
-              <a:rPr lang="en-US" dirty="0">
-                <a:latin typeface="Courier New" panose="02070309020205020404" pitchFamily="49" charset="0"/>
-                <a:cs typeface="Courier New" panose="02070309020205020404" pitchFamily="49" charset="0"/>
-              </a:rPr>
-              <a:t>$SLURM_NODELIST</a:t>
-            </a:r>
-            <a:br>
-              <a:rPr lang="en-US" dirty="0"/>
-            </a:br>
-            <a:r>
-              <a:rPr lang="en-US" dirty="0"/>
-              <a:t>A list of nodes allocated to current job.</a:t>
-            </a:r>
+              <a:t>-per-node=1 parallel -j $</a:t>
+            </a:r>
+            <a:r>
+              <a:rPr lang="en-US" dirty="0" err="1"/>
+              <a:t>cores_per_node</a:t>
+            </a:r>
+            <a:r>
+              <a:rPr lang="en-US" dirty="0"/>
+              <a:t> </a:t>
+            </a:r>
+            <a:r>
+              <a:rPr lang="en-US" dirty="0" err="1"/>
+              <a:t>app_invocation</a:t>
+            </a:r>
+            <a:endParaRPr lang="en-US" dirty="0"/>
+          </a:p>
+          <a:p>
+            <a:pPr marL="0" indent="0">
+              <a:buNone/>
+            </a:pPr>
+            <a:r>
+              <a:rPr lang="en-US" dirty="0"/>
+              <a:t>Consensus: </a:t>
+            </a:r>
+            <a:r>
+              <a:rPr lang="en-US" dirty="0" err="1"/>
+              <a:t>srun</a:t>
+            </a:r>
+            <a:r>
+              <a:rPr lang="en-US" dirty="0"/>
+              <a:t> ... parallel ...</a:t>
+            </a:r>
+          </a:p>
+          <a:p>
+            <a:pPr marL="0" indent="0">
+              <a:buNone/>
+            </a:pPr>
+            <a:r>
+              <a:rPr lang="en-US" dirty="0"/>
+              <a:t>Reasons:</a:t>
+            </a:r>
+          </a:p>
+          <a:p>
+            <a:pPr marL="457200" indent="-457200">
+              <a:buFont typeface="+mj-lt"/>
+              <a:buAutoNum type="arabicPeriod"/>
+            </a:pPr>
+            <a:r>
+              <a:rPr lang="en-US" dirty="0"/>
+              <a:t>Higher overhead in invoking multiple </a:t>
+            </a:r>
+            <a:r>
+              <a:rPr lang="en-US" dirty="0" err="1"/>
+              <a:t>srun</a:t>
+            </a:r>
+            <a:r>
+              <a:rPr lang="en-US" dirty="0"/>
+              <a:t> allocations</a:t>
+            </a:r>
+          </a:p>
+          <a:p>
+            <a:pPr marL="457200" indent="-457200">
+              <a:buFont typeface="+mj-lt"/>
+              <a:buAutoNum type="arabicPeriod"/>
+            </a:pPr>
+            <a:r>
+              <a:rPr lang="en-US" dirty="0"/>
+              <a:t>Leveraging SLURM’s </a:t>
+            </a:r>
+            <a:r>
+              <a:rPr lang="en-US" dirty="0" err="1"/>
+              <a:t>srun</a:t>
+            </a:r>
+            <a:r>
+              <a:rPr lang="en-US" dirty="0"/>
+              <a:t> and environment variables</a:t>
+            </a:r>
+          </a:p>
+          <a:p>
+            <a:pPr marL="0" indent="0">
+              <a:buNone/>
+            </a:pPr>
+            <a:endParaRPr lang="en-US" dirty="0"/>
           </a:p>
         </p:txBody>
       </p:sp>
@@ -16200,7 +16581,7 @@
           <p:cNvPr id="4" name="Slide Number Placeholder 3">
             <a:extLst>
               <a:ext uri="{FF2B5EF4-FFF2-40B4-BE49-F238E27FC236}">
-                <a16:creationId xmlns:a16="http://schemas.microsoft.com/office/drawing/2014/main" id="{AF89DDDB-C621-C019-A2A8-623C53F6CCFC}"/>
+                <a16:creationId xmlns:a16="http://schemas.microsoft.com/office/drawing/2014/main" id="{B3A6FDE1-E547-0C9B-C0DC-B7C0BA05933D}"/>
               </a:ext>
             </a:extLst>
           </p:cNvPr>
@@ -16227,7 +16608,7 @@
     </p:spTree>
     <p:extLst>
       <p:ext uri="{BB962C8B-B14F-4D97-AF65-F5344CB8AC3E}">
-        <p14:creationId xmlns:p14="http://schemas.microsoft.com/office/powerpoint/2010/main" val="2637454293"/>
+        <p14:creationId xmlns:p14="http://schemas.microsoft.com/office/powerpoint/2010/main" val="293708216"/>
       </p:ext>
     </p:extLst>
   </p:cSld>
@@ -16259,7 +16640,7 @@
           <p:cNvPr id="2" name="Title 1">
             <a:extLst>
               <a:ext uri="{FF2B5EF4-FFF2-40B4-BE49-F238E27FC236}">
-                <a16:creationId xmlns:a16="http://schemas.microsoft.com/office/drawing/2014/main" id="{DD55406B-8FD4-0F4A-D41C-050E1F104D50}"/>
+                <a16:creationId xmlns:a16="http://schemas.microsoft.com/office/drawing/2014/main" id="{8C77888F-13D9-BA6B-951C-A2C60B1DEBEE}"/>
               </a:ext>
             </a:extLst>
           </p:cNvPr>
@@ -16270,35 +16651,24 @@
             <p:ph type="title"/>
           </p:nvPr>
         </p:nvSpPr>
-        <p:spPr/>
-        <p:txBody>
-          <a:bodyPr/>
+        <p:spPr>
+          <a:xfrm>
+            <a:off x="628650" y="273844"/>
+            <a:ext cx="7832739" cy="994172"/>
+          </a:xfrm>
+        </p:spPr>
+        <p:txBody>
+          <a:bodyPr>
+            <a:noAutofit/>
+          </a:bodyPr>
           <a:lstStyle/>
           <a:p>
             <a:pPr algn="ctr"/>
             <a:r>
-              <a:rPr lang="en-US" dirty="0" err="1">
+              <a:rPr lang="en-US" sz="2900" dirty="0">
                 <a:latin typeface="National Park " pitchFamily="2" charset="77"/>
               </a:rPr>
-              <a:t>srun</a:t>
-            </a:r>
-            <a:r>
-              <a:rPr lang="en-US" dirty="0">
-                <a:latin typeface="National Park " pitchFamily="2" charset="77"/>
-              </a:rPr>
-              <a:t> parallel vs parallel </a:t>
-            </a:r>
-            <a:r>
-              <a:rPr lang="en-US" dirty="0" err="1">
-                <a:latin typeface="National Park " pitchFamily="2" charset="77"/>
-              </a:rPr>
-              <a:t>srun</a:t>
-            </a:r>
-            <a:r>
-              <a:rPr lang="en-US" dirty="0">
-                <a:latin typeface="National Park " pitchFamily="2" charset="77"/>
-              </a:rPr>
-              <a:t>?</a:t>
+              <a:t>Working with HPC Schedulers: SLURM, 1 node</a:t>
             </a:r>
           </a:p>
         </p:txBody>
@@ -16308,7 +16678,7 @@
           <p:cNvPr id="3" name="Content Placeholder 2">
             <a:extLst>
               <a:ext uri="{FF2B5EF4-FFF2-40B4-BE49-F238E27FC236}">
-                <a16:creationId xmlns:a16="http://schemas.microsoft.com/office/drawing/2014/main" id="{CA1D3F3C-6A44-D225-BD69-F53719602D35}"/>
+                <a16:creationId xmlns:a16="http://schemas.microsoft.com/office/drawing/2014/main" id="{4DF7BA44-03BB-C10D-40AE-EA7B8104EEC1}"/>
               </a:ext>
             </a:extLst>
           </p:cNvPr>
@@ -16322,7 +16692,7 @@
         <p:spPr/>
         <p:txBody>
           <a:bodyPr>
-            <a:normAutofit/>
+            <a:normAutofit fontScale="92500" lnSpcReduction="10000"/>
           </a:bodyPr>
           <a:lstStyle/>
           <a:p>
@@ -16330,157 +16700,170 @@
               <a:buNone/>
             </a:pPr>
             <a:r>
-              <a:rPr lang="en-US" dirty="0" err="1"/>
+              <a:rPr lang="en-US" dirty="0">
+                <a:latin typeface="Courier New" panose="02070309020205020404" pitchFamily="49" charset="0"/>
+                <a:cs typeface="Courier New" panose="02070309020205020404" pitchFamily="49" charset="0"/>
+              </a:rPr>
+              <a:t>#!/bin/bash</a:t>
+            </a:r>
+          </a:p>
+          <a:p>
+            <a:pPr marL="0" indent="0">
+              <a:buNone/>
+            </a:pPr>
+            <a:endParaRPr lang="en-US" b="1" dirty="0">
+              <a:latin typeface="Courier New" panose="02070309020205020404" pitchFamily="49" charset="0"/>
+              <a:cs typeface="Courier New" panose="02070309020205020404" pitchFamily="49" charset="0"/>
+            </a:endParaRPr>
+          </a:p>
+          <a:p>
+            <a:pPr marL="0" indent="0">
+              <a:buNone/>
+            </a:pPr>
+            <a:r>
+              <a:rPr lang="en-US" b="1" dirty="0">
+                <a:latin typeface="Courier New" panose="02070309020205020404" pitchFamily="49" charset="0"/>
+                <a:cs typeface="Courier New" panose="02070309020205020404" pitchFamily="49" charset="0"/>
+              </a:rPr>
+              <a:t>#SBATCH -J </a:t>
+            </a:r>
+            <a:r>
+              <a:rPr lang="en-US" b="1" dirty="0" err="1">
+                <a:latin typeface="Courier New" panose="02070309020205020404" pitchFamily="49" charset="0"/>
+                <a:cs typeface="Courier New" panose="02070309020205020404" pitchFamily="49" charset="0"/>
+              </a:rPr>
+              <a:t>singlenode</a:t>
+            </a:r>
+            <a:endParaRPr lang="en-US" b="1" dirty="0">
+              <a:latin typeface="Courier New" panose="02070309020205020404" pitchFamily="49" charset="0"/>
+              <a:cs typeface="Courier New" panose="02070309020205020404" pitchFamily="49" charset="0"/>
+            </a:endParaRPr>
+          </a:p>
+          <a:p>
+            <a:pPr marL="0" indent="0">
+              <a:buNone/>
+            </a:pPr>
+            <a:r>
+              <a:rPr lang="en-US" b="1" dirty="0">
+                <a:latin typeface="Courier New" panose="02070309020205020404" pitchFamily="49" charset="0"/>
+                <a:cs typeface="Courier New" panose="02070309020205020404" pitchFamily="49" charset="0"/>
+              </a:rPr>
+              <a:t>#SBATCH -o %x-%</a:t>
+            </a:r>
+            <a:r>
+              <a:rPr lang="en-US" b="1" dirty="0" err="1">
+                <a:latin typeface="Courier New" panose="02070309020205020404" pitchFamily="49" charset="0"/>
+                <a:cs typeface="Courier New" panose="02070309020205020404" pitchFamily="49" charset="0"/>
+              </a:rPr>
+              <a:t>j.out</a:t>
+            </a:r>
+            <a:endParaRPr lang="en-US" b="1" dirty="0">
+              <a:latin typeface="Courier New" panose="02070309020205020404" pitchFamily="49" charset="0"/>
+              <a:cs typeface="Courier New" panose="02070309020205020404" pitchFamily="49" charset="0"/>
+            </a:endParaRPr>
+          </a:p>
+          <a:p>
+            <a:pPr marL="0" indent="0">
+              <a:buNone/>
+            </a:pPr>
+            <a:r>
+              <a:rPr lang="en-US" b="1" dirty="0">
+                <a:latin typeface="Courier New" panose="02070309020205020404" pitchFamily="49" charset="0"/>
+                <a:cs typeface="Courier New" panose="02070309020205020404" pitchFamily="49" charset="0"/>
+              </a:rPr>
+              <a:t>#SBATCH -e %x-%</a:t>
+            </a:r>
+            <a:r>
+              <a:rPr lang="en-US" b="1" dirty="0" err="1">
+                <a:latin typeface="Courier New" panose="02070309020205020404" pitchFamily="49" charset="0"/>
+                <a:cs typeface="Courier New" panose="02070309020205020404" pitchFamily="49" charset="0"/>
+              </a:rPr>
+              <a:t>j.err</a:t>
+            </a:r>
+            <a:endParaRPr lang="en-US" b="1" dirty="0">
+              <a:latin typeface="Courier New" panose="02070309020205020404" pitchFamily="49" charset="0"/>
+              <a:cs typeface="Courier New" panose="02070309020205020404" pitchFamily="49" charset="0"/>
+            </a:endParaRPr>
+          </a:p>
+          <a:p>
+            <a:pPr marL="0" indent="0">
+              <a:buNone/>
+            </a:pPr>
+            <a:r>
+              <a:rPr lang="en-US" b="1" dirty="0">
+                <a:latin typeface="Courier New" panose="02070309020205020404" pitchFamily="49" charset="0"/>
+                <a:cs typeface="Courier New" panose="02070309020205020404" pitchFamily="49" charset="0"/>
+              </a:rPr>
+              <a:t>#SBATCH -t 0:10:00</a:t>
+            </a:r>
+          </a:p>
+          <a:p>
+            <a:pPr marL="0" indent="0">
+              <a:buNone/>
+            </a:pPr>
+            <a:r>
+              <a:rPr lang="en-US" b="1" dirty="0">
+                <a:latin typeface="Courier New" panose="02070309020205020404" pitchFamily="49" charset="0"/>
+                <a:cs typeface="Courier New" panose="02070309020205020404" pitchFamily="49" charset="0"/>
+              </a:rPr>
+              <a:t>#SBATCH -N 1</a:t>
+            </a:r>
+          </a:p>
+          <a:p>
+            <a:pPr marL="0" indent="0">
+              <a:buNone/>
+            </a:pPr>
+            <a:endParaRPr lang="en-US" b="1" dirty="0">
+              <a:latin typeface="Courier New" panose="02070309020205020404" pitchFamily="49" charset="0"/>
+              <a:cs typeface="Courier New" panose="02070309020205020404" pitchFamily="49" charset="0"/>
+            </a:endParaRPr>
+          </a:p>
+          <a:p>
+            <a:pPr marL="0" indent="0">
+              <a:buNone/>
+            </a:pPr>
+            <a:r>
+              <a:rPr lang="en-US" b="1" dirty="0" err="1">
+                <a:latin typeface="Courier New" panose="02070309020205020404" pitchFamily="49" charset="0"/>
+                <a:cs typeface="Courier New" panose="02070309020205020404" pitchFamily="49" charset="0"/>
+              </a:rPr>
               <a:t>srun</a:t>
             </a:r>
             <a:r>
-              <a:rPr lang="en-US" dirty="0"/>
-              <a:t>="</a:t>
-            </a:r>
-            <a:r>
-              <a:rPr lang="en-US" dirty="0" err="1"/>
-              <a:t>srun</a:t>
-            </a:r>
-            <a:r>
-              <a:rPr lang="en-US" dirty="0"/>
-              <a:t> --exclusive -N1 -n1 -c1"</a:t>
-            </a:r>
-          </a:p>
-          <a:p>
-            <a:pPr marL="0" indent="0">
-              <a:buNone/>
-            </a:pPr>
-            <a:r>
-              <a:rPr lang="en-US" dirty="0"/>
-              <a:t>parallel -j $SLURM_NTASKS "$</a:t>
-            </a:r>
-            <a:r>
-              <a:rPr lang="en-US" dirty="0" err="1"/>
-              <a:t>srun</a:t>
-            </a:r>
-            <a:r>
-              <a:rPr lang="en-US" dirty="0"/>
-              <a:t> ./</a:t>
-            </a:r>
-            <a:r>
-              <a:rPr lang="en-US" dirty="0" err="1"/>
-              <a:t>runtask.sh</a:t>
-            </a:r>
-            <a:r>
-              <a:rPr lang="en-US" dirty="0"/>
-              <a:t> {1}" ::: {1..112}</a:t>
-            </a:r>
-          </a:p>
-          <a:p>
-            <a:pPr marL="0" indent="0">
-              <a:buNone/>
-            </a:pPr>
-            <a:r>
-              <a:rPr lang="en-US" dirty="0"/>
-              <a:t>Vs</a:t>
-            </a:r>
-          </a:p>
-          <a:p>
-            <a:pPr marL="0" indent="0">
-              <a:buNone/>
-            </a:pPr>
-            <a:r>
-              <a:rPr lang="en-US" dirty="0" err="1"/>
-              <a:t>srun</a:t>
-            </a:r>
-            <a:r>
-              <a:rPr lang="en-US" dirty="0"/>
-              <a:t> --</a:t>
-            </a:r>
-            <a:r>
-              <a:rPr lang="en-US" dirty="0" err="1"/>
-              <a:t>ntasks</a:t>
-            </a:r>
-            <a:r>
-              <a:rPr lang="en-US" dirty="0"/>
-              <a:t>-per-node=1 parallel -j $</a:t>
-            </a:r>
-            <a:r>
-              <a:rPr lang="en-US" dirty="0" err="1"/>
-              <a:t>cores_per_node</a:t>
-            </a:r>
-            <a:r>
-              <a:rPr lang="en-US" dirty="0"/>
+              <a:rPr lang="en-US" b="1" dirty="0">
+                <a:latin typeface="Courier New" panose="02070309020205020404" pitchFamily="49" charset="0"/>
+                <a:cs typeface="Courier New" panose="02070309020205020404" pitchFamily="49" charset="0"/>
+              </a:rPr>
+              <a:t> parallel --jobs 6 ./</a:t>
+            </a:r>
+            <a:r>
+              <a:rPr lang="en-US" b="1" dirty="0" err="1">
+                <a:latin typeface="Courier New" panose="02070309020205020404" pitchFamily="49" charset="0"/>
+                <a:cs typeface="Courier New" panose="02070309020205020404" pitchFamily="49" charset="0"/>
+              </a:rPr>
+              <a:t>payload.sh</a:t>
+            </a:r>
+            <a:r>
+              <a:rPr lang="en-US" b="1" dirty="0">
+                <a:latin typeface="Courier New" panose="02070309020205020404" pitchFamily="49" charset="0"/>
+                <a:cs typeface="Courier New" panose="02070309020205020404" pitchFamily="49" charset="0"/>
+              </a:rPr>
+              <a:t> argument_{} :::: </a:t>
+            </a:r>
+            <a:r>
+              <a:rPr lang="en-US" b="1" dirty="0" err="1">
+                <a:latin typeface="Courier New" panose="02070309020205020404" pitchFamily="49" charset="0"/>
+                <a:cs typeface="Courier New" panose="02070309020205020404" pitchFamily="49" charset="0"/>
+              </a:rPr>
+              <a:t>input.txt</a:t>
+            </a:r>
+            <a:r>
+              <a:rPr lang="en-US" b="1" dirty="0">
+                <a:latin typeface="Courier New" panose="02070309020205020404" pitchFamily="49" charset="0"/>
+                <a:cs typeface="Courier New" panose="02070309020205020404" pitchFamily="49" charset="0"/>
+              </a:rPr>
               <a:t> </a:t>
             </a:r>
-            <a:r>
-              <a:rPr lang="en-US" dirty="0" err="1"/>
-              <a:t>app_invocation</a:t>
-            </a:r>
-            <a:endParaRPr lang="en-US" dirty="0"/>
-          </a:p>
-          <a:p>
-            <a:pPr marL="0" indent="0">
-              <a:buNone/>
-            </a:pPr>
-            <a:r>
-              <a:rPr lang="en-US" dirty="0"/>
-              <a:t>Consensus: </a:t>
-            </a:r>
-            <a:r>
-              <a:rPr lang="en-US" dirty="0" err="1"/>
-              <a:t>srun</a:t>
-            </a:r>
-            <a:r>
-              <a:rPr lang="en-US" dirty="0"/>
-              <a:t> ... parallel ...</a:t>
-            </a:r>
-          </a:p>
-          <a:p>
-            <a:pPr marL="0" indent="0">
-              <a:buNone/>
-            </a:pPr>
-            <a:r>
-              <a:rPr lang="en-US" dirty="0"/>
-              <a:t>Reasons:</a:t>
-            </a:r>
-          </a:p>
-          <a:p>
-            <a:pPr marL="457200" indent="-457200">
-              <a:buFont typeface="+mj-lt"/>
-              <a:buAutoNum type="arabicPeriod"/>
-            </a:pPr>
-            <a:r>
-              <a:rPr lang="en-US" dirty="0"/>
-              <a:t>Higher overhead in invoking multiple </a:t>
-            </a:r>
-            <a:r>
-              <a:rPr lang="en-US" dirty="0" err="1"/>
-              <a:t>srun</a:t>
-            </a:r>
-            <a:r>
-              <a:rPr lang="en-US" dirty="0"/>
-              <a:t> allocations</a:t>
-            </a:r>
-          </a:p>
-          <a:p>
-            <a:pPr marL="457200" indent="-457200">
-              <a:buFont typeface="+mj-lt"/>
-              <a:buAutoNum type="arabicPeriod"/>
-            </a:pPr>
-            <a:r>
-              <a:rPr lang="en-US" dirty="0"/>
-              <a:t>Leveraging SLURM’s </a:t>
-            </a:r>
-            <a:r>
-              <a:rPr lang="en-US" dirty="0" err="1"/>
-              <a:t>srun</a:t>
-            </a:r>
-            <a:r>
-              <a:rPr lang="en-US" dirty="0"/>
-              <a:t> and environment variables</a:t>
-            </a:r>
-          </a:p>
-          <a:p>
-            <a:pPr marL="0" indent="0">
-              <a:buNone/>
-            </a:pPr>
-            <a:endParaRPr lang="en-US" dirty="0"/>
           </a:p>
         </p:txBody>
       </p:sp>
@@ -16489,7 +16872,7 @@
           <p:cNvPr id="4" name="Slide Number Placeholder 3">
             <a:extLst>
               <a:ext uri="{FF2B5EF4-FFF2-40B4-BE49-F238E27FC236}">
-                <a16:creationId xmlns:a16="http://schemas.microsoft.com/office/drawing/2014/main" id="{B3A6FDE1-E547-0C9B-C0DC-B7C0BA05933D}"/>
+                <a16:creationId xmlns:a16="http://schemas.microsoft.com/office/drawing/2014/main" id="{9BF52B3F-9AF5-FCDC-C6CD-DEDA43CFB54E}"/>
               </a:ext>
             </a:extLst>
           </p:cNvPr>
@@ -16513,10 +16896,71 @@
           </a:p>
         </p:txBody>
       </p:sp>
+      <p:sp>
+        <p:nvSpPr>
+          <p:cNvPr id="5" name="TextBox 4">
+            <a:extLst>
+              <a:ext uri="{FF2B5EF4-FFF2-40B4-BE49-F238E27FC236}">
+                <a16:creationId xmlns:a16="http://schemas.microsoft.com/office/drawing/2014/main" id="{D362DB27-F94B-9494-4292-24936402ED91}"/>
+              </a:ext>
+            </a:extLst>
+          </p:cNvPr>
+          <p:cNvSpPr txBox="1"/>
+          <p:nvPr/>
+        </p:nvSpPr>
+        <p:spPr>
+          <a:xfrm>
+            <a:off x="5412285" y="1411630"/>
+            <a:ext cx="3049104" cy="369332"/>
+          </a:xfrm>
+          <a:prstGeom prst="rect">
+            <a:avLst/>
+          </a:prstGeom>
+          <a:noFill/>
+          <a:ln>
+            <a:solidFill>
+              <a:schemeClr val="accent1"/>
+            </a:solidFill>
+          </a:ln>
+        </p:spPr>
+        <p:txBody>
+          <a:bodyPr wrap="none" rtlCol="0">
+            <a:spAutoFit/>
+          </a:bodyPr>
+          <a:lstStyle/>
+          <a:p>
+            <a:r>
+              <a:rPr lang="en-US" dirty="0"/>
+              <a:t>code in </a:t>
+            </a:r>
+            <a:r>
+              <a:rPr lang="en-US" dirty="0" err="1"/>
+              <a:t>Github</a:t>
+            </a:r>
+            <a:r>
+              <a:rPr lang="en-US" dirty="0"/>
+              <a:t>: </a:t>
+            </a:r>
+            <a:r>
+              <a:rPr lang="en-US" dirty="0" err="1"/>
+              <a:t>src</a:t>
+            </a:r>
+            <a:r>
+              <a:rPr lang="en-US" dirty="0"/>
+              <a:t>/</a:t>
+            </a:r>
+            <a:r>
+              <a:rPr lang="en-US" dirty="0" err="1"/>
+              <a:t>singlenode</a:t>
+            </a:r>
+            <a:endParaRPr lang="en-US" dirty="0"/>
+          </a:p>
+        </p:txBody>
+      </p:sp>
     </p:spTree>
     <p:extLst>
       <p:ext uri="{BB962C8B-B14F-4D97-AF65-F5344CB8AC3E}">
-        <p14:creationId xmlns:p14="http://schemas.microsoft.com/office/powerpoint/2010/main" val="293708216"/>
+        <p14:creationId xmlns:p14="http://schemas.microsoft.com/office/powerpoint/2010/main" val="2089883047"/>
       </p:ext>
     </p:extLst>
   </p:cSld>
@@ -16548,7 +16992,7 @@
           <p:cNvPr id="2" name="Title 1">
             <a:extLst>
               <a:ext uri="{FF2B5EF4-FFF2-40B4-BE49-F238E27FC236}">
-                <a16:creationId xmlns:a16="http://schemas.microsoft.com/office/drawing/2014/main" id="{8C77888F-13D9-BA6B-951C-A2C60B1DEBEE}"/>
+                <a16:creationId xmlns:a16="http://schemas.microsoft.com/office/drawing/2014/main" id="{643A1A16-1B37-AF46-4B81-F2460530A558}"/>
               </a:ext>
             </a:extLst>
           </p:cNvPr>
@@ -16559,12 +17003,7 @@
             <p:ph type="title"/>
           </p:nvPr>
         </p:nvSpPr>
-        <p:spPr>
-          <a:xfrm>
-            <a:off x="628650" y="273844"/>
-            <a:ext cx="7832739" cy="994172"/>
-          </a:xfrm>
-        </p:spPr>
+        <p:spPr/>
         <p:txBody>
           <a:bodyPr>
             <a:noAutofit/>
@@ -16573,10 +17012,10 @@
           <a:p>
             <a:pPr algn="ctr"/>
             <a:r>
-              <a:rPr lang="en-US" sz="2900" dirty="0">
+              <a:rPr lang="en-US" dirty="0">
                 <a:latin typeface="National Park " pitchFamily="2" charset="77"/>
               </a:rPr>
-              <a:t>Working with HPC Schedulers: SLURM, 1 node</a:t>
+              <a:t>Using --dry-run to generate parallel commands</a:t>
             </a:r>
           </a:p>
         </p:txBody>
@@ -16586,7 +17025,7 @@
           <p:cNvPr id="3" name="Content Placeholder 2">
             <a:extLst>
               <a:ext uri="{FF2B5EF4-FFF2-40B4-BE49-F238E27FC236}">
-                <a16:creationId xmlns:a16="http://schemas.microsoft.com/office/drawing/2014/main" id="{4DF7BA44-03BB-C10D-40AE-EA7B8104EEC1}"/>
+                <a16:creationId xmlns:a16="http://schemas.microsoft.com/office/drawing/2014/main" id="{DC621463-8B2A-12A3-2E9E-A6938A958C25}"/>
               </a:ext>
             </a:extLst>
           </p:cNvPr>
@@ -16600,7 +17039,7 @@
         <p:spPr/>
         <p:txBody>
           <a:bodyPr>
-            <a:normAutofit fontScale="92500" lnSpcReduction="10000"/>
+            <a:normAutofit/>
           </a:bodyPr>
           <a:lstStyle/>
           <a:p>
@@ -16608,170 +17047,136 @@
               <a:buNone/>
             </a:pPr>
             <a:r>
-              <a:rPr lang="en-US" dirty="0">
-                <a:latin typeface="Courier New" panose="02070309020205020404" pitchFamily="49" charset="0"/>
-                <a:cs typeface="Courier New" panose="02070309020205020404" pitchFamily="49" charset="0"/>
-              </a:rPr>
-              <a:t>#!/bin/bash</a:t>
+              <a:rPr lang="en-US" dirty="0"/>
+              <a:t>#SBATCH --job-name=</a:t>
+            </a:r>
+            <a:r>
+              <a:rPr lang="en-US" dirty="0" err="1"/>
+              <a:t>htcjob</a:t>
+            </a:r>
+            <a:br>
+              <a:rPr lang="en-US" dirty="0"/>
+            </a:br>
+            <a:r>
+              <a:rPr lang="en-US" dirty="0"/>
+              <a:t>#SBATCH ... # other </a:t>
+            </a:r>
+            <a:r>
+              <a:rPr lang="en-US" dirty="0" err="1"/>
+              <a:t>sbatch</a:t>
+            </a:r>
+            <a:r>
+              <a:rPr lang="en-US" dirty="0"/>
+              <a:t> options</a:t>
             </a:r>
           </a:p>
           <a:p>
             <a:pPr marL="0" indent="0">
               <a:buNone/>
             </a:pPr>
-            <a:endParaRPr lang="en-US" b="1" dirty="0">
-              <a:latin typeface="Courier New" panose="02070309020205020404" pitchFamily="49" charset="0"/>
-              <a:cs typeface="Courier New" panose="02070309020205020404" pitchFamily="49" charset="0"/>
-            </a:endParaRPr>
+            <a:r>
+              <a:rPr lang="en-US" dirty="0"/>
+              <a:t>find </a:t>
+            </a:r>
+            <a:r>
+              <a:rPr lang="en-US" dirty="0" err="1"/>
+              <a:t>infiles</a:t>
+            </a:r>
+            <a:r>
+              <a:rPr lang="en-US" dirty="0"/>
+              <a:t>/*.txt | parallel --dry-run ./</a:t>
+            </a:r>
+            <a:r>
+              <a:rPr lang="en-US" dirty="0" err="1"/>
+              <a:t>process_data</a:t>
+            </a:r>
+            <a:r>
+              <a:rPr lang="en-US" dirty="0"/>
+              <a:t> {} &gt;</a:t>
+            </a:r>
+            <a:r>
+              <a:rPr lang="en-US" dirty="0" err="1"/>
+              <a:t>commands.txt</a:t>
+            </a:r>
+            <a:endParaRPr lang="en-US" dirty="0"/>
           </a:p>
           <a:p>
             <a:pPr marL="0" indent="0">
               <a:buNone/>
             </a:pPr>
             <a:r>
-              <a:rPr lang="en-US" b="1" dirty="0">
-                <a:latin typeface="Courier New" panose="02070309020205020404" pitchFamily="49" charset="0"/>
-                <a:cs typeface="Courier New" panose="02070309020205020404" pitchFamily="49" charset="0"/>
-              </a:rPr>
-              <a:t>#SBATCH -J </a:t>
-            </a:r>
-            <a:r>
-              <a:rPr lang="en-US" b="1" dirty="0" err="1">
-                <a:latin typeface="Courier New" panose="02070309020205020404" pitchFamily="49" charset="0"/>
-                <a:cs typeface="Courier New" panose="02070309020205020404" pitchFamily="49" charset="0"/>
-              </a:rPr>
-              <a:t>singlenode</a:t>
-            </a:r>
-            <a:endParaRPr lang="en-US" b="1" dirty="0">
-              <a:latin typeface="Courier New" panose="02070309020205020404" pitchFamily="49" charset="0"/>
-              <a:cs typeface="Courier New" panose="02070309020205020404" pitchFamily="49" charset="0"/>
-            </a:endParaRPr>
+              <a:rPr lang="en-US" dirty="0"/>
+              <a:t>parallel -j $SLURM_NTASKS &lt; </a:t>
+            </a:r>
+            <a:r>
+              <a:rPr lang="en-US" dirty="0" err="1"/>
+              <a:t>commands.txt</a:t>
+            </a:r>
+            <a:endParaRPr lang="en-US" dirty="0"/>
           </a:p>
           <a:p>
             <a:pPr marL="0" indent="0">
               <a:buNone/>
             </a:pPr>
-            <a:r>
-              <a:rPr lang="en-US" b="1" dirty="0">
-                <a:latin typeface="Courier New" panose="02070309020205020404" pitchFamily="49" charset="0"/>
-                <a:cs typeface="Courier New" panose="02070309020205020404" pitchFamily="49" charset="0"/>
-              </a:rPr>
-              <a:t>#SBATCH -o %x-%</a:t>
-            </a:r>
-            <a:r>
-              <a:rPr lang="en-US" b="1" dirty="0" err="1">
-                <a:latin typeface="Courier New" panose="02070309020205020404" pitchFamily="49" charset="0"/>
-                <a:cs typeface="Courier New" panose="02070309020205020404" pitchFamily="49" charset="0"/>
-              </a:rPr>
-              <a:t>j.out</a:t>
-            </a:r>
-            <a:endParaRPr lang="en-US" b="1" dirty="0">
-              <a:latin typeface="Courier New" panose="02070309020205020404" pitchFamily="49" charset="0"/>
-              <a:cs typeface="Courier New" panose="02070309020205020404" pitchFamily="49" charset="0"/>
-            </a:endParaRPr>
+            <a:endParaRPr lang="en-US" dirty="0"/>
           </a:p>
           <a:p>
             <a:pPr marL="0" indent="0">
               <a:buNone/>
             </a:pPr>
             <a:r>
-              <a:rPr lang="en-US" b="1" dirty="0">
-                <a:latin typeface="Courier New" panose="02070309020205020404" pitchFamily="49" charset="0"/>
-                <a:cs typeface="Courier New" panose="02070309020205020404" pitchFamily="49" charset="0"/>
-              </a:rPr>
-              <a:t>#SBATCH -e %x-%</a:t>
-            </a:r>
-            <a:r>
-              <a:rPr lang="en-US" b="1" dirty="0" err="1">
-                <a:latin typeface="Courier New" panose="02070309020205020404" pitchFamily="49" charset="0"/>
-                <a:cs typeface="Courier New" panose="02070309020205020404" pitchFamily="49" charset="0"/>
-              </a:rPr>
-              <a:t>j.err</a:t>
-            </a:r>
-            <a:endParaRPr lang="en-US" b="1" dirty="0">
-              <a:latin typeface="Courier New" panose="02070309020205020404" pitchFamily="49" charset="0"/>
-              <a:cs typeface="Courier New" panose="02070309020205020404" pitchFamily="49" charset="0"/>
-            </a:endParaRPr>
+              <a:rPr lang="en-US" dirty="0"/>
+              <a:t>find </a:t>
+            </a:r>
+            <a:r>
+              <a:rPr lang="en-US" dirty="0" err="1"/>
+              <a:t>infiles</a:t>
+            </a:r>
+            <a:r>
+              <a:rPr lang="en-US" dirty="0"/>
+              <a:t>/*.txt | parallel --dry-run </a:t>
+            </a:r>
+            <a:r>
+              <a:rPr lang="en-US" dirty="0" err="1"/>
+              <a:t>Rscript</a:t>
+            </a:r>
+            <a:r>
+              <a:rPr lang="en-US" dirty="0"/>
+              <a:t> </a:t>
+            </a:r>
+            <a:r>
+              <a:rPr lang="en-US" dirty="0" err="1"/>
+              <a:t>R_array_test.R</a:t>
+            </a:r>
+            <a:r>
+              <a:rPr lang="en-US" dirty="0"/>
+              <a:t> {} &gt;</a:t>
+            </a:r>
+            <a:r>
+              <a:rPr lang="en-US" dirty="0" err="1"/>
+              <a:t>commands.txt</a:t>
+            </a:r>
+            <a:endParaRPr lang="en-US" dirty="0"/>
           </a:p>
           <a:p>
             <a:pPr marL="0" indent="0">
               <a:buNone/>
             </a:pPr>
             <a:r>
-              <a:rPr lang="en-US" b="1" dirty="0">
-                <a:latin typeface="Courier New" panose="02070309020205020404" pitchFamily="49" charset="0"/>
-                <a:cs typeface="Courier New" panose="02070309020205020404" pitchFamily="49" charset="0"/>
-              </a:rPr>
-              <a:t>#SBATCH -t 0:10:00</a:t>
-            </a:r>
+              <a:rPr lang="en-US" dirty="0"/>
+              <a:t>parallel -j $SLURM_NTASKS &lt; </a:t>
+            </a:r>
+            <a:r>
+              <a:rPr lang="en-US" dirty="0" err="1"/>
+              <a:t>commands.txt</a:t>
+            </a:r>
+            <a:endParaRPr lang="en-US" dirty="0"/>
           </a:p>
           <a:p>
             <a:pPr marL="0" indent="0">
               <a:buNone/>
             </a:pPr>
-            <a:r>
-              <a:rPr lang="en-US" b="1" dirty="0">
-                <a:latin typeface="Courier New" panose="02070309020205020404" pitchFamily="49" charset="0"/>
-                <a:cs typeface="Courier New" panose="02070309020205020404" pitchFamily="49" charset="0"/>
-              </a:rPr>
-              <a:t>#SBATCH -N 1</a:t>
-            </a:r>
-          </a:p>
-          <a:p>
-            <a:pPr marL="0" indent="0">
-              <a:buNone/>
-            </a:pPr>
-            <a:endParaRPr lang="en-US" b="1" dirty="0">
-              <a:latin typeface="Courier New" panose="02070309020205020404" pitchFamily="49" charset="0"/>
-              <a:cs typeface="Courier New" panose="02070309020205020404" pitchFamily="49" charset="0"/>
-            </a:endParaRPr>
-          </a:p>
-          <a:p>
-            <a:pPr marL="0" indent="0">
-              <a:buNone/>
-            </a:pPr>
-            <a:r>
-              <a:rPr lang="en-US" b="1" dirty="0" err="1">
-                <a:latin typeface="Courier New" panose="02070309020205020404" pitchFamily="49" charset="0"/>
-                <a:cs typeface="Courier New" panose="02070309020205020404" pitchFamily="49" charset="0"/>
-              </a:rPr>
-              <a:t>srun</a:t>
-            </a:r>
-            <a:r>
-              <a:rPr lang="en-US" b="1" dirty="0">
-                <a:latin typeface="Courier New" panose="02070309020205020404" pitchFamily="49" charset="0"/>
-                <a:cs typeface="Courier New" panose="02070309020205020404" pitchFamily="49" charset="0"/>
-              </a:rPr>
-              <a:t> parallel --jobs 6 ./</a:t>
-            </a:r>
-            <a:r>
-              <a:rPr lang="en-US" b="1" dirty="0" err="1">
-                <a:latin typeface="Courier New" panose="02070309020205020404" pitchFamily="49" charset="0"/>
-                <a:cs typeface="Courier New" panose="02070309020205020404" pitchFamily="49" charset="0"/>
-              </a:rPr>
-              <a:t>payload.sh</a:t>
-            </a:r>
-            <a:r>
-              <a:rPr lang="en-US" b="1" dirty="0">
-                <a:latin typeface="Courier New" panose="02070309020205020404" pitchFamily="49" charset="0"/>
-                <a:cs typeface="Courier New" panose="02070309020205020404" pitchFamily="49" charset="0"/>
-              </a:rPr>
-              <a:t> argument_{} :::: </a:t>
-            </a:r>
-            <a:r>
-              <a:rPr lang="en-US" b="1" dirty="0" err="1">
-                <a:latin typeface="Courier New" panose="02070309020205020404" pitchFamily="49" charset="0"/>
-                <a:cs typeface="Courier New" panose="02070309020205020404" pitchFamily="49" charset="0"/>
-              </a:rPr>
-              <a:t>input.txt</a:t>
-            </a:r>
-            <a:r>
-              <a:rPr lang="en-US" b="1" dirty="0">
-                <a:latin typeface="Courier New" panose="02070309020205020404" pitchFamily="49" charset="0"/>
-                <a:cs typeface="Courier New" panose="02070309020205020404" pitchFamily="49" charset="0"/>
-              </a:rPr>
-              <a:t> </a:t>
-            </a:r>
+            <a:endParaRPr lang="en-US" dirty="0"/>
           </a:p>
         </p:txBody>
       </p:sp>
@@ -16780,7 +17185,7 @@
           <p:cNvPr id="4" name="Slide Number Placeholder 3">
             <a:extLst>
               <a:ext uri="{FF2B5EF4-FFF2-40B4-BE49-F238E27FC236}">
-                <a16:creationId xmlns:a16="http://schemas.microsoft.com/office/drawing/2014/main" id="{9BF52B3F-9AF5-FCDC-C6CD-DEDA43CFB54E}"/>
+                <a16:creationId xmlns:a16="http://schemas.microsoft.com/office/drawing/2014/main" id="{87862148-A82F-6595-EB87-8CD56A32B601}"/>
               </a:ext>
             </a:extLst>
           </p:cNvPr>
@@ -16804,71 +17209,10 @@
           </a:p>
         </p:txBody>
       </p:sp>
-      <p:sp>
-        <p:nvSpPr>
-          <p:cNvPr id="5" name="TextBox 4">
-            <a:extLst>
-              <a:ext uri="{FF2B5EF4-FFF2-40B4-BE49-F238E27FC236}">
-                <a16:creationId xmlns:a16="http://schemas.microsoft.com/office/drawing/2014/main" id="{D362DB27-F94B-9494-4292-24936402ED91}"/>
-              </a:ext>
-            </a:extLst>
-          </p:cNvPr>
-          <p:cNvSpPr txBox="1"/>
-          <p:nvPr/>
-        </p:nvSpPr>
-        <p:spPr>
-          <a:xfrm>
-            <a:off x="5412285" y="1411630"/>
-            <a:ext cx="3049104" cy="369332"/>
-          </a:xfrm>
-          <a:prstGeom prst="rect">
-            <a:avLst/>
-          </a:prstGeom>
-          <a:noFill/>
-          <a:ln>
-            <a:solidFill>
-              <a:schemeClr val="accent1"/>
-            </a:solidFill>
-          </a:ln>
-        </p:spPr>
-        <p:txBody>
-          <a:bodyPr wrap="none" rtlCol="0">
-            <a:spAutoFit/>
-          </a:bodyPr>
-          <a:lstStyle/>
-          <a:p>
-            <a:r>
-              <a:rPr lang="en-US" dirty="0"/>
-              <a:t>code in </a:t>
-            </a:r>
-            <a:r>
-              <a:rPr lang="en-US" dirty="0" err="1"/>
-              <a:t>Github</a:t>
-            </a:r>
-            <a:r>
-              <a:rPr lang="en-US" dirty="0"/>
-              <a:t>: </a:t>
-            </a:r>
-            <a:r>
-              <a:rPr lang="en-US" dirty="0" err="1"/>
-              <a:t>src</a:t>
-            </a:r>
-            <a:r>
-              <a:rPr lang="en-US" dirty="0"/>
-              <a:t>/</a:t>
-            </a:r>
-            <a:r>
-              <a:rPr lang="en-US" dirty="0" err="1"/>
-              <a:t>singlenode</a:t>
-            </a:r>
-            <a:endParaRPr lang="en-US" dirty="0"/>
-          </a:p>
-        </p:txBody>
-      </p:sp>
     </p:spTree>
     <p:extLst>
       <p:ext uri="{BB962C8B-B14F-4D97-AF65-F5344CB8AC3E}">
-        <p14:creationId xmlns:p14="http://schemas.microsoft.com/office/powerpoint/2010/main" val="2089883047"/>
+        <p14:creationId xmlns:p14="http://schemas.microsoft.com/office/powerpoint/2010/main" val="1932563730"/>
       </p:ext>
     </p:extLst>
   </p:cSld>
@@ -16900,7 +17244,7 @@
           <p:cNvPr id="2" name="Title 1">
             <a:extLst>
               <a:ext uri="{FF2B5EF4-FFF2-40B4-BE49-F238E27FC236}">
-                <a16:creationId xmlns:a16="http://schemas.microsoft.com/office/drawing/2014/main" id="{643A1A16-1B37-AF46-4B81-F2460530A558}"/>
+                <a16:creationId xmlns:a16="http://schemas.microsoft.com/office/drawing/2014/main" id="{B8E21E67-F384-855E-36B7-EAAEDC84D115}"/>
               </a:ext>
             </a:extLst>
           </p:cNvPr>
@@ -16913,17 +17257,21 @@
         </p:nvSpPr>
         <p:spPr/>
         <p:txBody>
-          <a:bodyPr>
-            <a:noAutofit/>
-          </a:bodyPr>
+          <a:bodyPr/>
           <a:lstStyle/>
           <a:p>
             <a:pPr algn="ctr"/>
             <a:r>
-              <a:rPr lang="en-US" dirty="0">
+              <a:rPr lang="en-US" dirty="0" err="1">
                 <a:latin typeface="National Park " pitchFamily="2" charset="77"/>
               </a:rPr>
-              <a:t>Using --dry-run to generate parallel commands</a:t>
+              <a:t>Multinode</a:t>
+            </a:r>
+            <a:r>
+              <a:rPr lang="en-US" dirty="0">
+                <a:latin typeface="National Park " pitchFamily="2" charset="77"/>
+              </a:rPr>
+              <a:t> Execution in SLURM</a:t>
             </a:r>
           </a:p>
         </p:txBody>
@@ -16933,7 +17281,7 @@
           <p:cNvPr id="3" name="Content Placeholder 2">
             <a:extLst>
               <a:ext uri="{FF2B5EF4-FFF2-40B4-BE49-F238E27FC236}">
-                <a16:creationId xmlns:a16="http://schemas.microsoft.com/office/drawing/2014/main" id="{DC621463-8B2A-12A3-2E9E-A6938A958C25}"/>
+                <a16:creationId xmlns:a16="http://schemas.microsoft.com/office/drawing/2014/main" id="{C70AEB26-A444-7D8E-A8AA-B8AF023A9E5C}"/>
               </a:ext>
             </a:extLst>
           </p:cNvPr>
@@ -16944,10 +17292,15 @@
             <p:ph idx="1"/>
           </p:nvPr>
         </p:nvSpPr>
-        <p:spPr/>
+        <p:spPr>
+          <a:xfrm>
+            <a:off x="628650" y="1369219"/>
+            <a:ext cx="5624666" cy="3263504"/>
+          </a:xfrm>
+        </p:spPr>
         <p:txBody>
           <a:bodyPr>
-            <a:normAutofit/>
+            <a:normAutofit fontScale="92500" lnSpcReduction="20000"/>
           </a:bodyPr>
           <a:lstStyle/>
           <a:p>
@@ -16956,71 +17309,8 @@
             </a:pPr>
             <a:r>
               <a:rPr lang="en-US" dirty="0"/>
-              <a:t>#SBATCH --job-name=</a:t>
-            </a:r>
-            <a:r>
-              <a:rPr lang="en-US" dirty="0" err="1"/>
-              <a:t>htcjob</a:t>
-            </a:r>
-            <a:br>
-              <a:rPr lang="en-US" dirty="0"/>
-            </a:br>
-            <a:r>
-              <a:rPr lang="en-US" dirty="0"/>
-              <a:t>#SBATCH ... # other </a:t>
-            </a:r>
-            <a:r>
-              <a:rPr lang="en-US" dirty="0" err="1"/>
-              <a:t>sbatch</a:t>
-            </a:r>
-            <a:r>
-              <a:rPr lang="en-US" dirty="0"/>
-              <a:t> options</a:t>
-            </a:r>
-          </a:p>
-          <a:p>
-            <a:pPr marL="0" indent="0">
-              <a:buNone/>
-            </a:pPr>
-            <a:r>
-              <a:rPr lang="en-US" dirty="0"/>
-              <a:t>find </a:t>
-            </a:r>
-            <a:r>
-              <a:rPr lang="en-US" dirty="0" err="1"/>
-              <a:t>infiles</a:t>
-            </a:r>
-            <a:r>
-              <a:rPr lang="en-US" dirty="0"/>
-              <a:t>/*.txt | parallel --dry-run ./</a:t>
-            </a:r>
-            <a:r>
-              <a:rPr lang="en-US" dirty="0" err="1"/>
-              <a:t>process_data</a:t>
-            </a:r>
-            <a:r>
-              <a:rPr lang="en-US" dirty="0"/>
-              <a:t> {} &gt;</a:t>
-            </a:r>
-            <a:r>
-              <a:rPr lang="en-US" dirty="0" err="1"/>
-              <a:t>commands.txt</a:t>
-            </a:r>
-            <a:endParaRPr lang="en-US" dirty="0"/>
-          </a:p>
-          <a:p>
-            <a:pPr marL="0" indent="0">
-              <a:buNone/>
-            </a:pPr>
-            <a:r>
-              <a:rPr lang="en-US" dirty="0"/>
-              <a:t>parallel -j $SLURM_NTASKS &lt; </a:t>
-            </a:r>
-            <a:r>
-              <a:rPr lang="en-US" dirty="0" err="1"/>
-              <a:t>commands.txt</a:t>
-            </a:r>
-            <a:endParaRPr lang="en-US" dirty="0"/>
+              <a:t>#!/bin/bash</a:t>
+            </a:r>
           </a:p>
           <a:p>
             <a:pPr marL="0" indent="0">
@@ -17034,35 +17324,39 @@
             </a:pPr>
             <a:r>
               <a:rPr lang="en-US" dirty="0"/>
-              <a:t>find </a:t>
+              <a:t>#SBATCH -J </a:t>
             </a:r>
             <a:r>
               <a:rPr lang="en-US" dirty="0" err="1"/>
-              <a:t>infiles</a:t>
-            </a:r>
-            <a:r>
-              <a:rPr lang="en-US" dirty="0"/>
-              <a:t>/*.txt | parallel --dry-run </a:t>
+              <a:t>multinode</a:t>
+            </a:r>
+            <a:endParaRPr lang="en-US" dirty="0"/>
+          </a:p>
+          <a:p>
+            <a:pPr marL="0" indent="0">
+              <a:buNone/>
+            </a:pPr>
+            <a:r>
+              <a:rPr lang="en-US" dirty="0"/>
+              <a:t>#SBATCH -o %x-%</a:t>
             </a:r>
             <a:r>
               <a:rPr lang="en-US" dirty="0" err="1"/>
-              <a:t>Rscript</a:t>
-            </a:r>
-            <a:r>
-              <a:rPr lang="en-US" dirty="0"/>
-              <a:t> </a:t>
+              <a:t>j.out</a:t>
+            </a:r>
+            <a:endParaRPr lang="en-US" dirty="0"/>
+          </a:p>
+          <a:p>
+            <a:pPr marL="0" indent="0">
+              <a:buNone/>
+            </a:pPr>
+            <a:r>
+              <a:rPr lang="en-US" dirty="0"/>
+              <a:t>#SBATCH -e %x-%</a:t>
             </a:r>
             <a:r>
               <a:rPr lang="en-US" dirty="0" err="1"/>
-              <a:t>R_array_test.R</a:t>
-            </a:r>
-            <a:r>
-              <a:rPr lang="en-US" dirty="0"/>
-              <a:t> {} &gt;</a:t>
-            </a:r>
-            <a:r>
-              <a:rPr lang="en-US" dirty="0" err="1"/>
-              <a:t>commands.txt</a:t>
+              <a:t>j.err</a:t>
             </a:r>
             <a:endParaRPr lang="en-US" dirty="0"/>
           </a:p>
@@ -17072,19 +17366,61 @@
             </a:pPr>
             <a:r>
               <a:rPr lang="en-US" dirty="0"/>
-              <a:t>parallel -j $SLURM_NTASKS &lt; </a:t>
-            </a:r>
-            <a:r>
-              <a:rPr lang="en-US" dirty="0" err="1"/>
-              <a:t>commands.txt</a:t>
-            </a:r>
-            <a:endParaRPr lang="en-US" dirty="0"/>
+              <a:t>#SBATCH -t 0:20:00</a:t>
+            </a:r>
+          </a:p>
+          <a:p>
+            <a:pPr marL="0" indent="0">
+              <a:buNone/>
+            </a:pPr>
+            <a:r>
+              <a:rPr lang="en-US" dirty="0"/>
+              <a:t>#SBATCH -p batch</a:t>
+            </a:r>
+          </a:p>
+          <a:p>
+            <a:pPr marL="0" indent="0">
+              <a:buNone/>
+            </a:pPr>
+            <a:r>
+              <a:rPr lang="en-US" dirty="0"/>
+              <a:t>#SBATCH -N 4</a:t>
+            </a:r>
           </a:p>
           <a:p>
             <a:pPr marL="0" indent="0">
               <a:buNone/>
             </a:pPr>
             <a:endParaRPr lang="en-US" dirty="0"/>
+          </a:p>
+          <a:p>
+            <a:pPr marL="0" indent="0">
+              <a:buNone/>
+            </a:pPr>
+            <a:r>
+              <a:rPr lang="en-US" dirty="0" err="1"/>
+              <a:t>srun</a:t>
+            </a:r>
+            <a:r>
+              <a:rPr lang="en-US" dirty="0"/>
+              <a:t> --no-kill --</a:t>
+            </a:r>
+            <a:r>
+              <a:rPr lang="en-US" dirty="0" err="1"/>
+              <a:t>ntasks</a:t>
+            </a:r>
+            <a:r>
+              <a:rPr lang="en-US" dirty="0"/>
+              <a:t>-per-node=1 --wait=0 </a:t>
+            </a:r>
+            <a:r>
+              <a:rPr lang="en-US" dirty="0" err="1"/>
+              <a:t>driver.sh</a:t>
+            </a:r>
+            <a:r>
+              <a:rPr lang="en-US" dirty="0"/>
+              <a:t> $1 </a:t>
+            </a:r>
           </a:p>
         </p:txBody>
       </p:sp>
@@ -17093,7 +17429,7 @@
           <p:cNvPr id="4" name="Slide Number Placeholder 3">
             <a:extLst>
               <a:ext uri="{FF2B5EF4-FFF2-40B4-BE49-F238E27FC236}">
-                <a16:creationId xmlns:a16="http://schemas.microsoft.com/office/drawing/2014/main" id="{87862148-A82F-6595-EB87-8CD56A32B601}"/>
+                <a16:creationId xmlns:a16="http://schemas.microsoft.com/office/drawing/2014/main" id="{DD45EEEA-A31E-DBF4-DEB5-C19BB0F77CCF}"/>
               </a:ext>
             </a:extLst>
           </p:cNvPr>
@@ -17120,7 +17456,7 @@
     </p:spTree>
     <p:extLst>
       <p:ext uri="{BB962C8B-B14F-4D97-AF65-F5344CB8AC3E}">
-        <p14:creationId xmlns:p14="http://schemas.microsoft.com/office/powerpoint/2010/main" val="1932563730"/>
+        <p14:creationId xmlns:p14="http://schemas.microsoft.com/office/powerpoint/2010/main" val="1067091046"/>
       </p:ext>
     </p:extLst>
   </p:cSld>
@@ -17152,7 +17488,7 @@
           <p:cNvPr id="2" name="Title 1">
             <a:extLst>
               <a:ext uri="{FF2B5EF4-FFF2-40B4-BE49-F238E27FC236}">
-                <a16:creationId xmlns:a16="http://schemas.microsoft.com/office/drawing/2014/main" id="{B8E21E67-F384-855E-36B7-EAAEDC84D115}"/>
+                <a16:creationId xmlns:a16="http://schemas.microsoft.com/office/drawing/2014/main" id="{ABEFA967-0EF2-9A5A-B880-CCD972CDC706}"/>
               </a:ext>
             </a:extLst>
           </p:cNvPr>
@@ -17170,165 +17506,14 @@
           <a:p>
             <a:pPr algn="ctr"/>
             <a:r>
-              <a:rPr lang="en-US" dirty="0" err="1">
+              <a:rPr lang="en-US">
                 <a:latin typeface="National Park " pitchFamily="2" charset="77"/>
               </a:rPr>
-              <a:t>Multinode</a:t>
-            </a:r>
-            <a:r>
-              <a:rPr lang="en-US" dirty="0">
-                <a:latin typeface="National Park " pitchFamily="2" charset="77"/>
-              </a:rPr>
-              <a:t> Execution in SLURM</a:t>
-            </a:r>
-          </a:p>
-        </p:txBody>
-      </p:sp>
-      <p:sp>
-        <p:nvSpPr>
-          <p:cNvPr id="3" name="Content Placeholder 2">
-            <a:extLst>
-              <a:ext uri="{FF2B5EF4-FFF2-40B4-BE49-F238E27FC236}">
-                <a16:creationId xmlns:a16="http://schemas.microsoft.com/office/drawing/2014/main" id="{C70AEB26-A444-7D8E-A8AA-B8AF023A9E5C}"/>
-              </a:ext>
-            </a:extLst>
-          </p:cNvPr>
-          <p:cNvSpPr>
-            <a:spLocks noGrp="1"/>
-          </p:cNvSpPr>
-          <p:nvPr>
-            <p:ph idx="1"/>
-          </p:nvPr>
-        </p:nvSpPr>
-        <p:spPr>
-          <a:xfrm>
-            <a:off x="628650" y="1369219"/>
-            <a:ext cx="5624666" cy="3263504"/>
-          </a:xfrm>
-        </p:spPr>
-        <p:txBody>
-          <a:bodyPr>
-            <a:normAutofit fontScale="92500" lnSpcReduction="20000"/>
-          </a:bodyPr>
-          <a:lstStyle/>
-          <a:p>
-            <a:pPr marL="0" indent="0">
-              <a:buNone/>
-            </a:pPr>
-            <a:r>
-              <a:rPr lang="en-US" dirty="0"/>
-              <a:t>#!/bin/bash</a:t>
-            </a:r>
-          </a:p>
-          <a:p>
-            <a:pPr marL="0" indent="0">
-              <a:buNone/>
-            </a:pPr>
-            <a:endParaRPr lang="en-US" dirty="0"/>
-          </a:p>
-          <a:p>
-            <a:pPr marL="0" indent="0">
-              <a:buNone/>
-            </a:pPr>
-            <a:r>
-              <a:rPr lang="en-US" dirty="0"/>
-              <a:t>#SBATCH -J </a:t>
-            </a:r>
-            <a:r>
-              <a:rPr lang="en-US" dirty="0" err="1"/>
-              <a:t>multinode</a:t>
-            </a:r>
-            <a:endParaRPr lang="en-US" dirty="0"/>
-          </a:p>
-          <a:p>
-            <a:pPr marL="0" indent="0">
-              <a:buNone/>
-            </a:pPr>
-            <a:r>
-              <a:rPr lang="en-US" dirty="0"/>
-              <a:t>#SBATCH -o %x-%</a:t>
-            </a:r>
-            <a:r>
-              <a:rPr lang="en-US" dirty="0" err="1"/>
-              <a:t>j.out</a:t>
-            </a:r>
-            <a:endParaRPr lang="en-US" dirty="0"/>
-          </a:p>
-          <a:p>
-            <a:pPr marL="0" indent="0">
-              <a:buNone/>
-            </a:pPr>
-            <a:r>
-              <a:rPr lang="en-US" dirty="0"/>
-              <a:t>#SBATCH -e %x-%</a:t>
-            </a:r>
-            <a:r>
-              <a:rPr lang="en-US" dirty="0" err="1"/>
-              <a:t>j.err</a:t>
-            </a:r>
-            <a:endParaRPr lang="en-US" dirty="0"/>
-          </a:p>
-          <a:p>
-            <a:pPr marL="0" indent="0">
-              <a:buNone/>
-            </a:pPr>
-            <a:r>
-              <a:rPr lang="en-US" dirty="0"/>
-              <a:t>#SBATCH -t 0:20:00</a:t>
-            </a:r>
-          </a:p>
-          <a:p>
-            <a:pPr marL="0" indent="0">
-              <a:buNone/>
-            </a:pPr>
-            <a:r>
-              <a:rPr lang="en-US" dirty="0"/>
-              <a:t>#SBATCH -p batch</a:t>
-            </a:r>
-          </a:p>
-          <a:p>
-            <a:pPr marL="0" indent="0">
-              <a:buNone/>
-            </a:pPr>
-            <a:r>
-              <a:rPr lang="en-US" dirty="0"/>
-              <a:t>#SBATCH -N 4</a:t>
-            </a:r>
-          </a:p>
-          <a:p>
-            <a:pPr marL="0" indent="0">
-              <a:buNone/>
-            </a:pPr>
-            <a:endParaRPr lang="en-US" dirty="0"/>
-          </a:p>
-          <a:p>
-            <a:pPr marL="0" indent="0">
-              <a:buNone/>
-            </a:pPr>
-            <a:r>
-              <a:rPr lang="en-US" dirty="0" err="1"/>
-              <a:t>srun</a:t>
-            </a:r>
-            <a:r>
-              <a:rPr lang="en-US" dirty="0"/>
-              <a:t> --no-kill --</a:t>
-            </a:r>
-            <a:r>
-              <a:rPr lang="en-US" dirty="0" err="1"/>
-              <a:t>ntasks</a:t>
-            </a:r>
-            <a:r>
-              <a:rPr lang="en-US" dirty="0"/>
-              <a:t>-per-node=1 --wait=0 </a:t>
-            </a:r>
-            <a:r>
-              <a:rPr lang="en-US" dirty="0" err="1"/>
-              <a:t>driver.sh</a:t>
-            </a:r>
-            <a:r>
-              <a:rPr lang="en-US" dirty="0"/>
-              <a:t> $1 </a:t>
-            </a:r>
+              <a:t>Driver and Payload codes</a:t>
+            </a:r>
+            <a:endParaRPr lang="en-US" dirty="0">
+              <a:latin typeface="National Park " pitchFamily="2" charset="77"/>
+            </a:endParaRPr>
           </a:p>
         </p:txBody>
       </p:sp>
@@ -17337,7 +17522,7 @@
           <p:cNvPr id="4" name="Slide Number Placeholder 3">
             <a:extLst>
               <a:ext uri="{FF2B5EF4-FFF2-40B4-BE49-F238E27FC236}">
-                <a16:creationId xmlns:a16="http://schemas.microsoft.com/office/drawing/2014/main" id="{DD45EEEA-A31E-DBF4-DEB5-C19BB0F77CCF}"/>
+                <a16:creationId xmlns:a16="http://schemas.microsoft.com/office/drawing/2014/main" id="{1A7D097B-9303-71F3-5282-02892FC1B65D}"/>
               </a:ext>
             </a:extLst>
           </p:cNvPr>
@@ -17361,10 +17546,148 @@
           </a:p>
         </p:txBody>
       </p:sp>
+      <p:sp>
+        <p:nvSpPr>
+          <p:cNvPr id="5" name="TextBox 4">
+            <a:extLst>
+              <a:ext uri="{FF2B5EF4-FFF2-40B4-BE49-F238E27FC236}">
+                <a16:creationId xmlns:a16="http://schemas.microsoft.com/office/drawing/2014/main" id="{90CED4FA-CB54-1673-088C-7D6655D17620}"/>
+              </a:ext>
+            </a:extLst>
+          </p:cNvPr>
+          <p:cNvSpPr txBox="1"/>
+          <p:nvPr/>
+        </p:nvSpPr>
+        <p:spPr>
+          <a:xfrm>
+            <a:off x="899651" y="1356854"/>
+            <a:ext cx="6694268" cy="1754326"/>
+          </a:xfrm>
+          <a:prstGeom prst="rect">
+            <a:avLst/>
+          </a:prstGeom>
+          <a:noFill/>
+          <a:ln>
+            <a:solidFill>
+              <a:schemeClr val="accent1"/>
+            </a:solidFill>
+          </a:ln>
+        </p:spPr>
+        <p:txBody>
+          <a:bodyPr wrap="none" rtlCol="0">
+            <a:spAutoFit/>
+          </a:bodyPr>
+          <a:lstStyle/>
+          <a:p>
+            <a:r>
+              <a:rPr lang="en-US" dirty="0"/>
+              <a:t># Deliver tasks depending on the </a:t>
+            </a:r>
+            <a:r>
+              <a:rPr lang="en-US" dirty="0" err="1"/>
+              <a:t>nodeid</a:t>
+            </a:r>
+            <a:endParaRPr lang="en-US" dirty="0"/>
+          </a:p>
+          <a:p>
+            <a:r>
+              <a:rPr lang="en-US" dirty="0"/>
+              <a:t>cat $1 |                                               \</a:t>
+            </a:r>
+          </a:p>
+          <a:p>
+            <a:r>
+              <a:rPr lang="en-US" dirty="0"/>
+              <a:t>awk -v NNODE="$SLURM_NNODES" -v NODEID="$SLURM_NODEID" \</a:t>
+            </a:r>
+          </a:p>
+          <a:p>
+            <a:r>
+              <a:rPr lang="en-US" dirty="0"/>
+              <a:t>'NR % NNODE == NODEID' |                               \</a:t>
+            </a:r>
+          </a:p>
+          <a:p>
+            <a:r>
+              <a:rPr lang="en-US" dirty="0"/>
+              <a:t>parallel ./</a:t>
+            </a:r>
+            <a:r>
+              <a:rPr lang="en-US" dirty="0" err="1"/>
+              <a:t>payload.sh</a:t>
+            </a:r>
+            <a:r>
+              <a:rPr lang="en-US" dirty="0"/>
+              <a:t> argument_{}</a:t>
+            </a:r>
+          </a:p>
+          <a:p>
+            <a:endParaRPr lang="en-US" dirty="0"/>
+          </a:p>
+        </p:txBody>
+      </p:sp>
+      <p:sp>
+        <p:nvSpPr>
+          <p:cNvPr id="6" name="TextBox 5">
+            <a:extLst>
+              <a:ext uri="{FF2B5EF4-FFF2-40B4-BE49-F238E27FC236}">
+                <a16:creationId xmlns:a16="http://schemas.microsoft.com/office/drawing/2014/main" id="{A9167C1B-2AE7-96A4-6298-2A4F92B0715C}"/>
+              </a:ext>
+            </a:extLst>
+          </p:cNvPr>
+          <p:cNvSpPr txBox="1"/>
+          <p:nvPr/>
+        </p:nvSpPr>
+        <p:spPr>
+          <a:xfrm>
+            <a:off x="899651" y="3200018"/>
+            <a:ext cx="8200322" cy="1477328"/>
+          </a:xfrm>
+          <a:prstGeom prst="rect">
+            <a:avLst/>
+          </a:prstGeom>
+          <a:noFill/>
+          <a:ln>
+            <a:solidFill>
+              <a:schemeClr val="accent1"/>
+            </a:solidFill>
+          </a:ln>
+        </p:spPr>
+        <p:txBody>
+          <a:bodyPr wrap="none" rtlCol="0">
+            <a:spAutoFit/>
+          </a:bodyPr>
+          <a:lstStyle/>
+          <a:p>
+            <a:r>
+              <a:rPr lang="en-US" dirty="0"/>
+              <a:t>#!/bin/bash</a:t>
+            </a:r>
+          </a:p>
+          <a:p>
+            <a:endParaRPr lang="en-US" dirty="0"/>
+          </a:p>
+          <a:p>
+            <a:r>
+              <a:rPr lang="en-US" dirty="0"/>
+              <a:t>H="$(hostname)"</a:t>
+            </a:r>
+          </a:p>
+          <a:p>
+            <a:r>
+              <a:rPr lang="en-US" dirty="0"/>
+              <a:t>echo “This is the payload script. $1 is the argument passed to it. Ran on machine $H.”</a:t>
+            </a:r>
+          </a:p>
+          <a:p>
+            <a:endParaRPr lang="en-US" dirty="0"/>
+          </a:p>
+        </p:txBody>
+      </p:sp>
     </p:spTree>
     <p:extLst>
       <p:ext uri="{BB962C8B-B14F-4D97-AF65-F5344CB8AC3E}">
-        <p14:creationId xmlns:p14="http://schemas.microsoft.com/office/powerpoint/2010/main" val="1067091046"/>
+        <p14:creationId xmlns:p14="http://schemas.microsoft.com/office/powerpoint/2010/main" val="3093236457"/>
       </p:ext>
     </p:extLst>
   </p:cSld>
@@ -17545,13 +17868,7 @@
       </p:grpSpPr>
       <p:sp>
         <p:nvSpPr>
-          <p:cNvPr id="2" name="Title 1">
-            <a:extLst>
-              <a:ext uri="{FF2B5EF4-FFF2-40B4-BE49-F238E27FC236}">
-                <a16:creationId xmlns:a16="http://schemas.microsoft.com/office/drawing/2014/main" id="{ABEFA967-0EF2-9A5A-B880-CCD972CDC706}"/>
-              </a:ext>
-            </a:extLst>
-          </p:cNvPr>
+          <p:cNvPr id="2" name="Title 1"/>
           <p:cNvSpPr>
             <a:spLocks noGrp="1"/>
           </p:cNvSpPr>
@@ -17559,19 +17876,51 @@
             <p:ph type="title"/>
           </p:nvPr>
         </p:nvSpPr>
+        <p:spPr>
+          <a:xfrm>
+            <a:off x="628650" y="2074664"/>
+            <a:ext cx="7886700" cy="994172"/>
+          </a:xfrm>
+        </p:spPr>
+        <p:txBody>
+          <a:bodyPr/>
+          <a:lstStyle/>
+          <a:p>
+            <a:pPr algn="ctr"/>
+            <a:r>
+              <a:rPr lang="en-US" dirty="0">
+                <a:latin typeface="National Park " pitchFamily="2" charset="77"/>
+              </a:rPr>
+              <a:t>Part 6: Asynchronous Workflow Execution</a:t>
+            </a:r>
+            <a:endParaRPr lang="en-US" i="1" dirty="0">
+              <a:latin typeface="National Park Medium" pitchFamily="2" charset="77"/>
+            </a:endParaRPr>
+          </a:p>
+        </p:txBody>
+      </p:sp>
+      <p:sp>
+        <p:nvSpPr>
+          <p:cNvPr id="4" name="Slide Number Placeholder 3"/>
+          <p:cNvSpPr>
+            <a:spLocks noGrp="1"/>
+          </p:cNvSpPr>
+          <p:nvPr>
+            <p:ph type="sldNum" sz="quarter" idx="12"/>
+          </p:nvPr>
+        </p:nvSpPr>
         <p:spPr/>
         <p:txBody>
           <a:bodyPr/>
           <a:lstStyle/>
           <a:p>
-            <a:pPr algn="ctr"/>
-            <a:r>
-              <a:rPr lang="en-US">
+            <a:fld id="{4E3AEE2C-3A74-8643-B4A2-442777B583A3}" type="slidenum">
+              <a:rPr lang="en-US" smtClean="0">
                 <a:latin typeface="National Park " pitchFamily="2" charset="77"/>
               </a:rPr>
-              <a:t>Driver and Payload codes</a:t>
-            </a:r>
-            <a:endParaRPr lang="en-US" dirty="0">
+              <a:t>50</a:t>
+            </a:fld>
+            <a:endParaRPr lang="en-US">
               <a:latin typeface="National Park " pitchFamily="2" charset="77"/>
             </a:endParaRPr>
           </a:p>
@@ -17579,59 +17928,19 @@
       </p:sp>
       <p:sp>
         <p:nvSpPr>
-          <p:cNvPr id="4" name="Slide Number Placeholder 3">
-            <a:extLst>
-              <a:ext uri="{FF2B5EF4-FFF2-40B4-BE49-F238E27FC236}">
-                <a16:creationId xmlns:a16="http://schemas.microsoft.com/office/drawing/2014/main" id="{1A7D097B-9303-71F3-5282-02892FC1B65D}"/>
-              </a:ext>
-            </a:extLst>
-          </p:cNvPr>
-          <p:cNvSpPr>
-            <a:spLocks noGrp="1"/>
-          </p:cNvSpPr>
-          <p:nvPr>
-            <p:ph type="sldNum" sz="quarter" idx="12"/>
-          </p:nvPr>
-        </p:nvSpPr>
-        <p:spPr/>
-        <p:txBody>
-          <a:bodyPr/>
-          <a:lstStyle/>
-          <a:p>
-            <a:fld id="{4E3AEE2C-3A74-8643-B4A2-442777B583A3}" type="slidenum">
-              <a:rPr lang="en-US" smtClean="0"/>
-              <a:t>50</a:t>
-            </a:fld>
-            <a:endParaRPr lang="en-US"/>
-          </a:p>
-        </p:txBody>
-      </p:sp>
-      <p:sp>
-        <p:nvSpPr>
-          <p:cNvPr id="5" name="TextBox 4">
-            <a:extLst>
-              <a:ext uri="{FF2B5EF4-FFF2-40B4-BE49-F238E27FC236}">
-                <a16:creationId xmlns:a16="http://schemas.microsoft.com/office/drawing/2014/main" id="{90CED4FA-CB54-1673-088C-7D6655D17620}"/>
-              </a:ext>
-            </a:extLst>
-          </p:cNvPr>
+          <p:cNvPr id="5" name="TextBox 4"/>
           <p:cNvSpPr txBox="1"/>
           <p:nvPr/>
         </p:nvSpPr>
         <p:spPr>
           <a:xfrm>
-            <a:off x="899651" y="1356854"/>
-            <a:ext cx="6694268" cy="1754326"/>
+            <a:off x="7603274" y="4490264"/>
+            <a:ext cx="816249" cy="248209"/>
           </a:xfrm>
           <a:prstGeom prst="rect">
             <a:avLst/>
           </a:prstGeom>
           <a:noFill/>
-          <a:ln>
-            <a:solidFill>
-              <a:schemeClr val="accent1"/>
-            </a:solidFill>
-          </a:ln>
         </p:spPr>
         <p:txBody>
           <a:bodyPr wrap="none" rtlCol="0">
@@ -17640,114 +17949,22 @@
           <a:lstStyle/>
           <a:p>
             <a:r>
-              <a:rPr lang="en-US" dirty="0"/>
-              <a:t># Deliver tasks depending on the </a:t>
-            </a:r>
-            <a:r>
-              <a:rPr lang="en-US" dirty="0" err="1"/>
-              <a:t>nodeid</a:t>
-            </a:r>
-            <a:endParaRPr lang="en-US" dirty="0"/>
-          </a:p>
-          <a:p>
-            <a:r>
-              <a:rPr lang="en-US" dirty="0"/>
-              <a:t>cat $1 |                                               \</a:t>
-            </a:r>
-          </a:p>
-          <a:p>
-            <a:r>
-              <a:rPr lang="en-US" dirty="0"/>
-              <a:t>awk -v NNODE="$SLURM_NNODES" -v NODEID="$SLURM_NODEID" \</a:t>
-            </a:r>
-          </a:p>
-          <a:p>
-            <a:r>
-              <a:rPr lang="en-US" dirty="0"/>
-              <a:t>'NR % NNODE == NODEID' |                               \</a:t>
-            </a:r>
-          </a:p>
-          <a:p>
-            <a:r>
-              <a:rPr lang="en-US" dirty="0"/>
-              <a:t>parallel ./</a:t>
-            </a:r>
-            <a:r>
-              <a:rPr lang="en-US" dirty="0" err="1"/>
-              <a:t>payload.sh</a:t>
-            </a:r>
-            <a:r>
-              <a:rPr lang="en-US" dirty="0"/>
-              <a:t> argument_{}</a:t>
-            </a:r>
-          </a:p>
-          <a:p>
-            <a:endParaRPr lang="en-US" dirty="0"/>
-          </a:p>
-        </p:txBody>
-      </p:sp>
-      <p:sp>
-        <p:nvSpPr>
-          <p:cNvPr id="6" name="TextBox 5">
-            <a:extLst>
-              <a:ext uri="{FF2B5EF4-FFF2-40B4-BE49-F238E27FC236}">
-                <a16:creationId xmlns:a16="http://schemas.microsoft.com/office/drawing/2014/main" id="{A9167C1B-2AE7-96A4-6298-2A4F92B0715C}"/>
-              </a:ext>
-            </a:extLst>
-          </p:cNvPr>
-          <p:cNvSpPr txBox="1"/>
-          <p:nvPr/>
-        </p:nvSpPr>
-        <p:spPr>
-          <a:xfrm>
-            <a:off x="899651" y="3200018"/>
-            <a:ext cx="8200322" cy="1477328"/>
-          </a:xfrm>
-          <a:prstGeom prst="rect">
-            <a:avLst/>
-          </a:prstGeom>
-          <a:noFill/>
-          <a:ln>
-            <a:solidFill>
-              <a:schemeClr val="accent1"/>
-            </a:solidFill>
-          </a:ln>
-        </p:spPr>
-        <p:txBody>
-          <a:bodyPr wrap="none" rtlCol="0">
-            <a:spAutoFit/>
-          </a:bodyPr>
-          <a:lstStyle/>
-          <a:p>
-            <a:r>
-              <a:rPr lang="en-US" dirty="0"/>
-              <a:t>#!/bin/bash</a:t>
-            </a:r>
-          </a:p>
-          <a:p>
-            <a:endParaRPr lang="en-US" dirty="0"/>
-          </a:p>
-          <a:p>
-            <a:r>
-              <a:rPr lang="en-US" dirty="0"/>
-              <a:t>H="$(hostname)"</a:t>
-            </a:r>
-          </a:p>
-          <a:p>
-            <a:r>
-              <a:rPr lang="en-US" dirty="0"/>
-              <a:t>echo “This is the payload script. $1 is the argument passed to it. Ran on machine $H.”</a:t>
-            </a:r>
-          </a:p>
-          <a:p>
-            <a:endParaRPr lang="en-US" dirty="0"/>
+              <a:rPr lang="en-US" sz="1013" dirty="0">
+                <a:latin typeface="National Park " pitchFamily="2" charset="77"/>
+                <a:hlinkClick r:id="rId2" action="ppaction://hlinksldjump"/>
+              </a:rPr>
+              <a:t>back to toc</a:t>
+            </a:r>
+            <a:endParaRPr lang="en-US" sz="1013" dirty="0">
+              <a:latin typeface="National Park " pitchFamily="2" charset="77"/>
+            </a:endParaRPr>
           </a:p>
         </p:txBody>
       </p:sp>
     </p:spTree>
     <p:extLst>
       <p:ext uri="{BB962C8B-B14F-4D97-AF65-F5344CB8AC3E}">
-        <p14:creationId xmlns:p14="http://schemas.microsoft.com/office/powerpoint/2010/main" val="3093236457"/>
+        <p14:creationId xmlns:p14="http://schemas.microsoft.com/office/powerpoint/2010/main" val="2129954275"/>
       </p:ext>
     </p:extLst>
   </p:cSld>
@@ -17776,131 +17993,6 @@
       </p:grpSpPr>
       <p:sp>
         <p:nvSpPr>
-          <p:cNvPr id="2" name="Title 1"/>
-          <p:cNvSpPr>
-            <a:spLocks noGrp="1"/>
-          </p:cNvSpPr>
-          <p:nvPr>
-            <p:ph type="title"/>
-          </p:nvPr>
-        </p:nvSpPr>
-        <p:spPr>
-          <a:xfrm>
-            <a:off x="628650" y="2074664"/>
-            <a:ext cx="7886700" cy="994172"/>
-          </a:xfrm>
-        </p:spPr>
-        <p:txBody>
-          <a:bodyPr/>
-          <a:lstStyle/>
-          <a:p>
-            <a:pPr algn="ctr"/>
-            <a:r>
-              <a:rPr lang="en-US" dirty="0">
-                <a:latin typeface="National Park " pitchFamily="2" charset="77"/>
-              </a:rPr>
-              <a:t>Part 6: Asynchronous Workflow Execution</a:t>
-            </a:r>
-            <a:endParaRPr lang="en-US" i="1" dirty="0">
-              <a:latin typeface="National Park Medium" pitchFamily="2" charset="77"/>
-            </a:endParaRPr>
-          </a:p>
-        </p:txBody>
-      </p:sp>
-      <p:sp>
-        <p:nvSpPr>
-          <p:cNvPr id="4" name="Slide Number Placeholder 3"/>
-          <p:cNvSpPr>
-            <a:spLocks noGrp="1"/>
-          </p:cNvSpPr>
-          <p:nvPr>
-            <p:ph type="sldNum" sz="quarter" idx="12"/>
-          </p:nvPr>
-        </p:nvSpPr>
-        <p:spPr/>
-        <p:txBody>
-          <a:bodyPr/>
-          <a:lstStyle/>
-          <a:p>
-            <a:fld id="{4E3AEE2C-3A74-8643-B4A2-442777B583A3}" type="slidenum">
-              <a:rPr lang="en-US" smtClean="0">
-                <a:latin typeface="National Park " pitchFamily="2" charset="77"/>
-              </a:rPr>
-              <a:t>51</a:t>
-            </a:fld>
-            <a:endParaRPr lang="en-US">
-              <a:latin typeface="National Park " pitchFamily="2" charset="77"/>
-            </a:endParaRPr>
-          </a:p>
-        </p:txBody>
-      </p:sp>
-      <p:sp>
-        <p:nvSpPr>
-          <p:cNvPr id="5" name="TextBox 4"/>
-          <p:cNvSpPr txBox="1"/>
-          <p:nvPr/>
-        </p:nvSpPr>
-        <p:spPr>
-          <a:xfrm>
-            <a:off x="7603274" y="4490264"/>
-            <a:ext cx="816249" cy="248209"/>
-          </a:xfrm>
-          <a:prstGeom prst="rect">
-            <a:avLst/>
-          </a:prstGeom>
-          <a:noFill/>
-        </p:spPr>
-        <p:txBody>
-          <a:bodyPr wrap="none" rtlCol="0">
-            <a:spAutoFit/>
-          </a:bodyPr>
-          <a:lstStyle/>
-          <a:p>
-            <a:r>
-              <a:rPr lang="en-US" sz="1013" dirty="0">
-                <a:latin typeface="National Park " pitchFamily="2" charset="77"/>
-                <a:hlinkClick r:id="rId2" action="ppaction://hlinksldjump"/>
-              </a:rPr>
-              <a:t>back to toc</a:t>
-            </a:r>
-            <a:endParaRPr lang="en-US" sz="1013" dirty="0">
-              <a:latin typeface="National Park " pitchFamily="2" charset="77"/>
-            </a:endParaRPr>
-          </a:p>
-        </p:txBody>
-      </p:sp>
-    </p:spTree>
-    <p:extLst>
-      <p:ext uri="{BB962C8B-B14F-4D97-AF65-F5344CB8AC3E}">
-        <p14:creationId xmlns:p14="http://schemas.microsoft.com/office/powerpoint/2010/main" val="2129954275"/>
-      </p:ext>
-    </p:extLst>
-  </p:cSld>
-  <p:clrMapOvr>
-    <a:masterClrMapping/>
-  </p:clrMapOvr>
-</p:sld>
-</file>
-
-<file path=ppt/slides/slide52.xml><?xml version="1.0" encoding="utf-8"?>
-<p:sld xmlns:a="http://schemas.openxmlformats.org/drawingml/2006/main" xmlns:r="http://schemas.openxmlformats.org/officeDocument/2006/relationships" xmlns:p="http://schemas.openxmlformats.org/presentationml/2006/main">
-  <p:cSld>
-    <p:spTree>
-      <p:nvGrpSpPr>
-        <p:cNvPr id="1" name=""/>
-        <p:cNvGrpSpPr/>
-        <p:nvPr/>
-      </p:nvGrpSpPr>
-      <p:grpSpPr>
-        <a:xfrm>
-          <a:off x="0" y="0"/>
-          <a:ext cx="0" cy="0"/>
-          <a:chOff x="0" y="0"/>
-          <a:chExt cx="0" cy="0"/>
-        </a:xfrm>
-      </p:grpSpPr>
-      <p:sp>
-        <p:nvSpPr>
           <p:cNvPr id="2" name="Title 1">
             <a:extLst>
               <a:ext uri="{FF2B5EF4-FFF2-40B4-BE49-F238E27FC236}">
@@ -17953,7 +18045,7 @@
           <a:p>
             <a:fld id="{4E3AEE2C-3A74-8643-B4A2-442777B583A3}" type="slidenum">
               <a:rPr lang="en-US" smtClean="0"/>
-              <a:t>52</a:t>
+              <a:t>51</a:t>
             </a:fld>
             <a:endParaRPr lang="en-US"/>
           </a:p>
@@ -18552,7 +18644,7 @@
 </p:sld>
 </file>
 
-<file path=ppt/slides/slide53.xml><?xml version="1.0" encoding="utf-8"?>
+<file path=ppt/slides/slide52.xml><?xml version="1.0" encoding="utf-8"?>
 <p:sld xmlns:a="http://schemas.openxmlformats.org/drawingml/2006/main" xmlns:r="http://schemas.openxmlformats.org/officeDocument/2006/relationships" xmlns:p="http://schemas.openxmlformats.org/presentationml/2006/main">
   <p:cSld>
     <p:spTree>
@@ -18680,7 +18772,7 @@
           <a:p>
             <a:fld id="{4E3AEE2C-3A74-8643-B4A2-442777B583A3}" type="slidenum">
               <a:rPr lang="en-US" smtClean="0"/>
-              <a:t>53</a:t>
+              <a:t>52</a:t>
             </a:fld>
             <a:endParaRPr lang="en-US"/>
           </a:p>
@@ -18746,7 +18838,7 @@
 </p:sld>
 </file>
 
-<file path=ppt/slides/slide54.xml><?xml version="1.0" encoding="utf-8"?>
+<file path=ppt/slides/slide53.xml><?xml version="1.0" encoding="utf-8"?>
 <p:sld xmlns:a="http://schemas.openxmlformats.org/drawingml/2006/main" xmlns:r="http://schemas.openxmlformats.org/officeDocument/2006/relationships" xmlns:p="http://schemas.openxmlformats.org/presentationml/2006/main">
   <p:cSld>
     <p:spTree>
@@ -18932,7 +19024,7 @@
           <a:p>
             <a:fld id="{4E3AEE2C-3A74-8643-B4A2-442777B583A3}" type="slidenum">
               <a:rPr lang="en-US" smtClean="0"/>
-              <a:t>54</a:t>
+              <a:t>53</a:t>
             </a:fld>
             <a:endParaRPr lang="en-US"/>
           </a:p>
@@ -19322,6 +19414,272 @@
 </p:sld>
 </file>
 
+<file path=ppt/slides/slide54.xml><?xml version="1.0" encoding="utf-8"?>
+<p:sld xmlns:a="http://schemas.openxmlformats.org/drawingml/2006/main" xmlns:r="http://schemas.openxmlformats.org/officeDocument/2006/relationships" xmlns:p="http://schemas.openxmlformats.org/presentationml/2006/main">
+  <p:cSld>
+    <p:spTree>
+      <p:nvGrpSpPr>
+        <p:cNvPr id="1" name=""/>
+        <p:cNvGrpSpPr/>
+        <p:nvPr/>
+      </p:nvGrpSpPr>
+      <p:grpSpPr>
+        <a:xfrm>
+          <a:off x="0" y="0"/>
+          <a:ext cx="0" cy="0"/>
+          <a:chOff x="0" y="0"/>
+          <a:chExt cx="0" cy="0"/>
+        </a:xfrm>
+      </p:grpSpPr>
+      <p:sp>
+        <p:nvSpPr>
+          <p:cNvPr id="2" name="Title 1">
+            <a:extLst>
+              <a:ext uri="{FF2B5EF4-FFF2-40B4-BE49-F238E27FC236}">
+                <a16:creationId xmlns:a16="http://schemas.microsoft.com/office/drawing/2014/main" id="{87D06B3D-316A-F622-B2AA-932089B94DB3}"/>
+              </a:ext>
+            </a:extLst>
+          </p:cNvPr>
+          <p:cNvSpPr>
+            <a:spLocks noGrp="1"/>
+          </p:cNvSpPr>
+          <p:nvPr>
+            <p:ph type="title"/>
+          </p:nvPr>
+        </p:nvSpPr>
+        <p:spPr/>
+        <p:txBody>
+          <a:bodyPr/>
+          <a:lstStyle/>
+          <a:p>
+            <a:pPr algn="ctr"/>
+            <a:r>
+              <a:rPr lang="en-US" dirty="0">
+                <a:latin typeface="National Park " pitchFamily="2" charset="77"/>
+              </a:rPr>
+              <a:t>GNU Parallel version</a:t>
+            </a:r>
+          </a:p>
+        </p:txBody>
+      </p:sp>
+      <p:sp>
+        <p:nvSpPr>
+          <p:cNvPr id="3" name="Content Placeholder 2">
+            <a:extLst>
+              <a:ext uri="{FF2B5EF4-FFF2-40B4-BE49-F238E27FC236}">
+                <a16:creationId xmlns:a16="http://schemas.microsoft.com/office/drawing/2014/main" id="{68D0FAB4-59C8-ABD4-287A-07CAC4777562}"/>
+              </a:ext>
+            </a:extLst>
+          </p:cNvPr>
+          <p:cNvSpPr>
+            <a:spLocks noGrp="1"/>
+          </p:cNvSpPr>
+          <p:nvPr>
+            <p:ph idx="1"/>
+          </p:nvPr>
+        </p:nvSpPr>
+        <p:spPr/>
+        <p:txBody>
+          <a:bodyPr>
+            <a:normAutofit fontScale="70000" lnSpcReduction="20000"/>
+          </a:bodyPr>
+          <a:lstStyle/>
+          <a:p>
+            <a:pPr marL="0" indent="0">
+              <a:buNone/>
+            </a:pPr>
+            <a:r>
+              <a:rPr lang="en-US" dirty="0"/>
+              <a:t>#!/bin/bash</a:t>
+            </a:r>
+          </a:p>
+          <a:p>
+            <a:pPr marL="0" indent="0">
+              <a:buNone/>
+            </a:pPr>
+            <a:endParaRPr lang="en-US" dirty="0"/>
+          </a:p>
+          <a:p>
+            <a:pPr marL="0" indent="0">
+              <a:buNone/>
+            </a:pPr>
+            <a:r>
+              <a:rPr lang="en-US" dirty="0" err="1"/>
+              <a:t>mkdir</a:t>
+            </a:r>
+            <a:r>
+              <a:rPr lang="en-US" dirty="0"/>
+              <a:t> -p p{1..5}/</a:t>
+            </a:r>
+            <a:r>
+              <a:rPr lang="en-US" dirty="0" err="1"/>
+              <a:t>outdir</a:t>
+            </a:r>
+            <a:r>
+              <a:rPr lang="en-US" dirty="0"/>
+              <a:t> outputs</a:t>
+            </a:r>
+          </a:p>
+          <a:p>
+            <a:pPr marL="0" indent="0">
+              <a:buNone/>
+            </a:pPr>
+            <a:r>
+              <a:rPr lang="en-US" dirty="0"/>
+              <a:t>parallel --link p1/p1.sh {1} {2} ::: inputs/in{1..6}.txt ::: p1/</a:t>
+            </a:r>
+            <a:r>
+              <a:rPr lang="en-US" dirty="0" err="1"/>
+              <a:t>outdir</a:t>
+            </a:r>
+            <a:r>
+              <a:rPr lang="en-US" dirty="0"/>
+              <a:t>/out{1..6}.txt &amp;</a:t>
+            </a:r>
+          </a:p>
+          <a:p>
+            <a:pPr marL="0" indent="0">
+              <a:buNone/>
+            </a:pPr>
+            <a:br>
+              <a:rPr lang="en-US" dirty="0"/>
+            </a:br>
+            <a:r>
+              <a:rPr lang="en-US" dirty="0"/>
+              <a:t>touch q.p1 ; tail -n+0 -f q.p1 | parallel -u --link p2/p2.sh {1} {2} :::: - ::: p2/</a:t>
+            </a:r>
+            <a:r>
+              <a:rPr lang="en-US" dirty="0" err="1"/>
+              <a:t>outdir</a:t>
+            </a:r>
+            <a:r>
+              <a:rPr lang="en-US" dirty="0"/>
+              <a:t>/out{1..6}.txt &amp;</a:t>
+            </a:r>
+          </a:p>
+          <a:p>
+            <a:pPr marL="0" indent="0">
+              <a:buNone/>
+            </a:pPr>
+            <a:r>
+              <a:rPr lang="en-US" dirty="0"/>
+              <a:t>touch q.p1 ; tail -n+0 -f q.p1 | parallel -u --link p3/p3.sh {1} {2} :::: - ::: p3/</a:t>
+            </a:r>
+            <a:r>
+              <a:rPr lang="en-US" dirty="0" err="1"/>
+              <a:t>outdir</a:t>
+            </a:r>
+            <a:r>
+              <a:rPr lang="en-US" dirty="0"/>
+              <a:t>/out{1..6}.txt &amp;</a:t>
+            </a:r>
+          </a:p>
+          <a:p>
+            <a:pPr marL="0" indent="0">
+              <a:buNone/>
+            </a:pPr>
+            <a:r>
+              <a:rPr lang="en-US" dirty="0"/>
+              <a:t>touch q.p2 ; tail -n+0 -f q.p2 | parallel -u --link p4/p4.sh {1} {2} :::: - ::: p4/</a:t>
+            </a:r>
+            <a:r>
+              <a:rPr lang="en-US" dirty="0" err="1"/>
+              <a:t>outdir</a:t>
+            </a:r>
+            <a:r>
+              <a:rPr lang="en-US" dirty="0"/>
+              <a:t>/out{1..6}.txt &amp;</a:t>
+            </a:r>
+          </a:p>
+          <a:p>
+            <a:pPr marL="0" indent="0">
+              <a:buNone/>
+            </a:pPr>
+            <a:r>
+              <a:rPr lang="en-US" dirty="0"/>
+              <a:t>touch q.p3 ; tail -n+0 -f q.p3 | parallel -u --link p5/p5.sh {1} {2} :::: - ::: p5/</a:t>
+            </a:r>
+            <a:r>
+              <a:rPr lang="en-US" dirty="0" err="1"/>
+              <a:t>outdir</a:t>
+            </a:r>
+            <a:r>
+              <a:rPr lang="en-US" dirty="0"/>
+              <a:t>/out{1..6}.txt &amp; </a:t>
+            </a:r>
+          </a:p>
+          <a:p>
+            <a:pPr marL="0" indent="0">
+              <a:buNone/>
+            </a:pPr>
+            <a:br>
+              <a:rPr lang="en-US" dirty="0"/>
+            </a:br>
+            <a:r>
+              <a:rPr lang="en-US" dirty="0"/>
+              <a:t>(</a:t>
+            </a:r>
+            <a:r>
+              <a:rPr lang="en-US" dirty="0" err="1"/>
+              <a:t>stdbuf</a:t>
+            </a:r>
+            <a:r>
+              <a:rPr lang="en-US" dirty="0"/>
+              <a:t> -</a:t>
+            </a:r>
+            <a:r>
+              <a:rPr lang="en-US" dirty="0" err="1"/>
+              <a:t>oL</a:t>
+            </a:r>
+            <a:r>
+              <a:rPr lang="en-US" dirty="0"/>
+              <a:t> paste &lt;(touch q.p4 ; tail -n+0 -f q.p4) &lt;(touch q.p5 ; tail -n+0 -f q.p5)) | parallel -u --link p6/p6.sh :::: - ::: outputs/out{1..6}.txt</a:t>
+            </a:r>
+          </a:p>
+        </p:txBody>
+      </p:sp>
+      <p:sp>
+        <p:nvSpPr>
+          <p:cNvPr id="4" name="Slide Number Placeholder 3">
+            <a:extLst>
+              <a:ext uri="{FF2B5EF4-FFF2-40B4-BE49-F238E27FC236}">
+                <a16:creationId xmlns:a16="http://schemas.microsoft.com/office/drawing/2014/main" id="{6795D557-3AB0-86CA-790C-CB04EC2B03DE}"/>
+              </a:ext>
+            </a:extLst>
+          </p:cNvPr>
+          <p:cNvSpPr>
+            <a:spLocks noGrp="1"/>
+          </p:cNvSpPr>
+          <p:nvPr>
+            <p:ph type="sldNum" sz="quarter" idx="12"/>
+          </p:nvPr>
+        </p:nvSpPr>
+        <p:spPr/>
+        <p:txBody>
+          <a:bodyPr/>
+          <a:lstStyle/>
+          <a:p>
+            <a:fld id="{4E3AEE2C-3A74-8643-B4A2-442777B583A3}" type="slidenum">
+              <a:rPr lang="en-US" smtClean="0"/>
+              <a:t>54</a:t>
+            </a:fld>
+            <a:endParaRPr lang="en-US"/>
+          </a:p>
+        </p:txBody>
+      </p:sp>
+    </p:spTree>
+    <p:extLst>
+      <p:ext uri="{BB962C8B-B14F-4D97-AF65-F5344CB8AC3E}">
+        <p14:creationId xmlns:p14="http://schemas.microsoft.com/office/powerpoint/2010/main" val="316829794"/>
+      </p:ext>
+    </p:extLst>
+  </p:cSld>
+  <p:clrMapOvr>
+    <a:masterClrMapping/>
+  </p:clrMapOvr>
+</p:sld>
+</file>
+
 <file path=ppt/slides/slide55.xml><?xml version="1.0" encoding="utf-8"?>
 <p:sld xmlns:a="http://schemas.openxmlformats.org/drawingml/2006/main" xmlns:r="http://schemas.openxmlformats.org/officeDocument/2006/relationships" xmlns:p="http://schemas.openxmlformats.org/presentationml/2006/main">
   <p:cSld>
@@ -19341,13 +19699,7 @@
       </p:grpSpPr>
       <p:sp>
         <p:nvSpPr>
-          <p:cNvPr id="2" name="Title 1">
-            <a:extLst>
-              <a:ext uri="{FF2B5EF4-FFF2-40B4-BE49-F238E27FC236}">
-                <a16:creationId xmlns:a16="http://schemas.microsoft.com/office/drawing/2014/main" id="{87D06B3D-316A-F622-B2AA-932089B94DB3}"/>
-              </a:ext>
-            </a:extLst>
-          </p:cNvPr>
+          <p:cNvPr id="2" name="Title 1"/>
           <p:cNvSpPr>
             <a:spLocks noGrp="1"/>
           </p:cNvSpPr>
@@ -19355,230 +19707,97 @@
             <p:ph type="title"/>
           </p:nvPr>
         </p:nvSpPr>
+        <p:spPr>
+          <a:xfrm>
+            <a:off x="628650" y="1888115"/>
+            <a:ext cx="7886700" cy="1367270"/>
+          </a:xfrm>
+        </p:spPr>
+        <p:txBody>
+          <a:bodyPr>
+            <a:normAutofit/>
+          </a:bodyPr>
+          <a:lstStyle/>
+          <a:p>
+            <a:pPr algn="ctr"/>
+            <a:r>
+              <a:rPr lang="en-US" dirty="0">
+                <a:latin typeface="National Park " pitchFamily="2" charset="77"/>
+              </a:rPr>
+              <a:t>Part 7: A Real Application Example</a:t>
+            </a:r>
+            <a:endParaRPr lang="en-US" i="1" dirty="0">
+              <a:latin typeface="National Park Medium" pitchFamily="2" charset="77"/>
+            </a:endParaRPr>
+          </a:p>
+        </p:txBody>
+      </p:sp>
+      <p:sp>
+        <p:nvSpPr>
+          <p:cNvPr id="4" name="Slide Number Placeholder 3"/>
+          <p:cNvSpPr>
+            <a:spLocks noGrp="1"/>
+          </p:cNvSpPr>
+          <p:nvPr>
+            <p:ph type="sldNum" sz="quarter" idx="12"/>
+          </p:nvPr>
+        </p:nvSpPr>
         <p:spPr/>
         <p:txBody>
           <a:bodyPr/>
           <a:lstStyle/>
           <a:p>
-            <a:pPr algn="ctr"/>
-            <a:r>
-              <a:rPr lang="en-US" dirty="0">
+            <a:fld id="{4E3AEE2C-3A74-8643-B4A2-442777B583A3}" type="slidenum">
+              <a:rPr lang="en-US" smtClean="0">
                 <a:latin typeface="National Park " pitchFamily="2" charset="77"/>
               </a:rPr>
-              <a:t>GNU Parallel version</a:t>
-            </a:r>
-          </a:p>
-        </p:txBody>
-      </p:sp>
-      <p:sp>
-        <p:nvSpPr>
-          <p:cNvPr id="3" name="Content Placeholder 2">
-            <a:extLst>
-              <a:ext uri="{FF2B5EF4-FFF2-40B4-BE49-F238E27FC236}">
-                <a16:creationId xmlns:a16="http://schemas.microsoft.com/office/drawing/2014/main" id="{68D0FAB4-59C8-ABD4-287A-07CAC4777562}"/>
-              </a:ext>
-            </a:extLst>
-          </p:cNvPr>
-          <p:cNvSpPr>
-            <a:spLocks noGrp="1"/>
-          </p:cNvSpPr>
-          <p:nvPr>
-            <p:ph idx="1"/>
-          </p:nvPr>
-        </p:nvSpPr>
-        <p:spPr/>
-        <p:txBody>
-          <a:bodyPr>
-            <a:normAutofit fontScale="70000" lnSpcReduction="20000"/>
-          </a:bodyPr>
-          <a:lstStyle/>
-          <a:p>
-            <a:pPr marL="0" indent="0">
-              <a:buNone/>
-            </a:pPr>
-            <a:r>
-              <a:rPr lang="en-US" dirty="0"/>
-              <a:t>#!/bin/bash</a:t>
-            </a:r>
-          </a:p>
-          <a:p>
-            <a:pPr marL="0" indent="0">
-              <a:buNone/>
-            </a:pPr>
-            <a:endParaRPr lang="en-US" dirty="0"/>
-          </a:p>
-          <a:p>
-            <a:pPr marL="0" indent="0">
-              <a:buNone/>
-            </a:pPr>
-            <a:r>
-              <a:rPr lang="en-US" dirty="0" err="1"/>
-              <a:t>mkdir</a:t>
-            </a:r>
-            <a:r>
-              <a:rPr lang="en-US" dirty="0"/>
-              <a:t> -p p{1..5}/</a:t>
-            </a:r>
-            <a:r>
-              <a:rPr lang="en-US" dirty="0" err="1"/>
-              <a:t>outdir</a:t>
-            </a:r>
-            <a:r>
-              <a:rPr lang="en-US" dirty="0"/>
-              <a:t> outputs</a:t>
-            </a:r>
-          </a:p>
-          <a:p>
-            <a:pPr marL="0" indent="0">
-              <a:buNone/>
-            </a:pPr>
-            <a:r>
-              <a:rPr lang="en-US" dirty="0"/>
-              <a:t>parallel --link p1/p1.sh {1} {2} ::: inputs/in{1..6}.txt ::: p1/</a:t>
-            </a:r>
-            <a:r>
-              <a:rPr lang="en-US" dirty="0" err="1"/>
-              <a:t>outdir</a:t>
-            </a:r>
-            <a:r>
-              <a:rPr lang="en-US" dirty="0"/>
-              <a:t>/out{1..6}.txt &amp;</a:t>
-            </a:r>
-          </a:p>
-          <a:p>
-            <a:pPr marL="0" indent="0">
-              <a:buNone/>
-            </a:pPr>
-            <a:br>
-              <a:rPr lang="en-US" dirty="0"/>
-            </a:br>
-            <a:r>
-              <a:rPr lang="en-US" dirty="0"/>
-              <a:t>touch q.p1 ; tail -n+0 -f q.p1 | parallel -u --link p2/p2.sh {1} {2} :::: - ::: p2/</a:t>
-            </a:r>
-            <a:r>
-              <a:rPr lang="en-US" dirty="0" err="1"/>
-              <a:t>outdir</a:t>
-            </a:r>
-            <a:r>
-              <a:rPr lang="en-US" dirty="0"/>
-              <a:t>/out{1..6}.txt &amp;</a:t>
-            </a:r>
-          </a:p>
-          <a:p>
-            <a:pPr marL="0" indent="0">
-              <a:buNone/>
-            </a:pPr>
-            <a:r>
-              <a:rPr lang="en-US" dirty="0"/>
-              <a:t>touch q.p1 ; tail -n+0 -f q.p1 | parallel -u --link p3/p3.sh {1} {2} :::: - ::: p3/</a:t>
-            </a:r>
-            <a:r>
-              <a:rPr lang="en-US" dirty="0" err="1"/>
-              <a:t>outdir</a:t>
-            </a:r>
-            <a:r>
-              <a:rPr lang="en-US" dirty="0"/>
-              <a:t>/out{1..6}.txt &amp;</a:t>
-            </a:r>
-          </a:p>
-          <a:p>
-            <a:pPr marL="0" indent="0">
-              <a:buNone/>
-            </a:pPr>
-            <a:r>
-              <a:rPr lang="en-US" dirty="0"/>
-              <a:t>touch q.p2 ; tail -n+0 -f q.p2 | parallel -u --link p4/p4.sh {1} {2} :::: - ::: p4/</a:t>
-            </a:r>
-            <a:r>
-              <a:rPr lang="en-US" dirty="0" err="1"/>
-              <a:t>outdir</a:t>
-            </a:r>
-            <a:r>
-              <a:rPr lang="en-US" dirty="0"/>
-              <a:t>/out{1..6}.txt &amp;</a:t>
-            </a:r>
-          </a:p>
-          <a:p>
-            <a:pPr marL="0" indent="0">
-              <a:buNone/>
-            </a:pPr>
-            <a:r>
-              <a:rPr lang="en-US" dirty="0"/>
-              <a:t>touch q.p3 ; tail -n+0 -f q.p3 | parallel -u --link p5/p5.sh {1} {2} :::: - ::: p5/</a:t>
-            </a:r>
-            <a:r>
-              <a:rPr lang="en-US" dirty="0" err="1"/>
-              <a:t>outdir</a:t>
-            </a:r>
-            <a:r>
-              <a:rPr lang="en-US" dirty="0"/>
-              <a:t>/out{1..6}.txt &amp; </a:t>
-            </a:r>
-          </a:p>
-          <a:p>
-            <a:pPr marL="0" indent="0">
-              <a:buNone/>
-            </a:pPr>
-            <a:br>
-              <a:rPr lang="en-US" dirty="0"/>
-            </a:br>
-            <a:r>
-              <a:rPr lang="en-US" dirty="0"/>
-              <a:t>(</a:t>
-            </a:r>
-            <a:r>
-              <a:rPr lang="en-US" dirty="0" err="1"/>
-              <a:t>stdbuf</a:t>
-            </a:r>
-            <a:r>
-              <a:rPr lang="en-US" dirty="0"/>
-              <a:t> -</a:t>
-            </a:r>
-            <a:r>
-              <a:rPr lang="en-US" dirty="0" err="1"/>
-              <a:t>oL</a:t>
-            </a:r>
-            <a:r>
-              <a:rPr lang="en-US" dirty="0"/>
-              <a:t> paste &lt;(touch q.p4 ; tail -n+0 -f q.p4) &lt;(touch q.p5 ; tail -n+0 -f q.p5)) | parallel -u --link p6/p6.sh :::: - ::: outputs/out{1..6}.txt</a:t>
-            </a:r>
-          </a:p>
-        </p:txBody>
-      </p:sp>
-      <p:sp>
-        <p:nvSpPr>
-          <p:cNvPr id="4" name="Slide Number Placeholder 3">
-            <a:extLst>
-              <a:ext uri="{FF2B5EF4-FFF2-40B4-BE49-F238E27FC236}">
-                <a16:creationId xmlns:a16="http://schemas.microsoft.com/office/drawing/2014/main" id="{6795D557-3AB0-86CA-790C-CB04EC2B03DE}"/>
-              </a:ext>
-            </a:extLst>
-          </p:cNvPr>
-          <p:cNvSpPr>
-            <a:spLocks noGrp="1"/>
-          </p:cNvSpPr>
-          <p:nvPr>
-            <p:ph type="sldNum" sz="quarter" idx="12"/>
-          </p:nvPr>
-        </p:nvSpPr>
-        <p:spPr/>
-        <p:txBody>
-          <a:bodyPr/>
-          <a:lstStyle/>
-          <a:p>
-            <a:fld id="{4E3AEE2C-3A74-8643-B4A2-442777B583A3}" type="slidenum">
-              <a:rPr lang="en-US" smtClean="0"/>
               <a:t>55</a:t>
             </a:fld>
-            <a:endParaRPr lang="en-US"/>
+            <a:endParaRPr lang="en-US">
+              <a:latin typeface="National Park " pitchFamily="2" charset="77"/>
+            </a:endParaRPr>
+          </a:p>
+        </p:txBody>
+      </p:sp>
+      <p:sp>
+        <p:nvSpPr>
+          <p:cNvPr id="5" name="TextBox 4"/>
+          <p:cNvSpPr txBox="1"/>
+          <p:nvPr/>
+        </p:nvSpPr>
+        <p:spPr>
+          <a:xfrm>
+            <a:off x="7603274" y="4490264"/>
+            <a:ext cx="816249" cy="248209"/>
+          </a:xfrm>
+          <a:prstGeom prst="rect">
+            <a:avLst/>
+          </a:prstGeom>
+          <a:noFill/>
+        </p:spPr>
+        <p:txBody>
+          <a:bodyPr wrap="none" rtlCol="0">
+            <a:spAutoFit/>
+          </a:bodyPr>
+          <a:lstStyle/>
+          <a:p>
+            <a:r>
+              <a:rPr lang="en-US" sz="1013" dirty="0">
+                <a:latin typeface="National Park " pitchFamily="2" charset="77"/>
+                <a:hlinkClick r:id="rId2" action="ppaction://hlinksldjump"/>
+              </a:rPr>
+              <a:t>back to toc</a:t>
+            </a:r>
+            <a:endParaRPr lang="en-US" sz="1013" dirty="0">
+              <a:latin typeface="National Park " pitchFamily="2" charset="77"/>
+            </a:endParaRPr>
           </a:p>
         </p:txBody>
       </p:sp>
     </p:spTree>
     <p:extLst>
       <p:ext uri="{BB962C8B-B14F-4D97-AF65-F5344CB8AC3E}">
-        <p14:creationId xmlns:p14="http://schemas.microsoft.com/office/powerpoint/2010/main" val="316829794"/>
+        <p14:creationId xmlns:p14="http://schemas.microsoft.com/office/powerpoint/2010/main" val="1786847668"/>
       </p:ext>
     </p:extLst>
   </p:cSld>
@@ -19607,7 +19826,13 @@
       </p:grpSpPr>
       <p:sp>
         <p:nvSpPr>
-          <p:cNvPr id="2" name="Title 1"/>
+          <p:cNvPr id="2" name="Title 1">
+            <a:extLst>
+              <a:ext uri="{FF2B5EF4-FFF2-40B4-BE49-F238E27FC236}">
+                <a16:creationId xmlns:a16="http://schemas.microsoft.com/office/drawing/2014/main" id="{1A155580-7F59-A971-9A10-80B0292411CB}"/>
+              </a:ext>
+            </a:extLst>
+          </p:cNvPr>
           <p:cNvSpPr>
             <a:spLocks noGrp="1"/>
           </p:cNvSpPr>
@@ -19615,12 +19840,7 @@
             <p:ph type="title"/>
           </p:nvPr>
         </p:nvSpPr>
-        <p:spPr>
-          <a:xfrm>
-            <a:off x="628650" y="1888115"/>
-            <a:ext cx="7886700" cy="1367270"/>
-          </a:xfrm>
-        </p:spPr>
+        <p:spPr/>
         <p:txBody>
           <a:bodyPr>
             <a:normAutofit/>
@@ -19632,17 +19852,208 @@
               <a:rPr lang="en-US" dirty="0">
                 <a:latin typeface="National Park " pitchFamily="2" charset="77"/>
               </a:rPr>
-              <a:t>Part 7: A Real Application Example</a:t>
-            </a:r>
-            <a:endParaRPr lang="en-US" i="1" dirty="0">
-              <a:latin typeface="National Park Medium" pitchFamily="2" charset="77"/>
+              <a:t>A Real Application: Bioinformatics</a:t>
+            </a:r>
+          </a:p>
+        </p:txBody>
+      </p:sp>
+      <p:sp>
+        <p:nvSpPr>
+          <p:cNvPr id="3" name="Content Placeholder 2">
+            <a:extLst>
+              <a:ext uri="{FF2B5EF4-FFF2-40B4-BE49-F238E27FC236}">
+                <a16:creationId xmlns:a16="http://schemas.microsoft.com/office/drawing/2014/main" id="{212B05BE-AE06-9735-3017-22BAFDEC394F}"/>
+              </a:ext>
+            </a:extLst>
+          </p:cNvPr>
+          <p:cNvSpPr>
+            <a:spLocks noGrp="1"/>
+          </p:cNvSpPr>
+          <p:nvPr>
+            <p:ph idx="1"/>
+          </p:nvPr>
+        </p:nvSpPr>
+        <p:spPr/>
+        <p:txBody>
+          <a:bodyPr>
+            <a:normAutofit/>
+          </a:bodyPr>
+          <a:lstStyle/>
+          <a:p>
+            <a:pPr marL="0" indent="0">
+              <a:buNone/>
+            </a:pPr>
+            <a:r>
+              <a:rPr lang="en-US" dirty="0" err="1">
+                <a:latin typeface="National Park " pitchFamily="2" charset="77"/>
+              </a:rPr>
+              <a:t>hmmsearch</a:t>
+            </a:r>
+            <a:r>
+              <a:rPr lang="en-US" dirty="0">
+                <a:latin typeface="National Park " pitchFamily="2" charset="77"/>
+              </a:rPr>
+              <a:t> --</a:t>
+            </a:r>
+            <a:r>
+              <a:rPr lang="en-US" dirty="0" err="1">
+                <a:latin typeface="National Park " pitchFamily="2" charset="77"/>
+              </a:rPr>
+              <a:t>cpu</a:t>
+            </a:r>
+            <a:r>
+              <a:rPr lang="en-US" dirty="0">
+                <a:latin typeface="National Park " pitchFamily="2" charset="77"/>
+              </a:rPr>
+              <a:t> 8 --</a:t>
+            </a:r>
+            <a:r>
+              <a:rPr lang="en-US" dirty="0" err="1">
+                <a:latin typeface="National Park " pitchFamily="2" charset="77"/>
+              </a:rPr>
+              <a:t>noali</a:t>
+            </a:r>
+            <a:r>
+              <a:rPr lang="en-US" dirty="0">
+                <a:latin typeface="National Park " pitchFamily="2" charset="77"/>
+              </a:rPr>
+              <a:t> -o </a:t>
+            </a:r>
+            <a:r>
+              <a:rPr lang="en-US" dirty="0" err="1">
+                <a:latin typeface="National Park " pitchFamily="2" charset="77"/>
+              </a:rPr>
+              <a:t>output.txt</a:t>
+            </a:r>
+            <a:r>
+              <a:rPr lang="en-US" dirty="0">
+                <a:latin typeface="National Park " pitchFamily="2" charset="77"/>
+              </a:rPr>
+              <a:t> $SCRATCH/</a:t>
+            </a:r>
+            <a:r>
+              <a:rPr lang="en-US" dirty="0" err="1">
+                <a:latin typeface="National Park " pitchFamily="2" charset="77"/>
+              </a:rPr>
+              <a:t>CR_data</a:t>
+            </a:r>
+            <a:r>
+              <a:rPr lang="en-US" dirty="0">
+                <a:latin typeface="National Park " pitchFamily="2" charset="77"/>
+              </a:rPr>
+              <a:t>/</a:t>
+            </a:r>
+            <a:r>
+              <a:rPr lang="en-US" dirty="0" err="1">
+                <a:latin typeface="National Park " pitchFamily="2" charset="77"/>
+              </a:rPr>
+              <a:t>Pfam-A.hmm</a:t>
+            </a:r>
+            <a:r>
+              <a:rPr lang="en-US" dirty="0">
+                <a:latin typeface="National Park " pitchFamily="2" charset="77"/>
+              </a:rPr>
+              <a:t> </a:t>
+            </a:r>
+            <a:r>
+              <a:rPr lang="en-US" dirty="0" err="1">
+                <a:latin typeface="National Park " pitchFamily="2" charset="77"/>
+              </a:rPr>
+              <a:t>input.fasta</a:t>
+            </a:r>
+            <a:br>
+              <a:rPr lang="en-US" dirty="0">
+                <a:latin typeface="National Park " pitchFamily="2" charset="77"/>
+              </a:rPr>
+            </a:br>
+            <a:br>
+              <a:rPr lang="en-US" dirty="0">
+                <a:latin typeface="National Park " pitchFamily="2" charset="77"/>
+              </a:rPr>
+            </a:br>
+            <a:r>
+              <a:rPr lang="en-US" dirty="0">
+                <a:latin typeface="National Park " pitchFamily="2" charset="77"/>
+              </a:rPr>
+              <a:t>ls | head -3</a:t>
+            </a:r>
+          </a:p>
+          <a:p>
+            <a:pPr marL="0" indent="0">
+              <a:buNone/>
+            </a:pPr>
+            <a:r>
+              <a:rPr lang="en-US" dirty="0">
+                <a:latin typeface="National Park " pitchFamily="2" charset="77"/>
+              </a:rPr>
+              <a:t>uniprot_100.fasta</a:t>
+            </a:r>
+          </a:p>
+          <a:p>
+            <a:pPr marL="0" indent="0">
+              <a:buNone/>
+            </a:pPr>
+            <a:r>
+              <a:rPr lang="en-US" dirty="0">
+                <a:latin typeface="National Park " pitchFamily="2" charset="77"/>
+              </a:rPr>
+              <a:t>uniprot_101.fasta</a:t>
+            </a:r>
+          </a:p>
+          <a:p>
+            <a:pPr marL="0" indent="0">
+              <a:buNone/>
+            </a:pPr>
+            <a:r>
+              <a:rPr lang="en-US" dirty="0">
+                <a:latin typeface="National Park " pitchFamily="2" charset="77"/>
+              </a:rPr>
+              <a:t>uniprot_102.fasta</a:t>
+            </a:r>
+          </a:p>
+          <a:p>
+            <a:pPr marL="0" indent="0">
+              <a:buNone/>
+            </a:pPr>
+            <a:r>
+              <a:rPr lang="en-US" dirty="0">
+                <a:latin typeface="National Park " pitchFamily="2" charset="77"/>
+              </a:rPr>
+              <a:t>find $PWD -type f | grep </a:t>
+            </a:r>
+            <a:r>
+              <a:rPr lang="en-US" dirty="0" err="1">
+                <a:latin typeface="National Park " pitchFamily="2" charset="77"/>
+              </a:rPr>
+              <a:t>fasta</a:t>
+            </a:r>
+            <a:r>
+              <a:rPr lang="en-US" dirty="0">
+                <a:latin typeface="National Park " pitchFamily="2" charset="77"/>
+              </a:rPr>
+              <a:t> | sort &gt; </a:t>
+            </a:r>
+            <a:r>
+              <a:rPr lang="en-US">
+                <a:latin typeface="National Park " pitchFamily="2" charset="77"/>
+              </a:rPr>
+              <a:t>input.txt</a:t>
+            </a:r>
+            <a:endParaRPr lang="en-US" dirty="0">
+              <a:latin typeface="National Park " pitchFamily="2" charset="77"/>
             </a:endParaRPr>
           </a:p>
         </p:txBody>
       </p:sp>
       <p:sp>
         <p:nvSpPr>
-          <p:cNvPr id="4" name="Slide Number Placeholder 3"/>
+          <p:cNvPr id="4" name="Slide Number Placeholder 3">
+            <a:extLst>
+              <a:ext uri="{FF2B5EF4-FFF2-40B4-BE49-F238E27FC236}">
+                <a16:creationId xmlns:a16="http://schemas.microsoft.com/office/drawing/2014/main" id="{000BA920-5C23-2095-5937-AEA71FE5E280}"/>
+              </a:ext>
+            </a:extLst>
+          </p:cNvPr>
           <p:cNvSpPr>
             <a:spLocks noGrp="1"/>
           </p:cNvSpPr>
@@ -19667,45 +20078,10 @@
           </a:p>
         </p:txBody>
       </p:sp>
-      <p:sp>
-        <p:nvSpPr>
-          <p:cNvPr id="5" name="TextBox 4"/>
-          <p:cNvSpPr txBox="1"/>
-          <p:nvPr/>
-        </p:nvSpPr>
-        <p:spPr>
-          <a:xfrm>
-            <a:off x="7603274" y="4490264"/>
-            <a:ext cx="816249" cy="248209"/>
-          </a:xfrm>
-          <a:prstGeom prst="rect">
-            <a:avLst/>
-          </a:prstGeom>
-          <a:noFill/>
-        </p:spPr>
-        <p:txBody>
-          <a:bodyPr wrap="none" rtlCol="0">
-            <a:spAutoFit/>
-          </a:bodyPr>
-          <a:lstStyle/>
-          <a:p>
-            <a:r>
-              <a:rPr lang="en-US" sz="1013" dirty="0">
-                <a:latin typeface="National Park " pitchFamily="2" charset="77"/>
-                <a:hlinkClick r:id="rId2" action="ppaction://hlinksldjump"/>
-              </a:rPr>
-              <a:t>back to toc</a:t>
-            </a:r>
-            <a:endParaRPr lang="en-US" sz="1013" dirty="0">
-              <a:latin typeface="National Park " pitchFamily="2" charset="77"/>
-            </a:endParaRPr>
-          </a:p>
-        </p:txBody>
-      </p:sp>
     </p:spTree>
     <p:extLst>
       <p:ext uri="{BB962C8B-B14F-4D97-AF65-F5344CB8AC3E}">
-        <p14:creationId xmlns:p14="http://schemas.microsoft.com/office/powerpoint/2010/main" val="1786847668"/>
+        <p14:creationId xmlns:p14="http://schemas.microsoft.com/office/powerpoint/2010/main" val="3396750355"/>
       </p:ext>
     </p:extLst>
   </p:cSld>
@@ -19734,13 +20110,7 @@
       </p:grpSpPr>
       <p:sp>
         <p:nvSpPr>
-          <p:cNvPr id="2" name="Title 1">
-            <a:extLst>
-              <a:ext uri="{FF2B5EF4-FFF2-40B4-BE49-F238E27FC236}">
-                <a16:creationId xmlns:a16="http://schemas.microsoft.com/office/drawing/2014/main" id="{1A155580-7F59-A971-9A10-80B0292411CB}"/>
-              </a:ext>
-            </a:extLst>
-          </p:cNvPr>
+          <p:cNvPr id="2" name="Title 1"/>
           <p:cNvSpPr>
             <a:spLocks noGrp="1"/>
           </p:cNvSpPr>
@@ -19748,10 +20118,15 @@
             <p:ph type="title"/>
           </p:nvPr>
         </p:nvSpPr>
-        <p:spPr/>
+        <p:spPr>
+          <a:xfrm>
+            <a:off x="628650" y="1888115"/>
+            <a:ext cx="7886700" cy="1367270"/>
+          </a:xfrm>
+        </p:spPr>
         <p:txBody>
           <a:bodyPr>
-            <a:normAutofit/>
+            <a:normAutofit fontScale="90000"/>
           </a:bodyPr>
           <a:lstStyle/>
           <a:p>
@@ -19760,208 +20135,17 @@
               <a:rPr lang="en-US" dirty="0">
                 <a:latin typeface="National Park " pitchFamily="2" charset="77"/>
               </a:rPr>
-              <a:t>A Real Application: Bioinformatics</a:t>
-            </a:r>
-          </a:p>
-        </p:txBody>
-      </p:sp>
-      <p:sp>
-        <p:nvSpPr>
-          <p:cNvPr id="3" name="Content Placeholder 2">
-            <a:extLst>
-              <a:ext uri="{FF2B5EF4-FFF2-40B4-BE49-F238E27FC236}">
-                <a16:creationId xmlns:a16="http://schemas.microsoft.com/office/drawing/2014/main" id="{212B05BE-AE06-9735-3017-22BAFDEC394F}"/>
-              </a:ext>
-            </a:extLst>
-          </p:cNvPr>
-          <p:cNvSpPr>
-            <a:spLocks noGrp="1"/>
-          </p:cNvSpPr>
-          <p:nvPr>
-            <p:ph idx="1"/>
-          </p:nvPr>
-        </p:nvSpPr>
-        <p:spPr/>
-        <p:txBody>
-          <a:bodyPr>
-            <a:normAutofit/>
-          </a:bodyPr>
-          <a:lstStyle/>
-          <a:p>
-            <a:pPr marL="0" indent="0">
-              <a:buNone/>
-            </a:pPr>
-            <a:r>
-              <a:rPr lang="en-US" dirty="0" err="1">
-                <a:latin typeface="National Park " pitchFamily="2" charset="77"/>
-              </a:rPr>
-              <a:t>hmmsearch</a:t>
-            </a:r>
-            <a:r>
-              <a:rPr lang="en-US" dirty="0">
-                <a:latin typeface="National Park " pitchFamily="2" charset="77"/>
-              </a:rPr>
-              <a:t> --</a:t>
-            </a:r>
-            <a:r>
-              <a:rPr lang="en-US" dirty="0" err="1">
-                <a:latin typeface="National Park " pitchFamily="2" charset="77"/>
-              </a:rPr>
-              <a:t>cpu</a:t>
-            </a:r>
-            <a:r>
-              <a:rPr lang="en-US" dirty="0">
-                <a:latin typeface="National Park " pitchFamily="2" charset="77"/>
-              </a:rPr>
-              <a:t> 8 --</a:t>
-            </a:r>
-            <a:r>
-              <a:rPr lang="en-US" dirty="0" err="1">
-                <a:latin typeface="National Park " pitchFamily="2" charset="77"/>
-              </a:rPr>
-              <a:t>noali</a:t>
-            </a:r>
-            <a:r>
-              <a:rPr lang="en-US" dirty="0">
-                <a:latin typeface="National Park " pitchFamily="2" charset="77"/>
-              </a:rPr>
-              <a:t> -o </a:t>
-            </a:r>
-            <a:r>
-              <a:rPr lang="en-US" dirty="0" err="1">
-                <a:latin typeface="National Park " pitchFamily="2" charset="77"/>
-              </a:rPr>
-              <a:t>output.txt</a:t>
-            </a:r>
-            <a:r>
-              <a:rPr lang="en-US" dirty="0">
-                <a:latin typeface="National Park " pitchFamily="2" charset="77"/>
-              </a:rPr>
-              <a:t> $SCRATCH/</a:t>
-            </a:r>
-            <a:r>
-              <a:rPr lang="en-US" dirty="0" err="1">
-                <a:latin typeface="National Park " pitchFamily="2" charset="77"/>
-              </a:rPr>
-              <a:t>CR_data</a:t>
-            </a:r>
-            <a:r>
-              <a:rPr lang="en-US" dirty="0">
-                <a:latin typeface="National Park " pitchFamily="2" charset="77"/>
-              </a:rPr>
-              <a:t>/</a:t>
-            </a:r>
-            <a:r>
-              <a:rPr lang="en-US" dirty="0" err="1">
-                <a:latin typeface="National Park " pitchFamily="2" charset="77"/>
-              </a:rPr>
-              <a:t>Pfam-A.hmm</a:t>
-            </a:r>
-            <a:r>
-              <a:rPr lang="en-US" dirty="0">
-                <a:latin typeface="National Park " pitchFamily="2" charset="77"/>
-              </a:rPr>
-              <a:t> </a:t>
-            </a:r>
-            <a:r>
-              <a:rPr lang="en-US" dirty="0" err="1">
-                <a:latin typeface="National Park " pitchFamily="2" charset="77"/>
-              </a:rPr>
-              <a:t>input.fasta</a:t>
-            </a:r>
-            <a:br>
-              <a:rPr lang="en-US" dirty="0">
-                <a:latin typeface="National Park " pitchFamily="2" charset="77"/>
-              </a:rPr>
-            </a:br>
-            <a:br>
-              <a:rPr lang="en-US" dirty="0">
-                <a:latin typeface="National Park " pitchFamily="2" charset="77"/>
-              </a:rPr>
-            </a:br>
-            <a:r>
-              <a:rPr lang="en-US" dirty="0">
-                <a:latin typeface="National Park " pitchFamily="2" charset="77"/>
-              </a:rPr>
-              <a:t>ls | head -3</a:t>
-            </a:r>
-          </a:p>
-          <a:p>
-            <a:pPr marL="0" indent="0">
-              <a:buNone/>
-            </a:pPr>
-            <a:r>
-              <a:rPr lang="en-US" dirty="0">
-                <a:latin typeface="National Park " pitchFamily="2" charset="77"/>
-              </a:rPr>
-              <a:t>uniprot_100.fasta</a:t>
-            </a:r>
-          </a:p>
-          <a:p>
-            <a:pPr marL="0" indent="0">
-              <a:buNone/>
-            </a:pPr>
-            <a:r>
-              <a:rPr lang="en-US" dirty="0">
-                <a:latin typeface="National Park " pitchFamily="2" charset="77"/>
-              </a:rPr>
-              <a:t>uniprot_101.fasta</a:t>
-            </a:r>
-          </a:p>
-          <a:p>
-            <a:pPr marL="0" indent="0">
-              <a:buNone/>
-            </a:pPr>
-            <a:r>
-              <a:rPr lang="en-US" dirty="0">
-                <a:latin typeface="National Park " pitchFamily="2" charset="77"/>
-              </a:rPr>
-              <a:t>uniprot_102.fasta</a:t>
-            </a:r>
-          </a:p>
-          <a:p>
-            <a:pPr marL="0" indent="0">
-              <a:buNone/>
-            </a:pPr>
-            <a:r>
-              <a:rPr lang="en-US" dirty="0">
-                <a:latin typeface="National Park " pitchFamily="2" charset="77"/>
-              </a:rPr>
-              <a:t>find $PWD -type f | grep </a:t>
-            </a:r>
-            <a:r>
-              <a:rPr lang="en-US" dirty="0" err="1">
-                <a:latin typeface="National Park " pitchFamily="2" charset="77"/>
-              </a:rPr>
-              <a:t>fasta</a:t>
-            </a:r>
-            <a:r>
-              <a:rPr lang="en-US" dirty="0">
-                <a:latin typeface="National Park " pitchFamily="2" charset="77"/>
-              </a:rPr>
-              <a:t> | sort &gt; </a:t>
-            </a:r>
-            <a:r>
-              <a:rPr lang="en-US">
-                <a:latin typeface="National Park " pitchFamily="2" charset="77"/>
-              </a:rPr>
-              <a:t>input.txt</a:t>
-            </a:r>
-            <a:endParaRPr lang="en-US" dirty="0">
-              <a:latin typeface="National Park " pitchFamily="2" charset="77"/>
+              <a:t>Part 8: Putting it all Together: Asynchronous Workflow Execution in HPC at Scale</a:t>
+            </a:r>
+            <a:endParaRPr lang="en-US" i="1" dirty="0">
+              <a:latin typeface="National Park Medium" pitchFamily="2" charset="77"/>
             </a:endParaRPr>
           </a:p>
         </p:txBody>
       </p:sp>
       <p:sp>
         <p:nvSpPr>
-          <p:cNvPr id="4" name="Slide Number Placeholder 3">
-            <a:extLst>
-              <a:ext uri="{FF2B5EF4-FFF2-40B4-BE49-F238E27FC236}">
-                <a16:creationId xmlns:a16="http://schemas.microsoft.com/office/drawing/2014/main" id="{000BA920-5C23-2095-5937-AEA71FE5E280}"/>
-              </a:ext>
-            </a:extLst>
-          </p:cNvPr>
+          <p:cNvPr id="4" name="Slide Number Placeholder 3"/>
           <p:cNvSpPr>
             <a:spLocks noGrp="1"/>
           </p:cNvSpPr>
@@ -19986,10 +20170,45 @@
           </a:p>
         </p:txBody>
       </p:sp>
+      <p:sp>
+        <p:nvSpPr>
+          <p:cNvPr id="5" name="TextBox 4"/>
+          <p:cNvSpPr txBox="1"/>
+          <p:nvPr/>
+        </p:nvSpPr>
+        <p:spPr>
+          <a:xfrm>
+            <a:off x="7603274" y="4490264"/>
+            <a:ext cx="816249" cy="248209"/>
+          </a:xfrm>
+          <a:prstGeom prst="rect">
+            <a:avLst/>
+          </a:prstGeom>
+          <a:noFill/>
+        </p:spPr>
+        <p:txBody>
+          <a:bodyPr wrap="none" rtlCol="0">
+            <a:spAutoFit/>
+          </a:bodyPr>
+          <a:lstStyle/>
+          <a:p>
+            <a:r>
+              <a:rPr lang="en-US" sz="1013" dirty="0">
+                <a:latin typeface="National Park " pitchFamily="2" charset="77"/>
+                <a:hlinkClick r:id="rId2" action="ppaction://hlinksldjump"/>
+              </a:rPr>
+              <a:t>back to toc</a:t>
+            </a:r>
+            <a:endParaRPr lang="en-US" sz="1013" dirty="0">
+              <a:latin typeface="National Park " pitchFamily="2" charset="77"/>
+            </a:endParaRPr>
+          </a:p>
+        </p:txBody>
+      </p:sp>
     </p:spTree>
     <p:extLst>
       <p:ext uri="{BB962C8B-B14F-4D97-AF65-F5344CB8AC3E}">
-        <p14:creationId xmlns:p14="http://schemas.microsoft.com/office/powerpoint/2010/main" val="3396750355"/>
+        <p14:creationId xmlns:p14="http://schemas.microsoft.com/office/powerpoint/2010/main" val="1821741904"/>
       </p:ext>
     </p:extLst>
   </p:cSld>
@@ -20018,7 +20237,13 @@
       </p:grpSpPr>
       <p:sp>
         <p:nvSpPr>
-          <p:cNvPr id="2" name="Title 1"/>
+          <p:cNvPr id="2" name="Title 1">
+            <a:extLst>
+              <a:ext uri="{FF2B5EF4-FFF2-40B4-BE49-F238E27FC236}">
+                <a16:creationId xmlns:a16="http://schemas.microsoft.com/office/drawing/2014/main" id="{6972196C-1D2D-C240-AD57-E3EBC4FA030D}"/>
+              </a:ext>
+            </a:extLst>
+          </p:cNvPr>
           <p:cNvSpPr>
             <a:spLocks noGrp="1"/>
           </p:cNvSpPr>
@@ -20026,34 +20251,83 @@
             <p:ph type="title"/>
           </p:nvPr>
         </p:nvSpPr>
-        <p:spPr>
-          <a:xfrm>
-            <a:off x="628650" y="1888115"/>
-            <a:ext cx="7886700" cy="1367270"/>
-          </a:xfrm>
-        </p:spPr>
+        <p:spPr/>
+        <p:txBody>
+          <a:bodyPr/>
+          <a:lstStyle/>
+          <a:p>
+            <a:pPr algn="ctr"/>
+            <a:r>
+              <a:rPr lang="en-US" dirty="0">
+                <a:latin typeface="National Park " pitchFamily="2" charset="77"/>
+              </a:rPr>
+              <a:t>Summary</a:t>
+            </a:r>
+          </a:p>
+        </p:txBody>
+      </p:sp>
+      <p:sp>
+        <p:nvSpPr>
+          <p:cNvPr id="3" name="Content Placeholder 2">
+            <a:extLst>
+              <a:ext uri="{FF2B5EF4-FFF2-40B4-BE49-F238E27FC236}">
+                <a16:creationId xmlns:a16="http://schemas.microsoft.com/office/drawing/2014/main" id="{59541F7C-8324-CD41-84A0-D9DC3E4E12B8}"/>
+              </a:ext>
+            </a:extLst>
+          </p:cNvPr>
+          <p:cNvSpPr>
+            <a:spLocks noGrp="1"/>
+          </p:cNvSpPr>
+          <p:nvPr>
+            <p:ph idx="1"/>
+          </p:nvPr>
+        </p:nvSpPr>
+        <p:spPr/>
         <p:txBody>
           <a:bodyPr>
-            <a:normAutofit fontScale="90000"/>
+            <a:normAutofit/>
           </a:bodyPr>
           <a:lstStyle/>
           <a:p>
-            <a:pPr algn="ctr"/>
             <a:r>
               <a:rPr lang="en-US" dirty="0">
                 <a:latin typeface="National Park " pitchFamily="2" charset="77"/>
               </a:rPr>
-              <a:t>Part 8: Putting it all Together: Asynchronous Workflow Execution in HPC at Scale</a:t>
-            </a:r>
-            <a:endParaRPr lang="en-US" i="1" dirty="0">
-              <a:latin typeface="National Park Medium" pitchFamily="2" charset="77"/>
+              <a:t>GNU Parallel is an effective tool that could be useful in day to day tasks on the terminal as well as for larger workflows</a:t>
+            </a:r>
+          </a:p>
+          <a:p>
+            <a:r>
+              <a:rPr lang="en-US" dirty="0">
+                <a:latin typeface="National Park " pitchFamily="2" charset="77"/>
+              </a:rPr>
+              <a:t>Many many options to choose from to customize a parallel operation</a:t>
+            </a:r>
+          </a:p>
+          <a:p>
+            <a:r>
+              <a:rPr lang="en-US" dirty="0">
+                <a:latin typeface="National Park " pitchFamily="2" charset="77"/>
+              </a:rPr>
+              <a:t>Very handy for quick prototyping</a:t>
+            </a:r>
+          </a:p>
+          <a:p>
+            <a:endParaRPr lang="en-US" dirty="0">
+              <a:latin typeface="National Park " pitchFamily="2" charset="77"/>
             </a:endParaRPr>
           </a:p>
         </p:txBody>
       </p:sp>
       <p:sp>
         <p:nvSpPr>
-          <p:cNvPr id="4" name="Slide Number Placeholder 3"/>
+          <p:cNvPr id="4" name="Slide Number Placeholder 3">
+            <a:extLst>
+              <a:ext uri="{FF2B5EF4-FFF2-40B4-BE49-F238E27FC236}">
+                <a16:creationId xmlns:a16="http://schemas.microsoft.com/office/drawing/2014/main" id="{6D0E0BA3-5ECE-E94D-B034-8F400208F397}"/>
+              </a:ext>
+            </a:extLst>
+          </p:cNvPr>
           <p:cNvSpPr>
             <a:spLocks noGrp="1"/>
           </p:cNvSpPr>
@@ -20080,7 +20354,13 @@
       </p:sp>
       <p:sp>
         <p:nvSpPr>
-          <p:cNvPr id="5" name="TextBox 4"/>
+          <p:cNvPr id="5" name="TextBox 4">
+            <a:extLst>
+              <a:ext uri="{FF2B5EF4-FFF2-40B4-BE49-F238E27FC236}">
+                <a16:creationId xmlns:a16="http://schemas.microsoft.com/office/drawing/2014/main" id="{B9BD456B-BB50-C343-BC4E-DD06F77B9D78}"/>
+              </a:ext>
+            </a:extLst>
+          </p:cNvPr>
           <p:cNvSpPr txBox="1"/>
           <p:nvPr/>
         </p:nvSpPr>
@@ -20116,7 +20396,7 @@
     </p:spTree>
     <p:extLst>
       <p:ext uri="{BB962C8B-B14F-4D97-AF65-F5344CB8AC3E}">
-        <p14:creationId xmlns:p14="http://schemas.microsoft.com/office/powerpoint/2010/main" val="1821741904"/>
+        <p14:creationId xmlns:p14="http://schemas.microsoft.com/office/powerpoint/2010/main" val="1077433394"/>
       </p:ext>
     </p:extLst>
   </p:cSld>
@@ -20145,13 +20425,7 @@
       </p:grpSpPr>
       <p:sp>
         <p:nvSpPr>
-          <p:cNvPr id="2" name="Title 1">
-            <a:extLst>
-              <a:ext uri="{FF2B5EF4-FFF2-40B4-BE49-F238E27FC236}">
-                <a16:creationId xmlns:a16="http://schemas.microsoft.com/office/drawing/2014/main" id="{6972196C-1D2D-C240-AD57-E3EBC4FA030D}"/>
-              </a:ext>
-            </a:extLst>
-          </p:cNvPr>
+          <p:cNvPr id="2" name="Title 1"/>
           <p:cNvSpPr>
             <a:spLocks noGrp="1"/>
           </p:cNvSpPr>
@@ -20169,20 +20443,14 @@
               <a:rPr lang="en-US" dirty="0">
                 <a:latin typeface="National Park " pitchFamily="2" charset="77"/>
               </a:rPr>
-              <a:t>Summary</a:t>
-            </a:r>
-          </a:p>
-        </p:txBody>
-      </p:sp>
-      <p:sp>
-        <p:nvSpPr>
-          <p:cNvPr id="3" name="Content Placeholder 2">
-            <a:extLst>
-              <a:ext uri="{FF2B5EF4-FFF2-40B4-BE49-F238E27FC236}">
-                <a16:creationId xmlns:a16="http://schemas.microsoft.com/office/drawing/2014/main" id="{59541F7C-8324-CD41-84A0-D9DC3E4E12B8}"/>
-              </a:ext>
-            </a:extLst>
-          </p:cNvPr>
+              <a:t>Credits, references and resources</a:t>
+            </a:r>
+          </a:p>
+        </p:txBody>
+      </p:sp>
+      <p:sp>
+        <p:nvSpPr>
+          <p:cNvPr id="3" name="Content Placeholder 2"/>
           <p:cNvSpPr>
             <a:spLocks noGrp="1"/>
           </p:cNvSpPr>
@@ -20193,49 +20461,113 @@
         <p:spPr/>
         <p:txBody>
           <a:bodyPr>
-            <a:normAutofit/>
+            <a:normAutofit fontScale="77500" lnSpcReduction="20000"/>
           </a:bodyPr>
           <a:lstStyle/>
           <a:p>
             <a:r>
               <a:rPr lang="en-US" dirty="0">
-                <a:latin typeface="National Park " pitchFamily="2" charset="77"/>
-              </a:rPr>
-              <a:t>GNU Parallel is an effective tool that could be useful in day to day tasks on the terminal as well as for larger workflows</a:t>
-            </a:r>
-          </a:p>
-          <a:p>
-            <a:r>
-              <a:rPr lang="en-US" dirty="0">
-                <a:latin typeface="National Park " pitchFamily="2" charset="77"/>
-              </a:rPr>
-              <a:t>Many many options to choose from to customize a parallel operation</a:t>
-            </a:r>
-          </a:p>
-          <a:p>
-            <a:r>
-              <a:rPr lang="en-US" dirty="0">
-                <a:latin typeface="National Park " pitchFamily="2" charset="77"/>
-              </a:rPr>
-              <a:t>Very handy for quick prototyping</a:t>
-            </a:r>
-          </a:p>
-          <a:p>
-            <a:endParaRPr lang="en-US" dirty="0">
-              <a:latin typeface="National Park " pitchFamily="2" charset="77"/>
-            </a:endParaRPr>
-          </a:p>
-        </p:txBody>
-      </p:sp>
-      <p:sp>
-        <p:nvSpPr>
-          <p:cNvPr id="4" name="Slide Number Placeholder 3">
-            <a:extLst>
-              <a:ext uri="{FF2B5EF4-FFF2-40B4-BE49-F238E27FC236}">
-                <a16:creationId xmlns:a16="http://schemas.microsoft.com/office/drawing/2014/main" id="{6D0E0BA3-5ECE-E94D-B034-8F400208F397}"/>
-              </a:ext>
-            </a:extLst>
-          </p:cNvPr>
+                <a:hlinkClick r:id="rId3"/>
+              </a:rPr>
+              <a:t>gnu.org/software/parallel</a:t>
+            </a:r>
+            <a:endParaRPr lang="en-US" dirty="0"/>
+          </a:p>
+          <a:p>
+            <a:r>
+              <a:rPr lang="en-US" dirty="0">
+                <a:hlinkClick r:id="rId4"/>
+              </a:rPr>
+              <a:t>rcc.uchicago.edu/documentation/_build/html/running-jobs/srun-parallel/index.html</a:t>
+            </a:r>
+            <a:endParaRPr lang="en-US" dirty="0"/>
+          </a:p>
+          <a:p>
+            <a:r>
+              <a:rPr lang="en-US" dirty="0">
+                <a:hlinkClick r:id="rId5"/>
+              </a:rPr>
+              <a:t>ulhpc-tutorials.readthedocs.io/en/latest/sequential/basics</a:t>
+            </a:r>
+            <a:endParaRPr lang="en-US" dirty="0"/>
+          </a:p>
+          <a:p>
+            <a:r>
+              <a:rPr lang="en-US" dirty="0">
+                <a:hlinkClick r:id="rId6"/>
+              </a:rPr>
+              <a:t>docs.ycrc.yale.edu/clusters-at-yale/guides/parallel</a:t>
+            </a:r>
+            <a:endParaRPr lang="en-US" dirty="0"/>
+          </a:p>
+          <a:p>
+            <a:r>
+              <a:rPr lang="en-US" dirty="0">
+                <a:hlinkClick r:id="rId7"/>
+              </a:rPr>
+              <a:t>www.vanderbilt.edu/accre/documentation/parallel</a:t>
+            </a:r>
+            <a:endParaRPr lang="en-US" dirty="0"/>
+          </a:p>
+          <a:p>
+            <a:r>
+              <a:rPr lang="en-US" dirty="0">
+                <a:hlinkClick r:id="rId8"/>
+              </a:rPr>
+              <a:t>docs-research-it.berkeley.edu/services/high-performance-computing/user-guide/running-your-jobs/gnu-parallel</a:t>
+            </a:r>
+            <a:endParaRPr lang="en-US" dirty="0"/>
+          </a:p>
+          <a:p>
+            <a:r>
+              <a:rPr lang="en-US" dirty="0">
+                <a:hlinkClick r:id="rId9"/>
+              </a:rPr>
+              <a:t>omgenomics.com/parallel</a:t>
+            </a:r>
+            <a:endParaRPr lang="en-US" dirty="0"/>
+          </a:p>
+          <a:p>
+            <a:r>
+              <a:rPr lang="en-US" dirty="0">
+                <a:hlinkClick r:id="rId10"/>
+              </a:rPr>
+              <a:t>curc.readthedocs.io/en/latest/software/GNUParallel.html</a:t>
+            </a:r>
+            <a:endParaRPr lang="en-US" dirty="0"/>
+          </a:p>
+          <a:p>
+            <a:r>
+              <a:rPr lang="en-US" dirty="0">
+                <a:hlinkClick r:id="rId11"/>
+              </a:rPr>
+              <a:t>thenybble.de/posts/json-analysis</a:t>
+            </a:r>
+            <a:endParaRPr lang="en-US" dirty="0"/>
+          </a:p>
+          <a:p>
+            <a:r>
+              <a:rPr lang="en-US" dirty="0">
+                <a:hlinkClick r:id="rId12"/>
+              </a:rPr>
+              <a:t>stackoverflow.com/questions/tagged/gnu-parallel</a:t>
+            </a:r>
+            <a:endParaRPr lang="en-US" dirty="0"/>
+          </a:p>
+          <a:p>
+            <a:r>
+              <a:rPr lang="en-US" dirty="0">
+                <a:hlinkClick r:id="rId13"/>
+              </a:rPr>
+              <a:t>unix.stackexchange.com/questions/tagged/gnu-parallel</a:t>
+            </a:r>
+            <a:endParaRPr lang="en-US" dirty="0"/>
+          </a:p>
+        </p:txBody>
+      </p:sp>
+      <p:sp>
+        <p:nvSpPr>
+          <p:cNvPr id="4" name="Slide Number Placeholder 3"/>
           <p:cNvSpPr>
             <a:spLocks noGrp="1"/>
           </p:cNvSpPr>
@@ -20260,51 +20592,10 @@
           </a:p>
         </p:txBody>
       </p:sp>
-      <p:sp>
-        <p:nvSpPr>
-          <p:cNvPr id="5" name="TextBox 4">
-            <a:extLst>
-              <a:ext uri="{FF2B5EF4-FFF2-40B4-BE49-F238E27FC236}">
-                <a16:creationId xmlns:a16="http://schemas.microsoft.com/office/drawing/2014/main" id="{B9BD456B-BB50-C343-BC4E-DD06F77B9D78}"/>
-              </a:ext>
-            </a:extLst>
-          </p:cNvPr>
-          <p:cNvSpPr txBox="1"/>
-          <p:nvPr/>
-        </p:nvSpPr>
-        <p:spPr>
-          <a:xfrm>
-            <a:off x="7603274" y="4490264"/>
-            <a:ext cx="816249" cy="248209"/>
-          </a:xfrm>
-          <a:prstGeom prst="rect">
-            <a:avLst/>
-          </a:prstGeom>
-          <a:noFill/>
-        </p:spPr>
-        <p:txBody>
-          <a:bodyPr wrap="none" rtlCol="0">
-            <a:spAutoFit/>
-          </a:bodyPr>
-          <a:lstStyle/>
-          <a:p>
-            <a:r>
-              <a:rPr lang="en-US" sz="1013" dirty="0">
-                <a:latin typeface="National Park " pitchFamily="2" charset="77"/>
-                <a:hlinkClick r:id="rId2" action="ppaction://hlinksldjump"/>
-              </a:rPr>
-              <a:t>back to toc</a:t>
-            </a:r>
-            <a:endParaRPr lang="en-US" sz="1013" dirty="0">
-              <a:latin typeface="National Park " pitchFamily="2" charset="77"/>
-            </a:endParaRPr>
-          </a:p>
-        </p:txBody>
-      </p:sp>
     </p:spTree>
     <p:extLst>
       <p:ext uri="{BB962C8B-B14F-4D97-AF65-F5344CB8AC3E}">
-        <p14:creationId xmlns:p14="http://schemas.microsoft.com/office/powerpoint/2010/main" val="1077433394"/>
+        <p14:creationId xmlns:p14="http://schemas.microsoft.com/office/powerpoint/2010/main" val="1816197902"/>
       </p:ext>
     </p:extLst>
   </p:cSld>
@@ -20472,7 +20763,13 @@
       </p:grpSpPr>
       <p:sp>
         <p:nvSpPr>
-          <p:cNvPr id="2" name="Title 1"/>
+          <p:cNvPr id="2" name="Title 1">
+            <a:extLst>
+              <a:ext uri="{FF2B5EF4-FFF2-40B4-BE49-F238E27FC236}">
+                <a16:creationId xmlns:a16="http://schemas.microsoft.com/office/drawing/2014/main" id="{6972196C-1D2D-C240-AD57-E3EBC4FA030D}"/>
+              </a:ext>
+            </a:extLst>
+          </p:cNvPr>
           <p:cNvSpPr>
             <a:spLocks noGrp="1"/>
           </p:cNvSpPr>
@@ -20482,7 +20779,9 @@
         </p:nvSpPr>
         <p:spPr/>
         <p:txBody>
-          <a:bodyPr/>
+          <a:bodyPr>
+            <a:normAutofit fontScale="90000"/>
+          </a:bodyPr>
           <a:lstStyle/>
           <a:p>
             <a:pPr algn="ctr"/>
@@ -20490,14 +20789,20 @@
               <a:rPr lang="en-US" dirty="0">
                 <a:latin typeface="National Park " pitchFamily="2" charset="77"/>
               </a:rPr>
-              <a:t>Credits, references and resources</a:t>
-            </a:r>
-          </a:p>
-        </p:txBody>
-      </p:sp>
-      <p:sp>
-        <p:nvSpPr>
-          <p:cNvPr id="3" name="Content Placeholder 2"/>
+              <a:t>Practice and Exercises : Titanic Data Challenge</a:t>
+            </a:r>
+          </a:p>
+        </p:txBody>
+      </p:sp>
+      <p:sp>
+        <p:nvSpPr>
+          <p:cNvPr id="3" name="Content Placeholder 2">
+            <a:extLst>
+              <a:ext uri="{FF2B5EF4-FFF2-40B4-BE49-F238E27FC236}">
+                <a16:creationId xmlns:a16="http://schemas.microsoft.com/office/drawing/2014/main" id="{59541F7C-8324-CD41-84A0-D9DC3E4E12B8}"/>
+              </a:ext>
+            </a:extLst>
+          </p:cNvPr>
           <p:cNvSpPr>
             <a:spLocks noGrp="1"/>
           </p:cNvSpPr>
@@ -20508,113 +20813,78 @@
         <p:spPr/>
         <p:txBody>
           <a:bodyPr>
-            <a:normAutofit fontScale="77500" lnSpcReduction="20000"/>
+            <a:normAutofit fontScale="92500" lnSpcReduction="20000"/>
           </a:bodyPr>
           <a:lstStyle/>
           <a:p>
-            <a:r>
-              <a:rPr lang="en-US" dirty="0">
-                <a:hlinkClick r:id="rId3"/>
-              </a:rPr>
-              <a:t>gnu.org/software/parallel</a:t>
-            </a:r>
+            <a:pPr marL="0" indent="0">
+              <a:buNone/>
+            </a:pPr>
+            <a:r>
+              <a:rPr lang="en-US" dirty="0"/>
+              <a:t>Data: in </a:t>
+            </a:r>
+            <a:r>
+              <a:rPr lang="en-US" dirty="0" err="1"/>
+              <a:t>Github</a:t>
+            </a:r>
+            <a:r>
+              <a:rPr lang="en-US" dirty="0"/>
+              <a:t>, </a:t>
+            </a:r>
+            <a:r>
+              <a:rPr lang="en-US" dirty="0" err="1"/>
+              <a:t>Titanic.csv</a:t>
+            </a:r>
+            <a:r>
+              <a:rPr lang="en-US" dirty="0"/>
+              <a:t> </a:t>
+            </a:r>
+          </a:p>
+          <a:p>
+            <a:r>
+              <a:rPr lang="en-US" dirty="0"/>
+              <a:t>Problem 1. What characteristics are shared by all passengers whose fare is 0?</a:t>
+            </a:r>
+          </a:p>
+          <a:p>
+            <a:r>
+              <a:rPr lang="en-US" dirty="0"/>
+              <a:t>Problem 2. How many married women over age 50 embarked in Cherbourg? (Married women are denoted by "Mrs.")</a:t>
+            </a:r>
+          </a:p>
+          <a:p>
+            <a:r>
+              <a:rPr lang="en-US" dirty="0"/>
+              <a:t>Problem 3. Which embarkation city had the highest-paying passengers on average?</a:t>
+            </a:r>
+          </a:p>
+          <a:p>
+            <a:r>
+              <a:rPr lang="en-US" dirty="0"/>
+              <a:t>Problem 4. What is the most common last name among passengers? What is the average number of passengers per last name?</a:t>
+            </a:r>
+          </a:p>
+          <a:p>
+            <a:r>
+              <a:rPr lang="en-US" dirty="0"/>
+              <a:t>Problem 5. What's the survival rate for passengers in the three different classes, i.e., what fraction of passengers in each class survived? Find the answer using spreadsheet functions only - don't perform any arithmetic by hand! </a:t>
+            </a:r>
+          </a:p>
+          <a:p>
             <a:endParaRPr lang="en-US" dirty="0"/>
           </a:p>
-          <a:p>
-            <a:r>
-              <a:rPr lang="en-US" dirty="0">
-                <a:hlinkClick r:id="rId4"/>
-              </a:rPr>
-              <a:t>rcc.uchicago.edu/documentation/_build/html/running-jobs/srun-parallel/index.html</a:t>
-            </a:r>
-            <a:endParaRPr lang="en-US" dirty="0"/>
-          </a:p>
-          <a:p>
-            <a:r>
-              <a:rPr lang="en-US" dirty="0">
-                <a:hlinkClick r:id="rId5"/>
-              </a:rPr>
-              <a:t>ulhpc-tutorials.readthedocs.io/en/latest/sequential/basics</a:t>
-            </a:r>
-            <a:endParaRPr lang="en-US" dirty="0"/>
-          </a:p>
-          <a:p>
-            <a:r>
-              <a:rPr lang="en-US" dirty="0">
-                <a:hlinkClick r:id="rId6"/>
-              </a:rPr>
-              <a:t>docs.ycrc.yale.edu/clusters-at-yale/guides/parallel</a:t>
-            </a:r>
-            <a:endParaRPr lang="en-US" dirty="0"/>
-          </a:p>
-          <a:p>
-            <a:r>
-              <a:rPr lang="en-US" dirty="0">
-                <a:hlinkClick r:id="rId7"/>
-              </a:rPr>
-              <a:t>www.vanderbilt.edu/accre/documentation/parallel</a:t>
-            </a:r>
-            <a:endParaRPr lang="en-US" dirty="0"/>
-          </a:p>
-          <a:p>
-            <a:r>
-              <a:rPr lang="en-US" dirty="0">
-                <a:hlinkClick r:id="rId8"/>
-              </a:rPr>
-              <a:t>docs-research-it.berkeley.edu/services/high-performance-computing/user-guide/running-your-jobs/gnu-parallel</a:t>
-            </a:r>
-            <a:endParaRPr lang="en-US" dirty="0"/>
-          </a:p>
-          <a:p>
-            <a:r>
-              <a:rPr lang="en-US" dirty="0">
-                <a:hlinkClick r:id="rId9"/>
-              </a:rPr>
-              <a:t>omgenomics.com/parallel</a:t>
-            </a:r>
-            <a:endParaRPr lang="en-US" dirty="0"/>
-          </a:p>
-          <a:p>
-            <a:r>
-              <a:rPr lang="en-US" dirty="0">
-                <a:hlinkClick r:id="rId10"/>
-              </a:rPr>
-              <a:t>curc.readthedocs.io/en/latest/software/GNUParallel.html</a:t>
-            </a:r>
-            <a:endParaRPr lang="en-US" dirty="0"/>
-          </a:p>
-          <a:p>
-            <a:r>
-              <a:rPr lang="en-US" dirty="0">
-                <a:hlinkClick r:id="rId11"/>
-              </a:rPr>
-              <a:t>thenybble.de/posts/json-analysis</a:t>
-            </a:r>
-            <a:endParaRPr lang="en-US" dirty="0"/>
-          </a:p>
-          <a:p>
-            <a:r>
-              <a:rPr lang="en-US" dirty="0">
-                <a:hlinkClick r:id="rId12"/>
-              </a:rPr>
-              <a:t>stackoverflow.com/questions/tagged/gnu-parallel</a:t>
-            </a:r>
-            <a:endParaRPr lang="en-US" dirty="0"/>
-          </a:p>
-          <a:p>
-            <a:r>
-              <a:rPr lang="en-US" dirty="0">
-                <a:hlinkClick r:id="rId13"/>
-              </a:rPr>
-              <a:t>unix.stackexchange.com/questions/tagged/gnu-parallel</a:t>
-            </a:r>
-            <a:endParaRPr lang="en-US" dirty="0"/>
-          </a:p>
-        </p:txBody>
-      </p:sp>
-      <p:sp>
-        <p:nvSpPr>
-          <p:cNvPr id="4" name="Slide Number Placeholder 3"/>
+        </p:txBody>
+      </p:sp>
+      <p:sp>
+        <p:nvSpPr>
+          <p:cNvPr id="4" name="Slide Number Placeholder 3">
+            <a:extLst>
+              <a:ext uri="{FF2B5EF4-FFF2-40B4-BE49-F238E27FC236}">
+                <a16:creationId xmlns:a16="http://schemas.microsoft.com/office/drawing/2014/main" id="{6D0E0BA3-5ECE-E94D-B034-8F400208F397}"/>
+              </a:ext>
+            </a:extLst>
+          </p:cNvPr>
           <p:cNvSpPr>
             <a:spLocks noGrp="1"/>
           </p:cNvSpPr>
@@ -20642,7 +20912,7 @@
     </p:spTree>
     <p:extLst>
       <p:ext uri="{BB962C8B-B14F-4D97-AF65-F5344CB8AC3E}">
-        <p14:creationId xmlns:p14="http://schemas.microsoft.com/office/powerpoint/2010/main" val="1816197902"/>
+        <p14:creationId xmlns:p14="http://schemas.microsoft.com/office/powerpoint/2010/main" val="2526893295"/>
       </p:ext>
     </p:extLst>
   </p:cSld>
@@ -20697,7 +20967,7 @@
               <a:rPr lang="en-US" dirty="0">
                 <a:latin typeface="National Park " pitchFamily="2" charset="77"/>
               </a:rPr>
-              <a:t>Practice and Exercises : Titanic Data Challenge</a:t>
+              <a:t>[longer] Practice and Exercises : MIT Datacenter Challenge</a:t>
             </a:r>
           </a:p>
         </p:txBody>
@@ -20721,28 +20991,15 @@
         <p:spPr/>
         <p:txBody>
           <a:bodyPr>
-            <a:normAutofit fontScale="92500" lnSpcReduction="20000"/>
+            <a:normAutofit/>
           </a:bodyPr>
           <a:lstStyle/>
           <a:p>
-            <a:pPr marL="0" indent="0">
-              <a:buNone/>
-            </a:pPr>
-            <a:r>
-              <a:rPr lang="en-US" dirty="0"/>
-              <a:t>Data: in </a:t>
-            </a:r>
-            <a:r>
-              <a:rPr lang="en-US" dirty="0" err="1"/>
-              <a:t>Github</a:t>
-            </a:r>
-            <a:r>
-              <a:rPr lang="en-US" dirty="0"/>
-              <a:t>, </a:t>
-            </a:r>
-            <a:r>
-              <a:rPr lang="en-US" dirty="0" err="1"/>
-              <a:t>Titanic.csv</a:t>
+            <a:r>
+              <a:rPr lang="en-US" dirty="0">
+                <a:hlinkClick r:id="rId2"/>
+              </a:rPr>
+              <a:t>dcc.mit.edu</a:t>
             </a:r>
             <a:r>
               <a:rPr lang="en-US" dirty="0"/>
@@ -20752,35 +21009,46 @@
           <a:p>
             <a:r>
               <a:rPr lang="en-US" dirty="0"/>
-              <a:t>Problem 1. What characteristics are shared by all passengers whose fare is 0?</a:t>
-            </a:r>
-          </a:p>
-          <a:p>
-            <a:r>
-              <a:rPr lang="en-US" dirty="0"/>
-              <a:t>Problem 2. How many married women over age 50 embarked in Cherbourg? (Married women are denoted by "Mrs.")</a:t>
-            </a:r>
-          </a:p>
-          <a:p>
-            <a:r>
-              <a:rPr lang="en-US" dirty="0"/>
-              <a:t>Problem 3. Which embarkation city had the highest-paying passengers on average?</a:t>
-            </a:r>
-          </a:p>
-          <a:p>
-            <a:r>
-              <a:rPr lang="en-US" dirty="0"/>
-              <a:t>Problem 4. What is the most common last name among passengers? What is the average number of passengers per last name?</a:t>
-            </a:r>
-          </a:p>
-          <a:p>
-            <a:r>
-              <a:rPr lang="en-US" dirty="0"/>
-              <a:t>Problem 5. What's the survival rate for passengers in the three different classes, i.e., what fraction of passengers in each class survived? Find the answer using spreadsheet functions only - don't perform any arithmetic by hand! </a:t>
-            </a:r>
-          </a:p>
-          <a:p>
-            <a:endParaRPr lang="en-US" dirty="0"/>
+              <a:t>Partial </a:t>
+            </a:r>
+            <a:r>
+              <a:rPr lang="en-US" b="1" dirty="0"/>
+              <a:t>data available</a:t>
+            </a:r>
+            <a:r>
+              <a:rPr lang="en-US" dirty="0"/>
+              <a:t> on git repo at /data/datacenter-challenge </a:t>
+            </a:r>
+          </a:p>
+          <a:p>
+            <a:r>
+              <a:rPr lang="en-US" dirty="0"/>
+              <a:t>Although geared towards AI based models, GNU parallel could help gain insight on patterns from existing data</a:t>
+            </a:r>
+          </a:p>
+          <a:p>
+            <a:r>
+              <a:rPr lang="en-US" dirty="0"/>
+              <a:t>Scheduling Characterization</a:t>
+            </a:r>
+          </a:p>
+          <a:p>
+            <a:r>
+              <a:rPr lang="en-US" dirty="0"/>
+              <a:t>Workload Characterization</a:t>
+            </a:r>
+          </a:p>
+          <a:p>
+            <a:r>
+              <a:rPr lang="en-US" dirty="0"/>
+              <a:t>File System Characterization</a:t>
+            </a:r>
+          </a:p>
+          <a:p>
+            <a:r>
+              <a:rPr lang="en-US" dirty="0"/>
+              <a:t>Error Characterization</a:t>
+            </a:r>
           </a:p>
         </p:txBody>
       </p:sp>
@@ -20820,7 +21088,7 @@
     </p:spTree>
     <p:extLst>
       <p:ext uri="{BB962C8B-B14F-4D97-AF65-F5344CB8AC3E}">
-        <p14:creationId xmlns:p14="http://schemas.microsoft.com/office/powerpoint/2010/main" val="2526893295"/>
+        <p14:creationId xmlns:p14="http://schemas.microsoft.com/office/powerpoint/2010/main" val="4215097671"/>
       </p:ext>
     </p:extLst>
   </p:cSld>
@@ -20852,7 +21120,7 @@
           <p:cNvPr id="2" name="Title 1">
             <a:extLst>
               <a:ext uri="{FF2B5EF4-FFF2-40B4-BE49-F238E27FC236}">
-                <a16:creationId xmlns:a16="http://schemas.microsoft.com/office/drawing/2014/main" id="{6972196C-1D2D-C240-AD57-E3EBC4FA030D}"/>
+                <a16:creationId xmlns:a16="http://schemas.microsoft.com/office/drawing/2014/main" id="{3CDA2C0A-84C5-DDCE-DE2D-F26D112FC42D}"/>
               </a:ext>
             </a:extLst>
           </p:cNvPr>
@@ -20875,7 +21143,7 @@
               <a:rPr lang="en-US" dirty="0">
                 <a:latin typeface="National Park " pitchFamily="2" charset="77"/>
               </a:rPr>
-              <a:t>[longer] Practice and Exercises : MIT Datacenter Challenge</a:t>
+              <a:t>Other Possible Venues to look for challenges</a:t>
             </a:r>
           </a:p>
         </p:txBody>
@@ -20885,7 +21153,7 @@
           <p:cNvPr id="3" name="Content Placeholder 2">
             <a:extLst>
               <a:ext uri="{FF2B5EF4-FFF2-40B4-BE49-F238E27FC236}">
-                <a16:creationId xmlns:a16="http://schemas.microsoft.com/office/drawing/2014/main" id="{59541F7C-8324-CD41-84A0-D9DC3E4E12B8}"/>
+                <a16:creationId xmlns:a16="http://schemas.microsoft.com/office/drawing/2014/main" id="{F46367CA-67BA-E0A5-9C11-0819709041BA}"/>
               </a:ext>
             </a:extLst>
           </p:cNvPr>
@@ -20898,65 +21166,37 @@
         </p:nvSpPr>
         <p:spPr/>
         <p:txBody>
-          <a:bodyPr>
-            <a:normAutofit/>
-          </a:bodyPr>
+          <a:bodyPr/>
           <a:lstStyle/>
           <a:p>
             <a:r>
               <a:rPr lang="en-US" dirty="0">
                 <a:hlinkClick r:id="rId2"/>
               </a:rPr>
-              <a:t>dcc.mit.edu</a:t>
-            </a:r>
-            <a:r>
-              <a:rPr lang="en-US" dirty="0"/>
-              <a:t> </a:t>
-            </a:r>
-          </a:p>
-          <a:p>
-            <a:r>
-              <a:rPr lang="en-US" dirty="0"/>
-              <a:t>Partial </a:t>
-            </a:r>
-            <a:r>
-              <a:rPr lang="en-US" b="1" dirty="0"/>
-              <a:t>data available</a:t>
-            </a:r>
-            <a:r>
-              <a:rPr lang="en-US" dirty="0"/>
-              <a:t> on git repo at /data/datacenter-challenge </a:t>
-            </a:r>
-          </a:p>
-          <a:p>
-            <a:r>
-              <a:rPr lang="en-US" dirty="0"/>
-              <a:t>Although geared towards AI based models, GNU parallel could help gain insight on patterns from existing data</a:t>
-            </a:r>
-          </a:p>
-          <a:p>
-            <a:r>
-              <a:rPr lang="en-US" dirty="0"/>
-              <a:t>Scheduling Characterization</a:t>
-            </a:r>
-          </a:p>
-          <a:p>
-            <a:r>
-              <a:rPr lang="en-US" dirty="0"/>
-              <a:t>Workload Characterization</a:t>
-            </a:r>
-          </a:p>
-          <a:p>
-            <a:r>
-              <a:rPr lang="en-US" dirty="0"/>
-              <a:t>File System Characterization</a:t>
-            </a:r>
-          </a:p>
-          <a:p>
-            <a:r>
-              <a:rPr lang="en-US" dirty="0"/>
-              <a:t>Error Characterization</a:t>
-            </a:r>
+              <a:t>annas-blog.org/worldcat-scrape.html</a:t>
+            </a:r>
+            <a:endParaRPr lang="en-US" dirty="0"/>
+          </a:p>
+          <a:p>
+            <a:r>
+              <a:rPr lang="en-US" dirty="0">
+                <a:hlinkClick r:id="rId3"/>
+              </a:rPr>
+              <a:t>smc-datachallenge.ornl.gov</a:t>
+            </a:r>
+            <a:endParaRPr lang="en-US" dirty="0"/>
+          </a:p>
+          <a:p>
+            <a:r>
+              <a:rPr lang="en-US" dirty="0">
+                <a:hlinkClick r:id="rId4"/>
+              </a:rPr>
+              <a:t>www.reddit.com/r/DataHoarder</a:t>
+            </a:r>
+            <a:endParaRPr lang="en-US" dirty="0"/>
+          </a:p>
+          <a:p>
+            <a:endParaRPr lang="en-US" dirty="0"/>
           </a:p>
         </p:txBody>
       </p:sp>
@@ -20965,7 +21205,7 @@
           <p:cNvPr id="4" name="Slide Number Placeholder 3">
             <a:extLst>
               <a:ext uri="{FF2B5EF4-FFF2-40B4-BE49-F238E27FC236}">
-                <a16:creationId xmlns:a16="http://schemas.microsoft.com/office/drawing/2014/main" id="{6D0E0BA3-5ECE-E94D-B034-8F400208F397}"/>
+                <a16:creationId xmlns:a16="http://schemas.microsoft.com/office/drawing/2014/main" id="{DC20C616-4036-B93A-64BC-2D0981B65436}"/>
               </a:ext>
             </a:extLst>
           </p:cNvPr>
@@ -20982,21 +21222,17 @@
           <a:lstStyle/>
           <a:p>
             <a:fld id="{4E3AEE2C-3A74-8643-B4A2-442777B583A3}" type="slidenum">
-              <a:rPr lang="en-US" smtClean="0">
-                <a:latin typeface="National Park " pitchFamily="2" charset="77"/>
-              </a:rPr>
+              <a:rPr lang="en-US" smtClean="0"/>
               <a:t>62</a:t>
             </a:fld>
-            <a:endParaRPr lang="en-US">
-              <a:latin typeface="National Park " pitchFamily="2" charset="77"/>
-            </a:endParaRPr>
+            <a:endParaRPr lang="en-US"/>
           </a:p>
         </p:txBody>
       </p:sp>
     </p:spTree>
     <p:extLst>
       <p:ext uri="{BB962C8B-B14F-4D97-AF65-F5344CB8AC3E}">
-        <p14:creationId xmlns:p14="http://schemas.microsoft.com/office/powerpoint/2010/main" val="4215097671"/>
+        <p14:creationId xmlns:p14="http://schemas.microsoft.com/office/powerpoint/2010/main" val="592777674"/>
       </p:ext>
     </p:extLst>
   </p:cSld>
@@ -21025,150 +21261,6 @@
       </p:grpSpPr>
       <p:sp>
         <p:nvSpPr>
-          <p:cNvPr id="2" name="Title 1">
-            <a:extLst>
-              <a:ext uri="{FF2B5EF4-FFF2-40B4-BE49-F238E27FC236}">
-                <a16:creationId xmlns:a16="http://schemas.microsoft.com/office/drawing/2014/main" id="{3CDA2C0A-84C5-DDCE-DE2D-F26D112FC42D}"/>
-              </a:ext>
-            </a:extLst>
-          </p:cNvPr>
-          <p:cNvSpPr>
-            <a:spLocks noGrp="1"/>
-          </p:cNvSpPr>
-          <p:nvPr>
-            <p:ph type="title"/>
-          </p:nvPr>
-        </p:nvSpPr>
-        <p:spPr/>
-        <p:txBody>
-          <a:bodyPr>
-            <a:normAutofit fontScale="90000"/>
-          </a:bodyPr>
-          <a:lstStyle/>
-          <a:p>
-            <a:pPr algn="ctr"/>
-            <a:r>
-              <a:rPr lang="en-US" dirty="0">
-                <a:latin typeface="National Park " pitchFamily="2" charset="77"/>
-              </a:rPr>
-              <a:t>Other Possible Venues to look for challenges</a:t>
-            </a:r>
-          </a:p>
-        </p:txBody>
-      </p:sp>
-      <p:sp>
-        <p:nvSpPr>
-          <p:cNvPr id="3" name="Content Placeholder 2">
-            <a:extLst>
-              <a:ext uri="{FF2B5EF4-FFF2-40B4-BE49-F238E27FC236}">
-                <a16:creationId xmlns:a16="http://schemas.microsoft.com/office/drawing/2014/main" id="{F46367CA-67BA-E0A5-9C11-0819709041BA}"/>
-              </a:ext>
-            </a:extLst>
-          </p:cNvPr>
-          <p:cNvSpPr>
-            <a:spLocks noGrp="1"/>
-          </p:cNvSpPr>
-          <p:nvPr>
-            <p:ph idx="1"/>
-          </p:nvPr>
-        </p:nvSpPr>
-        <p:spPr/>
-        <p:txBody>
-          <a:bodyPr/>
-          <a:lstStyle/>
-          <a:p>
-            <a:r>
-              <a:rPr lang="en-US" dirty="0">
-                <a:hlinkClick r:id="rId2"/>
-              </a:rPr>
-              <a:t>annas-blog.org/worldcat-scrape.html</a:t>
-            </a:r>
-            <a:endParaRPr lang="en-US" dirty="0"/>
-          </a:p>
-          <a:p>
-            <a:r>
-              <a:rPr lang="en-US" dirty="0">
-                <a:hlinkClick r:id="rId3"/>
-              </a:rPr>
-              <a:t>smc-datachallenge.ornl.gov</a:t>
-            </a:r>
-            <a:endParaRPr lang="en-US" dirty="0"/>
-          </a:p>
-          <a:p>
-            <a:r>
-              <a:rPr lang="en-US" dirty="0">
-                <a:hlinkClick r:id="rId4"/>
-              </a:rPr>
-              <a:t>www.reddit.com/r/DataHoarder</a:t>
-            </a:r>
-            <a:endParaRPr lang="en-US" dirty="0"/>
-          </a:p>
-          <a:p>
-            <a:endParaRPr lang="en-US" dirty="0"/>
-          </a:p>
-        </p:txBody>
-      </p:sp>
-      <p:sp>
-        <p:nvSpPr>
-          <p:cNvPr id="4" name="Slide Number Placeholder 3">
-            <a:extLst>
-              <a:ext uri="{FF2B5EF4-FFF2-40B4-BE49-F238E27FC236}">
-                <a16:creationId xmlns:a16="http://schemas.microsoft.com/office/drawing/2014/main" id="{DC20C616-4036-B93A-64BC-2D0981B65436}"/>
-              </a:ext>
-            </a:extLst>
-          </p:cNvPr>
-          <p:cNvSpPr>
-            <a:spLocks noGrp="1"/>
-          </p:cNvSpPr>
-          <p:nvPr>
-            <p:ph type="sldNum" sz="quarter" idx="12"/>
-          </p:nvPr>
-        </p:nvSpPr>
-        <p:spPr/>
-        <p:txBody>
-          <a:bodyPr/>
-          <a:lstStyle/>
-          <a:p>
-            <a:fld id="{4E3AEE2C-3A74-8643-B4A2-442777B583A3}" type="slidenum">
-              <a:rPr lang="en-US" smtClean="0"/>
-              <a:t>63</a:t>
-            </a:fld>
-            <a:endParaRPr lang="en-US"/>
-          </a:p>
-        </p:txBody>
-      </p:sp>
-    </p:spTree>
-    <p:extLst>
-      <p:ext uri="{BB962C8B-B14F-4D97-AF65-F5344CB8AC3E}">
-        <p14:creationId xmlns:p14="http://schemas.microsoft.com/office/powerpoint/2010/main" val="592777674"/>
-      </p:ext>
-    </p:extLst>
-  </p:cSld>
-  <p:clrMapOvr>
-    <a:masterClrMapping/>
-  </p:clrMapOvr>
-</p:sld>
-</file>
-
-<file path=ppt/slides/slide64.xml><?xml version="1.0" encoding="utf-8"?>
-<p:sld xmlns:a="http://schemas.openxmlformats.org/drawingml/2006/main" xmlns:r="http://schemas.openxmlformats.org/officeDocument/2006/relationships" xmlns:p="http://schemas.openxmlformats.org/presentationml/2006/main">
-  <p:cSld>
-    <p:spTree>
-      <p:nvGrpSpPr>
-        <p:cNvPr id="1" name=""/>
-        <p:cNvGrpSpPr/>
-        <p:nvPr/>
-      </p:nvGrpSpPr>
-      <p:grpSpPr>
-        <a:xfrm>
-          <a:off x="0" y="0"/>
-          <a:ext cx="0" cy="0"/>
-          <a:chOff x="0" y="0"/>
-          <a:chExt cx="0" cy="0"/>
-        </a:xfrm>
-      </p:grpSpPr>
-      <p:sp>
-        <p:nvSpPr>
           <p:cNvPr id="2" name="Title 1"/>
           <p:cNvSpPr>
             <a:spLocks noGrp="1"/>
@@ -21262,7 +21354,7 @@
               <a:rPr lang="en-US" smtClean="0">
                 <a:latin typeface="National Park " pitchFamily="2" charset="77"/>
               </a:rPr>
-              <a:t>64</a:t>
+              <a:t>63</a:t>
             </a:fld>
             <a:endParaRPr lang="en-US">
               <a:latin typeface="National Park " pitchFamily="2" charset="77"/>

--- a/gnu-parallel-tutorial.pptx
+++ b/gnu-parallel-tutorial.pptx
@@ -5,10 +5,10 @@
     <p:sldMasterId id="2147483660" r:id="rId1"/>
   </p:sldMasterIdLst>
   <p:notesMasterIdLst>
-    <p:notesMasterId r:id="rId76"/>
+    <p:notesMasterId r:id="rId77"/>
   </p:notesMasterIdLst>
   <p:handoutMasterIdLst>
-    <p:handoutMasterId r:id="rId77"/>
+    <p:handoutMasterId r:id="rId78"/>
   </p:handoutMasterIdLst>
   <p:sldIdLst>
     <p:sldId id="256" r:id="rId2"/>
@@ -56,35 +56,36 @@
     <p:sldId id="452" r:id="rId44"/>
     <p:sldId id="443" r:id="rId45"/>
     <p:sldId id="466" r:id="rId46"/>
-    <p:sldId id="430" r:id="rId47"/>
-    <p:sldId id="440" r:id="rId48"/>
-    <p:sldId id="441" r:id="rId49"/>
-    <p:sldId id="444" r:id="rId50"/>
-    <p:sldId id="425" r:id="rId51"/>
-    <p:sldId id="439" r:id="rId52"/>
-    <p:sldId id="499" r:id="rId53"/>
-    <p:sldId id="277" r:id="rId54"/>
-    <p:sldId id="278" r:id="rId55"/>
-    <p:sldId id="285" r:id="rId56"/>
-    <p:sldId id="500" r:id="rId57"/>
-    <p:sldId id="431" r:id="rId58"/>
-    <p:sldId id="427" r:id="rId59"/>
-    <p:sldId id="446" r:id="rId60"/>
-    <p:sldId id="447" r:id="rId61"/>
-    <p:sldId id="457" r:id="rId62"/>
-    <p:sldId id="506" r:id="rId63"/>
-    <p:sldId id="450" r:id="rId64"/>
-    <p:sldId id="501" r:id="rId65"/>
-    <p:sldId id="502" r:id="rId66"/>
-    <p:sldId id="492" r:id="rId67"/>
-    <p:sldId id="503" r:id="rId68"/>
-    <p:sldId id="507" r:id="rId69"/>
-    <p:sldId id="411" r:id="rId70"/>
-    <p:sldId id="288" r:id="rId71"/>
-    <p:sldId id="398" r:id="rId72"/>
-    <p:sldId id="393" r:id="rId73"/>
-    <p:sldId id="456" r:id="rId74"/>
-    <p:sldId id="309" r:id="rId75"/>
+    <p:sldId id="508" r:id="rId47"/>
+    <p:sldId id="430" r:id="rId48"/>
+    <p:sldId id="440" r:id="rId49"/>
+    <p:sldId id="441" r:id="rId50"/>
+    <p:sldId id="444" r:id="rId51"/>
+    <p:sldId id="425" r:id="rId52"/>
+    <p:sldId id="439" r:id="rId53"/>
+    <p:sldId id="499" r:id="rId54"/>
+    <p:sldId id="277" r:id="rId55"/>
+    <p:sldId id="278" r:id="rId56"/>
+    <p:sldId id="285" r:id="rId57"/>
+    <p:sldId id="500" r:id="rId58"/>
+    <p:sldId id="431" r:id="rId59"/>
+    <p:sldId id="427" r:id="rId60"/>
+    <p:sldId id="446" r:id="rId61"/>
+    <p:sldId id="447" r:id="rId62"/>
+    <p:sldId id="457" r:id="rId63"/>
+    <p:sldId id="506" r:id="rId64"/>
+    <p:sldId id="450" r:id="rId65"/>
+    <p:sldId id="501" r:id="rId66"/>
+    <p:sldId id="502" r:id="rId67"/>
+    <p:sldId id="492" r:id="rId68"/>
+    <p:sldId id="503" r:id="rId69"/>
+    <p:sldId id="507" r:id="rId70"/>
+    <p:sldId id="411" r:id="rId71"/>
+    <p:sldId id="288" r:id="rId72"/>
+    <p:sldId id="398" r:id="rId73"/>
+    <p:sldId id="393" r:id="rId74"/>
+    <p:sldId id="456" r:id="rId75"/>
+    <p:sldId id="309" r:id="rId76"/>
   </p:sldIdLst>
   <p:sldSz cx="9144000" cy="5143500" type="screen16x9"/>
   <p:notesSz cx="9144000" cy="6858000"/>
@@ -1241,7 +1242,7 @@
           <a:p>
             <a:fld id="{D97B2049-7013-B143-AD62-F7BCB3DA4A6F}" type="slidenum">
               <a:rPr lang="en-US" smtClean="0"/>
-              <a:t>70</a:t>
+              <a:t>71</a:t>
             </a:fld>
             <a:endParaRPr lang="en-US"/>
           </a:p>
@@ -5114,77 +5115,120 @@
               <a:buNone/>
             </a:pPr>
             <a:r>
-              <a:rPr lang="en-US" dirty="0"/>
+              <a:rPr lang="en-US" dirty="0">
+                <a:latin typeface="Courier New" panose="02070309020205020404" pitchFamily="49" charset="0"/>
+                <a:cs typeface="Courier New" panose="02070309020205020404" pitchFamily="49" charset="0"/>
+              </a:rPr>
               <a:t>man { parallel, </a:t>
             </a:r>
             <a:r>
-              <a:rPr lang="en-US" dirty="0" err="1"/>
+              <a:rPr lang="en-US" dirty="0" err="1">
+                <a:latin typeface="Courier New" panose="02070309020205020404" pitchFamily="49" charset="0"/>
+                <a:cs typeface="Courier New" panose="02070309020205020404" pitchFamily="49" charset="0"/>
+              </a:rPr>
               <a:t>parallel_tutorial</a:t>
             </a:r>
             <a:r>
-              <a:rPr lang="en-US" dirty="0"/>
+              <a:rPr lang="en-US" dirty="0">
+                <a:latin typeface="Courier New" panose="02070309020205020404" pitchFamily="49" charset="0"/>
+                <a:cs typeface="Courier New" panose="02070309020205020404" pitchFamily="49" charset="0"/>
+              </a:rPr>
               <a:t>, </a:t>
             </a:r>
             <a:r>
-              <a:rPr lang="en-US" dirty="0" err="1"/>
+              <a:rPr lang="en-US" dirty="0" err="1">
+                <a:latin typeface="Courier New" panose="02070309020205020404" pitchFamily="49" charset="0"/>
+                <a:cs typeface="Courier New" panose="02070309020205020404" pitchFamily="49" charset="0"/>
+              </a:rPr>
               <a:t>env_parallel</a:t>
             </a:r>
             <a:r>
-              <a:rPr lang="en-US" dirty="0"/>
+              <a:rPr lang="en-US" dirty="0">
+                <a:latin typeface="Courier New" panose="02070309020205020404" pitchFamily="49" charset="0"/>
+                <a:cs typeface="Courier New" panose="02070309020205020404" pitchFamily="49" charset="0"/>
+              </a:rPr>
               <a:t>, </a:t>
             </a:r>
             <a:br>
-              <a:rPr lang="en-US" dirty="0"/>
+              <a:rPr lang="en-US" dirty="0">
+                <a:latin typeface="Courier New" panose="02070309020205020404" pitchFamily="49" charset="0"/>
+                <a:cs typeface="Courier New" panose="02070309020205020404" pitchFamily="49" charset="0"/>
+              </a:rPr>
             </a:br>
             <a:r>
-              <a:rPr lang="en-US" dirty="0"/>
+              <a:rPr lang="en-US" dirty="0">
+                <a:latin typeface="Courier New" panose="02070309020205020404" pitchFamily="49" charset="0"/>
+                <a:cs typeface="Courier New" panose="02070309020205020404" pitchFamily="49" charset="0"/>
+              </a:rPr>
               <a:t>           </a:t>
             </a:r>
             <a:r>
-              <a:rPr lang="en-US" dirty="0" err="1"/>
+              <a:rPr lang="en-US" dirty="0" err="1">
+                <a:latin typeface="Courier New" panose="02070309020205020404" pitchFamily="49" charset="0"/>
+                <a:cs typeface="Courier New" panose="02070309020205020404" pitchFamily="49" charset="0"/>
+              </a:rPr>
               <a:t>parset</a:t>
             </a:r>
             <a:r>
-              <a:rPr lang="en-US" dirty="0"/>
+              <a:rPr lang="en-US" dirty="0">
+                <a:latin typeface="Courier New" panose="02070309020205020404" pitchFamily="49" charset="0"/>
+                <a:cs typeface="Courier New" panose="02070309020205020404" pitchFamily="49" charset="0"/>
+              </a:rPr>
               <a:t>, </a:t>
             </a:r>
             <a:r>
-              <a:rPr lang="en-US" dirty="0" err="1"/>
+              <a:rPr lang="en-US" dirty="0" err="1">
+                <a:latin typeface="Courier New" panose="02070309020205020404" pitchFamily="49" charset="0"/>
+                <a:cs typeface="Courier New" panose="02070309020205020404" pitchFamily="49" charset="0"/>
+              </a:rPr>
               <a:t>parsort</a:t>
             </a:r>
             <a:r>
-              <a:rPr lang="en-US" dirty="0"/>
+              <a:rPr lang="en-US" dirty="0">
+                <a:latin typeface="Courier New" panose="02070309020205020404" pitchFamily="49" charset="0"/>
+                <a:cs typeface="Courier New" panose="02070309020205020404" pitchFamily="49" charset="0"/>
+              </a:rPr>
+              <a:t>,</a:t>
+            </a:r>
+            <a:br>
+              <a:rPr lang="en-US" dirty="0">
+                <a:latin typeface="Courier New" panose="02070309020205020404" pitchFamily="49" charset="0"/>
+                <a:cs typeface="Courier New" panose="02070309020205020404" pitchFamily="49" charset="0"/>
+              </a:rPr>
+            </a:br>
+            <a:r>
+              <a:rPr lang="en-US" dirty="0">
+                <a:latin typeface="Courier New" panose="02070309020205020404" pitchFamily="49" charset="0"/>
+                <a:cs typeface="Courier New" panose="02070309020205020404" pitchFamily="49" charset="0"/>
+              </a:rPr>
+              <a:t>           </a:t>
+            </a:r>
+            <a:r>
+              <a:rPr lang="en-US" dirty="0" err="1">
+                <a:latin typeface="Courier New" panose="02070309020205020404" pitchFamily="49" charset="0"/>
+                <a:cs typeface="Courier New" panose="02070309020205020404" pitchFamily="49" charset="0"/>
+              </a:rPr>
+              <a:t>parallel_design</a:t>
+            </a:r>
+            <a:r>
+              <a:rPr lang="en-US" dirty="0">
+                <a:latin typeface="Courier New" panose="02070309020205020404" pitchFamily="49" charset="0"/>
+                <a:cs typeface="Courier New" panose="02070309020205020404" pitchFamily="49" charset="0"/>
+              </a:rPr>
               <a:t>, </a:t>
             </a:r>
             <a:r>
-              <a:rPr lang="en-US" dirty="0" err="1"/>
-              <a:t>parallel_alternatives</a:t>
-            </a:r>
-            <a:r>
-              <a:rPr lang="en-US" dirty="0"/>
-              <a:t>,</a:t>
-            </a:r>
-            <a:br>
-              <a:rPr lang="en-US" dirty="0"/>
-            </a:br>
-            <a:r>
-              <a:rPr lang="en-US" dirty="0"/>
-              <a:t>           </a:t>
-            </a:r>
-            <a:r>
-              <a:rPr lang="en-US" dirty="0" err="1"/>
-              <a:t>parallel_design</a:t>
-            </a:r>
-            <a:r>
-              <a:rPr lang="en-US" dirty="0"/>
-              <a:t>, </a:t>
-            </a:r>
-            <a:r>
-              <a:rPr lang="en-US" dirty="0" err="1"/>
+              <a:rPr lang="en-US" dirty="0" err="1">
+                <a:latin typeface="Courier New" panose="02070309020205020404" pitchFamily="49" charset="0"/>
+                <a:cs typeface="Courier New" panose="02070309020205020404" pitchFamily="49" charset="0"/>
+              </a:rPr>
               <a:t>niceload</a:t>
             </a:r>
             <a:r>
-              <a:rPr lang="en-US" dirty="0"/>
+              <a:rPr lang="en-US" dirty="0">
+                <a:latin typeface="Courier New" panose="02070309020205020404" pitchFamily="49" charset="0"/>
+                <a:cs typeface="Courier New" panose="02070309020205020404" pitchFamily="49" charset="0"/>
+              </a:rPr>
               <a:t> } </a:t>
             </a:r>
           </a:p>
@@ -5196,8 +5240,15 @@
               <a:rPr lang="en-US" dirty="0"/>
             </a:br>
             <a:r>
+              <a:rPr lang="en-US" dirty="0">
+                <a:latin typeface="Courier New" panose="02070309020205020404" pitchFamily="49" charset="0"/>
+                <a:cs typeface="Courier New" panose="02070309020205020404" pitchFamily="49" charset="0"/>
+              </a:rPr>
+              <a:t>parallel --help</a:t>
+            </a:r>
+            <a:r>
               <a:rPr lang="en-US" dirty="0"/>
-              <a:t>parallel --help           # summary of most imp options</a:t>
+              <a:t>           # summary of most imp options</a:t>
             </a:r>
           </a:p>
           <a:p>
@@ -5237,7 +5288,18 @@
             </a:br>
             <a:r>
               <a:rPr lang="en-US" dirty="0"/>
-              <a:t>Searching ‘gnu parallel’ on Hacker news, Reddit, Stack Exchange yields many helpful links</a:t>
+              <a:t>WWW: Searching for </a:t>
+            </a:r>
+            <a:r>
+              <a:rPr lang="en-US" dirty="0">
+                <a:latin typeface="Courier New" panose="02070309020205020404" pitchFamily="49" charset="0"/>
+                <a:cs typeface="Courier New" panose="02070309020205020404" pitchFamily="49" charset="0"/>
+              </a:rPr>
+              <a:t>‘gnu parallel’</a:t>
+            </a:r>
+            <a:r>
+              <a:rPr lang="en-US" dirty="0"/>
+              <a:t> on Hacker news, Reddit, Stack Exchange yields many helpful links</a:t>
             </a:r>
           </a:p>
         </p:txBody>
@@ -5398,6 +5460,9 @@
             </a:r>
           </a:p>
           <a:p>
+            <a:endParaRPr lang="en-US" dirty="0"/>
+          </a:p>
+          <a:p>
             <a:r>
               <a:rPr lang="en-US" dirty="0"/>
               <a:t>Perlmutter</a:t>
@@ -5411,9 +5476,12 @@
             </a:r>
           </a:p>
           <a:p>
+            <a:endParaRPr lang="en-US" dirty="0"/>
+          </a:p>
+          <a:p>
             <a:r>
               <a:rPr lang="en-US" dirty="0"/>
-              <a:t>Both systems running </a:t>
+              <a:t>Both systems running the </a:t>
             </a:r>
             <a:r>
               <a:rPr lang="en-US" dirty="0" err="1"/>
@@ -17939,7 +18007,13 @@
       </p:grpSpPr>
       <p:sp>
         <p:nvSpPr>
-          <p:cNvPr id="2" name="Title 1"/>
+          <p:cNvPr id="2" name="Title 1">
+            <a:extLst>
+              <a:ext uri="{FF2B5EF4-FFF2-40B4-BE49-F238E27FC236}">
+                <a16:creationId xmlns:a16="http://schemas.microsoft.com/office/drawing/2014/main" id="{776A9F6E-3DA8-499F-2EB6-A523CDC39557}"/>
+              </a:ext>
+            </a:extLst>
+          </p:cNvPr>
           <p:cNvSpPr>
             <a:spLocks noGrp="1"/>
           </p:cNvSpPr>
@@ -17947,32 +18021,281 @@
             <p:ph type="title"/>
           </p:nvPr>
         </p:nvSpPr>
-        <p:spPr>
-          <a:xfrm>
-            <a:off x="628650" y="1577578"/>
-            <a:ext cx="7886700" cy="994172"/>
-          </a:xfrm>
-        </p:spPr>
+        <p:spPr/>
+        <p:txBody>
+          <a:bodyPr>
+            <a:normAutofit/>
+          </a:bodyPr>
+          <a:lstStyle/>
+          <a:p>
+            <a:pPr algn="ctr"/>
+            <a:r>
+              <a:rPr lang="en-US" sz="2500" dirty="0">
+                <a:latin typeface="National Park " pitchFamily="2" charset="77"/>
+              </a:rPr>
+              <a:t>Exercise (~6min): split, transfer and join a large file</a:t>
+            </a:r>
+          </a:p>
+        </p:txBody>
+      </p:sp>
+      <p:sp>
+        <p:nvSpPr>
+          <p:cNvPr id="3" name="Content Placeholder 2">
+            <a:extLst>
+              <a:ext uri="{FF2B5EF4-FFF2-40B4-BE49-F238E27FC236}">
+                <a16:creationId xmlns:a16="http://schemas.microsoft.com/office/drawing/2014/main" id="{621B26C4-3244-199C-67B2-5396C804681C}"/>
+              </a:ext>
+            </a:extLst>
+          </p:cNvPr>
+          <p:cNvSpPr>
+            <a:spLocks noGrp="1"/>
+          </p:cNvSpPr>
+          <p:nvPr>
+            <p:ph idx="1"/>
+          </p:nvPr>
+        </p:nvSpPr>
+        <p:spPr/>
         <p:txBody>
           <a:bodyPr/>
           <a:lstStyle/>
           <a:p>
-            <a:pPr algn="ctr"/>
-            <a:r>
-              <a:rPr lang="en-US" dirty="0">
-                <a:latin typeface="National Park " pitchFamily="2" charset="77"/>
-              </a:rPr>
-              <a:t>Part 5: HPC and GNU Parallel</a:t>
-            </a:r>
-            <a:endParaRPr lang="en-US" i="1" dirty="0">
-              <a:latin typeface="National Park Medium" pitchFamily="2" charset="77"/>
+            <a:r>
+              <a:rPr lang="en-US" dirty="0"/>
+              <a:t>Create two directories: </a:t>
+            </a:r>
+            <a:r>
+              <a:rPr lang="en-US" dirty="0">
+                <a:latin typeface="Courier New" panose="02070309020205020404" pitchFamily="49" charset="0"/>
+                <a:cs typeface="Courier New" panose="02070309020205020404" pitchFamily="49" charset="0"/>
+              </a:rPr>
+              <a:t>/</a:t>
+            </a:r>
+            <a:r>
+              <a:rPr lang="en-US" dirty="0" err="1">
+                <a:latin typeface="Courier New" panose="02070309020205020404" pitchFamily="49" charset="0"/>
+                <a:cs typeface="Courier New" panose="02070309020205020404" pitchFamily="49" charset="0"/>
+              </a:rPr>
+              <a:t>tmp</a:t>
+            </a:r>
+            <a:r>
+              <a:rPr lang="en-US" dirty="0">
+                <a:latin typeface="Courier New" panose="02070309020205020404" pitchFamily="49" charset="0"/>
+                <a:cs typeface="Courier New" panose="02070309020205020404" pitchFamily="49" charset="0"/>
+              </a:rPr>
+              <a:t>/source </a:t>
+            </a:r>
+            <a:r>
+              <a:rPr lang="en-US" dirty="0"/>
+              <a:t>and </a:t>
+            </a:r>
+            <a:r>
+              <a:rPr lang="en-US" dirty="0">
+                <a:latin typeface="Courier New" panose="02070309020205020404" pitchFamily="49" charset="0"/>
+                <a:cs typeface="Courier New" panose="02070309020205020404" pitchFamily="49" charset="0"/>
+              </a:rPr>
+              <a:t>/</a:t>
+            </a:r>
+            <a:r>
+              <a:rPr lang="en-US" dirty="0" err="1">
+                <a:latin typeface="Courier New" panose="02070309020205020404" pitchFamily="49" charset="0"/>
+                <a:cs typeface="Courier New" panose="02070309020205020404" pitchFamily="49" charset="0"/>
+              </a:rPr>
+              <a:t>tmp</a:t>
+            </a:r>
+            <a:r>
+              <a:rPr lang="en-US" dirty="0">
+                <a:latin typeface="Courier New" panose="02070309020205020404" pitchFamily="49" charset="0"/>
+                <a:cs typeface="Courier New" panose="02070309020205020404" pitchFamily="49" charset="0"/>
+              </a:rPr>
+              <a:t>/</a:t>
+            </a:r>
+            <a:r>
+              <a:rPr lang="en-US" dirty="0" err="1">
+                <a:latin typeface="Courier New" panose="02070309020205020404" pitchFamily="49" charset="0"/>
+                <a:cs typeface="Courier New" panose="02070309020205020404" pitchFamily="49" charset="0"/>
+              </a:rPr>
+              <a:t>dest</a:t>
+            </a:r>
+            <a:endParaRPr lang="en-US" dirty="0">
+              <a:latin typeface="Courier New" panose="02070309020205020404" pitchFamily="49" charset="0"/>
+              <a:cs typeface="Courier New" panose="02070309020205020404" pitchFamily="49" charset="0"/>
             </a:endParaRPr>
           </a:p>
-        </p:txBody>
-      </p:sp>
-      <p:sp>
-        <p:nvSpPr>
-          <p:cNvPr id="4" name="Slide Number Placeholder 3"/>
+          <a:p>
+            <a:r>
+              <a:rPr lang="en-US" dirty="0"/>
+              <a:t>Create a large file in </a:t>
+            </a:r>
+            <a:r>
+              <a:rPr lang="en-US" dirty="0">
+                <a:latin typeface="Courier New" panose="02070309020205020404" pitchFamily="49" charset="0"/>
+                <a:cs typeface="Courier New" panose="02070309020205020404" pitchFamily="49" charset="0"/>
+              </a:rPr>
+              <a:t>/</a:t>
+            </a:r>
+            <a:r>
+              <a:rPr lang="en-US" dirty="0" err="1">
+                <a:latin typeface="Courier New" panose="02070309020205020404" pitchFamily="49" charset="0"/>
+                <a:cs typeface="Courier New" panose="02070309020205020404" pitchFamily="49" charset="0"/>
+              </a:rPr>
+              <a:t>tmp</a:t>
+            </a:r>
+            <a:r>
+              <a:rPr lang="en-US" dirty="0">
+                <a:latin typeface="Courier New" panose="02070309020205020404" pitchFamily="49" charset="0"/>
+                <a:cs typeface="Courier New" panose="02070309020205020404" pitchFamily="49" charset="0"/>
+              </a:rPr>
+              <a:t>/source</a:t>
+            </a:r>
+            <a:r>
+              <a:rPr lang="en-US" dirty="0"/>
+              <a:t>:</a:t>
+            </a:r>
+            <a:br>
+              <a:rPr lang="en-US" dirty="0"/>
+            </a:br>
+            <a:r>
+              <a:rPr lang="en-US" dirty="0">
+                <a:latin typeface="Courier New" panose="02070309020205020404" pitchFamily="49" charset="0"/>
+                <a:cs typeface="Courier New" panose="02070309020205020404" pitchFamily="49" charset="0"/>
+              </a:rPr>
+              <a:t>seq 1000000 &gt; </a:t>
+            </a:r>
+            <a:r>
+              <a:rPr lang="en-US" dirty="0" err="1">
+                <a:latin typeface="Courier New" panose="02070309020205020404" pitchFamily="49" charset="0"/>
+                <a:cs typeface="Courier New" panose="02070309020205020404" pitchFamily="49" charset="0"/>
+              </a:rPr>
+              <a:t>largefile.txt</a:t>
+            </a:r>
+            <a:endParaRPr lang="en-US" dirty="0">
+              <a:latin typeface="Courier New" panose="02070309020205020404" pitchFamily="49" charset="0"/>
+              <a:cs typeface="Courier New" panose="02070309020205020404" pitchFamily="49" charset="0"/>
+            </a:endParaRPr>
+          </a:p>
+          <a:p>
+            <a:r>
+              <a:rPr lang="en-US" dirty="0">
+                <a:cs typeface="Courier New" panose="02070309020205020404" pitchFamily="49" charset="0"/>
+              </a:rPr>
+              <a:t>Split the file into </a:t>
+            </a:r>
+            <a:r>
+              <a:rPr lang="en-US" b="1" dirty="0">
+                <a:cs typeface="Courier New" panose="02070309020205020404" pitchFamily="49" charset="0"/>
+              </a:rPr>
+              <a:t>16</a:t>
+            </a:r>
+            <a:r>
+              <a:rPr lang="en-US" dirty="0">
+                <a:cs typeface="Courier New" panose="02070309020205020404" pitchFamily="49" charset="0"/>
+              </a:rPr>
+              <a:t> pieces</a:t>
+            </a:r>
+          </a:p>
+          <a:p>
+            <a:r>
+              <a:rPr lang="en-US" dirty="0">
+                <a:cs typeface="Courier New" panose="02070309020205020404" pitchFamily="49" charset="0"/>
+              </a:rPr>
+              <a:t>parallel </a:t>
+            </a:r>
+            <a:r>
+              <a:rPr lang="en-US" dirty="0" err="1">
+                <a:cs typeface="Courier New" panose="02070309020205020404" pitchFamily="49" charset="0"/>
+              </a:rPr>
+              <a:t>rsync</a:t>
+            </a:r>
+            <a:r>
+              <a:rPr lang="en-US" dirty="0">
+                <a:cs typeface="Courier New" panose="02070309020205020404" pitchFamily="49" charset="0"/>
+              </a:rPr>
+              <a:t> those pieces to </a:t>
+            </a:r>
+            <a:r>
+              <a:rPr lang="en-US" dirty="0">
+                <a:latin typeface="Courier New" panose="02070309020205020404" pitchFamily="49" charset="0"/>
+                <a:cs typeface="Courier New" panose="02070309020205020404" pitchFamily="49" charset="0"/>
+              </a:rPr>
+              <a:t>/</a:t>
+            </a:r>
+            <a:r>
+              <a:rPr lang="en-US" dirty="0" err="1">
+                <a:latin typeface="Courier New" panose="02070309020205020404" pitchFamily="49" charset="0"/>
+                <a:cs typeface="Courier New" panose="02070309020205020404" pitchFamily="49" charset="0"/>
+              </a:rPr>
+              <a:t>tmp</a:t>
+            </a:r>
+            <a:r>
+              <a:rPr lang="en-US" dirty="0">
+                <a:latin typeface="Courier New" panose="02070309020205020404" pitchFamily="49" charset="0"/>
+                <a:cs typeface="Courier New" panose="02070309020205020404" pitchFamily="49" charset="0"/>
+              </a:rPr>
+              <a:t>/</a:t>
+            </a:r>
+            <a:r>
+              <a:rPr lang="en-US" dirty="0" err="1">
+                <a:latin typeface="Courier New" panose="02070309020205020404" pitchFamily="49" charset="0"/>
+                <a:cs typeface="Courier New" panose="02070309020205020404" pitchFamily="49" charset="0"/>
+              </a:rPr>
+              <a:t>dest</a:t>
+            </a:r>
+            <a:endParaRPr lang="en-US" dirty="0">
+              <a:latin typeface="Courier New" panose="02070309020205020404" pitchFamily="49" charset="0"/>
+              <a:cs typeface="Courier New" panose="02070309020205020404" pitchFamily="49" charset="0"/>
+            </a:endParaRPr>
+          </a:p>
+          <a:p>
+            <a:r>
+              <a:rPr lang="en-US" dirty="0">
+                <a:cs typeface="Courier New" panose="02070309020205020404" pitchFamily="49" charset="0"/>
+              </a:rPr>
+              <a:t>join the pieces in </a:t>
+            </a:r>
+            <a:r>
+              <a:rPr lang="en-US" dirty="0">
+                <a:latin typeface="Courier New" panose="02070309020205020404" pitchFamily="49" charset="0"/>
+                <a:cs typeface="Courier New" panose="02070309020205020404" pitchFamily="49" charset="0"/>
+              </a:rPr>
+              <a:t>/</a:t>
+            </a:r>
+            <a:r>
+              <a:rPr lang="en-US" dirty="0" err="1">
+                <a:latin typeface="Courier New" panose="02070309020205020404" pitchFamily="49" charset="0"/>
+                <a:cs typeface="Courier New" panose="02070309020205020404" pitchFamily="49" charset="0"/>
+              </a:rPr>
+              <a:t>tmp</a:t>
+            </a:r>
+            <a:r>
+              <a:rPr lang="en-US" dirty="0">
+                <a:latin typeface="Courier New" panose="02070309020205020404" pitchFamily="49" charset="0"/>
+                <a:cs typeface="Courier New" panose="02070309020205020404" pitchFamily="49" charset="0"/>
+              </a:rPr>
+              <a:t>/</a:t>
+            </a:r>
+            <a:r>
+              <a:rPr lang="en-US" dirty="0" err="1">
+                <a:latin typeface="Courier New" panose="02070309020205020404" pitchFamily="49" charset="0"/>
+                <a:cs typeface="Courier New" panose="02070309020205020404" pitchFamily="49" charset="0"/>
+              </a:rPr>
+              <a:t>dest</a:t>
+            </a:r>
+            <a:endParaRPr lang="en-US" dirty="0">
+              <a:latin typeface="Courier New" panose="02070309020205020404" pitchFamily="49" charset="0"/>
+              <a:cs typeface="Courier New" panose="02070309020205020404" pitchFamily="49" charset="0"/>
+            </a:endParaRPr>
+          </a:p>
+        </p:txBody>
+      </p:sp>
+      <p:sp>
+        <p:nvSpPr>
+          <p:cNvPr id="4" name="Slide Number Placeholder 3">
+            <a:extLst>
+              <a:ext uri="{FF2B5EF4-FFF2-40B4-BE49-F238E27FC236}">
+                <a16:creationId xmlns:a16="http://schemas.microsoft.com/office/drawing/2014/main" id="{0E5EAD80-C953-3397-CA9B-A3F01C9DC1D3}"/>
+              </a:ext>
+            </a:extLst>
+          </p:cNvPr>
           <p:cNvSpPr>
             <a:spLocks noGrp="1"/>
           </p:cNvSpPr>
@@ -17986,56 +18309,17 @@
           <a:lstStyle/>
           <a:p>
             <a:fld id="{4E3AEE2C-3A74-8643-B4A2-442777B583A3}" type="slidenum">
-              <a:rPr lang="en-US" smtClean="0">
-                <a:latin typeface="National Park " pitchFamily="2" charset="77"/>
-              </a:rPr>
+              <a:rPr lang="en-US" smtClean="0"/>
               <a:t>46</a:t>
             </a:fld>
-            <a:endParaRPr lang="en-US">
-              <a:latin typeface="National Park " pitchFamily="2" charset="77"/>
-            </a:endParaRPr>
-          </a:p>
-        </p:txBody>
-      </p:sp>
-      <p:sp>
-        <p:nvSpPr>
-          <p:cNvPr id="5" name="TextBox 4"/>
-          <p:cNvSpPr txBox="1"/>
-          <p:nvPr/>
-        </p:nvSpPr>
-        <p:spPr>
-          <a:xfrm>
-            <a:off x="7603274" y="4490264"/>
-            <a:ext cx="816249" cy="248209"/>
-          </a:xfrm>
-          <a:prstGeom prst="rect">
-            <a:avLst/>
-          </a:prstGeom>
-          <a:noFill/>
-        </p:spPr>
-        <p:txBody>
-          <a:bodyPr wrap="none" rtlCol="0">
-            <a:spAutoFit/>
-          </a:bodyPr>
-          <a:lstStyle/>
-          <a:p>
-            <a:r>
-              <a:rPr lang="en-US" sz="1013" dirty="0">
-                <a:latin typeface="National Park " pitchFamily="2" charset="77"/>
-                <a:hlinkClick r:id="rId2" action="ppaction://hlinksldjump"/>
-              </a:rPr>
-              <a:t>back to toc</a:t>
-            </a:r>
-            <a:endParaRPr lang="en-US" sz="1013" dirty="0">
-              <a:latin typeface="National Park " pitchFamily="2" charset="77"/>
-            </a:endParaRPr>
+            <a:endParaRPr lang="en-US"/>
           </a:p>
         </p:txBody>
       </p:sp>
     </p:spTree>
     <p:extLst>
       <p:ext uri="{BB962C8B-B14F-4D97-AF65-F5344CB8AC3E}">
-        <p14:creationId xmlns:p14="http://schemas.microsoft.com/office/powerpoint/2010/main" val="572159004"/>
+        <p14:creationId xmlns:p14="http://schemas.microsoft.com/office/powerpoint/2010/main" val="2205751635"/>
       </p:ext>
     </p:extLst>
   </p:cSld>
@@ -18064,13 +18348,7 @@
       </p:grpSpPr>
       <p:sp>
         <p:nvSpPr>
-          <p:cNvPr id="2" name="Title 1">
-            <a:extLst>
-              <a:ext uri="{FF2B5EF4-FFF2-40B4-BE49-F238E27FC236}">
-                <a16:creationId xmlns:a16="http://schemas.microsoft.com/office/drawing/2014/main" id="{ADE14ED2-6D53-4404-EACF-98B7B8336DEC}"/>
-              </a:ext>
-            </a:extLst>
-          </p:cNvPr>
+          <p:cNvPr id="2" name="Title 1"/>
           <p:cNvSpPr>
             <a:spLocks noGrp="1"/>
           </p:cNvSpPr>
@@ -18078,143 +18356,95 @@
             <p:ph type="title"/>
           </p:nvPr>
         </p:nvSpPr>
+        <p:spPr>
+          <a:xfrm>
+            <a:off x="628650" y="1577578"/>
+            <a:ext cx="7886700" cy="994172"/>
+          </a:xfrm>
+        </p:spPr>
+        <p:txBody>
+          <a:bodyPr/>
+          <a:lstStyle/>
+          <a:p>
+            <a:pPr algn="ctr"/>
+            <a:r>
+              <a:rPr lang="en-US" dirty="0">
+                <a:latin typeface="National Park " pitchFamily="2" charset="77"/>
+              </a:rPr>
+              <a:t>Part 5: HPC and GNU Parallel</a:t>
+            </a:r>
+            <a:endParaRPr lang="en-US" i="1" dirty="0">
+              <a:latin typeface="National Park Medium" pitchFamily="2" charset="77"/>
+            </a:endParaRPr>
+          </a:p>
+        </p:txBody>
+      </p:sp>
+      <p:sp>
+        <p:nvSpPr>
+          <p:cNvPr id="4" name="Slide Number Placeholder 3"/>
+          <p:cNvSpPr>
+            <a:spLocks noGrp="1"/>
+          </p:cNvSpPr>
+          <p:nvPr>
+            <p:ph type="sldNum" sz="quarter" idx="12"/>
+          </p:nvPr>
+        </p:nvSpPr>
         <p:spPr/>
         <p:txBody>
           <a:bodyPr/>
           <a:lstStyle/>
           <a:p>
-            <a:pPr algn="ctr"/>
-            <a:r>
-              <a:rPr lang="en-US" dirty="0">
+            <a:fld id="{4E3AEE2C-3A74-8643-B4A2-442777B583A3}" type="slidenum">
+              <a:rPr lang="en-US" smtClean="0">
                 <a:latin typeface="National Park " pitchFamily="2" charset="77"/>
               </a:rPr>
-              <a:t>SLURM Workload Manager Review I</a:t>
-            </a:r>
-          </a:p>
-        </p:txBody>
-      </p:sp>
-      <p:sp>
-        <p:nvSpPr>
-          <p:cNvPr id="3" name="Content Placeholder 2">
-            <a:extLst>
-              <a:ext uri="{FF2B5EF4-FFF2-40B4-BE49-F238E27FC236}">
-                <a16:creationId xmlns:a16="http://schemas.microsoft.com/office/drawing/2014/main" id="{2CE75291-1258-5802-B5AB-F6CF7D882656}"/>
-              </a:ext>
-            </a:extLst>
-          </p:cNvPr>
-          <p:cNvSpPr>
-            <a:spLocks noGrp="1"/>
-          </p:cNvSpPr>
-          <p:nvPr>
-            <p:ph idx="1"/>
-          </p:nvPr>
-        </p:nvSpPr>
-        <p:spPr/>
-        <p:txBody>
-          <a:bodyPr>
-            <a:normAutofit fontScale="92500" lnSpcReduction="10000"/>
-          </a:bodyPr>
-          <a:lstStyle/>
-          <a:p>
-            <a:r>
-              <a:rPr lang="en-US" dirty="0" err="1"/>
-              <a:t>salloc</a:t>
-            </a:r>
-            <a:br>
-              <a:rPr lang="en-US" dirty="0"/>
-            </a:br>
-            <a:r>
-              <a:rPr lang="en-US" dirty="0"/>
-              <a:t>Obtain a job allocation.</a:t>
-            </a:r>
-          </a:p>
-          <a:p>
-            <a:r>
-              <a:rPr lang="en-US" dirty="0" err="1"/>
-              <a:t>sbatch</a:t>
-            </a:r>
-            <a:br>
-              <a:rPr lang="en-US" dirty="0"/>
-            </a:br>
-            <a:r>
-              <a:rPr lang="en-US" dirty="0"/>
-              <a:t>Submit a batch script for later execution.</a:t>
-            </a:r>
-          </a:p>
-          <a:p>
-            <a:r>
-              <a:rPr lang="en-US" dirty="0" err="1"/>
-              <a:t>srun</a:t>
-            </a:r>
-            <a:br>
-              <a:rPr lang="en-US" dirty="0"/>
-            </a:br>
-            <a:r>
-              <a:rPr lang="en-US" dirty="0"/>
-              <a:t>Obtain a job allocation (as needed) and execute an application. Option we will use: --wait=0 means do not terminate other tasks if one finishes</a:t>
-            </a:r>
-          </a:p>
-          <a:p>
-            <a:r>
-              <a:rPr lang="en-US" dirty="0" err="1"/>
-              <a:t>squeue</a:t>
-            </a:r>
-            <a:br>
-              <a:rPr lang="en-US" dirty="0"/>
-            </a:br>
-            <a:r>
-              <a:rPr lang="en-US" dirty="0"/>
-              <a:t>View information about jobs.</a:t>
-            </a:r>
-          </a:p>
-          <a:p>
-            <a:r>
-              <a:rPr lang="en-US" dirty="0" err="1"/>
-              <a:t>sinfo</a:t>
-            </a:r>
-            <a:br>
-              <a:rPr lang="en-US" dirty="0"/>
-            </a:br>
-            <a:r>
-              <a:rPr lang="en-US" dirty="0"/>
-              <a:t>View information about nodes and partitions.</a:t>
-            </a:r>
-          </a:p>
-        </p:txBody>
-      </p:sp>
-      <p:sp>
-        <p:nvSpPr>
-          <p:cNvPr id="4" name="Slide Number Placeholder 3">
-            <a:extLst>
-              <a:ext uri="{FF2B5EF4-FFF2-40B4-BE49-F238E27FC236}">
-                <a16:creationId xmlns:a16="http://schemas.microsoft.com/office/drawing/2014/main" id="{82B29A77-DDB8-463F-40A1-38C47963CFD6}"/>
-              </a:ext>
-            </a:extLst>
-          </p:cNvPr>
-          <p:cNvSpPr>
-            <a:spLocks noGrp="1"/>
-          </p:cNvSpPr>
-          <p:nvPr>
-            <p:ph type="sldNum" sz="quarter" idx="12"/>
-          </p:nvPr>
-        </p:nvSpPr>
-        <p:spPr/>
-        <p:txBody>
-          <a:bodyPr/>
-          <a:lstStyle/>
-          <a:p>
-            <a:fld id="{4E3AEE2C-3A74-8643-B4A2-442777B583A3}" type="slidenum">
-              <a:rPr lang="en-US" smtClean="0"/>
               <a:t>47</a:t>
             </a:fld>
-            <a:endParaRPr lang="en-US"/>
+            <a:endParaRPr lang="en-US">
+              <a:latin typeface="National Park " pitchFamily="2" charset="77"/>
+            </a:endParaRPr>
+          </a:p>
+        </p:txBody>
+      </p:sp>
+      <p:sp>
+        <p:nvSpPr>
+          <p:cNvPr id="5" name="TextBox 4"/>
+          <p:cNvSpPr txBox="1"/>
+          <p:nvPr/>
+        </p:nvSpPr>
+        <p:spPr>
+          <a:xfrm>
+            <a:off x="7603274" y="4490264"/>
+            <a:ext cx="816249" cy="248209"/>
+          </a:xfrm>
+          <a:prstGeom prst="rect">
+            <a:avLst/>
+          </a:prstGeom>
+          <a:noFill/>
+        </p:spPr>
+        <p:txBody>
+          <a:bodyPr wrap="none" rtlCol="0">
+            <a:spAutoFit/>
+          </a:bodyPr>
+          <a:lstStyle/>
+          <a:p>
+            <a:r>
+              <a:rPr lang="en-US" sz="1013" dirty="0">
+                <a:latin typeface="National Park " pitchFamily="2" charset="77"/>
+                <a:hlinkClick r:id="rId2" action="ppaction://hlinksldjump"/>
+              </a:rPr>
+              <a:t>back to toc</a:t>
+            </a:r>
+            <a:endParaRPr lang="en-US" sz="1013" dirty="0">
+              <a:latin typeface="National Park " pitchFamily="2" charset="77"/>
+            </a:endParaRPr>
           </a:p>
         </p:txBody>
       </p:sp>
     </p:spTree>
     <p:extLst>
       <p:ext uri="{BB962C8B-B14F-4D97-AF65-F5344CB8AC3E}">
-        <p14:creationId xmlns:p14="http://schemas.microsoft.com/office/powerpoint/2010/main" val="540319942"/>
+        <p14:creationId xmlns:p14="http://schemas.microsoft.com/office/powerpoint/2010/main" val="572159004"/>
       </p:ext>
     </p:extLst>
   </p:cSld>
@@ -18246,7 +18476,7 @@
           <p:cNvPr id="2" name="Title 1">
             <a:extLst>
               <a:ext uri="{FF2B5EF4-FFF2-40B4-BE49-F238E27FC236}">
-                <a16:creationId xmlns:a16="http://schemas.microsoft.com/office/drawing/2014/main" id="{1DBC6371-51BF-6C62-8B72-9ACDCD1E95DC}"/>
+                <a16:creationId xmlns:a16="http://schemas.microsoft.com/office/drawing/2014/main" id="{ADE14ED2-6D53-4404-EACF-98B7B8336DEC}"/>
               </a:ext>
             </a:extLst>
           </p:cNvPr>
@@ -18267,7 +18497,7 @@
               <a:rPr lang="en-US" dirty="0">
                 <a:latin typeface="National Park " pitchFamily="2" charset="77"/>
               </a:rPr>
-              <a:t>SLURM Workload Manager Review II</a:t>
+              <a:t>SLURM Workload Manager Review I</a:t>
             </a:r>
           </a:p>
         </p:txBody>
@@ -18277,7 +18507,7 @@
           <p:cNvPr id="3" name="Content Placeholder 2">
             <a:extLst>
               <a:ext uri="{FF2B5EF4-FFF2-40B4-BE49-F238E27FC236}">
-                <a16:creationId xmlns:a16="http://schemas.microsoft.com/office/drawing/2014/main" id="{4E144BCC-2A1E-EB06-4C50-223A6122708D}"/>
+                <a16:creationId xmlns:a16="http://schemas.microsoft.com/office/drawing/2014/main" id="{2CE75291-1258-5802-B5AB-F6CF7D882656}"/>
               </a:ext>
             </a:extLst>
           </p:cNvPr>
@@ -18291,111 +18521,72 @@
         <p:spPr/>
         <p:txBody>
           <a:bodyPr>
-            <a:normAutofit lnSpcReduction="10000"/>
+            <a:normAutofit fontScale="92500" lnSpcReduction="10000"/>
           </a:bodyPr>
           <a:lstStyle/>
           <a:p>
             <a:r>
-              <a:rPr lang="en-US" dirty="0"/>
-              <a:t>At runtime, SLURM offers several environment variables that could be leveraged to steer executions:</a:t>
+              <a:rPr lang="en-US" dirty="0" err="1"/>
+              <a:t>salloc</a:t>
             </a:r>
             <a:br>
               <a:rPr lang="en-US" dirty="0"/>
             </a:br>
-            <a:endParaRPr lang="en-US" dirty="0"/>
-          </a:p>
-          <a:p>
-            <a:pPr lvl="1"/>
-            <a:r>
-              <a:rPr lang="en-US" dirty="0">
-                <a:latin typeface="Courier New" panose="02070309020205020404" pitchFamily="49" charset="0"/>
-                <a:cs typeface="Courier New" panose="02070309020205020404" pitchFamily="49" charset="0"/>
-              </a:rPr>
-              <a:t>$SLURM_NTASKS: </a:t>
-            </a:r>
             <a:r>
               <a:rPr lang="en-US" dirty="0"/>
-              <a:t>Same as -n, –</a:t>
-            </a:r>
+              <a:t>Obtain a job allocation.</a:t>
+            </a:r>
+          </a:p>
+          <a:p>
             <a:r>
               <a:rPr lang="en-US" dirty="0" err="1"/>
-              <a:t>ntasks</a:t>
-            </a:r>
-            <a:r>
-              <a:rPr lang="en-US" dirty="0"/>
-              <a:t>. The number of tasks.</a:t>
+              <a:t>sbatch</a:t>
             </a:r>
             <a:br>
               <a:rPr lang="en-US" dirty="0"/>
             </a:br>
-            <a:endParaRPr lang="en-US" dirty="0"/>
-          </a:p>
-          <a:p>
-            <a:pPr lvl="1"/>
-            <a:r>
-              <a:rPr lang="en-US" dirty="0">
-                <a:latin typeface="Courier New" panose="02070309020205020404" pitchFamily="49" charset="0"/>
-                <a:cs typeface="Courier New" panose="02070309020205020404" pitchFamily="49" charset="0"/>
-              </a:rPr>
-              <a:t>$SLURM_CPUS_PER_TASK: </a:t>
-            </a:r>
             <a:r>
               <a:rPr lang="en-US" dirty="0"/>
-              <a:t>Number of CPUs per task.</a:t>
+              <a:t>Submit a batch script for later execution.</a:t>
+            </a:r>
+          </a:p>
+          <a:p>
+            <a:r>
+              <a:rPr lang="en-US" dirty="0" err="1"/>
+              <a:t>srun</a:t>
             </a:r>
             <a:br>
               <a:rPr lang="en-US" dirty="0"/>
             </a:br>
-            <a:endParaRPr lang="en-US" dirty="0"/>
-          </a:p>
-          <a:p>
-            <a:pPr lvl="1"/>
-            <a:r>
-              <a:rPr lang="en-US" dirty="0">
-                <a:latin typeface="Courier New" panose="02070309020205020404" pitchFamily="49" charset="0"/>
-                <a:cs typeface="Courier New" panose="02070309020205020404" pitchFamily="49" charset="0"/>
-              </a:rPr>
-              <a:t>$SLURM_NODEID: </a:t>
-            </a:r>
             <a:r>
               <a:rPr lang="en-US" dirty="0"/>
-              <a:t>The relative node id of the current node.</a:t>
+              <a:t>Obtain a job allocation (as needed) and execute an application. Option we will use: --wait=0 means do not terminate other tasks if one finishes</a:t>
+            </a:r>
+          </a:p>
+          <a:p>
+            <a:r>
+              <a:rPr lang="en-US" dirty="0" err="1"/>
+              <a:t>squeue</a:t>
             </a:r>
             <a:br>
               <a:rPr lang="en-US" dirty="0"/>
             </a:br>
-            <a:endParaRPr lang="en-US" dirty="0"/>
-          </a:p>
-          <a:p>
-            <a:pPr lvl="1"/>
-            <a:r>
-              <a:rPr lang="en-US" dirty="0">
-                <a:latin typeface="Courier New" panose="02070309020205020404" pitchFamily="49" charset="0"/>
-                <a:cs typeface="Courier New" panose="02070309020205020404" pitchFamily="49" charset="0"/>
-              </a:rPr>
-              <a:t>$SLURM_NNODES: </a:t>
-            </a:r>
             <a:r>
               <a:rPr lang="en-US" dirty="0"/>
-              <a:t>Total nodes allocated to current job.</a:t>
+              <a:t>View information about jobs.</a:t>
+            </a:r>
+          </a:p>
+          <a:p>
+            <a:r>
+              <a:rPr lang="en-US" dirty="0" err="1"/>
+              <a:t>sinfo</a:t>
             </a:r>
             <a:br>
               <a:rPr lang="en-US" dirty="0"/>
             </a:br>
-            <a:endParaRPr lang="en-US" dirty="0"/>
-          </a:p>
-          <a:p>
-            <a:pPr lvl="1"/>
-            <a:r>
-              <a:rPr lang="en-US" dirty="0">
-                <a:latin typeface="Courier New" panose="02070309020205020404" pitchFamily="49" charset="0"/>
-                <a:cs typeface="Courier New" panose="02070309020205020404" pitchFamily="49" charset="0"/>
-              </a:rPr>
-              <a:t>$SLURM_NODELIST: </a:t>
-            </a:r>
             <a:r>
               <a:rPr lang="en-US" dirty="0"/>
-              <a:t>A list of nodes allocated to current job.</a:t>
+              <a:t>View information about nodes and partitions.</a:t>
             </a:r>
           </a:p>
         </p:txBody>
@@ -18405,7 +18596,7 @@
           <p:cNvPr id="4" name="Slide Number Placeholder 3">
             <a:extLst>
               <a:ext uri="{FF2B5EF4-FFF2-40B4-BE49-F238E27FC236}">
-                <a16:creationId xmlns:a16="http://schemas.microsoft.com/office/drawing/2014/main" id="{AF89DDDB-C621-C019-A2A8-623C53F6CCFC}"/>
+                <a16:creationId xmlns:a16="http://schemas.microsoft.com/office/drawing/2014/main" id="{82B29A77-DDB8-463F-40A1-38C47963CFD6}"/>
               </a:ext>
             </a:extLst>
           </p:cNvPr>
@@ -18432,7 +18623,7 @@
     </p:spTree>
     <p:extLst>
       <p:ext uri="{BB962C8B-B14F-4D97-AF65-F5344CB8AC3E}">
-        <p14:creationId xmlns:p14="http://schemas.microsoft.com/office/powerpoint/2010/main" val="2637454293"/>
+        <p14:creationId xmlns:p14="http://schemas.microsoft.com/office/powerpoint/2010/main" val="540319942"/>
       </p:ext>
     </p:extLst>
   </p:cSld>
@@ -18464,7 +18655,7 @@
           <p:cNvPr id="2" name="Title 1">
             <a:extLst>
               <a:ext uri="{FF2B5EF4-FFF2-40B4-BE49-F238E27FC236}">
-                <a16:creationId xmlns:a16="http://schemas.microsoft.com/office/drawing/2014/main" id="{DD55406B-8FD4-0F4A-D41C-050E1F104D50}"/>
+                <a16:creationId xmlns:a16="http://schemas.microsoft.com/office/drawing/2014/main" id="{1DBC6371-51BF-6C62-8B72-9ACDCD1E95DC}"/>
               </a:ext>
             </a:extLst>
           </p:cNvPr>
@@ -18482,28 +18673,10 @@
           <a:p>
             <a:pPr algn="ctr"/>
             <a:r>
-              <a:rPr lang="en-US" dirty="0" err="1">
+              <a:rPr lang="en-US" dirty="0">
                 <a:latin typeface="National Park " pitchFamily="2" charset="77"/>
               </a:rPr>
-              <a:t>srun</a:t>
-            </a:r>
-            <a:r>
-              <a:rPr lang="en-US" dirty="0">
-                <a:latin typeface="National Park " pitchFamily="2" charset="77"/>
-              </a:rPr>
-              <a:t> parallel vs parallel </a:t>
-            </a:r>
-            <a:r>
-              <a:rPr lang="en-US" dirty="0" err="1">
-                <a:latin typeface="National Park " pitchFamily="2" charset="77"/>
-              </a:rPr>
-              <a:t>srun</a:t>
-            </a:r>
-            <a:r>
-              <a:rPr lang="en-US" dirty="0">
-                <a:latin typeface="National Park " pitchFamily="2" charset="77"/>
-              </a:rPr>
-              <a:t>?</a:t>
+              <a:t>SLURM Workload Manager Review II</a:t>
             </a:r>
           </a:p>
         </p:txBody>
@@ -18513,7 +18686,7 @@
           <p:cNvPr id="3" name="Content Placeholder 2">
             <a:extLst>
               <a:ext uri="{FF2B5EF4-FFF2-40B4-BE49-F238E27FC236}">
-                <a16:creationId xmlns:a16="http://schemas.microsoft.com/office/drawing/2014/main" id="{CA1D3F3C-6A44-D225-BD69-F53719602D35}"/>
+                <a16:creationId xmlns:a16="http://schemas.microsoft.com/office/drawing/2014/main" id="{4E144BCC-2A1E-EB06-4C50-223A6122708D}"/>
               </a:ext>
             </a:extLst>
           </p:cNvPr>
@@ -18527,234 +18700,112 @@
         <p:spPr/>
         <p:txBody>
           <a:bodyPr>
-            <a:normAutofit fontScale="92500" lnSpcReduction="20000"/>
+            <a:normAutofit lnSpcReduction="10000"/>
           </a:bodyPr>
           <a:lstStyle/>
           <a:p>
-            <a:pPr marL="0" indent="0">
-              <a:buNone/>
-            </a:pPr>
-            <a:r>
-              <a:rPr lang="en-US" dirty="0" err="1">
-                <a:latin typeface="Courier New" panose="02070309020205020404" pitchFamily="49" charset="0"/>
-                <a:cs typeface="Courier New" panose="02070309020205020404" pitchFamily="49" charset="0"/>
-              </a:rPr>
-              <a:t>srun</a:t>
-            </a:r>
-            <a:r>
-              <a:rPr lang="en-US" dirty="0">
-                <a:latin typeface="Courier New" panose="02070309020205020404" pitchFamily="49" charset="0"/>
-                <a:cs typeface="Courier New" panose="02070309020205020404" pitchFamily="49" charset="0"/>
-              </a:rPr>
-              <a:t>="</a:t>
-            </a:r>
-            <a:r>
-              <a:rPr lang="en-US" dirty="0" err="1">
-                <a:latin typeface="Courier New" panose="02070309020205020404" pitchFamily="49" charset="0"/>
-                <a:cs typeface="Courier New" panose="02070309020205020404" pitchFamily="49" charset="0"/>
-              </a:rPr>
-              <a:t>srun</a:t>
-            </a:r>
-            <a:r>
-              <a:rPr lang="en-US" dirty="0">
-                <a:latin typeface="Courier New" panose="02070309020205020404" pitchFamily="49" charset="0"/>
-                <a:cs typeface="Courier New" panose="02070309020205020404" pitchFamily="49" charset="0"/>
-              </a:rPr>
-              <a:t> --exclusive -N1 -n1 -c1"</a:t>
-            </a:r>
-          </a:p>
-          <a:p>
-            <a:pPr marL="0" indent="0">
-              <a:buNone/>
-            </a:pPr>
-            <a:r>
-              <a:rPr lang="en-US" dirty="0">
-                <a:latin typeface="Courier New" panose="02070309020205020404" pitchFamily="49" charset="0"/>
-                <a:cs typeface="Courier New" panose="02070309020205020404" pitchFamily="49" charset="0"/>
-              </a:rPr>
-              <a:t>parallel -j $SLURM_NTASKS "$</a:t>
-            </a:r>
-            <a:r>
-              <a:rPr lang="en-US" dirty="0" err="1">
-                <a:latin typeface="Courier New" panose="02070309020205020404" pitchFamily="49" charset="0"/>
-                <a:cs typeface="Courier New" panose="02070309020205020404" pitchFamily="49" charset="0"/>
-              </a:rPr>
-              <a:t>srun</a:t>
-            </a:r>
-            <a:r>
-              <a:rPr lang="en-US" dirty="0">
-                <a:latin typeface="Courier New" panose="02070309020205020404" pitchFamily="49" charset="0"/>
-                <a:cs typeface="Courier New" panose="02070309020205020404" pitchFamily="49" charset="0"/>
-              </a:rPr>
-              <a:t> ./</a:t>
-            </a:r>
-            <a:r>
-              <a:rPr lang="en-US" dirty="0" err="1">
-                <a:latin typeface="Courier New" panose="02070309020205020404" pitchFamily="49" charset="0"/>
-                <a:cs typeface="Courier New" panose="02070309020205020404" pitchFamily="49" charset="0"/>
-              </a:rPr>
-              <a:t>runtask.sh</a:t>
-            </a:r>
-            <a:r>
-              <a:rPr lang="en-US" dirty="0">
-                <a:latin typeface="Courier New" panose="02070309020205020404" pitchFamily="49" charset="0"/>
-                <a:cs typeface="Courier New" panose="02070309020205020404" pitchFamily="49" charset="0"/>
-              </a:rPr>
-              <a:t> {1}" ::: {1..112}</a:t>
-            </a:r>
-          </a:p>
-          <a:p>
-            <a:pPr marL="0" indent="0">
-              <a:buNone/>
-            </a:pPr>
             <a:r>
               <a:rPr lang="en-US" dirty="0"/>
-              <a:t>Vs</a:t>
-            </a:r>
-          </a:p>
-          <a:p>
-            <a:pPr marL="0" indent="0">
-              <a:buNone/>
-            </a:pPr>
-            <a:r>
-              <a:rPr lang="en-US" dirty="0" err="1">
-                <a:latin typeface="Courier New" panose="02070309020205020404" pitchFamily="49" charset="0"/>
-                <a:cs typeface="Courier New" panose="02070309020205020404" pitchFamily="49" charset="0"/>
-              </a:rPr>
-              <a:t>srun</a:t>
-            </a:r>
-            <a:r>
-              <a:rPr lang="en-US" dirty="0">
-                <a:latin typeface="Courier New" panose="02070309020205020404" pitchFamily="49" charset="0"/>
-                <a:cs typeface="Courier New" panose="02070309020205020404" pitchFamily="49" charset="0"/>
-              </a:rPr>
-              <a:t> --</a:t>
-            </a:r>
-            <a:r>
-              <a:rPr lang="en-US" dirty="0" err="1">
-                <a:latin typeface="Courier New" panose="02070309020205020404" pitchFamily="49" charset="0"/>
-                <a:cs typeface="Courier New" panose="02070309020205020404" pitchFamily="49" charset="0"/>
-              </a:rPr>
+              <a:t>At runtime, SLURM offers several environment variables that could be leveraged to steer executions:</a:t>
+            </a:r>
+            <a:br>
+              <a:rPr lang="en-US" dirty="0"/>
+            </a:br>
+            <a:endParaRPr lang="en-US" dirty="0"/>
+          </a:p>
+          <a:p>
+            <a:pPr lvl="1"/>
+            <a:r>
+              <a:rPr lang="en-US" dirty="0">
+                <a:latin typeface="Courier New" panose="02070309020205020404" pitchFamily="49" charset="0"/>
+                <a:cs typeface="Courier New" panose="02070309020205020404" pitchFamily="49" charset="0"/>
+              </a:rPr>
+              <a:t>$SLURM_NTASKS: </a:t>
+            </a:r>
+            <a:r>
+              <a:rPr lang="en-US" dirty="0"/>
+              <a:t>Same as -n, –</a:t>
+            </a:r>
+            <a:r>
+              <a:rPr lang="en-US" dirty="0" err="1"/>
               <a:t>ntasks</a:t>
             </a:r>
             <a:r>
-              <a:rPr lang="en-US" dirty="0">
-                <a:latin typeface="Courier New" panose="02070309020205020404" pitchFamily="49" charset="0"/>
-                <a:cs typeface="Courier New" panose="02070309020205020404" pitchFamily="49" charset="0"/>
-              </a:rPr>
-              <a:t>-per-node=1 parallel -j $</a:t>
-            </a:r>
-            <a:r>
-              <a:rPr lang="en-US" dirty="0" err="1">
-                <a:latin typeface="Courier New" panose="02070309020205020404" pitchFamily="49" charset="0"/>
-                <a:cs typeface="Courier New" panose="02070309020205020404" pitchFamily="49" charset="0"/>
-              </a:rPr>
-              <a:t>cores_per_node</a:t>
-            </a:r>
-            <a:r>
-              <a:rPr lang="en-US" dirty="0">
-                <a:latin typeface="Courier New" panose="02070309020205020404" pitchFamily="49" charset="0"/>
-                <a:cs typeface="Courier New" panose="02070309020205020404" pitchFamily="49" charset="0"/>
-              </a:rPr>
-              <a:t> &lt;app&gt;</a:t>
-            </a:r>
-          </a:p>
-          <a:p>
-            <a:pPr marL="0" indent="0">
-              <a:buNone/>
-            </a:pPr>
-            <a:r>
               <a:rPr lang="en-US" dirty="0"/>
-              <a:t>Consensus: </a:t>
-            </a:r>
-            <a:r>
-              <a:rPr lang="en-US" dirty="0" err="1">
-                <a:latin typeface="Courier New" panose="02070309020205020404" pitchFamily="49" charset="0"/>
-                <a:cs typeface="Courier New" panose="02070309020205020404" pitchFamily="49" charset="0"/>
-              </a:rPr>
-              <a:t>srun</a:t>
-            </a:r>
-            <a:r>
-              <a:rPr lang="en-US" dirty="0">
-                <a:latin typeface="Courier New" panose="02070309020205020404" pitchFamily="49" charset="0"/>
-                <a:cs typeface="Courier New" panose="02070309020205020404" pitchFamily="49" charset="0"/>
-              </a:rPr>
-              <a:t> ... parallel ...</a:t>
-            </a:r>
-          </a:p>
-          <a:p>
-            <a:pPr marL="0" indent="0">
-              <a:buNone/>
-            </a:pPr>
-            <a:r>
+              <a:t>. The number of tasks.</a:t>
+            </a:r>
+            <a:br>
               <a:rPr lang="en-US" dirty="0"/>
-              <a:t>Reasons:</a:t>
-            </a:r>
-          </a:p>
-          <a:p>
-            <a:pPr marL="457200" indent="-457200">
-              <a:buFont typeface="+mj-lt"/>
-              <a:buAutoNum type="arabicPeriod"/>
-            </a:pPr>
+            </a:br>
+            <a:endParaRPr lang="en-US" dirty="0"/>
+          </a:p>
+          <a:p>
+            <a:pPr lvl="1"/>
+            <a:r>
+              <a:rPr lang="en-US" dirty="0">
+                <a:latin typeface="Courier New" panose="02070309020205020404" pitchFamily="49" charset="0"/>
+                <a:cs typeface="Courier New" panose="02070309020205020404" pitchFamily="49" charset="0"/>
+              </a:rPr>
+              <a:t>$SLURM_CPUS_PER_TASK: </a:t>
+            </a:r>
             <a:r>
               <a:rPr lang="en-US" dirty="0"/>
-              <a:t>Higher overhead in invoking multiple </a:t>
-            </a:r>
-            <a:r>
-              <a:rPr lang="en-US" dirty="0" err="1"/>
-              <a:t>srun</a:t>
-            </a:r>
-            <a:r>
+              <a:t>Number of CPUs per task.</a:t>
+            </a:r>
+            <a:br>
               <a:rPr lang="en-US" dirty="0"/>
-              <a:t> allocations</a:t>
-            </a:r>
-          </a:p>
-          <a:p>
-            <a:pPr marL="457200" indent="-457200">
-              <a:buFont typeface="+mj-lt"/>
-              <a:buAutoNum type="arabicPeriod"/>
-            </a:pPr>
+            </a:br>
+            <a:endParaRPr lang="en-US" dirty="0"/>
+          </a:p>
+          <a:p>
+            <a:pPr lvl="1"/>
+            <a:r>
+              <a:rPr lang="en-US" dirty="0">
+                <a:latin typeface="Courier New" panose="02070309020205020404" pitchFamily="49" charset="0"/>
+                <a:cs typeface="Courier New" panose="02070309020205020404" pitchFamily="49" charset="0"/>
+              </a:rPr>
+              <a:t>$SLURM_NODEID: </a:t>
+            </a:r>
             <a:r>
               <a:rPr lang="en-US" dirty="0"/>
-              <a:t>Upper limit on how many </a:t>
-            </a:r>
-            <a:r>
-              <a:rPr lang="en-US" dirty="0" err="1"/>
-              <a:t>sruns</a:t>
-            </a:r>
-            <a:r>
+              <a:t>The relative node id of the current node.</a:t>
+            </a:r>
+            <a:br>
               <a:rPr lang="en-US" dirty="0"/>
-              <a:t> may run at </a:t>
-            </a:r>
-            <a:r>
-              <a:rPr lang="en-US"/>
-              <a:t>a time</a:t>
-            </a:r>
+            </a:br>
             <a:endParaRPr lang="en-US" dirty="0"/>
           </a:p>
           <a:p>
-            <a:pPr marL="457200" indent="-457200">
-              <a:buFont typeface="+mj-lt"/>
-              <a:buAutoNum type="arabicPeriod"/>
-            </a:pPr>
+            <a:pPr lvl="1"/>
+            <a:r>
+              <a:rPr lang="en-US" dirty="0">
+                <a:latin typeface="Courier New" panose="02070309020205020404" pitchFamily="49" charset="0"/>
+                <a:cs typeface="Courier New" panose="02070309020205020404" pitchFamily="49" charset="0"/>
+              </a:rPr>
+              <a:t>$SLURM_NNODES: </a:t>
+            </a:r>
             <a:r>
               <a:rPr lang="en-US" dirty="0"/>
-              <a:t>Leveraging SLURM’s </a:t>
-            </a:r>
-            <a:r>
-              <a:rPr lang="en-US" dirty="0" err="1"/>
-              <a:t>srun</a:t>
-            </a:r>
-            <a:r>
+              <a:t>Total nodes allocated to current job.</a:t>
+            </a:r>
+            <a:br>
               <a:rPr lang="en-US" dirty="0"/>
-              <a:t> and environment variables</a:t>
-            </a:r>
-          </a:p>
-          <a:p>
-            <a:pPr marL="0" indent="0">
-              <a:buNone/>
-            </a:pPr>
+            </a:br>
             <a:endParaRPr lang="en-US" dirty="0"/>
+          </a:p>
+          <a:p>
+            <a:pPr lvl="1"/>
+            <a:r>
+              <a:rPr lang="en-US" dirty="0">
+                <a:latin typeface="Courier New" panose="02070309020205020404" pitchFamily="49" charset="0"/>
+                <a:cs typeface="Courier New" panose="02070309020205020404" pitchFamily="49" charset="0"/>
+              </a:rPr>
+              <a:t>$SLURM_NODELIST: </a:t>
+            </a:r>
+            <a:r>
+              <a:rPr lang="en-US" dirty="0"/>
+              <a:t>A list of nodes allocated to current job.</a:t>
+            </a:r>
           </a:p>
         </p:txBody>
       </p:sp>
@@ -18763,7 +18814,7 @@
           <p:cNvPr id="4" name="Slide Number Placeholder 3">
             <a:extLst>
               <a:ext uri="{FF2B5EF4-FFF2-40B4-BE49-F238E27FC236}">
-                <a16:creationId xmlns:a16="http://schemas.microsoft.com/office/drawing/2014/main" id="{B3A6FDE1-E547-0C9B-C0DC-B7C0BA05933D}"/>
+                <a16:creationId xmlns:a16="http://schemas.microsoft.com/office/drawing/2014/main" id="{AF89DDDB-C621-C019-A2A8-623C53F6CCFC}"/>
               </a:ext>
             </a:extLst>
           </p:cNvPr>
@@ -18790,7 +18841,7 @@
     </p:spTree>
     <p:extLst>
       <p:ext uri="{BB962C8B-B14F-4D97-AF65-F5344CB8AC3E}">
-        <p14:creationId xmlns:p14="http://schemas.microsoft.com/office/powerpoint/2010/main" val="293708216"/>
+        <p14:creationId xmlns:p14="http://schemas.microsoft.com/office/powerpoint/2010/main" val="2637454293"/>
       </p:ext>
     </p:extLst>
   </p:cSld>
@@ -18884,7 +18935,7 @@
             <a:pPr lvl="1"/>
             <a:r>
               <a:rPr lang="en-US" dirty="0"/>
-              <a:t>Resource Management</a:t>
+              <a:t>Resource Management: Storage, transfer, CPU, GPU</a:t>
             </a:r>
           </a:p>
           <a:p>
@@ -18909,26 +18960,14 @@
           <a:p>
             <a:r>
               <a:rPr lang="en-US" dirty="0"/>
-              <a:t>Quick Exercises</a:t>
+              <a:t>Short and long exercises</a:t>
             </a:r>
           </a:p>
           <a:p>
             <a:r>
               <a:rPr lang="en-US" dirty="0"/>
-              <a:t>Summary and Practice Exercises in the end</a:t>
-            </a:r>
-          </a:p>
-          <a:p>
-            <a:pPr marL="342900" lvl="1" indent="0">
-              <a:buNone/>
-            </a:pPr>
-            <a:r>
-              <a:rPr lang="en-US" dirty="0"/>
-              <a:t>We try to solve them here (if time permits)</a:t>
-            </a:r>
-          </a:p>
-          <a:p>
-            <a:endParaRPr lang="en-US" dirty="0"/>
+              <a:t>Take home projects</a:t>
+            </a:r>
           </a:p>
         </p:txBody>
       </p:sp>
@@ -18994,7 +19033,7 @@
           <p:cNvPr id="2" name="Title 1">
             <a:extLst>
               <a:ext uri="{FF2B5EF4-FFF2-40B4-BE49-F238E27FC236}">
-                <a16:creationId xmlns:a16="http://schemas.microsoft.com/office/drawing/2014/main" id="{8C77888F-13D9-BA6B-951C-A2C60B1DEBEE}"/>
+                <a16:creationId xmlns:a16="http://schemas.microsoft.com/office/drawing/2014/main" id="{DD55406B-8FD4-0F4A-D41C-050E1F104D50}"/>
               </a:ext>
             </a:extLst>
           </p:cNvPr>
@@ -19005,24 +19044,35 @@
             <p:ph type="title"/>
           </p:nvPr>
         </p:nvSpPr>
-        <p:spPr>
-          <a:xfrm>
-            <a:off x="628650" y="273844"/>
-            <a:ext cx="7832739" cy="994172"/>
-          </a:xfrm>
-        </p:spPr>
-        <p:txBody>
-          <a:bodyPr>
-            <a:noAutofit/>
-          </a:bodyPr>
+        <p:spPr/>
+        <p:txBody>
+          <a:bodyPr/>
           <a:lstStyle/>
           <a:p>
             <a:pPr algn="ctr"/>
             <a:r>
-              <a:rPr lang="en-US" sz="2900" dirty="0">
+              <a:rPr lang="en-US" dirty="0" err="1">
                 <a:latin typeface="National Park " pitchFamily="2" charset="77"/>
               </a:rPr>
-              <a:t>Working with HPC Schedulers: SLURM, 1 node</a:t>
+              <a:t>srun</a:t>
+            </a:r>
+            <a:r>
+              <a:rPr lang="en-US" dirty="0">
+                <a:latin typeface="National Park " pitchFamily="2" charset="77"/>
+              </a:rPr>
+              <a:t> parallel vs parallel </a:t>
+            </a:r>
+            <a:r>
+              <a:rPr lang="en-US" dirty="0" err="1">
+                <a:latin typeface="National Park " pitchFamily="2" charset="77"/>
+              </a:rPr>
+              <a:t>srun</a:t>
+            </a:r>
+            <a:r>
+              <a:rPr lang="en-US" dirty="0">
+                <a:latin typeface="National Park " pitchFamily="2" charset="77"/>
+              </a:rPr>
+              <a:t>?</a:t>
             </a:r>
           </a:p>
         </p:txBody>
@@ -19032,7 +19082,7 @@
           <p:cNvPr id="3" name="Content Placeholder 2">
             <a:extLst>
               <a:ext uri="{FF2B5EF4-FFF2-40B4-BE49-F238E27FC236}">
-                <a16:creationId xmlns:a16="http://schemas.microsoft.com/office/drawing/2014/main" id="{4DF7BA44-03BB-C10D-40AE-EA7B8104EEC1}"/>
+                <a16:creationId xmlns:a16="http://schemas.microsoft.com/office/drawing/2014/main" id="{CA1D3F3C-6A44-D225-BD69-F53719602D35}"/>
               </a:ext>
             </a:extLst>
           </p:cNvPr>
@@ -19046,7 +19096,7 @@
         <p:spPr/>
         <p:txBody>
           <a:bodyPr>
-            <a:normAutofit fontScale="92500" lnSpcReduction="10000"/>
+            <a:normAutofit fontScale="92500" lnSpcReduction="20000"/>
           </a:bodyPr>
           <a:lstStyle/>
           <a:p>
@@ -19054,170 +19104,226 @@
               <a:buNone/>
             </a:pPr>
             <a:r>
-              <a:rPr lang="en-US" dirty="0">
-                <a:latin typeface="Courier New" panose="02070309020205020404" pitchFamily="49" charset="0"/>
-                <a:cs typeface="Courier New" panose="02070309020205020404" pitchFamily="49" charset="0"/>
-              </a:rPr>
-              <a:t>#!/bin/bash</a:t>
+              <a:rPr lang="en-US" dirty="0" err="1">
+                <a:latin typeface="Courier New" panose="02070309020205020404" pitchFamily="49" charset="0"/>
+                <a:cs typeface="Courier New" panose="02070309020205020404" pitchFamily="49" charset="0"/>
+              </a:rPr>
+              <a:t>srun</a:t>
+            </a:r>
+            <a:r>
+              <a:rPr lang="en-US" dirty="0">
+                <a:latin typeface="Courier New" panose="02070309020205020404" pitchFamily="49" charset="0"/>
+                <a:cs typeface="Courier New" panose="02070309020205020404" pitchFamily="49" charset="0"/>
+              </a:rPr>
+              <a:t>="</a:t>
+            </a:r>
+            <a:r>
+              <a:rPr lang="en-US" dirty="0" err="1">
+                <a:latin typeface="Courier New" panose="02070309020205020404" pitchFamily="49" charset="0"/>
+                <a:cs typeface="Courier New" panose="02070309020205020404" pitchFamily="49" charset="0"/>
+              </a:rPr>
+              <a:t>srun</a:t>
+            </a:r>
+            <a:r>
+              <a:rPr lang="en-US" dirty="0">
+                <a:latin typeface="Courier New" panose="02070309020205020404" pitchFamily="49" charset="0"/>
+                <a:cs typeface="Courier New" panose="02070309020205020404" pitchFamily="49" charset="0"/>
+              </a:rPr>
+              <a:t> --exclusive -N1 -n1 -c1"</a:t>
             </a:r>
           </a:p>
           <a:p>
             <a:pPr marL="0" indent="0">
               <a:buNone/>
             </a:pPr>
-            <a:endParaRPr lang="en-US" b="1" dirty="0">
-              <a:latin typeface="Courier New" panose="02070309020205020404" pitchFamily="49" charset="0"/>
-              <a:cs typeface="Courier New" panose="02070309020205020404" pitchFamily="49" charset="0"/>
-            </a:endParaRPr>
+            <a:r>
+              <a:rPr lang="en-US" dirty="0">
+                <a:latin typeface="Courier New" panose="02070309020205020404" pitchFamily="49" charset="0"/>
+                <a:cs typeface="Courier New" panose="02070309020205020404" pitchFamily="49" charset="0"/>
+              </a:rPr>
+              <a:t>parallel -j $SLURM_NTASKS "$</a:t>
+            </a:r>
+            <a:r>
+              <a:rPr lang="en-US" dirty="0" err="1">
+                <a:latin typeface="Courier New" panose="02070309020205020404" pitchFamily="49" charset="0"/>
+                <a:cs typeface="Courier New" panose="02070309020205020404" pitchFamily="49" charset="0"/>
+              </a:rPr>
+              <a:t>srun</a:t>
+            </a:r>
+            <a:r>
+              <a:rPr lang="en-US" dirty="0">
+                <a:latin typeface="Courier New" panose="02070309020205020404" pitchFamily="49" charset="0"/>
+                <a:cs typeface="Courier New" panose="02070309020205020404" pitchFamily="49" charset="0"/>
+              </a:rPr>
+              <a:t> ./</a:t>
+            </a:r>
+            <a:r>
+              <a:rPr lang="en-US" dirty="0" err="1">
+                <a:latin typeface="Courier New" panose="02070309020205020404" pitchFamily="49" charset="0"/>
+                <a:cs typeface="Courier New" panose="02070309020205020404" pitchFamily="49" charset="0"/>
+              </a:rPr>
+              <a:t>runtask.sh</a:t>
+            </a:r>
+            <a:r>
+              <a:rPr lang="en-US" dirty="0">
+                <a:latin typeface="Courier New" panose="02070309020205020404" pitchFamily="49" charset="0"/>
+                <a:cs typeface="Courier New" panose="02070309020205020404" pitchFamily="49" charset="0"/>
+              </a:rPr>
+              <a:t> {1}" ::: {1..112}</a:t>
+            </a:r>
           </a:p>
           <a:p>
             <a:pPr marL="0" indent="0">
               <a:buNone/>
             </a:pPr>
             <a:r>
-              <a:rPr lang="en-US" b="1" dirty="0">
-                <a:latin typeface="Courier New" panose="02070309020205020404" pitchFamily="49" charset="0"/>
-                <a:cs typeface="Courier New" panose="02070309020205020404" pitchFamily="49" charset="0"/>
-              </a:rPr>
-              <a:t>#SBATCH -J </a:t>
-            </a:r>
-            <a:r>
-              <a:rPr lang="en-US" b="1" dirty="0" err="1">
-                <a:latin typeface="Courier New" panose="02070309020205020404" pitchFamily="49" charset="0"/>
-                <a:cs typeface="Courier New" panose="02070309020205020404" pitchFamily="49" charset="0"/>
-              </a:rPr>
-              <a:t>singlenode</a:t>
-            </a:r>
-            <a:endParaRPr lang="en-US" b="1" dirty="0">
-              <a:latin typeface="Courier New" panose="02070309020205020404" pitchFamily="49" charset="0"/>
-              <a:cs typeface="Courier New" panose="02070309020205020404" pitchFamily="49" charset="0"/>
-            </a:endParaRPr>
+              <a:rPr lang="en-US" dirty="0"/>
+              <a:t>Vs</a:t>
+            </a:r>
           </a:p>
           <a:p>
             <a:pPr marL="0" indent="0">
               <a:buNone/>
             </a:pPr>
             <a:r>
-              <a:rPr lang="en-US" b="1" dirty="0">
-                <a:latin typeface="Courier New" panose="02070309020205020404" pitchFamily="49" charset="0"/>
-                <a:cs typeface="Courier New" panose="02070309020205020404" pitchFamily="49" charset="0"/>
-              </a:rPr>
-              <a:t>#SBATCH -o %x-%</a:t>
-            </a:r>
-            <a:r>
-              <a:rPr lang="en-US" b="1" dirty="0" err="1">
-                <a:latin typeface="Courier New" panose="02070309020205020404" pitchFamily="49" charset="0"/>
-                <a:cs typeface="Courier New" panose="02070309020205020404" pitchFamily="49" charset="0"/>
-              </a:rPr>
-              <a:t>j.out</a:t>
-            </a:r>
-            <a:endParaRPr lang="en-US" b="1" dirty="0">
-              <a:latin typeface="Courier New" panose="02070309020205020404" pitchFamily="49" charset="0"/>
-              <a:cs typeface="Courier New" panose="02070309020205020404" pitchFamily="49" charset="0"/>
-            </a:endParaRPr>
+              <a:rPr lang="en-US" dirty="0" err="1">
+                <a:latin typeface="Courier New" panose="02070309020205020404" pitchFamily="49" charset="0"/>
+                <a:cs typeface="Courier New" panose="02070309020205020404" pitchFamily="49" charset="0"/>
+              </a:rPr>
+              <a:t>srun</a:t>
+            </a:r>
+            <a:r>
+              <a:rPr lang="en-US" dirty="0">
+                <a:latin typeface="Courier New" panose="02070309020205020404" pitchFamily="49" charset="0"/>
+                <a:cs typeface="Courier New" panose="02070309020205020404" pitchFamily="49" charset="0"/>
+              </a:rPr>
+              <a:t> --</a:t>
+            </a:r>
+            <a:r>
+              <a:rPr lang="en-US" dirty="0" err="1">
+                <a:latin typeface="Courier New" panose="02070309020205020404" pitchFamily="49" charset="0"/>
+                <a:cs typeface="Courier New" panose="02070309020205020404" pitchFamily="49" charset="0"/>
+              </a:rPr>
+              <a:t>ntasks</a:t>
+            </a:r>
+            <a:r>
+              <a:rPr lang="en-US" dirty="0">
+                <a:latin typeface="Courier New" panose="02070309020205020404" pitchFamily="49" charset="0"/>
+                <a:cs typeface="Courier New" panose="02070309020205020404" pitchFamily="49" charset="0"/>
+              </a:rPr>
+              <a:t>-per-node=1 parallel -j $</a:t>
+            </a:r>
+            <a:r>
+              <a:rPr lang="en-US" dirty="0" err="1">
+                <a:latin typeface="Courier New" panose="02070309020205020404" pitchFamily="49" charset="0"/>
+                <a:cs typeface="Courier New" panose="02070309020205020404" pitchFamily="49" charset="0"/>
+              </a:rPr>
+              <a:t>cores_per_node</a:t>
+            </a:r>
+            <a:r>
+              <a:rPr lang="en-US" dirty="0">
+                <a:latin typeface="Courier New" panose="02070309020205020404" pitchFamily="49" charset="0"/>
+                <a:cs typeface="Courier New" panose="02070309020205020404" pitchFamily="49" charset="0"/>
+              </a:rPr>
+              <a:t> &lt;app&gt;</a:t>
+            </a:r>
           </a:p>
           <a:p>
             <a:pPr marL="0" indent="0">
               <a:buNone/>
             </a:pPr>
             <a:r>
-              <a:rPr lang="en-US" b="1" dirty="0">
-                <a:latin typeface="Courier New" panose="02070309020205020404" pitchFamily="49" charset="0"/>
-                <a:cs typeface="Courier New" panose="02070309020205020404" pitchFamily="49" charset="0"/>
-              </a:rPr>
-              <a:t>#SBATCH -e %x-%</a:t>
-            </a:r>
-            <a:r>
-              <a:rPr lang="en-US" b="1" dirty="0" err="1">
-                <a:latin typeface="Courier New" panose="02070309020205020404" pitchFamily="49" charset="0"/>
-                <a:cs typeface="Courier New" panose="02070309020205020404" pitchFamily="49" charset="0"/>
-              </a:rPr>
-              <a:t>j.err</a:t>
-            </a:r>
-            <a:endParaRPr lang="en-US" b="1" dirty="0">
-              <a:latin typeface="Courier New" panose="02070309020205020404" pitchFamily="49" charset="0"/>
-              <a:cs typeface="Courier New" panose="02070309020205020404" pitchFamily="49" charset="0"/>
-            </a:endParaRPr>
+              <a:rPr lang="en-US" dirty="0"/>
+              <a:t>Consensus: </a:t>
+            </a:r>
+            <a:r>
+              <a:rPr lang="en-US" dirty="0" err="1">
+                <a:latin typeface="Courier New" panose="02070309020205020404" pitchFamily="49" charset="0"/>
+                <a:cs typeface="Courier New" panose="02070309020205020404" pitchFamily="49" charset="0"/>
+              </a:rPr>
+              <a:t>srun</a:t>
+            </a:r>
+            <a:r>
+              <a:rPr lang="en-US" dirty="0">
+                <a:latin typeface="Courier New" panose="02070309020205020404" pitchFamily="49" charset="0"/>
+                <a:cs typeface="Courier New" panose="02070309020205020404" pitchFamily="49" charset="0"/>
+              </a:rPr>
+              <a:t> ... parallel ...</a:t>
+            </a:r>
           </a:p>
           <a:p>
             <a:pPr marL="0" indent="0">
               <a:buNone/>
             </a:pPr>
             <a:r>
-              <a:rPr lang="en-US" b="1" dirty="0">
-                <a:latin typeface="Courier New" panose="02070309020205020404" pitchFamily="49" charset="0"/>
-                <a:cs typeface="Courier New" panose="02070309020205020404" pitchFamily="49" charset="0"/>
-              </a:rPr>
-              <a:t>#SBATCH -t 0:10:00</a:t>
+              <a:rPr lang="en-US" dirty="0"/>
+              <a:t>Reasons:</a:t>
+            </a:r>
+          </a:p>
+          <a:p>
+            <a:pPr marL="457200" indent="-457200">
+              <a:buFont typeface="+mj-lt"/>
+              <a:buAutoNum type="arabicPeriod"/>
+            </a:pPr>
+            <a:r>
+              <a:rPr lang="en-US" dirty="0"/>
+              <a:t>Higher overhead in invoking multiple </a:t>
+            </a:r>
+            <a:r>
+              <a:rPr lang="en-US" dirty="0" err="1"/>
+              <a:t>srun</a:t>
+            </a:r>
+            <a:r>
+              <a:rPr lang="en-US" dirty="0"/>
+              <a:t> allocations</a:t>
+            </a:r>
+          </a:p>
+          <a:p>
+            <a:pPr marL="457200" indent="-457200">
+              <a:buFont typeface="+mj-lt"/>
+              <a:buAutoNum type="arabicPeriod"/>
+            </a:pPr>
+            <a:r>
+              <a:rPr lang="en-US" dirty="0"/>
+              <a:t>Upper limit on how many </a:t>
+            </a:r>
+            <a:r>
+              <a:rPr lang="en-US" dirty="0" err="1"/>
+              <a:t>sruns</a:t>
+            </a:r>
+            <a:r>
+              <a:rPr lang="en-US" dirty="0"/>
+              <a:t> may run at </a:t>
+            </a:r>
+            <a:r>
+              <a:rPr lang="en-US"/>
+              <a:t>a time</a:t>
+            </a:r>
+            <a:endParaRPr lang="en-US" dirty="0"/>
+          </a:p>
+          <a:p>
+            <a:pPr marL="457200" indent="-457200">
+              <a:buFont typeface="+mj-lt"/>
+              <a:buAutoNum type="arabicPeriod"/>
+            </a:pPr>
+            <a:r>
+              <a:rPr lang="en-US" dirty="0"/>
+              <a:t>Leveraging SLURM’s </a:t>
+            </a:r>
+            <a:r>
+              <a:rPr lang="en-US" dirty="0" err="1"/>
+              <a:t>srun</a:t>
+            </a:r>
+            <a:r>
+              <a:rPr lang="en-US" dirty="0"/>
+              <a:t> and environment variables</a:t>
             </a:r>
           </a:p>
           <a:p>
             <a:pPr marL="0" indent="0">
               <a:buNone/>
             </a:pPr>
-            <a:r>
-              <a:rPr lang="en-US" b="1" dirty="0">
-                <a:latin typeface="Courier New" panose="02070309020205020404" pitchFamily="49" charset="0"/>
-                <a:cs typeface="Courier New" panose="02070309020205020404" pitchFamily="49" charset="0"/>
-              </a:rPr>
-              <a:t>#SBATCH -N 1</a:t>
-            </a:r>
-          </a:p>
-          <a:p>
-            <a:pPr marL="0" indent="0">
-              <a:buNone/>
-            </a:pPr>
-            <a:endParaRPr lang="en-US" b="1" dirty="0">
-              <a:latin typeface="Courier New" panose="02070309020205020404" pitchFamily="49" charset="0"/>
-              <a:cs typeface="Courier New" panose="02070309020205020404" pitchFamily="49" charset="0"/>
-            </a:endParaRPr>
-          </a:p>
-          <a:p>
-            <a:pPr marL="0" indent="0">
-              <a:buNone/>
-            </a:pPr>
-            <a:r>
-              <a:rPr lang="en-US" b="1" dirty="0" err="1">
-                <a:latin typeface="Courier New" panose="02070309020205020404" pitchFamily="49" charset="0"/>
-                <a:cs typeface="Courier New" panose="02070309020205020404" pitchFamily="49" charset="0"/>
-              </a:rPr>
-              <a:t>srun</a:t>
-            </a:r>
-            <a:r>
-              <a:rPr lang="en-US" b="1" dirty="0">
-                <a:latin typeface="Courier New" panose="02070309020205020404" pitchFamily="49" charset="0"/>
-                <a:cs typeface="Courier New" panose="02070309020205020404" pitchFamily="49" charset="0"/>
-              </a:rPr>
-              <a:t> parallel --jobs 6 ./</a:t>
-            </a:r>
-            <a:r>
-              <a:rPr lang="en-US" b="1" dirty="0" err="1">
-                <a:latin typeface="Courier New" panose="02070309020205020404" pitchFamily="49" charset="0"/>
-                <a:cs typeface="Courier New" panose="02070309020205020404" pitchFamily="49" charset="0"/>
-              </a:rPr>
-              <a:t>payload.sh</a:t>
-            </a:r>
-            <a:r>
-              <a:rPr lang="en-US" b="1" dirty="0">
-                <a:latin typeface="Courier New" panose="02070309020205020404" pitchFamily="49" charset="0"/>
-                <a:cs typeface="Courier New" panose="02070309020205020404" pitchFamily="49" charset="0"/>
-              </a:rPr>
-              <a:t> argument_{} :::: </a:t>
-            </a:r>
-            <a:r>
-              <a:rPr lang="en-US" b="1" dirty="0" err="1">
-                <a:latin typeface="Courier New" panose="02070309020205020404" pitchFamily="49" charset="0"/>
-                <a:cs typeface="Courier New" panose="02070309020205020404" pitchFamily="49" charset="0"/>
-              </a:rPr>
-              <a:t>input.txt</a:t>
-            </a:r>
-            <a:r>
-              <a:rPr lang="en-US" b="1" dirty="0">
-                <a:latin typeface="Courier New" panose="02070309020205020404" pitchFamily="49" charset="0"/>
-                <a:cs typeface="Courier New" panose="02070309020205020404" pitchFamily="49" charset="0"/>
-              </a:rPr>
-              <a:t> </a:t>
-            </a:r>
+            <a:endParaRPr lang="en-US" dirty="0"/>
           </a:p>
         </p:txBody>
       </p:sp>
@@ -19226,7 +19332,7 @@
           <p:cNvPr id="4" name="Slide Number Placeholder 3">
             <a:extLst>
               <a:ext uri="{FF2B5EF4-FFF2-40B4-BE49-F238E27FC236}">
-                <a16:creationId xmlns:a16="http://schemas.microsoft.com/office/drawing/2014/main" id="{9BF52B3F-9AF5-FCDC-C6CD-DEDA43CFB54E}"/>
+                <a16:creationId xmlns:a16="http://schemas.microsoft.com/office/drawing/2014/main" id="{B3A6FDE1-E547-0C9B-C0DC-B7C0BA05933D}"/>
               </a:ext>
             </a:extLst>
           </p:cNvPr>
@@ -19250,71 +19356,10 @@
           </a:p>
         </p:txBody>
       </p:sp>
-      <p:sp>
-        <p:nvSpPr>
-          <p:cNvPr id="5" name="TextBox 4">
-            <a:extLst>
-              <a:ext uri="{FF2B5EF4-FFF2-40B4-BE49-F238E27FC236}">
-                <a16:creationId xmlns:a16="http://schemas.microsoft.com/office/drawing/2014/main" id="{D362DB27-F94B-9494-4292-24936402ED91}"/>
-              </a:ext>
-            </a:extLst>
-          </p:cNvPr>
-          <p:cNvSpPr txBox="1"/>
-          <p:nvPr/>
-        </p:nvSpPr>
-        <p:spPr>
-          <a:xfrm>
-            <a:off x="5412285" y="1411630"/>
-            <a:ext cx="3049104" cy="369332"/>
-          </a:xfrm>
-          <a:prstGeom prst="rect">
-            <a:avLst/>
-          </a:prstGeom>
-          <a:noFill/>
-          <a:ln>
-            <a:solidFill>
-              <a:schemeClr val="accent1"/>
-            </a:solidFill>
-          </a:ln>
-        </p:spPr>
-        <p:txBody>
-          <a:bodyPr wrap="none" rtlCol="0">
-            <a:spAutoFit/>
-          </a:bodyPr>
-          <a:lstStyle/>
-          <a:p>
-            <a:r>
-              <a:rPr lang="en-US" dirty="0"/>
-              <a:t>code in </a:t>
-            </a:r>
-            <a:r>
-              <a:rPr lang="en-US" dirty="0" err="1"/>
-              <a:t>Github</a:t>
-            </a:r>
-            <a:r>
-              <a:rPr lang="en-US" dirty="0"/>
-              <a:t>: </a:t>
-            </a:r>
-            <a:r>
-              <a:rPr lang="en-US" dirty="0" err="1"/>
-              <a:t>src</a:t>
-            </a:r>
-            <a:r>
-              <a:rPr lang="en-US" dirty="0"/>
-              <a:t>/</a:t>
-            </a:r>
-            <a:r>
-              <a:rPr lang="en-US" dirty="0" err="1"/>
-              <a:t>singlenode</a:t>
-            </a:r>
-            <a:endParaRPr lang="en-US" dirty="0"/>
-          </a:p>
-        </p:txBody>
-      </p:sp>
     </p:spTree>
     <p:extLst>
       <p:ext uri="{BB962C8B-B14F-4D97-AF65-F5344CB8AC3E}">
-        <p14:creationId xmlns:p14="http://schemas.microsoft.com/office/powerpoint/2010/main" val="2089883047"/>
+        <p14:creationId xmlns:p14="http://schemas.microsoft.com/office/powerpoint/2010/main" val="293708216"/>
       </p:ext>
     </p:extLst>
   </p:cSld>
@@ -19346,6 +19391,358 @@
           <p:cNvPr id="2" name="Title 1">
             <a:extLst>
               <a:ext uri="{FF2B5EF4-FFF2-40B4-BE49-F238E27FC236}">
+                <a16:creationId xmlns:a16="http://schemas.microsoft.com/office/drawing/2014/main" id="{8C77888F-13D9-BA6B-951C-A2C60B1DEBEE}"/>
+              </a:ext>
+            </a:extLst>
+          </p:cNvPr>
+          <p:cNvSpPr>
+            <a:spLocks noGrp="1"/>
+          </p:cNvSpPr>
+          <p:nvPr>
+            <p:ph type="title"/>
+          </p:nvPr>
+        </p:nvSpPr>
+        <p:spPr>
+          <a:xfrm>
+            <a:off x="628650" y="273844"/>
+            <a:ext cx="7832739" cy="994172"/>
+          </a:xfrm>
+        </p:spPr>
+        <p:txBody>
+          <a:bodyPr>
+            <a:noAutofit/>
+          </a:bodyPr>
+          <a:lstStyle/>
+          <a:p>
+            <a:pPr algn="ctr"/>
+            <a:r>
+              <a:rPr lang="en-US" sz="2900" dirty="0">
+                <a:latin typeface="National Park " pitchFamily="2" charset="77"/>
+              </a:rPr>
+              <a:t>Working with HPC Schedulers: SLURM, 1 node</a:t>
+            </a:r>
+          </a:p>
+        </p:txBody>
+      </p:sp>
+      <p:sp>
+        <p:nvSpPr>
+          <p:cNvPr id="3" name="Content Placeholder 2">
+            <a:extLst>
+              <a:ext uri="{FF2B5EF4-FFF2-40B4-BE49-F238E27FC236}">
+                <a16:creationId xmlns:a16="http://schemas.microsoft.com/office/drawing/2014/main" id="{4DF7BA44-03BB-C10D-40AE-EA7B8104EEC1}"/>
+              </a:ext>
+            </a:extLst>
+          </p:cNvPr>
+          <p:cNvSpPr>
+            <a:spLocks noGrp="1"/>
+          </p:cNvSpPr>
+          <p:nvPr>
+            <p:ph idx="1"/>
+          </p:nvPr>
+        </p:nvSpPr>
+        <p:spPr/>
+        <p:txBody>
+          <a:bodyPr>
+            <a:normAutofit fontScale="92500" lnSpcReduction="10000"/>
+          </a:bodyPr>
+          <a:lstStyle/>
+          <a:p>
+            <a:pPr marL="0" indent="0">
+              <a:buNone/>
+            </a:pPr>
+            <a:r>
+              <a:rPr lang="en-US" dirty="0">
+                <a:latin typeface="Courier New" panose="02070309020205020404" pitchFamily="49" charset="0"/>
+                <a:cs typeface="Courier New" panose="02070309020205020404" pitchFamily="49" charset="0"/>
+              </a:rPr>
+              <a:t>#!/bin/bash</a:t>
+            </a:r>
+          </a:p>
+          <a:p>
+            <a:pPr marL="0" indent="0">
+              <a:buNone/>
+            </a:pPr>
+            <a:endParaRPr lang="en-US" b="1" dirty="0">
+              <a:latin typeface="Courier New" panose="02070309020205020404" pitchFamily="49" charset="0"/>
+              <a:cs typeface="Courier New" panose="02070309020205020404" pitchFamily="49" charset="0"/>
+            </a:endParaRPr>
+          </a:p>
+          <a:p>
+            <a:pPr marL="0" indent="0">
+              <a:buNone/>
+            </a:pPr>
+            <a:r>
+              <a:rPr lang="en-US" b="1" dirty="0">
+                <a:latin typeface="Courier New" panose="02070309020205020404" pitchFamily="49" charset="0"/>
+                <a:cs typeface="Courier New" panose="02070309020205020404" pitchFamily="49" charset="0"/>
+              </a:rPr>
+              <a:t>#SBATCH -J </a:t>
+            </a:r>
+            <a:r>
+              <a:rPr lang="en-US" b="1" dirty="0" err="1">
+                <a:latin typeface="Courier New" panose="02070309020205020404" pitchFamily="49" charset="0"/>
+                <a:cs typeface="Courier New" panose="02070309020205020404" pitchFamily="49" charset="0"/>
+              </a:rPr>
+              <a:t>singlenode</a:t>
+            </a:r>
+            <a:endParaRPr lang="en-US" b="1" dirty="0">
+              <a:latin typeface="Courier New" panose="02070309020205020404" pitchFamily="49" charset="0"/>
+              <a:cs typeface="Courier New" panose="02070309020205020404" pitchFamily="49" charset="0"/>
+            </a:endParaRPr>
+          </a:p>
+          <a:p>
+            <a:pPr marL="0" indent="0">
+              <a:buNone/>
+            </a:pPr>
+            <a:r>
+              <a:rPr lang="en-US" b="1" dirty="0">
+                <a:latin typeface="Courier New" panose="02070309020205020404" pitchFamily="49" charset="0"/>
+                <a:cs typeface="Courier New" panose="02070309020205020404" pitchFamily="49" charset="0"/>
+              </a:rPr>
+              <a:t>#SBATCH -o %x-%</a:t>
+            </a:r>
+            <a:r>
+              <a:rPr lang="en-US" b="1" dirty="0" err="1">
+                <a:latin typeface="Courier New" panose="02070309020205020404" pitchFamily="49" charset="0"/>
+                <a:cs typeface="Courier New" panose="02070309020205020404" pitchFamily="49" charset="0"/>
+              </a:rPr>
+              <a:t>j.out</a:t>
+            </a:r>
+            <a:endParaRPr lang="en-US" b="1" dirty="0">
+              <a:latin typeface="Courier New" panose="02070309020205020404" pitchFamily="49" charset="0"/>
+              <a:cs typeface="Courier New" panose="02070309020205020404" pitchFamily="49" charset="0"/>
+            </a:endParaRPr>
+          </a:p>
+          <a:p>
+            <a:pPr marL="0" indent="0">
+              <a:buNone/>
+            </a:pPr>
+            <a:r>
+              <a:rPr lang="en-US" b="1" dirty="0">
+                <a:latin typeface="Courier New" panose="02070309020205020404" pitchFamily="49" charset="0"/>
+                <a:cs typeface="Courier New" panose="02070309020205020404" pitchFamily="49" charset="0"/>
+              </a:rPr>
+              <a:t>#SBATCH -e %x-%</a:t>
+            </a:r>
+            <a:r>
+              <a:rPr lang="en-US" b="1" dirty="0" err="1">
+                <a:latin typeface="Courier New" panose="02070309020205020404" pitchFamily="49" charset="0"/>
+                <a:cs typeface="Courier New" panose="02070309020205020404" pitchFamily="49" charset="0"/>
+              </a:rPr>
+              <a:t>j.err</a:t>
+            </a:r>
+            <a:endParaRPr lang="en-US" b="1" dirty="0">
+              <a:latin typeface="Courier New" panose="02070309020205020404" pitchFamily="49" charset="0"/>
+              <a:cs typeface="Courier New" panose="02070309020205020404" pitchFamily="49" charset="0"/>
+            </a:endParaRPr>
+          </a:p>
+          <a:p>
+            <a:pPr marL="0" indent="0">
+              <a:buNone/>
+            </a:pPr>
+            <a:r>
+              <a:rPr lang="en-US" b="1" dirty="0">
+                <a:latin typeface="Courier New" panose="02070309020205020404" pitchFamily="49" charset="0"/>
+                <a:cs typeface="Courier New" panose="02070309020205020404" pitchFamily="49" charset="0"/>
+              </a:rPr>
+              <a:t>#SBATCH -t 0:10:00</a:t>
+            </a:r>
+          </a:p>
+          <a:p>
+            <a:pPr marL="0" indent="0">
+              <a:buNone/>
+            </a:pPr>
+            <a:r>
+              <a:rPr lang="en-US" b="1" dirty="0">
+                <a:latin typeface="Courier New" panose="02070309020205020404" pitchFamily="49" charset="0"/>
+                <a:cs typeface="Courier New" panose="02070309020205020404" pitchFamily="49" charset="0"/>
+              </a:rPr>
+              <a:t>#SBATCH -N 1</a:t>
+            </a:r>
+          </a:p>
+          <a:p>
+            <a:pPr marL="0" indent="0">
+              <a:buNone/>
+            </a:pPr>
+            <a:endParaRPr lang="en-US" b="1" dirty="0">
+              <a:latin typeface="Courier New" panose="02070309020205020404" pitchFamily="49" charset="0"/>
+              <a:cs typeface="Courier New" panose="02070309020205020404" pitchFamily="49" charset="0"/>
+            </a:endParaRPr>
+          </a:p>
+          <a:p>
+            <a:pPr marL="0" indent="0">
+              <a:buNone/>
+            </a:pPr>
+            <a:r>
+              <a:rPr lang="en-US" b="1" dirty="0" err="1">
+                <a:latin typeface="Courier New" panose="02070309020205020404" pitchFamily="49" charset="0"/>
+                <a:cs typeface="Courier New" panose="02070309020205020404" pitchFamily="49" charset="0"/>
+              </a:rPr>
+              <a:t>srun</a:t>
+            </a:r>
+            <a:r>
+              <a:rPr lang="en-US" b="1" dirty="0">
+                <a:latin typeface="Courier New" panose="02070309020205020404" pitchFamily="49" charset="0"/>
+                <a:cs typeface="Courier New" panose="02070309020205020404" pitchFamily="49" charset="0"/>
+              </a:rPr>
+              <a:t> parallel --jobs 6 ./</a:t>
+            </a:r>
+            <a:r>
+              <a:rPr lang="en-US" b="1" dirty="0" err="1">
+                <a:latin typeface="Courier New" panose="02070309020205020404" pitchFamily="49" charset="0"/>
+                <a:cs typeface="Courier New" panose="02070309020205020404" pitchFamily="49" charset="0"/>
+              </a:rPr>
+              <a:t>payload.sh</a:t>
+            </a:r>
+            <a:r>
+              <a:rPr lang="en-US" b="1" dirty="0">
+                <a:latin typeface="Courier New" panose="02070309020205020404" pitchFamily="49" charset="0"/>
+                <a:cs typeface="Courier New" panose="02070309020205020404" pitchFamily="49" charset="0"/>
+              </a:rPr>
+              <a:t> argument_{} :::: </a:t>
+            </a:r>
+            <a:r>
+              <a:rPr lang="en-US" b="1" dirty="0" err="1">
+                <a:latin typeface="Courier New" panose="02070309020205020404" pitchFamily="49" charset="0"/>
+                <a:cs typeface="Courier New" panose="02070309020205020404" pitchFamily="49" charset="0"/>
+              </a:rPr>
+              <a:t>input.txt</a:t>
+            </a:r>
+            <a:r>
+              <a:rPr lang="en-US" b="1" dirty="0">
+                <a:latin typeface="Courier New" panose="02070309020205020404" pitchFamily="49" charset="0"/>
+                <a:cs typeface="Courier New" panose="02070309020205020404" pitchFamily="49" charset="0"/>
+              </a:rPr>
+              <a:t> </a:t>
+            </a:r>
+          </a:p>
+        </p:txBody>
+      </p:sp>
+      <p:sp>
+        <p:nvSpPr>
+          <p:cNvPr id="4" name="Slide Number Placeholder 3">
+            <a:extLst>
+              <a:ext uri="{FF2B5EF4-FFF2-40B4-BE49-F238E27FC236}">
+                <a16:creationId xmlns:a16="http://schemas.microsoft.com/office/drawing/2014/main" id="{9BF52B3F-9AF5-FCDC-C6CD-DEDA43CFB54E}"/>
+              </a:ext>
+            </a:extLst>
+          </p:cNvPr>
+          <p:cNvSpPr>
+            <a:spLocks noGrp="1"/>
+          </p:cNvSpPr>
+          <p:nvPr>
+            <p:ph type="sldNum" sz="quarter" idx="12"/>
+          </p:nvPr>
+        </p:nvSpPr>
+        <p:spPr/>
+        <p:txBody>
+          <a:bodyPr/>
+          <a:lstStyle/>
+          <a:p>
+            <a:fld id="{4E3AEE2C-3A74-8643-B4A2-442777B583A3}" type="slidenum">
+              <a:rPr lang="en-US" smtClean="0"/>
+              <a:t>51</a:t>
+            </a:fld>
+            <a:endParaRPr lang="en-US"/>
+          </a:p>
+        </p:txBody>
+      </p:sp>
+      <p:sp>
+        <p:nvSpPr>
+          <p:cNvPr id="5" name="TextBox 4">
+            <a:extLst>
+              <a:ext uri="{FF2B5EF4-FFF2-40B4-BE49-F238E27FC236}">
+                <a16:creationId xmlns:a16="http://schemas.microsoft.com/office/drawing/2014/main" id="{D362DB27-F94B-9494-4292-24936402ED91}"/>
+              </a:ext>
+            </a:extLst>
+          </p:cNvPr>
+          <p:cNvSpPr txBox="1"/>
+          <p:nvPr/>
+        </p:nvSpPr>
+        <p:spPr>
+          <a:xfrm>
+            <a:off x="5412285" y="1411630"/>
+            <a:ext cx="3049104" cy="369332"/>
+          </a:xfrm>
+          <a:prstGeom prst="rect">
+            <a:avLst/>
+          </a:prstGeom>
+          <a:noFill/>
+          <a:ln>
+            <a:solidFill>
+              <a:schemeClr val="accent1"/>
+            </a:solidFill>
+          </a:ln>
+        </p:spPr>
+        <p:txBody>
+          <a:bodyPr wrap="none" rtlCol="0">
+            <a:spAutoFit/>
+          </a:bodyPr>
+          <a:lstStyle/>
+          <a:p>
+            <a:r>
+              <a:rPr lang="en-US" dirty="0"/>
+              <a:t>code in </a:t>
+            </a:r>
+            <a:r>
+              <a:rPr lang="en-US" dirty="0" err="1"/>
+              <a:t>Github</a:t>
+            </a:r>
+            <a:r>
+              <a:rPr lang="en-US" dirty="0"/>
+              <a:t>: </a:t>
+            </a:r>
+            <a:r>
+              <a:rPr lang="en-US" dirty="0" err="1"/>
+              <a:t>src</a:t>
+            </a:r>
+            <a:r>
+              <a:rPr lang="en-US" dirty="0"/>
+              <a:t>/</a:t>
+            </a:r>
+            <a:r>
+              <a:rPr lang="en-US" dirty="0" err="1"/>
+              <a:t>singlenode</a:t>
+            </a:r>
+            <a:endParaRPr lang="en-US" dirty="0"/>
+          </a:p>
+        </p:txBody>
+      </p:sp>
+    </p:spTree>
+    <p:extLst>
+      <p:ext uri="{BB962C8B-B14F-4D97-AF65-F5344CB8AC3E}">
+        <p14:creationId xmlns:p14="http://schemas.microsoft.com/office/powerpoint/2010/main" val="2089883047"/>
+      </p:ext>
+    </p:extLst>
+  </p:cSld>
+  <p:clrMapOvr>
+    <a:masterClrMapping/>
+  </p:clrMapOvr>
+</p:sld>
+</file>
+
+<file path=ppt/slides/slide52.xml><?xml version="1.0" encoding="utf-8"?>
+<p:sld xmlns:a="http://schemas.openxmlformats.org/drawingml/2006/main" xmlns:r="http://schemas.openxmlformats.org/officeDocument/2006/relationships" xmlns:p="http://schemas.openxmlformats.org/presentationml/2006/main">
+  <p:cSld>
+    <p:spTree>
+      <p:nvGrpSpPr>
+        <p:cNvPr id="1" name=""/>
+        <p:cNvGrpSpPr/>
+        <p:nvPr/>
+      </p:nvGrpSpPr>
+      <p:grpSpPr>
+        <a:xfrm>
+          <a:off x="0" y="0"/>
+          <a:ext cx="0" cy="0"/>
+          <a:chOff x="0" y="0"/>
+          <a:chExt cx="0" cy="0"/>
+        </a:xfrm>
+      </p:grpSpPr>
+      <p:sp>
+        <p:nvSpPr>
+          <p:cNvPr id="2" name="Title 1">
+            <a:extLst>
+              <a:ext uri="{FF2B5EF4-FFF2-40B4-BE49-F238E27FC236}">
                 <a16:creationId xmlns:a16="http://schemas.microsoft.com/office/drawing/2014/main" id="{643A1A16-1B37-AF46-4B81-F2460530A558}"/>
               </a:ext>
             </a:extLst>
@@ -19644,7 +20041,7 @@
           <a:p>
             <a:fld id="{4E3AEE2C-3A74-8643-B4A2-442777B583A3}" type="slidenum">
               <a:rPr lang="en-US" smtClean="0"/>
-              <a:t>51</a:t>
+              <a:t>52</a:t>
             </a:fld>
             <a:endParaRPr lang="en-US"/>
           </a:p>
@@ -19663,7 +20060,7 @@
 </p:sld>
 </file>
 
-<file path=ppt/slides/slide52.xml><?xml version="1.0" encoding="utf-8"?>
+<file path=ppt/slides/slide53.xml><?xml version="1.0" encoding="utf-8"?>
 <p:sld xmlns:a="http://schemas.openxmlformats.org/drawingml/2006/main" xmlns:r="http://schemas.openxmlformats.org/officeDocument/2006/relationships" xmlns:p="http://schemas.openxmlformats.org/presentationml/2006/main">
   <p:cSld>
     <p:spTree>
@@ -20368,368 +20765,6 @@
 </p:sld>
 </file>
 
-<file path=ppt/slides/slide53.xml><?xml version="1.0" encoding="utf-8"?>
-<p:sld xmlns:a="http://schemas.openxmlformats.org/drawingml/2006/main" xmlns:r="http://schemas.openxmlformats.org/officeDocument/2006/relationships" xmlns:p="http://schemas.openxmlformats.org/presentationml/2006/main">
-  <p:cSld>
-    <p:spTree>
-      <p:nvGrpSpPr>
-        <p:cNvPr id="1" name=""/>
-        <p:cNvGrpSpPr/>
-        <p:nvPr/>
-      </p:nvGrpSpPr>
-      <p:grpSpPr>
-        <a:xfrm>
-          <a:off x="0" y="0"/>
-          <a:ext cx="0" cy="0"/>
-          <a:chOff x="0" y="0"/>
-          <a:chExt cx="0" cy="0"/>
-        </a:xfrm>
-      </p:grpSpPr>
-      <p:sp>
-        <p:nvSpPr>
-          <p:cNvPr id="2" name="Title 1">
-            <a:extLst>
-              <a:ext uri="{FF2B5EF4-FFF2-40B4-BE49-F238E27FC236}">
-                <a16:creationId xmlns:a16="http://schemas.microsoft.com/office/drawing/2014/main" id="{41A02819-5D37-6763-4BC3-34F839E2E0CD}"/>
-              </a:ext>
-            </a:extLst>
-          </p:cNvPr>
-          <p:cNvSpPr>
-            <a:spLocks noGrp="1"/>
-          </p:cNvSpPr>
-          <p:nvPr>
-            <p:ph type="title"/>
-          </p:nvPr>
-        </p:nvSpPr>
-        <p:spPr/>
-        <p:txBody>
-          <a:bodyPr>
-            <a:normAutofit fontScale="90000"/>
-          </a:bodyPr>
-          <a:lstStyle/>
-          <a:p>
-            <a:pPr algn="ctr"/>
-            <a:r>
-              <a:rPr lang="en-US" dirty="0">
-                <a:latin typeface="National Park " pitchFamily="2" charset="77"/>
-              </a:rPr>
-              <a:t>Job Definition</a:t>
-            </a:r>
-          </a:p>
-        </p:txBody>
-      </p:sp>
-      <p:sp>
-        <p:nvSpPr>
-          <p:cNvPr id="3" name="Content Placeholder 2">
-            <a:extLst>
-              <a:ext uri="{FF2B5EF4-FFF2-40B4-BE49-F238E27FC236}">
-                <a16:creationId xmlns:a16="http://schemas.microsoft.com/office/drawing/2014/main" id="{ACE67695-EF88-7948-8E6A-81D241F9D2C0}"/>
-              </a:ext>
-            </a:extLst>
-          </p:cNvPr>
-          <p:cNvSpPr>
-            <a:spLocks noGrp="1"/>
-          </p:cNvSpPr>
-          <p:nvPr>
-            <p:ph idx="1"/>
-          </p:nvPr>
-        </p:nvSpPr>
-        <p:spPr>
-          <a:xfrm>
-            <a:off x="336041" y="942975"/>
-            <a:ext cx="8572500" cy="3521869"/>
-          </a:xfrm>
-        </p:spPr>
-        <p:txBody>
-          <a:bodyPr>
-            <a:normAutofit/>
-          </a:bodyPr>
-          <a:lstStyle/>
-          <a:p>
-            <a:pPr marL="0" indent="0">
-              <a:buNone/>
-            </a:pPr>
-            <a:r>
-              <a:rPr lang="en-US" sz="1500" dirty="0">
-                <a:latin typeface="Courier New" panose="02070309020205020404" pitchFamily="49" charset="0"/>
-                <a:cs typeface="Courier New" panose="02070309020205020404" pitchFamily="49" charset="0"/>
-              </a:rPr>
-              <a:t>#!/bin/bash</a:t>
-            </a:r>
-            <a:br>
-              <a:rPr lang="en-US" sz="1500" dirty="0">
-                <a:latin typeface="Courier New" panose="02070309020205020404" pitchFamily="49" charset="0"/>
-                <a:cs typeface="Courier New" panose="02070309020205020404" pitchFamily="49" charset="0"/>
-              </a:rPr>
-            </a:br>
-            <a:br>
-              <a:rPr lang="en-US" sz="1500" dirty="0">
-                <a:latin typeface="Courier New" panose="02070309020205020404" pitchFamily="49" charset="0"/>
-                <a:cs typeface="Courier New" panose="02070309020205020404" pitchFamily="49" charset="0"/>
-              </a:rPr>
-            </a:br>
-            <a:r>
-              <a:rPr lang="en-US" sz="1500" dirty="0">
-                <a:latin typeface="Courier New" panose="02070309020205020404" pitchFamily="49" charset="0"/>
-                <a:cs typeface="Courier New" panose="02070309020205020404" pitchFamily="49" charset="0"/>
-              </a:rPr>
-              <a:t>#SBATCH -J 100nodes_128j</a:t>
-            </a:r>
-            <a:br>
-              <a:rPr lang="en-US" sz="1500" dirty="0">
-                <a:latin typeface="Courier New" panose="02070309020205020404" pitchFamily="49" charset="0"/>
-                <a:cs typeface="Courier New" panose="02070309020205020404" pitchFamily="49" charset="0"/>
-              </a:rPr>
-            </a:br>
-            <a:br>
-              <a:rPr lang="en-US" sz="1500" dirty="0">
-                <a:latin typeface="Courier New" panose="02070309020205020404" pitchFamily="49" charset="0"/>
-                <a:cs typeface="Courier New" panose="02070309020205020404" pitchFamily="49" charset="0"/>
-              </a:rPr>
-            </a:br>
-            <a:r>
-              <a:rPr lang="en-US" sz="1500" dirty="0">
-                <a:latin typeface="Courier New" panose="02070309020205020404" pitchFamily="49" charset="0"/>
-                <a:cs typeface="Courier New" panose="02070309020205020404" pitchFamily="49" charset="0"/>
-              </a:rPr>
-              <a:t>#SBATCH -o %x-%</a:t>
-            </a:r>
-            <a:r>
-              <a:rPr lang="en-US" sz="1500" dirty="0" err="1">
-                <a:latin typeface="Courier New" panose="02070309020205020404" pitchFamily="49" charset="0"/>
-                <a:cs typeface="Courier New" panose="02070309020205020404" pitchFamily="49" charset="0"/>
-              </a:rPr>
-              <a:t>j.out</a:t>
-            </a:r>
-            <a:br>
-              <a:rPr lang="en-US" sz="1500" dirty="0">
-                <a:latin typeface="Courier New" panose="02070309020205020404" pitchFamily="49" charset="0"/>
-                <a:cs typeface="Courier New" panose="02070309020205020404" pitchFamily="49" charset="0"/>
-              </a:rPr>
-            </a:br>
-            <a:br>
-              <a:rPr lang="en-US" sz="1500" dirty="0">
-                <a:latin typeface="Courier New" panose="02070309020205020404" pitchFamily="49" charset="0"/>
-                <a:cs typeface="Courier New" panose="02070309020205020404" pitchFamily="49" charset="0"/>
-              </a:rPr>
-            </a:br>
-            <a:r>
-              <a:rPr lang="en-US" sz="1500" dirty="0">
-                <a:latin typeface="Courier New" panose="02070309020205020404" pitchFamily="49" charset="0"/>
-                <a:cs typeface="Courier New" panose="02070309020205020404" pitchFamily="49" charset="0"/>
-              </a:rPr>
-              <a:t>#SBATCH -e %x-%</a:t>
-            </a:r>
-            <a:r>
-              <a:rPr lang="en-US" sz="1500" dirty="0" err="1">
-                <a:latin typeface="Courier New" panose="02070309020205020404" pitchFamily="49" charset="0"/>
-                <a:cs typeface="Courier New" panose="02070309020205020404" pitchFamily="49" charset="0"/>
-              </a:rPr>
-              <a:t>j.err</a:t>
-            </a:r>
-            <a:br>
-              <a:rPr lang="en-US" sz="1500" dirty="0">
-                <a:latin typeface="Courier New" panose="02070309020205020404" pitchFamily="49" charset="0"/>
-                <a:cs typeface="Courier New" panose="02070309020205020404" pitchFamily="49" charset="0"/>
-              </a:rPr>
-            </a:br>
-            <a:br>
-              <a:rPr lang="en-US" sz="1500" dirty="0">
-                <a:latin typeface="Courier New" panose="02070309020205020404" pitchFamily="49" charset="0"/>
-                <a:cs typeface="Courier New" panose="02070309020205020404" pitchFamily="49" charset="0"/>
-              </a:rPr>
-            </a:br>
-            <a:r>
-              <a:rPr lang="en-US" sz="1500" dirty="0">
-                <a:latin typeface="Courier New" panose="02070309020205020404" pitchFamily="49" charset="0"/>
-                <a:cs typeface="Courier New" panose="02070309020205020404" pitchFamily="49" charset="0"/>
-              </a:rPr>
-              <a:t>#SBATCH -t 2:00:00</a:t>
-            </a:r>
-            <a:br>
-              <a:rPr lang="en-US" sz="1500" dirty="0">
-                <a:latin typeface="Courier New" panose="02070309020205020404" pitchFamily="49" charset="0"/>
-                <a:cs typeface="Courier New" panose="02070309020205020404" pitchFamily="49" charset="0"/>
-              </a:rPr>
-            </a:br>
-            <a:br>
-              <a:rPr lang="en-US" sz="1500" dirty="0">
-                <a:latin typeface="Courier New" panose="02070309020205020404" pitchFamily="49" charset="0"/>
-                <a:cs typeface="Courier New" panose="02070309020205020404" pitchFamily="49" charset="0"/>
-              </a:rPr>
-            </a:br>
-            <a:r>
-              <a:rPr lang="en-US" sz="1500" dirty="0">
-                <a:latin typeface="Courier New" panose="02070309020205020404" pitchFamily="49" charset="0"/>
-                <a:cs typeface="Courier New" panose="02070309020205020404" pitchFamily="49" charset="0"/>
-              </a:rPr>
-              <a:t>#SBATCH -N 100</a:t>
-            </a:r>
-            <a:br>
-              <a:rPr lang="en-US" sz="1500" dirty="0">
-                <a:latin typeface="Courier New" panose="02070309020205020404" pitchFamily="49" charset="0"/>
-                <a:cs typeface="Courier New" panose="02070309020205020404" pitchFamily="49" charset="0"/>
-              </a:rPr>
-            </a:br>
-            <a:br>
-              <a:rPr lang="en-US" sz="1500" dirty="0">
-                <a:latin typeface="Courier New" panose="02070309020205020404" pitchFamily="49" charset="0"/>
-                <a:cs typeface="Courier New" panose="02070309020205020404" pitchFamily="49" charset="0"/>
-              </a:rPr>
-            </a:br>
-            <a:r>
-              <a:rPr lang="en-US" sz="1500" dirty="0" err="1">
-                <a:latin typeface="Courier New" panose="02070309020205020404" pitchFamily="49" charset="0"/>
-                <a:cs typeface="Courier New" panose="02070309020205020404" pitchFamily="49" charset="0"/>
-              </a:rPr>
-              <a:t>srun</a:t>
-            </a:r>
-            <a:r>
-              <a:rPr lang="en-US" sz="1500" dirty="0">
-                <a:latin typeface="Courier New" panose="02070309020205020404" pitchFamily="49" charset="0"/>
-                <a:cs typeface="Courier New" panose="02070309020205020404" pitchFamily="49" charset="0"/>
-              </a:rPr>
-              <a:t> --no-kill </a:t>
-            </a:r>
-            <a:r>
-              <a:rPr lang="en-US" sz="1500" b="1" dirty="0">
-                <a:latin typeface="Courier New" panose="02070309020205020404" pitchFamily="49" charset="0"/>
-                <a:cs typeface="Courier New" panose="02070309020205020404" pitchFamily="49" charset="0"/>
-              </a:rPr>
-              <a:t>--</a:t>
-            </a:r>
-            <a:r>
-              <a:rPr lang="en-US" sz="1500" b="1" dirty="0" err="1">
-                <a:latin typeface="Courier New" panose="02070309020205020404" pitchFamily="49" charset="0"/>
-                <a:cs typeface="Courier New" panose="02070309020205020404" pitchFamily="49" charset="0"/>
-              </a:rPr>
-              <a:t>ntasks</a:t>
-            </a:r>
-            <a:r>
-              <a:rPr lang="en-US" sz="1500" b="1" dirty="0">
-                <a:latin typeface="Courier New" panose="02070309020205020404" pitchFamily="49" charset="0"/>
-                <a:cs typeface="Courier New" panose="02070309020205020404" pitchFamily="49" charset="0"/>
-              </a:rPr>
-              <a:t>-per-node=1 </a:t>
-            </a:r>
-            <a:r>
-              <a:rPr lang="en-US" sz="1500" dirty="0">
-                <a:latin typeface="Courier New" panose="02070309020205020404" pitchFamily="49" charset="0"/>
-                <a:cs typeface="Courier New" panose="02070309020205020404" pitchFamily="49" charset="0"/>
-              </a:rPr>
-              <a:t>--wait=0 </a:t>
-            </a:r>
-            <a:r>
-              <a:rPr lang="en-US" sz="1500" b="1" dirty="0">
-                <a:latin typeface="Courier New" panose="02070309020205020404" pitchFamily="49" charset="0"/>
-                <a:cs typeface="Courier New" panose="02070309020205020404" pitchFamily="49" charset="0"/>
-              </a:rPr>
-              <a:t>./</a:t>
-            </a:r>
-            <a:r>
-              <a:rPr lang="en-US" sz="1500" b="1" dirty="0" err="1">
-                <a:latin typeface="Courier New" panose="02070309020205020404" pitchFamily="49" charset="0"/>
-                <a:cs typeface="Courier New" panose="02070309020205020404" pitchFamily="49" charset="0"/>
-              </a:rPr>
-              <a:t>driver.sh</a:t>
-            </a:r>
-            <a:r>
-              <a:rPr lang="en-US" sz="1500" b="1" dirty="0">
-                <a:latin typeface="Courier New" panose="02070309020205020404" pitchFamily="49" charset="0"/>
-                <a:cs typeface="Courier New" panose="02070309020205020404" pitchFamily="49" charset="0"/>
-              </a:rPr>
-              <a:t> ./</a:t>
-            </a:r>
-            <a:r>
-              <a:rPr lang="en-US" sz="1500" b="1" dirty="0" err="1">
-                <a:latin typeface="Courier New" panose="02070309020205020404" pitchFamily="49" charset="0"/>
-                <a:cs typeface="Courier New" panose="02070309020205020404" pitchFamily="49" charset="0"/>
-              </a:rPr>
-              <a:t>inputs.txt</a:t>
-            </a:r>
-            <a:r>
-              <a:rPr lang="en-US" sz="1500" b="1" dirty="0">
-                <a:latin typeface="Courier New" panose="02070309020205020404" pitchFamily="49" charset="0"/>
-                <a:cs typeface="Courier New" panose="02070309020205020404" pitchFamily="49" charset="0"/>
-              </a:rPr>
-              <a:t> </a:t>
-            </a:r>
-            <a:r>
-              <a:rPr lang="en-US" sz="1500" dirty="0">
-                <a:latin typeface="Courier New" panose="02070309020205020404" pitchFamily="49" charset="0"/>
-                <a:cs typeface="Courier New" panose="02070309020205020404" pitchFamily="49" charset="0"/>
-              </a:rPr>
-              <a:t>&gt; /</a:t>
-            </a:r>
-            <a:r>
-              <a:rPr lang="en-US" sz="1500" dirty="0" err="1">
-                <a:latin typeface="Courier New" panose="02070309020205020404" pitchFamily="49" charset="0"/>
-                <a:cs typeface="Courier New" panose="02070309020205020404" pitchFamily="49" charset="0"/>
-              </a:rPr>
-              <a:t>lustre</a:t>
-            </a:r>
-            <a:r>
-              <a:rPr lang="en-US" sz="1500" dirty="0">
-                <a:latin typeface="Courier New" panose="02070309020205020404" pitchFamily="49" charset="0"/>
-                <a:cs typeface="Courier New" panose="02070309020205020404" pitchFamily="49" charset="0"/>
-              </a:rPr>
-              <a:t>/</a:t>
-            </a:r>
-            <a:r>
-              <a:rPr lang="en-US" sz="1500" dirty="0" err="1">
-                <a:latin typeface="Courier New" panose="02070309020205020404" pitchFamily="49" charset="0"/>
-                <a:cs typeface="Courier New" panose="02070309020205020404" pitchFamily="49" charset="0"/>
-              </a:rPr>
-              <a:t>orion</a:t>
-            </a:r>
-            <a:r>
-              <a:rPr lang="en-US" sz="1500" dirty="0">
-                <a:latin typeface="Courier New" panose="02070309020205020404" pitchFamily="49" charset="0"/>
-                <a:cs typeface="Courier New" panose="02070309020205020404" pitchFamily="49" charset="0"/>
-              </a:rPr>
-              <a:t>/scratch/</a:t>
-            </a:r>
-            <a:r>
-              <a:rPr lang="en-US" sz="1500" dirty="0" err="1">
-                <a:latin typeface="Courier New" panose="02070309020205020404" pitchFamily="49" charset="0"/>
-                <a:cs typeface="Courier New" panose="02070309020205020404" pitchFamily="49" charset="0"/>
-              </a:rPr>
-              <a:t>ketan</a:t>
-            </a:r>
-            <a:r>
-              <a:rPr lang="en-US" sz="1500" dirty="0">
-                <a:latin typeface="Courier New" panose="02070309020205020404" pitchFamily="49" charset="0"/>
-                <a:cs typeface="Courier New" panose="02070309020205020404" pitchFamily="49" charset="0"/>
-              </a:rPr>
-              <a:t>/</a:t>
-            </a:r>
-            <a:r>
-              <a:rPr lang="en-US" sz="1500" dirty="0" err="1">
-                <a:latin typeface="Courier New" panose="02070309020205020404" pitchFamily="49" charset="0"/>
-                <a:cs typeface="Courier New" panose="02070309020205020404" pitchFamily="49" charset="0"/>
-              </a:rPr>
-              <a:t>out.txt</a:t>
-            </a:r>
-            <a:endParaRPr lang="en-US" sz="1500" dirty="0">
-              <a:latin typeface="Courier New" panose="02070309020205020404" pitchFamily="49" charset="0"/>
-              <a:cs typeface="Courier New" panose="02070309020205020404" pitchFamily="49" charset="0"/>
-            </a:endParaRPr>
-          </a:p>
-        </p:txBody>
-      </p:sp>
-    </p:spTree>
-    <p:extLst>
-      <p:ext uri="{BB962C8B-B14F-4D97-AF65-F5344CB8AC3E}">
-        <p14:creationId xmlns:p14="http://schemas.microsoft.com/office/powerpoint/2010/main" val="1206410230"/>
-      </p:ext>
-    </p:extLst>
-  </p:cSld>
-  <p:clrMapOvr>
-    <a:masterClrMapping/>
-  </p:clrMapOvr>
-</p:sld>
-</file>
-
 <file path=ppt/slides/slide54.xml><?xml version="1.0" encoding="utf-8"?>
 <p:sld xmlns:a="http://schemas.openxmlformats.org/drawingml/2006/main" xmlns:r="http://schemas.openxmlformats.org/officeDocument/2006/relationships" xmlns:p="http://schemas.openxmlformats.org/presentationml/2006/main">
   <p:cSld>
@@ -20752,7 +20787,7 @@
           <p:cNvPr id="2" name="Title 1">
             <a:extLst>
               <a:ext uri="{FF2B5EF4-FFF2-40B4-BE49-F238E27FC236}">
-                <a16:creationId xmlns:a16="http://schemas.microsoft.com/office/drawing/2014/main" id="{308ACA43-7398-E944-A853-DBF0A1D44CF0}"/>
+                <a16:creationId xmlns:a16="http://schemas.microsoft.com/office/drawing/2014/main" id="{41A02819-5D37-6763-4BC3-34F839E2E0CD}"/>
               </a:ext>
             </a:extLst>
           </p:cNvPr>
@@ -20775,7 +20810,7 @@
               <a:rPr lang="en-US" dirty="0">
                 <a:latin typeface="National Park " pitchFamily="2" charset="77"/>
               </a:rPr>
-              <a:t>Driver</a:t>
+              <a:t>Job Definition</a:t>
             </a:r>
           </a:p>
         </p:txBody>
@@ -20785,7 +20820,7 @@
           <p:cNvPr id="3" name="Content Placeholder 2">
             <a:extLst>
               <a:ext uri="{FF2B5EF4-FFF2-40B4-BE49-F238E27FC236}">
-                <a16:creationId xmlns:a16="http://schemas.microsoft.com/office/drawing/2014/main" id="{98DD7638-A3F8-D937-2564-3DBE044347D8}"/>
+                <a16:creationId xmlns:a16="http://schemas.microsoft.com/office/drawing/2014/main" id="{ACE67695-EF88-7948-8E6A-81D241F9D2C0}"/>
               </a:ext>
             </a:extLst>
           </p:cNvPr>
@@ -20798,289 +20833,291 @@
         </p:nvSpPr>
         <p:spPr>
           <a:xfrm>
-            <a:off x="386048" y="1447470"/>
-            <a:ext cx="8558784" cy="2524455"/>
+            <a:off x="336041" y="942975"/>
+            <a:ext cx="8572500" cy="3521869"/>
           </a:xfrm>
-          <a:ln>
-            <a:solidFill>
-              <a:schemeClr val="accent1"/>
-            </a:solidFill>
-          </a:ln>
         </p:spPr>
         <p:txBody>
-          <a:bodyPr/>
+          <a:bodyPr>
+            <a:normAutofit/>
+          </a:bodyPr>
           <a:lstStyle/>
           <a:p>
             <a:pPr marL="0" indent="0">
               <a:buNone/>
             </a:pPr>
             <a:r>
-              <a:rPr lang="en-US" sz="1875" dirty="0">
-                <a:latin typeface="Courier New" panose="02070309020205020404" pitchFamily="49" charset="0"/>
-                <a:cs typeface="Courier New" panose="02070309020205020404" pitchFamily="49" charset="0"/>
-              </a:rPr>
-              <a:t>cat $1 </a:t>
-            </a:r>
-            <a:r>
-              <a:rPr lang="en-US" sz="1875" b="1" dirty="0">
-                <a:latin typeface="Courier New" panose="02070309020205020404" pitchFamily="49" charset="0"/>
-                <a:cs typeface="Courier New" panose="02070309020205020404" pitchFamily="49" charset="0"/>
-              </a:rPr>
-              <a:t>|</a:t>
-            </a:r>
-            <a:r>
-              <a:rPr lang="en-US" sz="1875" dirty="0">
+              <a:rPr lang="en-US" sz="1500" dirty="0">
+                <a:latin typeface="Courier New" panose="02070309020205020404" pitchFamily="49" charset="0"/>
+                <a:cs typeface="Courier New" panose="02070309020205020404" pitchFamily="49" charset="0"/>
+              </a:rPr>
+              <a:t>#!/bin/bash</a:t>
+            </a:r>
+            <a:br>
+              <a:rPr lang="en-US" sz="1500" dirty="0">
+                <a:latin typeface="Courier New" panose="02070309020205020404" pitchFamily="49" charset="0"/>
+                <a:cs typeface="Courier New" panose="02070309020205020404" pitchFamily="49" charset="0"/>
+              </a:rPr>
+            </a:br>
+            <a:br>
+              <a:rPr lang="en-US" sz="1500" dirty="0">
+                <a:latin typeface="Courier New" panose="02070309020205020404" pitchFamily="49" charset="0"/>
+                <a:cs typeface="Courier New" panose="02070309020205020404" pitchFamily="49" charset="0"/>
+              </a:rPr>
+            </a:br>
+            <a:r>
+              <a:rPr lang="en-US" sz="1500" dirty="0">
+                <a:latin typeface="Courier New" panose="02070309020205020404" pitchFamily="49" charset="0"/>
+                <a:cs typeface="Courier New" panose="02070309020205020404" pitchFamily="49" charset="0"/>
+              </a:rPr>
+              <a:t>#SBATCH -J 100nodes_128j</a:t>
+            </a:r>
+            <a:br>
+              <a:rPr lang="en-US" sz="1500" dirty="0">
+                <a:latin typeface="Courier New" panose="02070309020205020404" pitchFamily="49" charset="0"/>
+                <a:cs typeface="Courier New" panose="02070309020205020404" pitchFamily="49" charset="0"/>
+              </a:rPr>
+            </a:br>
+            <a:br>
+              <a:rPr lang="en-US" sz="1500" dirty="0">
+                <a:latin typeface="Courier New" panose="02070309020205020404" pitchFamily="49" charset="0"/>
+                <a:cs typeface="Courier New" panose="02070309020205020404" pitchFamily="49" charset="0"/>
+              </a:rPr>
+            </a:br>
+            <a:r>
+              <a:rPr lang="en-US" sz="1500" dirty="0">
+                <a:latin typeface="Courier New" panose="02070309020205020404" pitchFamily="49" charset="0"/>
+                <a:cs typeface="Courier New" panose="02070309020205020404" pitchFamily="49" charset="0"/>
+              </a:rPr>
+              <a:t>#SBATCH -o %x-%</a:t>
+            </a:r>
+            <a:r>
+              <a:rPr lang="en-US" sz="1500" dirty="0" err="1">
+                <a:latin typeface="Courier New" panose="02070309020205020404" pitchFamily="49" charset="0"/>
+                <a:cs typeface="Courier New" panose="02070309020205020404" pitchFamily="49" charset="0"/>
+              </a:rPr>
+              <a:t>j.out</a:t>
+            </a:r>
+            <a:br>
+              <a:rPr lang="en-US" sz="1500" dirty="0">
+                <a:latin typeface="Courier New" panose="02070309020205020404" pitchFamily="49" charset="0"/>
+                <a:cs typeface="Courier New" panose="02070309020205020404" pitchFamily="49" charset="0"/>
+              </a:rPr>
+            </a:br>
+            <a:br>
+              <a:rPr lang="en-US" sz="1500" dirty="0">
+                <a:latin typeface="Courier New" panose="02070309020205020404" pitchFamily="49" charset="0"/>
+                <a:cs typeface="Courier New" panose="02070309020205020404" pitchFamily="49" charset="0"/>
+              </a:rPr>
+            </a:br>
+            <a:r>
+              <a:rPr lang="en-US" sz="1500" dirty="0">
+                <a:latin typeface="Courier New" panose="02070309020205020404" pitchFamily="49" charset="0"/>
+                <a:cs typeface="Courier New" panose="02070309020205020404" pitchFamily="49" charset="0"/>
+              </a:rPr>
+              <a:t>#SBATCH -e %x-%</a:t>
+            </a:r>
+            <a:r>
+              <a:rPr lang="en-US" sz="1500" dirty="0" err="1">
+                <a:latin typeface="Courier New" panose="02070309020205020404" pitchFamily="49" charset="0"/>
+                <a:cs typeface="Courier New" panose="02070309020205020404" pitchFamily="49" charset="0"/>
+              </a:rPr>
+              <a:t>j.err</a:t>
+            </a:r>
+            <a:br>
+              <a:rPr lang="en-US" sz="1500" dirty="0">
+                <a:latin typeface="Courier New" panose="02070309020205020404" pitchFamily="49" charset="0"/>
+                <a:cs typeface="Courier New" panose="02070309020205020404" pitchFamily="49" charset="0"/>
+              </a:rPr>
+            </a:br>
+            <a:br>
+              <a:rPr lang="en-US" sz="1500" dirty="0">
+                <a:latin typeface="Courier New" panose="02070309020205020404" pitchFamily="49" charset="0"/>
+                <a:cs typeface="Courier New" panose="02070309020205020404" pitchFamily="49" charset="0"/>
+              </a:rPr>
+            </a:br>
+            <a:r>
+              <a:rPr lang="en-US" sz="1500" dirty="0">
+                <a:latin typeface="Courier New" panose="02070309020205020404" pitchFamily="49" charset="0"/>
+                <a:cs typeface="Courier New" panose="02070309020205020404" pitchFamily="49" charset="0"/>
+              </a:rPr>
+              <a:t>#SBATCH -t 2:00:00</a:t>
+            </a:r>
+            <a:br>
+              <a:rPr lang="en-US" sz="1500" dirty="0">
+                <a:latin typeface="Courier New" panose="02070309020205020404" pitchFamily="49" charset="0"/>
+                <a:cs typeface="Courier New" panose="02070309020205020404" pitchFamily="49" charset="0"/>
+              </a:rPr>
+            </a:br>
+            <a:br>
+              <a:rPr lang="en-US" sz="1500" dirty="0">
+                <a:latin typeface="Courier New" panose="02070309020205020404" pitchFamily="49" charset="0"/>
+                <a:cs typeface="Courier New" panose="02070309020205020404" pitchFamily="49" charset="0"/>
+              </a:rPr>
+            </a:br>
+            <a:r>
+              <a:rPr lang="en-US" sz="1500" dirty="0">
+                <a:latin typeface="Courier New" panose="02070309020205020404" pitchFamily="49" charset="0"/>
+                <a:cs typeface="Courier New" panose="02070309020205020404" pitchFamily="49" charset="0"/>
+              </a:rPr>
+              <a:t>#SBATCH -N 100</a:t>
+            </a:r>
+            <a:br>
+              <a:rPr lang="en-US" sz="1500" dirty="0">
+                <a:latin typeface="Courier New" panose="02070309020205020404" pitchFamily="49" charset="0"/>
+                <a:cs typeface="Courier New" panose="02070309020205020404" pitchFamily="49" charset="0"/>
+              </a:rPr>
+            </a:br>
+            <a:br>
+              <a:rPr lang="en-US" sz="1500" dirty="0">
+                <a:latin typeface="Courier New" panose="02070309020205020404" pitchFamily="49" charset="0"/>
+                <a:cs typeface="Courier New" panose="02070309020205020404" pitchFamily="49" charset="0"/>
+              </a:rPr>
+            </a:br>
+            <a:r>
+              <a:rPr lang="en-US" sz="1500" dirty="0" err="1">
+                <a:latin typeface="Courier New" panose="02070309020205020404" pitchFamily="49" charset="0"/>
+                <a:cs typeface="Courier New" panose="02070309020205020404" pitchFamily="49" charset="0"/>
+              </a:rPr>
+              <a:t>srun</a:t>
+            </a:r>
+            <a:r>
+              <a:rPr lang="en-US" sz="1500" dirty="0">
+                <a:latin typeface="Courier New" panose="02070309020205020404" pitchFamily="49" charset="0"/>
+                <a:cs typeface="Courier New" panose="02070309020205020404" pitchFamily="49" charset="0"/>
+              </a:rPr>
+              <a:t> --no-kill </a:t>
+            </a:r>
+            <a:r>
+              <a:rPr lang="en-US" sz="1500" b="1" dirty="0">
+                <a:latin typeface="Courier New" panose="02070309020205020404" pitchFamily="49" charset="0"/>
+                <a:cs typeface="Courier New" panose="02070309020205020404" pitchFamily="49" charset="0"/>
+              </a:rPr>
+              <a:t>--</a:t>
+            </a:r>
+            <a:r>
+              <a:rPr lang="en-US" sz="1500" b="1" dirty="0" err="1">
+                <a:latin typeface="Courier New" panose="02070309020205020404" pitchFamily="49" charset="0"/>
+                <a:cs typeface="Courier New" panose="02070309020205020404" pitchFamily="49" charset="0"/>
+              </a:rPr>
+              <a:t>ntasks</a:t>
+            </a:r>
+            <a:r>
+              <a:rPr lang="en-US" sz="1500" b="1" dirty="0">
+                <a:latin typeface="Courier New" panose="02070309020205020404" pitchFamily="49" charset="0"/>
+                <a:cs typeface="Courier New" panose="02070309020205020404" pitchFamily="49" charset="0"/>
+              </a:rPr>
+              <a:t>-per-node=1 </a:t>
+            </a:r>
+            <a:r>
+              <a:rPr lang="en-US" sz="1500" dirty="0">
+                <a:latin typeface="Courier New" panose="02070309020205020404" pitchFamily="49" charset="0"/>
+                <a:cs typeface="Courier New" panose="02070309020205020404" pitchFamily="49" charset="0"/>
+              </a:rPr>
+              <a:t>--wait=0 </a:t>
+            </a:r>
+            <a:r>
+              <a:rPr lang="en-US" sz="1500" b="1" dirty="0">
+                <a:latin typeface="Courier New" panose="02070309020205020404" pitchFamily="49" charset="0"/>
+                <a:cs typeface="Courier New" panose="02070309020205020404" pitchFamily="49" charset="0"/>
+              </a:rPr>
+              <a:t>./</a:t>
+            </a:r>
+            <a:r>
+              <a:rPr lang="en-US" sz="1500" b="1" dirty="0" err="1">
+                <a:latin typeface="Courier New" panose="02070309020205020404" pitchFamily="49" charset="0"/>
+                <a:cs typeface="Courier New" panose="02070309020205020404" pitchFamily="49" charset="0"/>
+              </a:rPr>
+              <a:t>driver.sh</a:t>
+            </a:r>
+            <a:r>
+              <a:rPr lang="en-US" sz="1500" b="1" dirty="0">
+                <a:latin typeface="Courier New" panose="02070309020205020404" pitchFamily="49" charset="0"/>
+                <a:cs typeface="Courier New" panose="02070309020205020404" pitchFamily="49" charset="0"/>
+              </a:rPr>
+              <a:t> ./</a:t>
+            </a:r>
+            <a:r>
+              <a:rPr lang="en-US" sz="1500" b="1" dirty="0" err="1">
+                <a:latin typeface="Courier New" panose="02070309020205020404" pitchFamily="49" charset="0"/>
+                <a:cs typeface="Courier New" panose="02070309020205020404" pitchFamily="49" charset="0"/>
+              </a:rPr>
+              <a:t>inputs.txt</a:t>
+            </a:r>
+            <a:r>
+              <a:rPr lang="en-US" sz="1500" b="1" dirty="0">
                 <a:latin typeface="Courier New" panose="02070309020205020404" pitchFamily="49" charset="0"/>
                 <a:cs typeface="Courier New" panose="02070309020205020404" pitchFamily="49" charset="0"/>
               </a:rPr>
               <a:t> </a:t>
             </a:r>
             <a:r>
-              <a:rPr lang="en-US" sz="1875" dirty="0">
-                <a:solidFill>
-                  <a:srgbClr val="CEC7C1"/>
-                </a:solidFill>
-                <a:latin typeface="Courier New" panose="02070309020205020404" pitchFamily="49" charset="0"/>
-                <a:cs typeface="Courier New" panose="02070309020205020404" pitchFamily="49" charset="0"/>
-              </a:rPr>
-              <a:t>\</a:t>
-            </a:r>
-            <a:r>
-              <a:rPr lang="en-US" sz="1875" dirty="0">
-                <a:latin typeface="Courier New" panose="02070309020205020404" pitchFamily="49" charset="0"/>
-                <a:cs typeface="Courier New" panose="02070309020205020404" pitchFamily="49" charset="0"/>
-              </a:rPr>
-              <a:t>                      #1 pipe the inputs to awk</a:t>
-            </a:r>
-          </a:p>
-          <a:p>
-            <a:pPr marL="0" indent="0">
-              <a:buNone/>
-            </a:pPr>
-            <a:r>
-              <a:rPr lang="en-US" sz="1875" b="1" dirty="0">
-                <a:latin typeface="Courier New" panose="02070309020205020404" pitchFamily="49" charset="0"/>
-                <a:cs typeface="Courier New" panose="02070309020205020404" pitchFamily="49" charset="0"/>
-              </a:rPr>
-              <a:t>awk</a:t>
-            </a:r>
-            <a:r>
-              <a:rPr lang="en-US" sz="1875" dirty="0">
-                <a:latin typeface="Courier New" panose="02070309020205020404" pitchFamily="49" charset="0"/>
-                <a:cs typeface="Courier New" panose="02070309020205020404" pitchFamily="49" charset="0"/>
-              </a:rPr>
-              <a:t> -v NNODE="$SLURM_NNODES" </a:t>
-            </a:r>
-            <a:r>
-              <a:rPr lang="en-US" sz="1875" dirty="0">
-                <a:solidFill>
-                  <a:srgbClr val="CEC7C1"/>
-                </a:solidFill>
-                <a:latin typeface="Courier New" panose="02070309020205020404" pitchFamily="49" charset="0"/>
-                <a:cs typeface="Courier New" panose="02070309020205020404" pitchFamily="49" charset="0"/>
-              </a:rPr>
-              <a:t>\</a:t>
-            </a:r>
-            <a:r>
-              <a:rPr lang="en-US" sz="1875" dirty="0">
-                <a:latin typeface="Courier New" panose="02070309020205020404" pitchFamily="49" charset="0"/>
-                <a:cs typeface="Courier New" panose="02070309020205020404" pitchFamily="49" charset="0"/>
-              </a:rPr>
-              <a:t>  #2 env var to awk var</a:t>
-            </a:r>
-          </a:p>
-          <a:p>
-            <a:pPr marL="0" indent="0">
-              <a:buNone/>
-            </a:pPr>
-            <a:r>
-              <a:rPr lang="en-US" sz="1875" dirty="0">
-                <a:latin typeface="Courier New" panose="02070309020205020404" pitchFamily="49" charset="0"/>
-                <a:cs typeface="Courier New" panose="02070309020205020404" pitchFamily="49" charset="0"/>
-              </a:rPr>
-              <a:t>    -v NODEID="$SLURM_NODEID" </a:t>
-            </a:r>
-            <a:r>
-              <a:rPr lang="en-US" sz="1875" dirty="0">
-                <a:solidFill>
-                  <a:srgbClr val="CEC7C1"/>
-                </a:solidFill>
-                <a:latin typeface="Courier New" panose="02070309020205020404" pitchFamily="49" charset="0"/>
-                <a:cs typeface="Courier New" panose="02070309020205020404" pitchFamily="49" charset="0"/>
-              </a:rPr>
-              <a:t>\ </a:t>
-            </a:r>
-            <a:r>
-              <a:rPr lang="en-US" sz="1875" dirty="0">
-                <a:latin typeface="Courier New" panose="02070309020205020404" pitchFamily="49" charset="0"/>
-                <a:cs typeface="Courier New" panose="02070309020205020404" pitchFamily="49" charset="0"/>
-              </a:rPr>
-              <a:t>#3 env var to awk var</a:t>
-            </a:r>
-          </a:p>
-          <a:p>
-            <a:pPr marL="0" indent="0">
-              <a:buNone/>
-            </a:pPr>
-            <a:r>
-              <a:rPr lang="en-US" sz="1875" b="1" dirty="0">
-                <a:latin typeface="Courier New" panose="02070309020205020404" pitchFamily="49" charset="0"/>
-                <a:cs typeface="Courier New" panose="02070309020205020404" pitchFamily="49" charset="0"/>
-              </a:rPr>
-              <a:t>    'NR % NNODE == NODEID' |</a:t>
-            </a:r>
-            <a:r>
-              <a:rPr lang="en-US" sz="1875" dirty="0">
-                <a:latin typeface="Courier New" panose="02070309020205020404" pitchFamily="49" charset="0"/>
-                <a:cs typeface="Courier New" panose="02070309020205020404" pitchFamily="49" charset="0"/>
-              </a:rPr>
-              <a:t> </a:t>
-            </a:r>
-            <a:r>
-              <a:rPr lang="en-US" sz="1875" dirty="0">
-                <a:solidFill>
-                  <a:srgbClr val="CEC7C1"/>
-                </a:solidFill>
-                <a:latin typeface="Courier New" panose="02070309020205020404" pitchFamily="49" charset="0"/>
-                <a:cs typeface="Courier New" panose="02070309020205020404" pitchFamily="49" charset="0"/>
-              </a:rPr>
-              <a:t>\</a:t>
-            </a:r>
-            <a:r>
-              <a:rPr lang="en-US" sz="1875" dirty="0">
-                <a:latin typeface="Courier New" panose="02070309020205020404" pitchFamily="49" charset="0"/>
-                <a:cs typeface="Courier New" panose="02070309020205020404" pitchFamily="49" charset="0"/>
-              </a:rPr>
-              <a:t>  #4 cur line pass if true</a:t>
-            </a:r>
-          </a:p>
-          <a:p>
-            <a:pPr marL="0" indent="0">
-              <a:buNone/>
-            </a:pPr>
-            <a:r>
-              <a:rPr lang="en-US" sz="1875" dirty="0">
-                <a:latin typeface="Courier New" panose="02070309020205020404" pitchFamily="49" charset="0"/>
-                <a:cs typeface="Courier New" panose="02070309020205020404" pitchFamily="49" charset="0"/>
-              </a:rPr>
-              <a:t>parallel -j128 ./</a:t>
-            </a:r>
-            <a:r>
-              <a:rPr lang="en-US" sz="1875" dirty="0" err="1">
-                <a:latin typeface="Courier New" panose="02070309020205020404" pitchFamily="49" charset="0"/>
-                <a:cs typeface="Courier New" panose="02070309020205020404" pitchFamily="49" charset="0"/>
-              </a:rPr>
-              <a:t>payload.sh</a:t>
-            </a:r>
-            <a:r>
-              <a:rPr lang="en-US" sz="1875" dirty="0">
-                <a:latin typeface="Courier New" panose="02070309020205020404" pitchFamily="49" charset="0"/>
-                <a:cs typeface="Courier New" panose="02070309020205020404" pitchFamily="49" charset="0"/>
-              </a:rPr>
-              <a:t> {}  #5 128 </a:t>
-            </a:r>
-            <a:r>
-              <a:rPr lang="en-US" sz="1875" dirty="0" err="1">
-                <a:latin typeface="Courier New" panose="02070309020205020404" pitchFamily="49" charset="0"/>
-                <a:cs typeface="Courier New" panose="02070309020205020404" pitchFamily="49" charset="0"/>
-              </a:rPr>
-              <a:t>payload.sh</a:t>
-            </a:r>
-            <a:r>
-              <a:rPr lang="en-US" sz="1875" dirty="0">
-                <a:latin typeface="Courier New" panose="02070309020205020404" pitchFamily="49" charset="0"/>
-                <a:cs typeface="Courier New" panose="02070309020205020404" pitchFamily="49" charset="0"/>
-              </a:rPr>
-              <a:t> in </a:t>
-            </a:r>
-            <a:r>
-              <a:rPr lang="en-US" sz="1875" b="1" dirty="0">
-                <a:latin typeface="Courier New" panose="02070309020205020404" pitchFamily="49" charset="0"/>
-                <a:cs typeface="Courier New" panose="02070309020205020404" pitchFamily="49" charset="0"/>
-              </a:rPr>
-              <a:t>||</a:t>
-            </a:r>
-          </a:p>
-        </p:txBody>
-      </p:sp>
-      <p:sp>
-        <p:nvSpPr>
-          <p:cNvPr id="4" name="TextBox 3">
-            <a:extLst>
-              <a:ext uri="{FF2B5EF4-FFF2-40B4-BE49-F238E27FC236}">
-                <a16:creationId xmlns:a16="http://schemas.microsoft.com/office/drawing/2014/main" id="{351AA0F8-22A6-F5D2-AFDC-41FAB846D8B4}"/>
-              </a:ext>
-            </a:extLst>
-          </p:cNvPr>
-          <p:cNvSpPr txBox="1"/>
-          <p:nvPr/>
-        </p:nvSpPr>
-        <p:spPr>
-          <a:xfrm>
-            <a:off x="386048" y="817298"/>
-            <a:ext cx="2824812" cy="471476"/>
-          </a:xfrm>
-          <a:prstGeom prst="rect">
-            <a:avLst/>
-          </a:prstGeom>
-          <a:noFill/>
-        </p:spPr>
-        <p:txBody>
-          <a:bodyPr wrap="none" rtlCol="0">
-            <a:spAutoFit/>
-          </a:bodyPr>
-          <a:lstStyle/>
-          <a:p>
-            <a:pPr algn="l">
-              <a:lnSpc>
-                <a:spcPct val="90000"/>
-              </a:lnSpc>
-            </a:pPr>
-            <a:r>
-              <a:rPr lang="en-US" sz="1350" dirty="0"/>
-              <a:t>Invoked as ./</a:t>
-            </a:r>
-            <a:r>
-              <a:rPr lang="en-US" sz="1350" dirty="0" err="1"/>
-              <a:t>driver.sh</a:t>
-            </a:r>
-            <a:r>
-              <a:rPr lang="en-US" sz="1350" dirty="0"/>
-              <a:t> </a:t>
-            </a:r>
-            <a:r>
-              <a:rPr lang="en-US" sz="1350" dirty="0" err="1"/>
-              <a:t>input.txt</a:t>
-            </a:r>
-            <a:br>
-              <a:rPr lang="en-US" sz="1350" dirty="0"/>
-            </a:br>
-            <a:r>
-              <a:rPr lang="en-US" sz="1350" dirty="0" err="1"/>
-              <a:t>input.txt</a:t>
-            </a:r>
-            <a:r>
-              <a:rPr lang="en-US" sz="1350" dirty="0"/>
-              <a:t> has </a:t>
-            </a:r>
-            <a:r>
-              <a:rPr lang="en-US" sz="1350" b="1" dirty="0">
-                <a:latin typeface="Courier New" panose="02070309020205020404" pitchFamily="49" charset="0"/>
-                <a:cs typeface="Courier New" panose="02070309020205020404" pitchFamily="49" charset="0"/>
-              </a:rPr>
-              <a:t>(nodes X 128)</a:t>
-            </a:r>
-            <a:r>
-              <a:rPr lang="en-US" sz="1350" dirty="0"/>
-              <a:t> lines</a:t>
-            </a:r>
+              <a:rPr lang="en-US" sz="1500" dirty="0">
+                <a:latin typeface="Courier New" panose="02070309020205020404" pitchFamily="49" charset="0"/>
+                <a:cs typeface="Courier New" panose="02070309020205020404" pitchFamily="49" charset="0"/>
+              </a:rPr>
+              <a:t>&gt; /</a:t>
+            </a:r>
+            <a:r>
+              <a:rPr lang="en-US" sz="1500" dirty="0" err="1">
+                <a:latin typeface="Courier New" panose="02070309020205020404" pitchFamily="49" charset="0"/>
+                <a:cs typeface="Courier New" panose="02070309020205020404" pitchFamily="49" charset="0"/>
+              </a:rPr>
+              <a:t>lustre</a:t>
+            </a:r>
+            <a:r>
+              <a:rPr lang="en-US" sz="1500" dirty="0">
+                <a:latin typeface="Courier New" panose="02070309020205020404" pitchFamily="49" charset="0"/>
+                <a:cs typeface="Courier New" panose="02070309020205020404" pitchFamily="49" charset="0"/>
+              </a:rPr>
+              <a:t>/</a:t>
+            </a:r>
+            <a:r>
+              <a:rPr lang="en-US" sz="1500" dirty="0" err="1">
+                <a:latin typeface="Courier New" panose="02070309020205020404" pitchFamily="49" charset="0"/>
+                <a:cs typeface="Courier New" panose="02070309020205020404" pitchFamily="49" charset="0"/>
+              </a:rPr>
+              <a:t>orion</a:t>
+            </a:r>
+            <a:r>
+              <a:rPr lang="en-US" sz="1500" dirty="0">
+                <a:latin typeface="Courier New" panose="02070309020205020404" pitchFamily="49" charset="0"/>
+                <a:cs typeface="Courier New" panose="02070309020205020404" pitchFamily="49" charset="0"/>
+              </a:rPr>
+              <a:t>/scratch/</a:t>
+            </a:r>
+            <a:r>
+              <a:rPr lang="en-US" sz="1500" dirty="0" err="1">
+                <a:latin typeface="Courier New" panose="02070309020205020404" pitchFamily="49" charset="0"/>
+                <a:cs typeface="Courier New" panose="02070309020205020404" pitchFamily="49" charset="0"/>
+              </a:rPr>
+              <a:t>ketan</a:t>
+            </a:r>
+            <a:r>
+              <a:rPr lang="en-US" sz="1500" dirty="0">
+                <a:latin typeface="Courier New" panose="02070309020205020404" pitchFamily="49" charset="0"/>
+                <a:cs typeface="Courier New" panose="02070309020205020404" pitchFamily="49" charset="0"/>
+              </a:rPr>
+              <a:t>/</a:t>
+            </a:r>
+            <a:r>
+              <a:rPr lang="en-US" sz="1500" dirty="0" err="1">
+                <a:latin typeface="Courier New" panose="02070309020205020404" pitchFamily="49" charset="0"/>
+                <a:cs typeface="Courier New" panose="02070309020205020404" pitchFamily="49" charset="0"/>
+              </a:rPr>
+              <a:t>out.txt</a:t>
+            </a:r>
+            <a:endParaRPr lang="en-US" sz="1500" dirty="0">
+              <a:latin typeface="Courier New" panose="02070309020205020404" pitchFamily="49" charset="0"/>
+              <a:cs typeface="Courier New" panose="02070309020205020404" pitchFamily="49" charset="0"/>
+            </a:endParaRPr>
           </a:p>
         </p:txBody>
       </p:sp>
     </p:spTree>
     <p:extLst>
       <p:ext uri="{BB962C8B-B14F-4D97-AF65-F5344CB8AC3E}">
-        <p14:creationId xmlns:p14="http://schemas.microsoft.com/office/powerpoint/2010/main" val="3420599254"/>
+        <p14:creationId xmlns:p14="http://schemas.microsoft.com/office/powerpoint/2010/main" val="1206410230"/>
       </p:ext>
     </p:extLst>
   </p:cSld>
@@ -21112,7 +21149,7 @@
           <p:cNvPr id="2" name="Title 1">
             <a:extLst>
               <a:ext uri="{FF2B5EF4-FFF2-40B4-BE49-F238E27FC236}">
-                <a16:creationId xmlns:a16="http://schemas.microsoft.com/office/drawing/2014/main" id="{70ACAC73-4F6F-28E1-0839-A4BD55E1693D}"/>
+                <a16:creationId xmlns:a16="http://schemas.microsoft.com/office/drawing/2014/main" id="{308ACA43-7398-E944-A853-DBF0A1D44CF0}"/>
               </a:ext>
             </a:extLst>
           </p:cNvPr>
@@ -21135,7 +21172,7 @@
               <a:rPr lang="en-US" dirty="0">
                 <a:latin typeface="National Park " pitchFamily="2" charset="77"/>
               </a:rPr>
-              <a:t>Payload</a:t>
+              <a:t>Driver</a:t>
             </a:r>
           </a:p>
         </p:txBody>
@@ -21145,7 +21182,7 @@
           <p:cNvPr id="3" name="Content Placeholder 2">
             <a:extLst>
               <a:ext uri="{FF2B5EF4-FFF2-40B4-BE49-F238E27FC236}">
-                <a16:creationId xmlns:a16="http://schemas.microsoft.com/office/drawing/2014/main" id="{0C9E6129-9711-C45F-E2FA-1D31BA44CB00}"/>
+                <a16:creationId xmlns:a16="http://schemas.microsoft.com/office/drawing/2014/main" id="{98DD7638-A3F8-D937-2564-3DBE044347D8}"/>
               </a:ext>
             </a:extLst>
           </p:cNvPr>
@@ -21156,7 +21193,17 @@
             <p:ph idx="1"/>
           </p:nvPr>
         </p:nvSpPr>
-        <p:spPr/>
+        <p:spPr>
+          <a:xfrm>
+            <a:off x="386048" y="1447470"/>
+            <a:ext cx="8558784" cy="2524455"/>
+          </a:xfrm>
+          <a:ln>
+            <a:solidFill>
+              <a:schemeClr val="accent1"/>
+            </a:solidFill>
+          </a:ln>
+        </p:spPr>
         <p:txBody>
           <a:bodyPr/>
           <a:lstStyle/>
@@ -21165,33 +21212,78 @@
               <a:buNone/>
             </a:pPr>
             <a:r>
-              <a:rPr lang="en-US" sz="1800" dirty="0">
-                <a:latin typeface="Courier New" panose="02070309020205020404" pitchFamily="49" charset="0"/>
-                <a:cs typeface="Courier New" panose="02070309020205020404" pitchFamily="49" charset="0"/>
-              </a:rPr>
-              <a:t>#!/bin/bash</a:t>
-            </a:r>
-            <a:br>
-              <a:rPr lang="en-US" sz="1800" dirty="0">
-                <a:latin typeface="Courier New" panose="02070309020205020404" pitchFamily="49" charset="0"/>
-                <a:cs typeface="Courier New" panose="02070309020205020404" pitchFamily="49" charset="0"/>
-              </a:rPr>
-            </a:br>
-            <a:endParaRPr lang="en-US" sz="1800" dirty="0">
-              <a:latin typeface="Courier New" panose="02070309020205020404" pitchFamily="49" charset="0"/>
-              <a:cs typeface="Courier New" panose="02070309020205020404" pitchFamily="49" charset="0"/>
-            </a:endParaRPr>
+              <a:rPr lang="en-US" sz="1875" dirty="0">
+                <a:latin typeface="Courier New" panose="02070309020205020404" pitchFamily="49" charset="0"/>
+                <a:cs typeface="Courier New" panose="02070309020205020404" pitchFamily="49" charset="0"/>
+              </a:rPr>
+              <a:t>cat $1 </a:t>
+            </a:r>
+            <a:r>
+              <a:rPr lang="en-US" sz="1875" b="1" dirty="0">
+                <a:latin typeface="Courier New" panose="02070309020205020404" pitchFamily="49" charset="0"/>
+                <a:cs typeface="Courier New" panose="02070309020205020404" pitchFamily="49" charset="0"/>
+              </a:rPr>
+              <a:t>|</a:t>
+            </a:r>
+            <a:r>
+              <a:rPr lang="en-US" sz="1875" dirty="0">
+                <a:latin typeface="Courier New" panose="02070309020205020404" pitchFamily="49" charset="0"/>
+                <a:cs typeface="Courier New" panose="02070309020205020404" pitchFamily="49" charset="0"/>
+              </a:rPr>
+              <a:t> </a:t>
+            </a:r>
+            <a:r>
+              <a:rPr lang="en-US" sz="1875" dirty="0">
+                <a:solidFill>
+                  <a:srgbClr val="CEC7C1"/>
+                </a:solidFill>
+                <a:latin typeface="Courier New" panose="02070309020205020404" pitchFamily="49" charset="0"/>
+                <a:cs typeface="Courier New" panose="02070309020205020404" pitchFamily="49" charset="0"/>
+              </a:rPr>
+              <a:t>\</a:t>
+            </a:r>
+            <a:r>
+              <a:rPr lang="en-US" sz="1875" dirty="0">
+                <a:latin typeface="Courier New" panose="02070309020205020404" pitchFamily="49" charset="0"/>
+                <a:cs typeface="Courier New" panose="02070309020205020404" pitchFamily="49" charset="0"/>
+              </a:rPr>
+              <a:t>                      #1 pipe the inputs to awk</a:t>
+            </a:r>
           </a:p>
           <a:p>
             <a:pPr marL="0" indent="0">
               <a:buNone/>
             </a:pPr>
             <a:r>
-              <a:rPr lang="en-US" sz="1800" dirty="0">
-                <a:latin typeface="Courier New" panose="02070309020205020404" pitchFamily="49" charset="0"/>
-                <a:cs typeface="Courier New" panose="02070309020205020404" pitchFamily="49" charset="0"/>
-              </a:rPr>
-              <a:t>H="$(hostname)"</a:t>
+              <a:rPr lang="en-US" sz="1875" b="1" dirty="0">
+                <a:latin typeface="Courier New" panose="02070309020205020404" pitchFamily="49" charset="0"/>
+                <a:cs typeface="Courier New" panose="02070309020205020404" pitchFamily="49" charset="0"/>
+              </a:rPr>
+              <a:t>awk</a:t>
+            </a:r>
+            <a:r>
+              <a:rPr lang="en-US" sz="1875" dirty="0">
+                <a:latin typeface="Courier New" panose="02070309020205020404" pitchFamily="49" charset="0"/>
+                <a:cs typeface="Courier New" panose="02070309020205020404" pitchFamily="49" charset="0"/>
+              </a:rPr>
+              <a:t> -v NNODE="$SLURM_NNODES" </a:t>
+            </a:r>
+            <a:r>
+              <a:rPr lang="en-US" sz="1875" dirty="0">
+                <a:solidFill>
+                  <a:srgbClr val="CEC7C1"/>
+                </a:solidFill>
+                <a:latin typeface="Courier New" panose="02070309020205020404" pitchFamily="49" charset="0"/>
+                <a:cs typeface="Courier New" panose="02070309020205020404" pitchFamily="49" charset="0"/>
+              </a:rPr>
+              <a:t>\</a:t>
+            </a:r>
+            <a:r>
+              <a:rPr lang="en-US" sz="1875" dirty="0">
+                <a:latin typeface="Courier New" panose="02070309020205020404" pitchFamily="49" charset="0"/>
+                <a:cs typeface="Courier New" panose="02070309020205020404" pitchFamily="49" charset="0"/>
+              </a:rPr>
+              <a:t>  #2 env var to awk var</a:t>
             </a:r>
           </a:p>
           <a:p>
@@ -21199,28 +21291,193 @@
               <a:buNone/>
             </a:pPr>
             <a:r>
-              <a:rPr lang="en-US" sz="1800" dirty="0">
-                <a:latin typeface="Courier New" panose="02070309020205020404" pitchFamily="49" charset="0"/>
-                <a:cs typeface="Courier New" panose="02070309020205020404" pitchFamily="49" charset="0"/>
-              </a:rPr>
-              <a:t>echo "Arg is $1, Ran on node $H at $(date +%s)"</a:t>
+              <a:rPr lang="en-US" sz="1875" dirty="0">
+                <a:latin typeface="Courier New" panose="02070309020205020404" pitchFamily="49" charset="0"/>
+                <a:cs typeface="Courier New" panose="02070309020205020404" pitchFamily="49" charset="0"/>
+              </a:rPr>
+              <a:t>    -v NODEID="$SLURM_NODEID" </a:t>
+            </a:r>
+            <a:r>
+              <a:rPr lang="en-US" sz="1875" dirty="0">
+                <a:solidFill>
+                  <a:srgbClr val="CEC7C1"/>
+                </a:solidFill>
+                <a:latin typeface="Courier New" panose="02070309020205020404" pitchFamily="49" charset="0"/>
+                <a:cs typeface="Courier New" panose="02070309020205020404" pitchFamily="49" charset="0"/>
+              </a:rPr>
+              <a:t>\ </a:t>
+            </a:r>
+            <a:r>
+              <a:rPr lang="en-US" sz="1875" dirty="0">
+                <a:latin typeface="Courier New" panose="02070309020205020404" pitchFamily="49" charset="0"/>
+                <a:cs typeface="Courier New" panose="02070309020205020404" pitchFamily="49" charset="0"/>
+              </a:rPr>
+              <a:t>#3 env var to awk var</a:t>
             </a:r>
           </a:p>
           <a:p>
             <a:pPr marL="0" indent="0">
               <a:buNone/>
             </a:pPr>
-            <a:endParaRPr lang="en-US" sz="1800" dirty="0">
-              <a:latin typeface="Courier New" panose="02070309020205020404" pitchFamily="49" charset="0"/>
-              <a:cs typeface="Courier New" panose="02070309020205020404" pitchFamily="49" charset="0"/>
-            </a:endParaRPr>
+            <a:r>
+              <a:rPr lang="en-US" sz="1875" b="1" dirty="0">
+                <a:latin typeface="Courier New" panose="02070309020205020404" pitchFamily="49" charset="0"/>
+                <a:cs typeface="Courier New" panose="02070309020205020404" pitchFamily="49" charset="0"/>
+              </a:rPr>
+              <a:t>    'NR % NNODE == NODEID' |</a:t>
+            </a:r>
+            <a:r>
+              <a:rPr lang="en-US" sz="1875" dirty="0">
+                <a:latin typeface="Courier New" panose="02070309020205020404" pitchFamily="49" charset="0"/>
+                <a:cs typeface="Courier New" panose="02070309020205020404" pitchFamily="49" charset="0"/>
+              </a:rPr>
+              <a:t> </a:t>
+            </a:r>
+            <a:r>
+              <a:rPr lang="en-US" sz="1875" dirty="0">
+                <a:solidFill>
+                  <a:srgbClr val="CEC7C1"/>
+                </a:solidFill>
+                <a:latin typeface="Courier New" panose="02070309020205020404" pitchFamily="49" charset="0"/>
+                <a:cs typeface="Courier New" panose="02070309020205020404" pitchFamily="49" charset="0"/>
+              </a:rPr>
+              <a:t>\</a:t>
+            </a:r>
+            <a:r>
+              <a:rPr lang="en-US" sz="1875" dirty="0">
+                <a:latin typeface="Courier New" panose="02070309020205020404" pitchFamily="49" charset="0"/>
+                <a:cs typeface="Courier New" panose="02070309020205020404" pitchFamily="49" charset="0"/>
+              </a:rPr>
+              <a:t>  #4 cur line pass if true</a:t>
+            </a:r>
+          </a:p>
+          <a:p>
+            <a:pPr marL="0" indent="0">
+              <a:buNone/>
+            </a:pPr>
+            <a:r>
+              <a:rPr lang="en-US" sz="1875" dirty="0">
+                <a:latin typeface="Courier New" panose="02070309020205020404" pitchFamily="49" charset="0"/>
+                <a:cs typeface="Courier New" panose="02070309020205020404" pitchFamily="49" charset="0"/>
+              </a:rPr>
+              <a:t>parallel -j128 ./</a:t>
+            </a:r>
+            <a:r>
+              <a:rPr lang="en-US" sz="1875" dirty="0" err="1">
+                <a:latin typeface="Courier New" panose="02070309020205020404" pitchFamily="49" charset="0"/>
+                <a:cs typeface="Courier New" panose="02070309020205020404" pitchFamily="49" charset="0"/>
+              </a:rPr>
+              <a:t>payload.sh</a:t>
+            </a:r>
+            <a:r>
+              <a:rPr lang="en-US" sz="1875" dirty="0">
+                <a:latin typeface="Courier New" panose="02070309020205020404" pitchFamily="49" charset="0"/>
+                <a:cs typeface="Courier New" panose="02070309020205020404" pitchFamily="49" charset="0"/>
+              </a:rPr>
+              <a:t> {}  #5 128 </a:t>
+            </a:r>
+            <a:r>
+              <a:rPr lang="en-US" sz="1875" dirty="0" err="1">
+                <a:latin typeface="Courier New" panose="02070309020205020404" pitchFamily="49" charset="0"/>
+                <a:cs typeface="Courier New" panose="02070309020205020404" pitchFamily="49" charset="0"/>
+              </a:rPr>
+              <a:t>payload.sh</a:t>
+            </a:r>
+            <a:r>
+              <a:rPr lang="en-US" sz="1875" dirty="0">
+                <a:latin typeface="Courier New" panose="02070309020205020404" pitchFamily="49" charset="0"/>
+                <a:cs typeface="Courier New" panose="02070309020205020404" pitchFamily="49" charset="0"/>
+              </a:rPr>
+              <a:t> in </a:t>
+            </a:r>
+            <a:r>
+              <a:rPr lang="en-US" sz="1875" b="1" dirty="0">
+                <a:latin typeface="Courier New" panose="02070309020205020404" pitchFamily="49" charset="0"/>
+                <a:cs typeface="Courier New" panose="02070309020205020404" pitchFamily="49" charset="0"/>
+              </a:rPr>
+              <a:t>||</a:t>
+            </a:r>
+          </a:p>
+        </p:txBody>
+      </p:sp>
+      <p:sp>
+        <p:nvSpPr>
+          <p:cNvPr id="4" name="TextBox 3">
+            <a:extLst>
+              <a:ext uri="{FF2B5EF4-FFF2-40B4-BE49-F238E27FC236}">
+                <a16:creationId xmlns:a16="http://schemas.microsoft.com/office/drawing/2014/main" id="{351AA0F8-22A6-F5D2-AFDC-41FAB846D8B4}"/>
+              </a:ext>
+            </a:extLst>
+          </p:cNvPr>
+          <p:cNvSpPr txBox="1"/>
+          <p:nvPr/>
+        </p:nvSpPr>
+        <p:spPr>
+          <a:xfrm>
+            <a:off x="386048" y="817298"/>
+            <a:ext cx="2824812" cy="471476"/>
+          </a:xfrm>
+          <a:prstGeom prst="rect">
+            <a:avLst/>
+          </a:prstGeom>
+          <a:noFill/>
+        </p:spPr>
+        <p:txBody>
+          <a:bodyPr wrap="none" rtlCol="0">
+            <a:spAutoFit/>
+          </a:bodyPr>
+          <a:lstStyle/>
+          <a:p>
+            <a:pPr algn="l">
+              <a:lnSpc>
+                <a:spcPct val="90000"/>
+              </a:lnSpc>
+            </a:pPr>
+            <a:r>
+              <a:rPr lang="en-US" sz="1350" dirty="0"/>
+              <a:t>Invoked as ./</a:t>
+            </a:r>
+            <a:r>
+              <a:rPr lang="en-US" sz="1350" dirty="0" err="1"/>
+              <a:t>driver.sh</a:t>
+            </a:r>
+            <a:r>
+              <a:rPr lang="en-US" sz="1350" dirty="0"/>
+              <a:t> </a:t>
+            </a:r>
+            <a:r>
+              <a:rPr lang="en-US" sz="1350" dirty="0" err="1"/>
+              <a:t>input.txt</a:t>
+            </a:r>
+            <a:br>
+              <a:rPr lang="en-US" sz="1350" dirty="0"/>
+            </a:br>
+            <a:r>
+              <a:rPr lang="en-US" sz="1350" dirty="0" err="1"/>
+              <a:t>input.txt</a:t>
+            </a:r>
+            <a:r>
+              <a:rPr lang="en-US" sz="1350" dirty="0"/>
+              <a:t> has </a:t>
+            </a:r>
+            <a:r>
+              <a:rPr lang="en-US" sz="1350" b="1" dirty="0">
+                <a:latin typeface="Courier New" panose="02070309020205020404" pitchFamily="49" charset="0"/>
+                <a:cs typeface="Courier New" panose="02070309020205020404" pitchFamily="49" charset="0"/>
+              </a:rPr>
+              <a:t>(nodes X 128)</a:t>
+            </a:r>
+            <a:r>
+              <a:rPr lang="en-US" sz="1350" dirty="0"/>
+              <a:t> lines</a:t>
+            </a:r>
           </a:p>
         </p:txBody>
       </p:sp>
     </p:spTree>
     <p:extLst>
       <p:ext uri="{BB962C8B-B14F-4D97-AF65-F5344CB8AC3E}">
-        <p14:creationId xmlns:p14="http://schemas.microsoft.com/office/powerpoint/2010/main" val="1956767833"/>
+        <p14:creationId xmlns:p14="http://schemas.microsoft.com/office/powerpoint/2010/main" val="3420599254"/>
       </p:ext>
     </p:extLst>
   </p:cSld>
@@ -21252,7 +21509,7 @@
           <p:cNvPr id="2" name="Title 1">
             <a:extLst>
               <a:ext uri="{FF2B5EF4-FFF2-40B4-BE49-F238E27FC236}">
-                <a16:creationId xmlns:a16="http://schemas.microsoft.com/office/drawing/2014/main" id="{7C55BD68-1C7A-4F53-C8B9-753495C4E354}"/>
+                <a16:creationId xmlns:a16="http://schemas.microsoft.com/office/drawing/2014/main" id="{70ACAC73-4F6F-28E1-0839-A4BD55E1693D}"/>
               </a:ext>
             </a:extLst>
           </p:cNvPr>
@@ -21263,15 +21520,10 @@
             <p:ph type="title"/>
           </p:nvPr>
         </p:nvSpPr>
-        <p:spPr>
-          <a:xfrm>
-            <a:off x="285750" y="2120776"/>
-            <a:ext cx="8572500" cy="901948"/>
-          </a:xfrm>
-        </p:spPr>
+        <p:spPr/>
         <p:txBody>
           <a:bodyPr>
-            <a:normAutofit/>
+            <a:normAutofit fontScale="90000"/>
           </a:bodyPr>
           <a:lstStyle/>
           <a:p>
@@ -21280,39 +21532,92 @@
               <a:rPr lang="en-US" dirty="0">
                 <a:latin typeface="National Park " pitchFamily="2" charset="77"/>
               </a:rPr>
-              <a:t>Exercise (~10 mins) Create the driver, payload and </a:t>
-            </a:r>
-            <a:r>
-              <a:rPr lang="en-US" dirty="0" err="1">
-                <a:latin typeface="National Park " pitchFamily="2" charset="77"/>
-              </a:rPr>
-              <a:t>slurm</a:t>
-            </a:r>
-            <a:r>
-              <a:rPr lang="en-US" dirty="0">
-                <a:latin typeface="National Park " pitchFamily="2" charset="77"/>
-              </a:rPr>
-              <a:t> scripts for the </a:t>
-            </a:r>
-            <a:r>
-              <a:rPr lang="en-US" dirty="0" err="1">
-                <a:latin typeface="National Park " pitchFamily="2" charset="77"/>
-              </a:rPr>
-              <a:t>fizzbuzz</a:t>
-            </a:r>
-            <a:r>
-              <a:rPr lang="en-US" dirty="0">
-                <a:latin typeface="National Park " pitchFamily="2" charset="77"/>
-              </a:rPr>
-              <a:t> code and run it on a cluster!</a:t>
-            </a:r>
+              <a:t>Payload</a:t>
+            </a:r>
+          </a:p>
+        </p:txBody>
+      </p:sp>
+      <p:sp>
+        <p:nvSpPr>
+          <p:cNvPr id="3" name="Content Placeholder 2">
+            <a:extLst>
+              <a:ext uri="{FF2B5EF4-FFF2-40B4-BE49-F238E27FC236}">
+                <a16:creationId xmlns:a16="http://schemas.microsoft.com/office/drawing/2014/main" id="{0C9E6129-9711-C45F-E2FA-1D31BA44CB00}"/>
+              </a:ext>
+            </a:extLst>
+          </p:cNvPr>
+          <p:cNvSpPr>
+            <a:spLocks noGrp="1"/>
+          </p:cNvSpPr>
+          <p:nvPr>
+            <p:ph idx="1"/>
+          </p:nvPr>
+        </p:nvSpPr>
+        <p:spPr/>
+        <p:txBody>
+          <a:bodyPr/>
+          <a:lstStyle/>
+          <a:p>
+            <a:pPr marL="0" indent="0">
+              <a:buNone/>
+            </a:pPr>
+            <a:r>
+              <a:rPr lang="en-US" sz="1800" dirty="0">
+                <a:latin typeface="Courier New" panose="02070309020205020404" pitchFamily="49" charset="0"/>
+                <a:cs typeface="Courier New" panose="02070309020205020404" pitchFamily="49" charset="0"/>
+              </a:rPr>
+              <a:t>#!/bin/bash</a:t>
+            </a:r>
+            <a:br>
+              <a:rPr lang="en-US" sz="1800" dirty="0">
+                <a:latin typeface="Courier New" panose="02070309020205020404" pitchFamily="49" charset="0"/>
+                <a:cs typeface="Courier New" panose="02070309020205020404" pitchFamily="49" charset="0"/>
+              </a:rPr>
+            </a:br>
+            <a:endParaRPr lang="en-US" sz="1800" dirty="0">
+              <a:latin typeface="Courier New" panose="02070309020205020404" pitchFamily="49" charset="0"/>
+              <a:cs typeface="Courier New" panose="02070309020205020404" pitchFamily="49" charset="0"/>
+            </a:endParaRPr>
+          </a:p>
+          <a:p>
+            <a:pPr marL="0" indent="0">
+              <a:buNone/>
+            </a:pPr>
+            <a:r>
+              <a:rPr lang="en-US" sz="1800" dirty="0">
+                <a:latin typeface="Courier New" panose="02070309020205020404" pitchFamily="49" charset="0"/>
+                <a:cs typeface="Courier New" panose="02070309020205020404" pitchFamily="49" charset="0"/>
+              </a:rPr>
+              <a:t>H="$(hostname)"</a:t>
+            </a:r>
+          </a:p>
+          <a:p>
+            <a:pPr marL="0" indent="0">
+              <a:buNone/>
+            </a:pPr>
+            <a:r>
+              <a:rPr lang="en-US" sz="1800" dirty="0">
+                <a:latin typeface="Courier New" panose="02070309020205020404" pitchFamily="49" charset="0"/>
+                <a:cs typeface="Courier New" panose="02070309020205020404" pitchFamily="49" charset="0"/>
+              </a:rPr>
+              <a:t>echo "Arg is $1, Ran on node $H at $(date +%s)"</a:t>
+            </a:r>
+          </a:p>
+          <a:p>
+            <a:pPr marL="0" indent="0">
+              <a:buNone/>
+            </a:pPr>
+            <a:endParaRPr lang="en-US" sz="1800" dirty="0">
+              <a:latin typeface="Courier New" panose="02070309020205020404" pitchFamily="49" charset="0"/>
+              <a:cs typeface="Courier New" panose="02070309020205020404" pitchFamily="49" charset="0"/>
+            </a:endParaRPr>
           </a:p>
         </p:txBody>
       </p:sp>
     </p:spTree>
     <p:extLst>
       <p:ext uri="{BB962C8B-B14F-4D97-AF65-F5344CB8AC3E}">
-        <p14:creationId xmlns:p14="http://schemas.microsoft.com/office/powerpoint/2010/main" val="1494669724"/>
+        <p14:creationId xmlns:p14="http://schemas.microsoft.com/office/powerpoint/2010/main" val="1956767833"/>
       </p:ext>
     </p:extLst>
   </p:cSld>
@@ -21341,7 +21646,13 @@
       </p:grpSpPr>
       <p:sp>
         <p:nvSpPr>
-          <p:cNvPr id="2" name="Title 1"/>
+          <p:cNvPr id="2" name="Title 1">
+            <a:extLst>
+              <a:ext uri="{FF2B5EF4-FFF2-40B4-BE49-F238E27FC236}">
+                <a16:creationId xmlns:a16="http://schemas.microsoft.com/office/drawing/2014/main" id="{7C55BD68-1C7A-4F53-C8B9-753495C4E354}"/>
+              </a:ext>
+            </a:extLst>
+          </p:cNvPr>
           <p:cNvSpPr>
             <a:spLocks noGrp="1"/>
           </p:cNvSpPr>
@@ -21351,12 +21662,14 @@
         </p:nvSpPr>
         <p:spPr>
           <a:xfrm>
-            <a:off x="628650" y="2074664"/>
-            <a:ext cx="7886700" cy="994172"/>
+            <a:off x="285750" y="2120776"/>
+            <a:ext cx="8572500" cy="901948"/>
           </a:xfrm>
         </p:spPr>
         <p:txBody>
-          <a:bodyPr/>
+          <a:bodyPr>
+            <a:normAutofit/>
+          </a:bodyPr>
           <a:lstStyle/>
           <a:p>
             <a:pPr algn="ctr"/>
@@ -21364,80 +21677,39 @@
               <a:rPr lang="en-US" dirty="0">
                 <a:latin typeface="National Park " pitchFamily="2" charset="77"/>
               </a:rPr>
-              <a:t>Part 6: Asynchronous Workflow Execution</a:t>
-            </a:r>
-            <a:endParaRPr lang="en-US" i="1" dirty="0">
-              <a:latin typeface="National Park Medium" pitchFamily="2" charset="77"/>
-            </a:endParaRPr>
-          </a:p>
-        </p:txBody>
-      </p:sp>
-      <p:sp>
-        <p:nvSpPr>
-          <p:cNvPr id="4" name="Slide Number Placeholder 3"/>
-          <p:cNvSpPr>
-            <a:spLocks noGrp="1"/>
-          </p:cNvSpPr>
-          <p:nvPr>
-            <p:ph type="sldNum" sz="quarter" idx="12"/>
-          </p:nvPr>
-        </p:nvSpPr>
-        <p:spPr/>
-        <p:txBody>
-          <a:bodyPr/>
-          <a:lstStyle/>
-          <a:p>
-            <a:fld id="{4E3AEE2C-3A74-8643-B4A2-442777B583A3}" type="slidenum">
-              <a:rPr lang="en-US" smtClean="0">
+              <a:t>Exercise (~10 mins) Create the driver, payload and </a:t>
+            </a:r>
+            <a:r>
+              <a:rPr lang="en-US" dirty="0" err="1">
                 <a:latin typeface="National Park " pitchFamily="2" charset="77"/>
               </a:rPr>
-              <a:t>57</a:t>
-            </a:fld>
-            <a:endParaRPr lang="en-US">
-              <a:latin typeface="National Park " pitchFamily="2" charset="77"/>
-            </a:endParaRPr>
-          </a:p>
-        </p:txBody>
-      </p:sp>
-      <p:sp>
-        <p:nvSpPr>
-          <p:cNvPr id="5" name="TextBox 4"/>
-          <p:cNvSpPr txBox="1"/>
-          <p:nvPr/>
-        </p:nvSpPr>
-        <p:spPr>
-          <a:xfrm>
-            <a:off x="7603274" y="4490264"/>
-            <a:ext cx="816249" cy="248209"/>
-          </a:xfrm>
-          <a:prstGeom prst="rect">
-            <a:avLst/>
-          </a:prstGeom>
-          <a:noFill/>
-        </p:spPr>
-        <p:txBody>
-          <a:bodyPr wrap="none" rtlCol="0">
-            <a:spAutoFit/>
-          </a:bodyPr>
-          <a:lstStyle/>
-          <a:p>
-            <a:r>
-              <a:rPr lang="en-US" sz="1013" dirty="0">
+              <a:t>slurm</a:t>
+            </a:r>
+            <a:r>
+              <a:rPr lang="en-US" dirty="0">
                 <a:latin typeface="National Park " pitchFamily="2" charset="77"/>
-                <a:hlinkClick r:id="rId2" action="ppaction://hlinksldjump"/>
-              </a:rPr>
-              <a:t>back to toc</a:t>
-            </a:r>
-            <a:endParaRPr lang="en-US" sz="1013" dirty="0">
-              <a:latin typeface="National Park " pitchFamily="2" charset="77"/>
-            </a:endParaRPr>
+              </a:rPr>
+              <a:t> scripts for the </a:t>
+            </a:r>
+            <a:r>
+              <a:rPr lang="en-US" dirty="0" err="1">
+                <a:latin typeface="National Park " pitchFamily="2" charset="77"/>
+              </a:rPr>
+              <a:t>fizzbuzz</a:t>
+            </a:r>
+            <a:r>
+              <a:rPr lang="en-US" dirty="0">
+                <a:latin typeface="National Park " pitchFamily="2" charset="77"/>
+              </a:rPr>
+              <a:t> code and run it on a cluster!</a:t>
+            </a:r>
           </a:p>
         </p:txBody>
       </p:sp>
     </p:spTree>
     <p:extLst>
       <p:ext uri="{BB962C8B-B14F-4D97-AF65-F5344CB8AC3E}">
-        <p14:creationId xmlns:p14="http://schemas.microsoft.com/office/powerpoint/2010/main" val="2129954275"/>
+        <p14:creationId xmlns:p14="http://schemas.microsoft.com/office/powerpoint/2010/main" val="1494669724"/>
       </p:ext>
     </p:extLst>
   </p:cSld>
@@ -21466,6 +21738,131 @@
       </p:grpSpPr>
       <p:sp>
         <p:nvSpPr>
+          <p:cNvPr id="2" name="Title 1"/>
+          <p:cNvSpPr>
+            <a:spLocks noGrp="1"/>
+          </p:cNvSpPr>
+          <p:nvPr>
+            <p:ph type="title"/>
+          </p:nvPr>
+        </p:nvSpPr>
+        <p:spPr>
+          <a:xfrm>
+            <a:off x="628650" y="2074664"/>
+            <a:ext cx="7886700" cy="994172"/>
+          </a:xfrm>
+        </p:spPr>
+        <p:txBody>
+          <a:bodyPr/>
+          <a:lstStyle/>
+          <a:p>
+            <a:pPr algn="ctr"/>
+            <a:r>
+              <a:rPr lang="en-US" dirty="0">
+                <a:latin typeface="National Park " pitchFamily="2" charset="77"/>
+              </a:rPr>
+              <a:t>Part 6: Asynchronous Workflow Execution</a:t>
+            </a:r>
+            <a:endParaRPr lang="en-US" i="1" dirty="0">
+              <a:latin typeface="National Park Medium" pitchFamily="2" charset="77"/>
+            </a:endParaRPr>
+          </a:p>
+        </p:txBody>
+      </p:sp>
+      <p:sp>
+        <p:nvSpPr>
+          <p:cNvPr id="4" name="Slide Number Placeholder 3"/>
+          <p:cNvSpPr>
+            <a:spLocks noGrp="1"/>
+          </p:cNvSpPr>
+          <p:nvPr>
+            <p:ph type="sldNum" sz="quarter" idx="12"/>
+          </p:nvPr>
+        </p:nvSpPr>
+        <p:spPr/>
+        <p:txBody>
+          <a:bodyPr/>
+          <a:lstStyle/>
+          <a:p>
+            <a:fld id="{4E3AEE2C-3A74-8643-B4A2-442777B583A3}" type="slidenum">
+              <a:rPr lang="en-US" smtClean="0">
+                <a:latin typeface="National Park " pitchFamily="2" charset="77"/>
+              </a:rPr>
+              <a:t>58</a:t>
+            </a:fld>
+            <a:endParaRPr lang="en-US">
+              <a:latin typeface="National Park " pitchFamily="2" charset="77"/>
+            </a:endParaRPr>
+          </a:p>
+        </p:txBody>
+      </p:sp>
+      <p:sp>
+        <p:nvSpPr>
+          <p:cNvPr id="5" name="TextBox 4"/>
+          <p:cNvSpPr txBox="1"/>
+          <p:nvPr/>
+        </p:nvSpPr>
+        <p:spPr>
+          <a:xfrm>
+            <a:off x="7603274" y="4490264"/>
+            <a:ext cx="816249" cy="248209"/>
+          </a:xfrm>
+          <a:prstGeom prst="rect">
+            <a:avLst/>
+          </a:prstGeom>
+          <a:noFill/>
+        </p:spPr>
+        <p:txBody>
+          <a:bodyPr wrap="none" rtlCol="0">
+            <a:spAutoFit/>
+          </a:bodyPr>
+          <a:lstStyle/>
+          <a:p>
+            <a:r>
+              <a:rPr lang="en-US" sz="1013" dirty="0">
+                <a:latin typeface="National Park " pitchFamily="2" charset="77"/>
+                <a:hlinkClick r:id="rId2" action="ppaction://hlinksldjump"/>
+              </a:rPr>
+              <a:t>back to toc</a:t>
+            </a:r>
+            <a:endParaRPr lang="en-US" sz="1013" dirty="0">
+              <a:latin typeface="National Park " pitchFamily="2" charset="77"/>
+            </a:endParaRPr>
+          </a:p>
+        </p:txBody>
+      </p:sp>
+    </p:spTree>
+    <p:extLst>
+      <p:ext uri="{BB962C8B-B14F-4D97-AF65-F5344CB8AC3E}">
+        <p14:creationId xmlns:p14="http://schemas.microsoft.com/office/powerpoint/2010/main" val="2129954275"/>
+      </p:ext>
+    </p:extLst>
+  </p:cSld>
+  <p:clrMapOvr>
+    <a:masterClrMapping/>
+  </p:clrMapOvr>
+</p:sld>
+</file>
+
+<file path=ppt/slides/slide59.xml><?xml version="1.0" encoding="utf-8"?>
+<p:sld xmlns:a="http://schemas.openxmlformats.org/drawingml/2006/main" xmlns:r="http://schemas.openxmlformats.org/officeDocument/2006/relationships" xmlns:p="http://schemas.openxmlformats.org/presentationml/2006/main">
+  <p:cSld>
+    <p:spTree>
+      <p:nvGrpSpPr>
+        <p:cNvPr id="1" name=""/>
+        <p:cNvGrpSpPr/>
+        <p:nvPr/>
+      </p:nvGrpSpPr>
+      <p:grpSpPr>
+        <a:xfrm>
+          <a:off x="0" y="0"/>
+          <a:ext cx="0" cy="0"/>
+          <a:chOff x="0" y="0"/>
+          <a:chExt cx="0" cy="0"/>
+        </a:xfrm>
+      </p:grpSpPr>
+      <p:sp>
+        <p:nvSpPr>
           <p:cNvPr id="2" name="Title 1">
             <a:extLst>
               <a:ext uri="{FF2B5EF4-FFF2-40B4-BE49-F238E27FC236}">
@@ -21518,7 +21915,7 @@
           <a:p>
             <a:fld id="{4E3AEE2C-3A74-8643-B4A2-442777B583A3}" type="slidenum">
               <a:rPr lang="en-US" smtClean="0"/>
-              <a:t>58</a:t>
+              <a:t>59</a:t>
             </a:fld>
             <a:endParaRPr lang="en-US"/>
           </a:p>
@@ -22117,7 +22514,7 @@
 </p:sld>
 </file>
 
-<file path=ppt/slides/slide59.xml><?xml version="1.0" encoding="utf-8"?>
+<file path=ppt/slides/slide6.xml><?xml version="1.0" encoding="utf-8"?>
 <p:sld xmlns:a="http://schemas.openxmlformats.org/drawingml/2006/main" xmlns:r="http://schemas.openxmlformats.org/officeDocument/2006/relationships" xmlns:p="http://schemas.openxmlformats.org/presentationml/2006/main">
   <p:cSld>
     <p:spTree>
@@ -22139,6 +22536,206 @@
           <p:cNvPr id="2" name="Title 1">
             <a:extLst>
               <a:ext uri="{FF2B5EF4-FFF2-40B4-BE49-F238E27FC236}">
+                <a16:creationId xmlns:a16="http://schemas.microsoft.com/office/drawing/2014/main" id="{2AE3ADF7-E3CB-584E-AE6C-31C5E12749F5}"/>
+              </a:ext>
+            </a:extLst>
+          </p:cNvPr>
+          <p:cNvSpPr>
+            <a:spLocks noGrp="1"/>
+          </p:cNvSpPr>
+          <p:nvPr>
+            <p:ph type="title"/>
+          </p:nvPr>
+        </p:nvSpPr>
+        <p:spPr/>
+        <p:txBody>
+          <a:bodyPr/>
+          <a:lstStyle/>
+          <a:p>
+            <a:pPr algn="ctr"/>
+            <a:r>
+              <a:rPr lang="en-US" dirty="0">
+                <a:latin typeface="National Park " pitchFamily="2" charset="77"/>
+              </a:rPr>
+              <a:t>About Us </a:t>
+            </a:r>
+            <a:r>
+              <a:rPr lang="en-US" dirty="0">
+                <a:latin typeface="National Park " pitchFamily="2" charset="77"/>
+                <a:sym typeface="Wingdings" pitchFamily="2" charset="2"/>
+              </a:rPr>
+              <a:t></a:t>
+            </a:r>
+            <a:endParaRPr lang="en-US" dirty="0">
+              <a:latin typeface="National Park " pitchFamily="2" charset="77"/>
+            </a:endParaRPr>
+          </a:p>
+        </p:txBody>
+      </p:sp>
+      <p:sp>
+        <p:nvSpPr>
+          <p:cNvPr id="3" name="Content Placeholder 2">
+            <a:extLst>
+              <a:ext uri="{FF2B5EF4-FFF2-40B4-BE49-F238E27FC236}">
+                <a16:creationId xmlns:a16="http://schemas.microsoft.com/office/drawing/2014/main" id="{89195EB6-A32E-594F-99C1-97A46559FD86}"/>
+              </a:ext>
+            </a:extLst>
+          </p:cNvPr>
+          <p:cNvSpPr>
+            <a:spLocks noGrp="1"/>
+          </p:cNvSpPr>
+          <p:nvPr>
+            <p:ph idx="1"/>
+          </p:nvPr>
+        </p:nvSpPr>
+        <p:spPr/>
+        <p:txBody>
+          <a:bodyPr>
+            <a:normAutofit/>
+          </a:bodyPr>
+          <a:lstStyle/>
+          <a:p>
+            <a:r>
+              <a:rPr lang="en-US" dirty="0"/>
+              <a:t>Basic exposure to Linux is assumed but feel free to interrupt and ask questions</a:t>
+            </a:r>
+          </a:p>
+          <a:p>
+            <a:pPr lvl="1"/>
+            <a:r>
+              <a:rPr lang="en-US" dirty="0"/>
+              <a:t>common commands, basic understanding of files and directories, editing.</a:t>
+            </a:r>
+            <a:br>
+              <a:rPr lang="en-US" dirty="0"/>
+            </a:br>
+            <a:r>
+              <a:rPr lang="en-US" dirty="0" err="1"/>
+              <a:t>eg.</a:t>
+            </a:r>
+            <a:r>
+              <a:rPr lang="en-US" dirty="0"/>
+              <a:t> </a:t>
+            </a:r>
+            <a:r>
+              <a:rPr lang="en-US" b="1" dirty="0">
+                <a:cs typeface="Courier New" panose="02070309020205020404" pitchFamily="49" charset="0"/>
+              </a:rPr>
+              <a:t>cd, ls, </a:t>
+            </a:r>
+            <a:r>
+              <a:rPr lang="en-US" b="1" dirty="0" err="1">
+                <a:cs typeface="Courier New" panose="02070309020205020404" pitchFamily="49" charset="0"/>
+              </a:rPr>
+              <a:t>pwd</a:t>
+            </a:r>
+            <a:r>
+              <a:rPr lang="en-US" b="1" dirty="0">
+                <a:cs typeface="Courier New" panose="02070309020205020404" pitchFamily="49" charset="0"/>
+              </a:rPr>
+              <a:t>, cat</a:t>
+            </a:r>
+            <a:r>
+              <a:rPr lang="en-US" dirty="0"/>
+              <a:t> </a:t>
+            </a:r>
+          </a:p>
+          <a:p>
+            <a:pPr marL="0" indent="0">
+              <a:buNone/>
+            </a:pPr>
+            <a:endParaRPr lang="en-US" dirty="0"/>
+          </a:p>
+          <a:p>
+            <a:r>
+              <a:rPr lang="en-US" dirty="0"/>
+              <a:t>About Me</a:t>
+            </a:r>
+          </a:p>
+          <a:p>
+            <a:pPr lvl="1"/>
+            <a:r>
+              <a:rPr lang="en-US" dirty="0"/>
+              <a:t>Sr. Linux Engineer at Oak Ridge National Laboratory</a:t>
+            </a:r>
+          </a:p>
+          <a:p>
+            <a:pPr lvl="1"/>
+            <a:r>
+              <a:rPr lang="en-US" dirty="0"/>
+              <a:t>Command line and Linux terminal enthusiast</a:t>
+            </a:r>
+          </a:p>
+        </p:txBody>
+      </p:sp>
+      <p:sp>
+        <p:nvSpPr>
+          <p:cNvPr id="4" name="Slide Number Placeholder 3">
+            <a:extLst>
+              <a:ext uri="{FF2B5EF4-FFF2-40B4-BE49-F238E27FC236}">
+                <a16:creationId xmlns:a16="http://schemas.microsoft.com/office/drawing/2014/main" id="{65E7057A-B19D-8543-B4B1-080970833CC8}"/>
+              </a:ext>
+            </a:extLst>
+          </p:cNvPr>
+          <p:cNvSpPr>
+            <a:spLocks noGrp="1"/>
+          </p:cNvSpPr>
+          <p:nvPr>
+            <p:ph type="sldNum" sz="quarter" idx="12"/>
+          </p:nvPr>
+        </p:nvSpPr>
+        <p:spPr/>
+        <p:txBody>
+          <a:bodyPr/>
+          <a:lstStyle/>
+          <a:p>
+            <a:fld id="{4E3AEE2C-3A74-8643-B4A2-442777B583A3}" type="slidenum">
+              <a:rPr lang="en-US" smtClean="0">
+                <a:latin typeface="National Park " pitchFamily="2" charset="77"/>
+              </a:rPr>
+              <a:t>6</a:t>
+            </a:fld>
+            <a:endParaRPr lang="en-US">
+              <a:latin typeface="National Park " pitchFamily="2" charset="77"/>
+            </a:endParaRPr>
+          </a:p>
+        </p:txBody>
+      </p:sp>
+    </p:spTree>
+    <p:extLst>
+      <p:ext uri="{BB962C8B-B14F-4D97-AF65-F5344CB8AC3E}">
+        <p14:creationId xmlns:p14="http://schemas.microsoft.com/office/powerpoint/2010/main" val="3950217765"/>
+      </p:ext>
+    </p:extLst>
+  </p:cSld>
+  <p:clrMapOvr>
+    <a:masterClrMapping/>
+  </p:clrMapOvr>
+</p:sld>
+</file>
+
+<file path=ppt/slides/slide60.xml><?xml version="1.0" encoding="utf-8"?>
+<p:sld xmlns:a="http://schemas.openxmlformats.org/drawingml/2006/main" xmlns:r="http://schemas.openxmlformats.org/officeDocument/2006/relationships" xmlns:p="http://schemas.openxmlformats.org/presentationml/2006/main">
+  <p:cSld>
+    <p:spTree>
+      <p:nvGrpSpPr>
+        <p:cNvPr id="1" name=""/>
+        <p:cNvGrpSpPr/>
+        <p:nvPr/>
+      </p:nvGrpSpPr>
+      <p:grpSpPr>
+        <a:xfrm>
+          <a:off x="0" y="0"/>
+          <a:ext cx="0" cy="0"/>
+          <a:chOff x="0" y="0"/>
+          <a:chExt cx="0" cy="0"/>
+        </a:xfrm>
+      </p:grpSpPr>
+      <p:sp>
+        <p:nvSpPr>
+          <p:cNvPr id="2" name="Title 1">
+            <a:extLst>
+              <a:ext uri="{FF2B5EF4-FFF2-40B4-BE49-F238E27FC236}">
                 <a16:creationId xmlns:a16="http://schemas.microsoft.com/office/drawing/2014/main" id="{6EBD8616-9237-4452-A2A1-7017D17460E4}"/>
               </a:ext>
             </a:extLst>
@@ -22245,7 +22842,7 @@
           <a:p>
             <a:fld id="{4E3AEE2C-3A74-8643-B4A2-442777B583A3}" type="slidenum">
               <a:rPr lang="en-US" smtClean="0"/>
-              <a:t>59</a:t>
+              <a:t>60</a:t>
             </a:fld>
             <a:endParaRPr lang="en-US"/>
           </a:p>
@@ -22311,7 +22908,7 @@
 </p:sld>
 </file>
 
-<file path=ppt/slides/slide6.xml><?xml version="1.0" encoding="utf-8"?>
+<file path=ppt/slides/slide61.xml><?xml version="1.0" encoding="utf-8"?>
 <p:sld xmlns:a="http://schemas.openxmlformats.org/drawingml/2006/main" xmlns:r="http://schemas.openxmlformats.org/officeDocument/2006/relationships" xmlns:p="http://schemas.openxmlformats.org/presentationml/2006/main">
   <p:cSld>
     <p:spTree>
@@ -22333,206 +22930,6 @@
           <p:cNvPr id="2" name="Title 1">
             <a:extLst>
               <a:ext uri="{FF2B5EF4-FFF2-40B4-BE49-F238E27FC236}">
-                <a16:creationId xmlns:a16="http://schemas.microsoft.com/office/drawing/2014/main" id="{2AE3ADF7-E3CB-584E-AE6C-31C5E12749F5}"/>
-              </a:ext>
-            </a:extLst>
-          </p:cNvPr>
-          <p:cNvSpPr>
-            <a:spLocks noGrp="1"/>
-          </p:cNvSpPr>
-          <p:nvPr>
-            <p:ph type="title"/>
-          </p:nvPr>
-        </p:nvSpPr>
-        <p:spPr/>
-        <p:txBody>
-          <a:bodyPr/>
-          <a:lstStyle/>
-          <a:p>
-            <a:pPr algn="ctr"/>
-            <a:r>
-              <a:rPr lang="en-US" dirty="0">
-                <a:latin typeface="National Park " pitchFamily="2" charset="77"/>
-              </a:rPr>
-              <a:t>About Us </a:t>
-            </a:r>
-            <a:r>
-              <a:rPr lang="en-US" dirty="0">
-                <a:latin typeface="National Park " pitchFamily="2" charset="77"/>
-                <a:sym typeface="Wingdings" pitchFamily="2" charset="2"/>
-              </a:rPr>
-              <a:t></a:t>
-            </a:r>
-            <a:endParaRPr lang="en-US" dirty="0">
-              <a:latin typeface="National Park " pitchFamily="2" charset="77"/>
-            </a:endParaRPr>
-          </a:p>
-        </p:txBody>
-      </p:sp>
-      <p:sp>
-        <p:nvSpPr>
-          <p:cNvPr id="3" name="Content Placeholder 2">
-            <a:extLst>
-              <a:ext uri="{FF2B5EF4-FFF2-40B4-BE49-F238E27FC236}">
-                <a16:creationId xmlns:a16="http://schemas.microsoft.com/office/drawing/2014/main" id="{89195EB6-A32E-594F-99C1-97A46559FD86}"/>
-              </a:ext>
-            </a:extLst>
-          </p:cNvPr>
-          <p:cNvSpPr>
-            <a:spLocks noGrp="1"/>
-          </p:cNvSpPr>
-          <p:nvPr>
-            <p:ph idx="1"/>
-          </p:nvPr>
-        </p:nvSpPr>
-        <p:spPr/>
-        <p:txBody>
-          <a:bodyPr>
-            <a:normAutofit/>
-          </a:bodyPr>
-          <a:lstStyle/>
-          <a:p>
-            <a:r>
-              <a:rPr lang="en-US" dirty="0"/>
-              <a:t>Basic exposure to Linux is assumed but feel free to interrupt and ask questions</a:t>
-            </a:r>
-          </a:p>
-          <a:p>
-            <a:pPr lvl="1"/>
-            <a:r>
-              <a:rPr lang="en-US" dirty="0"/>
-              <a:t>common commands, basic understanding of files and directories, editing.</a:t>
-            </a:r>
-            <a:br>
-              <a:rPr lang="en-US" dirty="0"/>
-            </a:br>
-            <a:r>
-              <a:rPr lang="en-US" dirty="0" err="1"/>
-              <a:t>eg.</a:t>
-            </a:r>
-            <a:r>
-              <a:rPr lang="en-US" dirty="0"/>
-              <a:t> </a:t>
-            </a:r>
-            <a:r>
-              <a:rPr lang="en-US" b="1" dirty="0">
-                <a:cs typeface="Courier New" panose="02070309020205020404" pitchFamily="49" charset="0"/>
-              </a:rPr>
-              <a:t>cd, ls, </a:t>
-            </a:r>
-            <a:r>
-              <a:rPr lang="en-US" b="1" dirty="0" err="1">
-                <a:cs typeface="Courier New" panose="02070309020205020404" pitchFamily="49" charset="0"/>
-              </a:rPr>
-              <a:t>pwd</a:t>
-            </a:r>
-            <a:r>
-              <a:rPr lang="en-US" b="1" dirty="0">
-                <a:cs typeface="Courier New" panose="02070309020205020404" pitchFamily="49" charset="0"/>
-              </a:rPr>
-              <a:t>, cat</a:t>
-            </a:r>
-            <a:r>
-              <a:rPr lang="en-US" dirty="0"/>
-              <a:t> </a:t>
-            </a:r>
-          </a:p>
-          <a:p>
-            <a:pPr marL="0" indent="0">
-              <a:buNone/>
-            </a:pPr>
-            <a:endParaRPr lang="en-US" dirty="0"/>
-          </a:p>
-          <a:p>
-            <a:r>
-              <a:rPr lang="en-US" dirty="0"/>
-              <a:t>About Me</a:t>
-            </a:r>
-          </a:p>
-          <a:p>
-            <a:pPr lvl="1"/>
-            <a:r>
-              <a:rPr lang="en-US" dirty="0"/>
-              <a:t>Sr. Linux Engineer at Oak Ridge National Laboratory</a:t>
-            </a:r>
-          </a:p>
-          <a:p>
-            <a:pPr lvl="1"/>
-            <a:r>
-              <a:rPr lang="en-US" dirty="0"/>
-              <a:t>Command line and Linux terminal enthusiast</a:t>
-            </a:r>
-          </a:p>
-        </p:txBody>
-      </p:sp>
-      <p:sp>
-        <p:nvSpPr>
-          <p:cNvPr id="4" name="Slide Number Placeholder 3">
-            <a:extLst>
-              <a:ext uri="{FF2B5EF4-FFF2-40B4-BE49-F238E27FC236}">
-                <a16:creationId xmlns:a16="http://schemas.microsoft.com/office/drawing/2014/main" id="{65E7057A-B19D-8543-B4B1-080970833CC8}"/>
-              </a:ext>
-            </a:extLst>
-          </p:cNvPr>
-          <p:cNvSpPr>
-            <a:spLocks noGrp="1"/>
-          </p:cNvSpPr>
-          <p:nvPr>
-            <p:ph type="sldNum" sz="quarter" idx="12"/>
-          </p:nvPr>
-        </p:nvSpPr>
-        <p:spPr/>
-        <p:txBody>
-          <a:bodyPr/>
-          <a:lstStyle/>
-          <a:p>
-            <a:fld id="{4E3AEE2C-3A74-8643-B4A2-442777B583A3}" type="slidenum">
-              <a:rPr lang="en-US" smtClean="0">
-                <a:latin typeface="National Park " pitchFamily="2" charset="77"/>
-              </a:rPr>
-              <a:t>6</a:t>
-            </a:fld>
-            <a:endParaRPr lang="en-US">
-              <a:latin typeface="National Park " pitchFamily="2" charset="77"/>
-            </a:endParaRPr>
-          </a:p>
-        </p:txBody>
-      </p:sp>
-    </p:spTree>
-    <p:extLst>
-      <p:ext uri="{BB962C8B-B14F-4D97-AF65-F5344CB8AC3E}">
-        <p14:creationId xmlns:p14="http://schemas.microsoft.com/office/powerpoint/2010/main" val="3950217765"/>
-      </p:ext>
-    </p:extLst>
-  </p:cSld>
-  <p:clrMapOvr>
-    <a:masterClrMapping/>
-  </p:clrMapOvr>
-</p:sld>
-</file>
-
-<file path=ppt/slides/slide60.xml><?xml version="1.0" encoding="utf-8"?>
-<p:sld xmlns:a="http://schemas.openxmlformats.org/drawingml/2006/main" xmlns:r="http://schemas.openxmlformats.org/officeDocument/2006/relationships" xmlns:p="http://schemas.openxmlformats.org/presentationml/2006/main">
-  <p:cSld>
-    <p:spTree>
-      <p:nvGrpSpPr>
-        <p:cNvPr id="1" name=""/>
-        <p:cNvGrpSpPr/>
-        <p:nvPr/>
-      </p:nvGrpSpPr>
-      <p:grpSpPr>
-        <a:xfrm>
-          <a:off x="0" y="0"/>
-          <a:ext cx="0" cy="0"/>
-          <a:chOff x="0" y="0"/>
-          <a:chExt cx="0" cy="0"/>
-        </a:xfrm>
-      </p:grpSpPr>
-      <p:sp>
-        <p:nvSpPr>
-          <p:cNvPr id="2" name="Title 1">
-            <a:extLst>
-              <a:ext uri="{FF2B5EF4-FFF2-40B4-BE49-F238E27FC236}">
                 <a16:creationId xmlns:a16="http://schemas.microsoft.com/office/drawing/2014/main" id="{9FD87D87-572B-ED77-97F7-B09DEBF05F04}"/>
               </a:ext>
             </a:extLst>
@@ -22697,7 +23094,7 @@
           <a:p>
             <a:fld id="{4E3AEE2C-3A74-8643-B4A2-442777B583A3}" type="slidenum">
               <a:rPr lang="en-US" smtClean="0"/>
-              <a:t>60</a:t>
+              <a:t>61</a:t>
             </a:fld>
             <a:endParaRPr lang="en-US"/>
           </a:p>
@@ -23087,272 +23484,6 @@
 </p:sld>
 </file>
 
-<file path=ppt/slides/slide61.xml><?xml version="1.0" encoding="utf-8"?>
-<p:sld xmlns:a="http://schemas.openxmlformats.org/drawingml/2006/main" xmlns:r="http://schemas.openxmlformats.org/officeDocument/2006/relationships" xmlns:p="http://schemas.openxmlformats.org/presentationml/2006/main">
-  <p:cSld>
-    <p:spTree>
-      <p:nvGrpSpPr>
-        <p:cNvPr id="1" name=""/>
-        <p:cNvGrpSpPr/>
-        <p:nvPr/>
-      </p:nvGrpSpPr>
-      <p:grpSpPr>
-        <a:xfrm>
-          <a:off x="0" y="0"/>
-          <a:ext cx="0" cy="0"/>
-          <a:chOff x="0" y="0"/>
-          <a:chExt cx="0" cy="0"/>
-        </a:xfrm>
-      </p:grpSpPr>
-      <p:sp>
-        <p:nvSpPr>
-          <p:cNvPr id="2" name="Title 1">
-            <a:extLst>
-              <a:ext uri="{FF2B5EF4-FFF2-40B4-BE49-F238E27FC236}">
-                <a16:creationId xmlns:a16="http://schemas.microsoft.com/office/drawing/2014/main" id="{87D06B3D-316A-F622-B2AA-932089B94DB3}"/>
-              </a:ext>
-            </a:extLst>
-          </p:cNvPr>
-          <p:cNvSpPr>
-            <a:spLocks noGrp="1"/>
-          </p:cNvSpPr>
-          <p:nvPr>
-            <p:ph type="title"/>
-          </p:nvPr>
-        </p:nvSpPr>
-        <p:spPr/>
-        <p:txBody>
-          <a:bodyPr/>
-          <a:lstStyle/>
-          <a:p>
-            <a:pPr algn="ctr"/>
-            <a:r>
-              <a:rPr lang="en-US" dirty="0">
-                <a:latin typeface="National Park " pitchFamily="2" charset="77"/>
-              </a:rPr>
-              <a:t>GNU Parallel version</a:t>
-            </a:r>
-          </a:p>
-        </p:txBody>
-      </p:sp>
-      <p:sp>
-        <p:nvSpPr>
-          <p:cNvPr id="3" name="Content Placeholder 2">
-            <a:extLst>
-              <a:ext uri="{FF2B5EF4-FFF2-40B4-BE49-F238E27FC236}">
-                <a16:creationId xmlns:a16="http://schemas.microsoft.com/office/drawing/2014/main" id="{68D0FAB4-59C8-ABD4-287A-07CAC4777562}"/>
-              </a:ext>
-            </a:extLst>
-          </p:cNvPr>
-          <p:cNvSpPr>
-            <a:spLocks noGrp="1"/>
-          </p:cNvSpPr>
-          <p:nvPr>
-            <p:ph idx="1"/>
-          </p:nvPr>
-        </p:nvSpPr>
-        <p:spPr/>
-        <p:txBody>
-          <a:bodyPr>
-            <a:normAutofit fontScale="70000" lnSpcReduction="20000"/>
-          </a:bodyPr>
-          <a:lstStyle/>
-          <a:p>
-            <a:pPr marL="0" indent="0">
-              <a:buNone/>
-            </a:pPr>
-            <a:r>
-              <a:rPr lang="en-US" dirty="0"/>
-              <a:t>#!/bin/bash</a:t>
-            </a:r>
-          </a:p>
-          <a:p>
-            <a:pPr marL="0" indent="0">
-              <a:buNone/>
-            </a:pPr>
-            <a:endParaRPr lang="en-US" dirty="0"/>
-          </a:p>
-          <a:p>
-            <a:pPr marL="0" indent="0">
-              <a:buNone/>
-            </a:pPr>
-            <a:r>
-              <a:rPr lang="en-US" dirty="0" err="1"/>
-              <a:t>mkdir</a:t>
-            </a:r>
-            <a:r>
-              <a:rPr lang="en-US" dirty="0"/>
-              <a:t> -p p{1..5}/</a:t>
-            </a:r>
-            <a:r>
-              <a:rPr lang="en-US" dirty="0" err="1"/>
-              <a:t>outdir</a:t>
-            </a:r>
-            <a:r>
-              <a:rPr lang="en-US" dirty="0"/>
-              <a:t> outputs</a:t>
-            </a:r>
-          </a:p>
-          <a:p>
-            <a:pPr marL="0" indent="0">
-              <a:buNone/>
-            </a:pPr>
-            <a:r>
-              <a:rPr lang="en-US" dirty="0"/>
-              <a:t>parallel --link p1/p1.sh {1} {2} ::: inputs/in{1..6}.txt ::: p1/</a:t>
-            </a:r>
-            <a:r>
-              <a:rPr lang="en-US" dirty="0" err="1"/>
-              <a:t>outdir</a:t>
-            </a:r>
-            <a:r>
-              <a:rPr lang="en-US" dirty="0"/>
-              <a:t>/out{1..6}.txt &amp;</a:t>
-            </a:r>
-          </a:p>
-          <a:p>
-            <a:pPr marL="0" indent="0">
-              <a:buNone/>
-            </a:pPr>
-            <a:br>
-              <a:rPr lang="en-US" dirty="0"/>
-            </a:br>
-            <a:r>
-              <a:rPr lang="en-US" dirty="0"/>
-              <a:t>touch q.p1 ; tail -n+0 -f q.p1 | parallel -u --link p2/p2.sh {1} {2} :::: - ::: p2/</a:t>
-            </a:r>
-            <a:r>
-              <a:rPr lang="en-US" dirty="0" err="1"/>
-              <a:t>outdir</a:t>
-            </a:r>
-            <a:r>
-              <a:rPr lang="en-US" dirty="0"/>
-              <a:t>/out{1..6}.txt &amp;</a:t>
-            </a:r>
-          </a:p>
-          <a:p>
-            <a:pPr marL="0" indent="0">
-              <a:buNone/>
-            </a:pPr>
-            <a:r>
-              <a:rPr lang="en-US" dirty="0"/>
-              <a:t>touch q.p1 ; tail -n+0 -f q.p1 | parallel -u --link p3/p3.sh {1} {2} :::: - ::: p3/</a:t>
-            </a:r>
-            <a:r>
-              <a:rPr lang="en-US" dirty="0" err="1"/>
-              <a:t>outdir</a:t>
-            </a:r>
-            <a:r>
-              <a:rPr lang="en-US" dirty="0"/>
-              <a:t>/out{1..6}.txt &amp;</a:t>
-            </a:r>
-          </a:p>
-          <a:p>
-            <a:pPr marL="0" indent="0">
-              <a:buNone/>
-            </a:pPr>
-            <a:r>
-              <a:rPr lang="en-US" dirty="0"/>
-              <a:t>touch q.p2 ; tail -n+0 -f q.p2 | parallel -u --link p4/p4.sh {1} {2} :::: - ::: p4/</a:t>
-            </a:r>
-            <a:r>
-              <a:rPr lang="en-US" dirty="0" err="1"/>
-              <a:t>outdir</a:t>
-            </a:r>
-            <a:r>
-              <a:rPr lang="en-US" dirty="0"/>
-              <a:t>/out{1..6}.txt &amp;</a:t>
-            </a:r>
-          </a:p>
-          <a:p>
-            <a:pPr marL="0" indent="0">
-              <a:buNone/>
-            </a:pPr>
-            <a:r>
-              <a:rPr lang="en-US" dirty="0"/>
-              <a:t>touch q.p3 ; tail -n+0 -f q.p3 | parallel -u --link p5/p5.sh {1} {2} :::: - ::: p5/</a:t>
-            </a:r>
-            <a:r>
-              <a:rPr lang="en-US" dirty="0" err="1"/>
-              <a:t>outdir</a:t>
-            </a:r>
-            <a:r>
-              <a:rPr lang="en-US" dirty="0"/>
-              <a:t>/out{1..6}.txt &amp; </a:t>
-            </a:r>
-          </a:p>
-          <a:p>
-            <a:pPr marL="0" indent="0">
-              <a:buNone/>
-            </a:pPr>
-            <a:br>
-              <a:rPr lang="en-US" dirty="0"/>
-            </a:br>
-            <a:r>
-              <a:rPr lang="en-US" dirty="0"/>
-              <a:t>(</a:t>
-            </a:r>
-            <a:r>
-              <a:rPr lang="en-US" dirty="0" err="1"/>
-              <a:t>stdbuf</a:t>
-            </a:r>
-            <a:r>
-              <a:rPr lang="en-US" dirty="0"/>
-              <a:t> -</a:t>
-            </a:r>
-            <a:r>
-              <a:rPr lang="en-US" dirty="0" err="1"/>
-              <a:t>oL</a:t>
-            </a:r>
-            <a:r>
-              <a:rPr lang="en-US" dirty="0"/>
-              <a:t> paste &lt;(touch q.p4 ; tail -n+0 -f q.p4) &lt;(touch q.p5 ; tail -n+0 -f q.p5)) | parallel -u --link p6/p6.sh :::: - ::: outputs/out{1..6}.txt</a:t>
-            </a:r>
-          </a:p>
-        </p:txBody>
-      </p:sp>
-      <p:sp>
-        <p:nvSpPr>
-          <p:cNvPr id="4" name="Slide Number Placeholder 3">
-            <a:extLst>
-              <a:ext uri="{FF2B5EF4-FFF2-40B4-BE49-F238E27FC236}">
-                <a16:creationId xmlns:a16="http://schemas.microsoft.com/office/drawing/2014/main" id="{6795D557-3AB0-86CA-790C-CB04EC2B03DE}"/>
-              </a:ext>
-            </a:extLst>
-          </p:cNvPr>
-          <p:cNvSpPr>
-            <a:spLocks noGrp="1"/>
-          </p:cNvSpPr>
-          <p:nvPr>
-            <p:ph type="sldNum" sz="quarter" idx="12"/>
-          </p:nvPr>
-        </p:nvSpPr>
-        <p:spPr/>
-        <p:txBody>
-          <a:bodyPr/>
-          <a:lstStyle/>
-          <a:p>
-            <a:fld id="{4E3AEE2C-3A74-8643-B4A2-442777B583A3}" type="slidenum">
-              <a:rPr lang="en-US" smtClean="0"/>
-              <a:t>61</a:t>
-            </a:fld>
-            <a:endParaRPr lang="en-US"/>
-          </a:p>
-        </p:txBody>
-      </p:sp>
-    </p:spTree>
-    <p:extLst>
-      <p:ext uri="{BB962C8B-B14F-4D97-AF65-F5344CB8AC3E}">
-        <p14:creationId xmlns:p14="http://schemas.microsoft.com/office/powerpoint/2010/main" val="316829794"/>
-      </p:ext>
-    </p:extLst>
-  </p:cSld>
-  <p:clrMapOvr>
-    <a:masterClrMapping/>
-  </p:clrMapOvr>
-</p:sld>
-</file>
-
 <file path=ppt/slides/slide62.xml><?xml version="1.0" encoding="utf-8"?>
 <p:sld xmlns:a="http://schemas.openxmlformats.org/drawingml/2006/main" xmlns:r="http://schemas.openxmlformats.org/officeDocument/2006/relationships" xmlns:p="http://schemas.openxmlformats.org/presentationml/2006/main">
   <p:cSld>
@@ -23375,6 +23506,272 @@
           <p:cNvPr id="2" name="Title 1">
             <a:extLst>
               <a:ext uri="{FF2B5EF4-FFF2-40B4-BE49-F238E27FC236}">
+                <a16:creationId xmlns:a16="http://schemas.microsoft.com/office/drawing/2014/main" id="{87D06B3D-316A-F622-B2AA-932089B94DB3}"/>
+              </a:ext>
+            </a:extLst>
+          </p:cNvPr>
+          <p:cNvSpPr>
+            <a:spLocks noGrp="1"/>
+          </p:cNvSpPr>
+          <p:nvPr>
+            <p:ph type="title"/>
+          </p:nvPr>
+        </p:nvSpPr>
+        <p:spPr/>
+        <p:txBody>
+          <a:bodyPr/>
+          <a:lstStyle/>
+          <a:p>
+            <a:pPr algn="ctr"/>
+            <a:r>
+              <a:rPr lang="en-US" dirty="0">
+                <a:latin typeface="National Park " pitchFamily="2" charset="77"/>
+              </a:rPr>
+              <a:t>GNU Parallel version</a:t>
+            </a:r>
+          </a:p>
+        </p:txBody>
+      </p:sp>
+      <p:sp>
+        <p:nvSpPr>
+          <p:cNvPr id="3" name="Content Placeholder 2">
+            <a:extLst>
+              <a:ext uri="{FF2B5EF4-FFF2-40B4-BE49-F238E27FC236}">
+                <a16:creationId xmlns:a16="http://schemas.microsoft.com/office/drawing/2014/main" id="{68D0FAB4-59C8-ABD4-287A-07CAC4777562}"/>
+              </a:ext>
+            </a:extLst>
+          </p:cNvPr>
+          <p:cNvSpPr>
+            <a:spLocks noGrp="1"/>
+          </p:cNvSpPr>
+          <p:nvPr>
+            <p:ph idx="1"/>
+          </p:nvPr>
+        </p:nvSpPr>
+        <p:spPr/>
+        <p:txBody>
+          <a:bodyPr>
+            <a:normAutofit fontScale="70000" lnSpcReduction="20000"/>
+          </a:bodyPr>
+          <a:lstStyle/>
+          <a:p>
+            <a:pPr marL="0" indent="0">
+              <a:buNone/>
+            </a:pPr>
+            <a:r>
+              <a:rPr lang="en-US" dirty="0"/>
+              <a:t>#!/bin/bash</a:t>
+            </a:r>
+          </a:p>
+          <a:p>
+            <a:pPr marL="0" indent="0">
+              <a:buNone/>
+            </a:pPr>
+            <a:endParaRPr lang="en-US" dirty="0"/>
+          </a:p>
+          <a:p>
+            <a:pPr marL="0" indent="0">
+              <a:buNone/>
+            </a:pPr>
+            <a:r>
+              <a:rPr lang="en-US" dirty="0" err="1"/>
+              <a:t>mkdir</a:t>
+            </a:r>
+            <a:r>
+              <a:rPr lang="en-US" dirty="0"/>
+              <a:t> -p p{1..5}/</a:t>
+            </a:r>
+            <a:r>
+              <a:rPr lang="en-US" dirty="0" err="1"/>
+              <a:t>outdir</a:t>
+            </a:r>
+            <a:r>
+              <a:rPr lang="en-US" dirty="0"/>
+              <a:t> outputs</a:t>
+            </a:r>
+          </a:p>
+          <a:p>
+            <a:pPr marL="0" indent="0">
+              <a:buNone/>
+            </a:pPr>
+            <a:r>
+              <a:rPr lang="en-US" dirty="0"/>
+              <a:t>parallel --link p1/p1.sh {1} {2} ::: inputs/in{1..6}.txt ::: p1/</a:t>
+            </a:r>
+            <a:r>
+              <a:rPr lang="en-US" dirty="0" err="1"/>
+              <a:t>outdir</a:t>
+            </a:r>
+            <a:r>
+              <a:rPr lang="en-US" dirty="0"/>
+              <a:t>/out{1..6}.txt &amp;</a:t>
+            </a:r>
+          </a:p>
+          <a:p>
+            <a:pPr marL="0" indent="0">
+              <a:buNone/>
+            </a:pPr>
+            <a:br>
+              <a:rPr lang="en-US" dirty="0"/>
+            </a:br>
+            <a:r>
+              <a:rPr lang="en-US" dirty="0"/>
+              <a:t>touch q.p1 ; tail -n+0 -f q.p1 | parallel -u --link p2/p2.sh {1} {2} :::: - ::: p2/</a:t>
+            </a:r>
+            <a:r>
+              <a:rPr lang="en-US" dirty="0" err="1"/>
+              <a:t>outdir</a:t>
+            </a:r>
+            <a:r>
+              <a:rPr lang="en-US" dirty="0"/>
+              <a:t>/out{1..6}.txt &amp;</a:t>
+            </a:r>
+          </a:p>
+          <a:p>
+            <a:pPr marL="0" indent="0">
+              <a:buNone/>
+            </a:pPr>
+            <a:r>
+              <a:rPr lang="en-US" dirty="0"/>
+              <a:t>touch q.p1 ; tail -n+0 -f q.p1 | parallel -u --link p3/p3.sh {1} {2} :::: - ::: p3/</a:t>
+            </a:r>
+            <a:r>
+              <a:rPr lang="en-US" dirty="0" err="1"/>
+              <a:t>outdir</a:t>
+            </a:r>
+            <a:r>
+              <a:rPr lang="en-US" dirty="0"/>
+              <a:t>/out{1..6}.txt &amp;</a:t>
+            </a:r>
+          </a:p>
+          <a:p>
+            <a:pPr marL="0" indent="0">
+              <a:buNone/>
+            </a:pPr>
+            <a:r>
+              <a:rPr lang="en-US" dirty="0"/>
+              <a:t>touch q.p2 ; tail -n+0 -f q.p2 | parallel -u --link p4/p4.sh {1} {2} :::: - ::: p4/</a:t>
+            </a:r>
+            <a:r>
+              <a:rPr lang="en-US" dirty="0" err="1"/>
+              <a:t>outdir</a:t>
+            </a:r>
+            <a:r>
+              <a:rPr lang="en-US" dirty="0"/>
+              <a:t>/out{1..6}.txt &amp;</a:t>
+            </a:r>
+          </a:p>
+          <a:p>
+            <a:pPr marL="0" indent="0">
+              <a:buNone/>
+            </a:pPr>
+            <a:r>
+              <a:rPr lang="en-US" dirty="0"/>
+              <a:t>touch q.p3 ; tail -n+0 -f q.p3 | parallel -u --link p5/p5.sh {1} {2} :::: - ::: p5/</a:t>
+            </a:r>
+            <a:r>
+              <a:rPr lang="en-US" dirty="0" err="1"/>
+              <a:t>outdir</a:t>
+            </a:r>
+            <a:r>
+              <a:rPr lang="en-US" dirty="0"/>
+              <a:t>/out{1..6}.txt &amp; </a:t>
+            </a:r>
+          </a:p>
+          <a:p>
+            <a:pPr marL="0" indent="0">
+              <a:buNone/>
+            </a:pPr>
+            <a:br>
+              <a:rPr lang="en-US" dirty="0"/>
+            </a:br>
+            <a:r>
+              <a:rPr lang="en-US" dirty="0"/>
+              <a:t>(</a:t>
+            </a:r>
+            <a:r>
+              <a:rPr lang="en-US" dirty="0" err="1"/>
+              <a:t>stdbuf</a:t>
+            </a:r>
+            <a:r>
+              <a:rPr lang="en-US" dirty="0"/>
+              <a:t> -</a:t>
+            </a:r>
+            <a:r>
+              <a:rPr lang="en-US" dirty="0" err="1"/>
+              <a:t>oL</a:t>
+            </a:r>
+            <a:r>
+              <a:rPr lang="en-US" dirty="0"/>
+              <a:t> paste &lt;(touch q.p4 ; tail -n+0 -f q.p4) &lt;(touch q.p5 ; tail -n+0 -f q.p5)) | parallel -u --link p6/p6.sh :::: - ::: outputs/out{1..6}.txt</a:t>
+            </a:r>
+          </a:p>
+        </p:txBody>
+      </p:sp>
+      <p:sp>
+        <p:nvSpPr>
+          <p:cNvPr id="4" name="Slide Number Placeholder 3">
+            <a:extLst>
+              <a:ext uri="{FF2B5EF4-FFF2-40B4-BE49-F238E27FC236}">
+                <a16:creationId xmlns:a16="http://schemas.microsoft.com/office/drawing/2014/main" id="{6795D557-3AB0-86CA-790C-CB04EC2B03DE}"/>
+              </a:ext>
+            </a:extLst>
+          </p:cNvPr>
+          <p:cNvSpPr>
+            <a:spLocks noGrp="1"/>
+          </p:cNvSpPr>
+          <p:nvPr>
+            <p:ph type="sldNum" sz="quarter" idx="12"/>
+          </p:nvPr>
+        </p:nvSpPr>
+        <p:spPr/>
+        <p:txBody>
+          <a:bodyPr/>
+          <a:lstStyle/>
+          <a:p>
+            <a:fld id="{4E3AEE2C-3A74-8643-B4A2-442777B583A3}" type="slidenum">
+              <a:rPr lang="en-US" smtClean="0"/>
+              <a:t>62</a:t>
+            </a:fld>
+            <a:endParaRPr lang="en-US"/>
+          </a:p>
+        </p:txBody>
+      </p:sp>
+    </p:spTree>
+    <p:extLst>
+      <p:ext uri="{BB962C8B-B14F-4D97-AF65-F5344CB8AC3E}">
+        <p14:creationId xmlns:p14="http://schemas.microsoft.com/office/powerpoint/2010/main" val="316829794"/>
+      </p:ext>
+    </p:extLst>
+  </p:cSld>
+  <p:clrMapOvr>
+    <a:masterClrMapping/>
+  </p:clrMapOvr>
+</p:sld>
+</file>
+
+<file path=ppt/slides/slide63.xml><?xml version="1.0" encoding="utf-8"?>
+<p:sld xmlns:a="http://schemas.openxmlformats.org/drawingml/2006/main" xmlns:r="http://schemas.openxmlformats.org/officeDocument/2006/relationships" xmlns:p="http://schemas.openxmlformats.org/presentationml/2006/main">
+  <p:cSld>
+    <p:spTree>
+      <p:nvGrpSpPr>
+        <p:cNvPr id="1" name=""/>
+        <p:cNvGrpSpPr/>
+        <p:nvPr/>
+      </p:nvGrpSpPr>
+      <p:grpSpPr>
+        <a:xfrm>
+          <a:off x="0" y="0"/>
+          <a:ext cx="0" cy="0"/>
+          <a:chOff x="0" y="0"/>
+          <a:chExt cx="0" cy="0"/>
+        </a:xfrm>
+      </p:grpSpPr>
+      <p:sp>
+        <p:nvSpPr>
+          <p:cNvPr id="2" name="Title 1">
+            <a:extLst>
+              <a:ext uri="{FF2B5EF4-FFF2-40B4-BE49-F238E27FC236}">
                 <a16:creationId xmlns:a16="http://schemas.microsoft.com/office/drawing/2014/main" id="{B4C16ADB-3962-08B3-67A8-3C36A4DE2833}"/>
               </a:ext>
             </a:extLst>
@@ -23393,36 +23790,38 @@
           </a:xfrm>
         </p:spPr>
         <p:txBody>
-          <a:bodyPr/>
+          <a:bodyPr>
+            <a:normAutofit/>
+          </a:bodyPr>
           <a:lstStyle/>
           <a:p>
             <a:pPr algn="ctr"/>
             <a:r>
-              <a:rPr lang="en-US" dirty="0">
+              <a:rPr lang="en-US" sz="2800" dirty="0">
                 <a:latin typeface="National Park " pitchFamily="2" charset="77"/>
               </a:rPr>
-              <a:t>Exercise: </a:t>
-            </a:r>
-            <a:r>
-              <a:rPr lang="en-US" dirty="0" err="1">
+              <a:t>Exercise (~10 mins): </a:t>
+            </a:r>
+            <a:r>
+              <a:rPr lang="en-US" sz="2800" dirty="0" err="1">
                 <a:latin typeface="National Park " pitchFamily="2" charset="77"/>
               </a:rPr>
               <a:t>getdata</a:t>
             </a:r>
             <a:r>
-              <a:rPr lang="en-US" dirty="0">
+              <a:rPr lang="en-US" sz="2800" dirty="0">
                 <a:latin typeface="National Park " pitchFamily="2" charset="77"/>
               </a:rPr>
               <a:t> -&gt; </a:t>
             </a:r>
             <a:r>
-              <a:rPr lang="en-US" dirty="0" err="1">
+              <a:rPr lang="en-US" sz="2800" dirty="0" err="1">
                 <a:latin typeface="National Park " pitchFamily="2" charset="77"/>
               </a:rPr>
               <a:t>procdata</a:t>
             </a:r>
             <a:r>
-              <a:rPr lang="en-US" dirty="0">
+              <a:rPr lang="en-US" sz="2800" dirty="0">
                 <a:latin typeface="National Park " pitchFamily="2" charset="77"/>
               </a:rPr>
               <a:t> workflow</a:t>
@@ -23453,7 +23852,7 @@
           <a:p>
             <a:fld id="{4E3AEE2C-3A74-8643-B4A2-442777B583A3}" type="slidenum">
               <a:rPr lang="en-US" smtClean="0"/>
-              <a:t>62</a:t>
+              <a:t>63</a:t>
             </a:fld>
             <a:endParaRPr lang="en-US"/>
           </a:p>
@@ -23741,7 +24140,7 @@
 </p:sld>
 </file>
 
-<file path=ppt/slides/slide63.xml><?xml version="1.0" encoding="utf-8"?>
+<file path=ppt/slides/slide64.xml><?xml version="1.0" encoding="utf-8"?>
 <p:sld xmlns:a="http://schemas.openxmlformats.org/drawingml/2006/main" xmlns:r="http://schemas.openxmlformats.org/officeDocument/2006/relationships" xmlns:p="http://schemas.openxmlformats.org/presentationml/2006/main">
   <p:cSld>
     <p:spTree>
@@ -23812,7 +24211,7 @@
               <a:rPr lang="en-US" smtClean="0">
                 <a:latin typeface="National Park " pitchFamily="2" charset="77"/>
               </a:rPr>
-              <a:t>63</a:t>
+              <a:t>64</a:t>
             </a:fld>
             <a:endParaRPr lang="en-US">
               <a:latin typeface="National Park " pitchFamily="2" charset="77"/>
@@ -23868,7 +24267,7 @@
 </p:sld>
 </file>
 
-<file path=ppt/slides/slide64.xml><?xml version="1.0" encoding="utf-8"?>
+<file path=ppt/slides/slide65.xml><?xml version="1.0" encoding="utf-8"?>
 <p:sld xmlns:a="http://schemas.openxmlformats.org/drawingml/2006/main" xmlns:r="http://schemas.openxmlformats.org/officeDocument/2006/relationships" xmlns:p="http://schemas.openxmlformats.org/presentationml/2006/main">
   <p:cSld>
     <p:spTree>
@@ -24556,262 +24955,6 @@
 </p:sld>
 </file>
 
-<file path=ppt/slides/slide65.xml><?xml version="1.0" encoding="utf-8"?>
-<p:sld xmlns:a="http://schemas.openxmlformats.org/drawingml/2006/main" xmlns:r="http://schemas.openxmlformats.org/officeDocument/2006/relationships" xmlns:p="http://schemas.openxmlformats.org/presentationml/2006/main">
-  <p:cSld>
-    <p:spTree>
-      <p:nvGrpSpPr>
-        <p:cNvPr id="1" name=""/>
-        <p:cNvGrpSpPr/>
-        <p:nvPr/>
-      </p:nvGrpSpPr>
-      <p:grpSpPr>
-        <a:xfrm>
-          <a:off x="0" y="0"/>
-          <a:ext cx="0" cy="0"/>
-          <a:chOff x="0" y="0"/>
-          <a:chExt cx="0" cy="0"/>
-        </a:xfrm>
-      </p:grpSpPr>
-      <p:sp>
-        <p:nvSpPr>
-          <p:cNvPr id="2" name="Title 1">
-            <a:extLst>
-              <a:ext uri="{FF2B5EF4-FFF2-40B4-BE49-F238E27FC236}">
-                <a16:creationId xmlns:a16="http://schemas.microsoft.com/office/drawing/2014/main" id="{0C28A41E-1C09-F0C0-19CB-22B134C5DF4B}"/>
-              </a:ext>
-            </a:extLst>
-          </p:cNvPr>
-          <p:cNvSpPr>
-            <a:spLocks noGrp="1"/>
-          </p:cNvSpPr>
-          <p:nvPr>
-            <p:ph type="title"/>
-          </p:nvPr>
-        </p:nvSpPr>
-        <p:spPr/>
-        <p:txBody>
-          <a:bodyPr>
-            <a:normAutofit fontScale="90000"/>
-          </a:bodyPr>
-          <a:lstStyle/>
-          <a:p>
-            <a:pPr algn="ctr"/>
-            <a:r>
-              <a:rPr lang="en-US" dirty="0">
-                <a:latin typeface="National Park " pitchFamily="2" charset="77"/>
-                <a:cs typeface="Courier New" panose="02070309020205020404" pitchFamily="49" charset="0"/>
-              </a:rPr>
-              <a:t>How does a </a:t>
-            </a:r>
-            <a:r>
-              <a:rPr lang="en-US" dirty="0" err="1">
-                <a:latin typeface="National Park " pitchFamily="2" charset="77"/>
-                <a:cs typeface="Courier New" panose="02070309020205020404" pitchFamily="49" charset="0"/>
-              </a:rPr>
-              <a:t>Fasta</a:t>
-            </a:r>
-            <a:r>
-              <a:rPr lang="en-US" dirty="0">
-                <a:latin typeface="National Park " pitchFamily="2" charset="77"/>
-                <a:cs typeface="Courier New" panose="02070309020205020404" pitchFamily="49" charset="0"/>
-              </a:rPr>
-              <a:t> File Look: each protein desc begins with ‘&gt;’</a:t>
-            </a:r>
-          </a:p>
-        </p:txBody>
-      </p:sp>
-      <p:sp>
-        <p:nvSpPr>
-          <p:cNvPr id="3" name="Content Placeholder 2">
-            <a:extLst>
-              <a:ext uri="{FF2B5EF4-FFF2-40B4-BE49-F238E27FC236}">
-                <a16:creationId xmlns:a16="http://schemas.microsoft.com/office/drawing/2014/main" id="{FD6FF26F-55F2-B6F3-DC7F-AB9CF6D4E6D1}"/>
-              </a:ext>
-            </a:extLst>
-          </p:cNvPr>
-          <p:cNvSpPr>
-            <a:spLocks noGrp="1"/>
-          </p:cNvSpPr>
-          <p:nvPr>
-            <p:ph idx="1"/>
-          </p:nvPr>
-        </p:nvSpPr>
-        <p:spPr/>
-        <p:txBody>
-          <a:bodyPr/>
-          <a:lstStyle/>
-          <a:p>
-            <a:pPr marL="0" indent="0">
-              <a:buNone/>
-            </a:pPr>
-            <a:r>
-              <a:rPr lang="en-US" sz="1640" dirty="0">
-                <a:latin typeface="Courier New" panose="02070309020205020404" pitchFamily="49" charset="0"/>
-                <a:cs typeface="Courier New" panose="02070309020205020404" pitchFamily="49" charset="0"/>
-              </a:rPr>
-              <a:t>...</a:t>
-            </a:r>
-            <a:br>
-              <a:rPr lang="en-US" sz="1640" dirty="0">
-                <a:latin typeface="Courier New" panose="02070309020205020404" pitchFamily="49" charset="0"/>
-                <a:cs typeface="Courier New" panose="02070309020205020404" pitchFamily="49" charset="0"/>
-              </a:rPr>
-            </a:br>
-            <a:r>
-              <a:rPr lang="en-US" sz="1640" b="1" dirty="0">
-                <a:latin typeface="Courier New" panose="02070309020205020404" pitchFamily="49" charset="0"/>
-                <a:cs typeface="Courier New" panose="02070309020205020404" pitchFamily="49" charset="0"/>
-              </a:rPr>
-              <a:t>&gt;</a:t>
-            </a:r>
-            <a:r>
-              <a:rPr lang="en-US" sz="1640" dirty="0">
-                <a:latin typeface="Courier New" panose="02070309020205020404" pitchFamily="49" charset="0"/>
-                <a:cs typeface="Courier New" panose="02070309020205020404" pitchFamily="49" charset="0"/>
-              </a:rPr>
-              <a:t>sp|Q06507|ATF4_MOUSE Cyclic AMP-dependent transcription factor ATF-4 OS=Mus musculus OX=10090 GN=Atf4 PE=1 SV=2</a:t>
-            </a:r>
-            <a:br>
-              <a:rPr lang="en-US" sz="1640" dirty="0">
-                <a:latin typeface="Courier New" panose="02070309020205020404" pitchFamily="49" charset="0"/>
-                <a:cs typeface="Courier New" panose="02070309020205020404" pitchFamily="49" charset="0"/>
-              </a:rPr>
-            </a:br>
-            <a:r>
-              <a:rPr lang="en-US" sz="1640" dirty="0">
-                <a:latin typeface="Courier New" panose="02070309020205020404" pitchFamily="49" charset="0"/>
-                <a:cs typeface="Courier New" panose="02070309020205020404" pitchFamily="49" charset="0"/>
-              </a:rPr>
-              <a:t>MTEMSFLNSEVLAGDLMSPFDQSGLGAEESLGLLDDYLEVAKHLKPHGFSSDKAGSSEWP</a:t>
-            </a:r>
-            <a:br>
-              <a:rPr lang="en-US" sz="1640" dirty="0">
-                <a:latin typeface="Courier New" panose="02070309020205020404" pitchFamily="49" charset="0"/>
-                <a:cs typeface="Courier New" panose="02070309020205020404" pitchFamily="49" charset="0"/>
-              </a:rPr>
-            </a:br>
-            <a:r>
-              <a:rPr lang="en-US" sz="1640" dirty="0">
-                <a:latin typeface="Courier New" panose="02070309020205020404" pitchFamily="49" charset="0"/>
-                <a:cs typeface="Courier New" panose="02070309020205020404" pitchFamily="49" charset="0"/>
-              </a:rPr>
-              <a:t>AMDDGLASASDTGKEDAFSGTDWMLEKMDLKEFDFDALFRMDDLETMPDELLTTLDDTCD</a:t>
-            </a:r>
-            <a:br>
-              <a:rPr lang="en-US" sz="1640" dirty="0">
-                <a:latin typeface="Courier New" panose="02070309020205020404" pitchFamily="49" charset="0"/>
-                <a:cs typeface="Courier New" panose="02070309020205020404" pitchFamily="49" charset="0"/>
-              </a:rPr>
-            </a:br>
-            <a:r>
-              <a:rPr lang="en-US" sz="1640" dirty="0">
-                <a:latin typeface="Courier New" panose="02070309020205020404" pitchFamily="49" charset="0"/>
-                <a:cs typeface="Courier New" panose="02070309020205020404" pitchFamily="49" charset="0"/>
-              </a:rPr>
-              <a:t>LFAPLVQETNKEPPQTVNPIGHLPESLIKVDQVAPFTFLQPFPCSPGVLSSTPEHSFSLE</a:t>
-            </a:r>
-            <a:br>
-              <a:rPr lang="en-US" sz="1640" dirty="0">
-                <a:latin typeface="Courier New" panose="02070309020205020404" pitchFamily="49" charset="0"/>
-                <a:cs typeface="Courier New" panose="02070309020205020404" pitchFamily="49" charset="0"/>
-              </a:rPr>
-            </a:br>
-            <a:r>
-              <a:rPr lang="en-US" sz="1640" dirty="0">
-                <a:latin typeface="Courier New" panose="02070309020205020404" pitchFamily="49" charset="0"/>
-                <a:cs typeface="Courier New" panose="02070309020205020404" pitchFamily="49" charset="0"/>
-              </a:rPr>
-              <a:t>LGSEVDISEGDRKPDSAAYITLIPPCVKEEDTPSDNDSGICMSPESYLGSPQHSPSTSRA</a:t>
-            </a:r>
-            <a:br>
-              <a:rPr lang="en-US" sz="1640" dirty="0">
-                <a:latin typeface="Courier New" panose="02070309020205020404" pitchFamily="49" charset="0"/>
-                <a:cs typeface="Courier New" panose="02070309020205020404" pitchFamily="49" charset="0"/>
-              </a:rPr>
-            </a:br>
-            <a:r>
-              <a:rPr lang="en-US" sz="1640" dirty="0">
-                <a:latin typeface="Courier New" panose="02070309020205020404" pitchFamily="49" charset="0"/>
-                <a:cs typeface="Courier New" panose="02070309020205020404" pitchFamily="49" charset="0"/>
-              </a:rPr>
-              <a:t>PPDNLPSPGGSRGSPRPKPYDPPGVSLTAKVKTEKLDKKLKKMEQNKTAATRYRQKKRAE</a:t>
-            </a:r>
-            <a:br>
-              <a:rPr lang="en-US" sz="1640" dirty="0">
-                <a:latin typeface="Courier New" panose="02070309020205020404" pitchFamily="49" charset="0"/>
-                <a:cs typeface="Courier New" panose="02070309020205020404" pitchFamily="49" charset="0"/>
-              </a:rPr>
-            </a:br>
-            <a:r>
-              <a:rPr lang="en-US" sz="1640" dirty="0">
-                <a:latin typeface="Courier New" panose="02070309020205020404" pitchFamily="49" charset="0"/>
-                <a:cs typeface="Courier New" panose="02070309020205020404" pitchFamily="49" charset="0"/>
-              </a:rPr>
-              <a:t>QEALTGECKELEKKNEALKEKADSLAKEIQYLKDLIEEVRKARGKKRVP</a:t>
-            </a:r>
-            <a:br>
-              <a:rPr lang="en-US" sz="1640" dirty="0">
-                <a:latin typeface="Courier New" panose="02070309020205020404" pitchFamily="49" charset="0"/>
-                <a:cs typeface="Courier New" panose="02070309020205020404" pitchFamily="49" charset="0"/>
-              </a:rPr>
-            </a:br>
-            <a:r>
-              <a:rPr lang="en-US" sz="1640" b="1" dirty="0">
-                <a:latin typeface="Courier New" panose="02070309020205020404" pitchFamily="49" charset="0"/>
-                <a:cs typeface="Courier New" panose="02070309020205020404" pitchFamily="49" charset="0"/>
-              </a:rPr>
-              <a:t>&gt;</a:t>
-            </a:r>
-            <a:r>
-              <a:rPr lang="en-US" sz="1640" dirty="0">
-                <a:latin typeface="Courier New" panose="02070309020205020404" pitchFamily="49" charset="0"/>
-                <a:cs typeface="Courier New" panose="02070309020205020404" pitchFamily="49" charset="0"/>
-              </a:rPr>
-              <a:t>sp|Q9ES19|ATF4_RAT Cyclic AMP-dependent transcription factor ATF-4 OS=Rattus norvegicus OX=10116 GN=Atf4 PE=1 SV=1</a:t>
-            </a:r>
-            <a:br>
-              <a:rPr lang="en-US" sz="1640" dirty="0">
-                <a:latin typeface="Courier New" panose="02070309020205020404" pitchFamily="49" charset="0"/>
-                <a:cs typeface="Courier New" panose="02070309020205020404" pitchFamily="49" charset="0"/>
-              </a:rPr>
-            </a:br>
-            <a:r>
-              <a:rPr lang="en-US" sz="1640" dirty="0">
-                <a:latin typeface="Courier New" panose="02070309020205020404" pitchFamily="49" charset="0"/>
-                <a:cs typeface="Courier New" panose="02070309020205020404" pitchFamily="49" charset="0"/>
-              </a:rPr>
-              <a:t>MTEMSFLNSEVLAGDLMSPFDQSGLGAEESLGLLDDYLEVAKHFKPHGFSSDKAGSSEWL</a:t>
-            </a:r>
-            <a:br>
-              <a:rPr lang="en-US" sz="1640" dirty="0">
-                <a:latin typeface="Courier New" panose="02070309020205020404" pitchFamily="49" charset="0"/>
-                <a:cs typeface="Courier New" panose="02070309020205020404" pitchFamily="49" charset="0"/>
-              </a:rPr>
-            </a:br>
-            <a:r>
-              <a:rPr lang="en-US" sz="1640" dirty="0">
-                <a:latin typeface="Courier New" panose="02070309020205020404" pitchFamily="49" charset="0"/>
-                <a:cs typeface="Courier New" panose="02070309020205020404" pitchFamily="49" charset="0"/>
-              </a:rPr>
-              <a:t>...</a:t>
-            </a:r>
-          </a:p>
-        </p:txBody>
-      </p:sp>
-    </p:spTree>
-    <p:extLst>
-      <p:ext uri="{BB962C8B-B14F-4D97-AF65-F5344CB8AC3E}">
-        <p14:creationId xmlns:p14="http://schemas.microsoft.com/office/powerpoint/2010/main" val="2768143595"/>
-      </p:ext>
-    </p:extLst>
-  </p:cSld>
-  <p:clrMapOvr>
-    <a:masterClrMapping/>
-  </p:clrMapOvr>
-</p:sld>
-</file>
-
 <file path=ppt/slides/slide66.xml><?xml version="1.0" encoding="utf-8"?>
 <p:sld xmlns:a="http://schemas.openxmlformats.org/drawingml/2006/main" xmlns:r="http://schemas.openxmlformats.org/officeDocument/2006/relationships" xmlns:p="http://schemas.openxmlformats.org/presentationml/2006/main">
   <p:cSld>
@@ -24834,7 +24977,7 @@
           <p:cNvPr id="2" name="Title 1">
             <a:extLst>
               <a:ext uri="{FF2B5EF4-FFF2-40B4-BE49-F238E27FC236}">
-                <a16:creationId xmlns:a16="http://schemas.microsoft.com/office/drawing/2014/main" id="{65A94663-BE8F-F139-985F-62B1321FF839}"/>
+                <a16:creationId xmlns:a16="http://schemas.microsoft.com/office/drawing/2014/main" id="{0C28A41E-1C09-F0C0-19CB-22B134C5DF4B}"/>
               </a:ext>
             </a:extLst>
           </p:cNvPr>
@@ -24847,33 +24990,32 @@
         </p:nvSpPr>
         <p:spPr/>
         <p:txBody>
-          <a:bodyPr/>
+          <a:bodyPr>
+            <a:normAutofit fontScale="90000"/>
+          </a:bodyPr>
           <a:lstStyle/>
           <a:p>
             <a:pPr algn="ctr"/>
+            <a:r>
+              <a:rPr lang="en-US" dirty="0">
+                <a:latin typeface="National Park " pitchFamily="2" charset="77"/>
+                <a:cs typeface="Courier New" panose="02070309020205020404" pitchFamily="49" charset="0"/>
+              </a:rPr>
+              <a:t>How does a </a:t>
+            </a:r>
             <a:r>
               <a:rPr lang="en-US" dirty="0" err="1">
                 <a:latin typeface="National Park " pitchFamily="2" charset="77"/>
-              </a:rPr>
-              <a:t>split.awk</a:t>
+                <a:cs typeface="Courier New" panose="02070309020205020404" pitchFamily="49" charset="0"/>
+              </a:rPr>
+              <a:t>Fasta</a:t>
             </a:r>
             <a:r>
               <a:rPr lang="en-US" dirty="0">
                 <a:latin typeface="National Park " pitchFamily="2" charset="77"/>
-              </a:rPr>
-              <a:t>: Split the </a:t>
-            </a:r>
-            <a:r>
-              <a:rPr lang="en-US" dirty="0" err="1">
-                <a:latin typeface="National Park " pitchFamily="2" charset="77"/>
-              </a:rPr>
-              <a:t>Fasta</a:t>
-            </a:r>
-            <a:r>
-              <a:rPr lang="en-US" dirty="0">
-                <a:latin typeface="National Park " pitchFamily="2" charset="77"/>
-              </a:rPr>
-              <a:t> file</a:t>
+                <a:cs typeface="Courier New" panose="02070309020205020404" pitchFamily="49" charset="0"/>
+              </a:rPr>
+              <a:t> File Look: each protein desc begins with ‘&gt;’</a:t>
             </a:r>
           </a:p>
         </p:txBody>
@@ -24883,7 +25025,7 @@
           <p:cNvPr id="3" name="Content Placeholder 2">
             <a:extLst>
               <a:ext uri="{FF2B5EF4-FFF2-40B4-BE49-F238E27FC236}">
-                <a16:creationId xmlns:a16="http://schemas.microsoft.com/office/drawing/2014/main" id="{DD914E1B-0402-D50B-34B6-F955E29BD02C}"/>
+                <a16:creationId xmlns:a16="http://schemas.microsoft.com/office/drawing/2014/main" id="{FD6FF26F-55F2-B6F3-DC7F-AB9CF6D4E6D1}"/>
               </a:ext>
             </a:extLst>
           </p:cNvPr>
@@ -24896,378 +25038,170 @@
         </p:nvSpPr>
         <p:spPr/>
         <p:txBody>
-          <a:bodyPr>
-            <a:normAutofit fontScale="77500" lnSpcReduction="20000"/>
-          </a:bodyPr>
+          <a:bodyPr/>
           <a:lstStyle/>
           <a:p>
             <a:pPr marL="0" indent="0">
               <a:buNone/>
             </a:pPr>
             <a:r>
-              <a:rPr lang="en-US" dirty="0">
-                <a:latin typeface="Courier New" panose="02070309020205020404" pitchFamily="49" charset="0"/>
-                <a:cs typeface="Courier New" panose="02070309020205020404" pitchFamily="49" charset="0"/>
-              </a:rPr>
-              <a:t>BEGIN{</a:t>
+              <a:rPr lang="en-US" sz="1640" dirty="0">
+                <a:latin typeface="Courier New" panose="02070309020205020404" pitchFamily="49" charset="0"/>
+                <a:cs typeface="Courier New" panose="02070309020205020404" pitchFamily="49" charset="0"/>
+              </a:rPr>
+              <a:t>...</a:t>
             </a:r>
             <a:br>
-              <a:rPr lang="en-US" dirty="0">
+              <a:rPr lang="en-US" sz="1640" dirty="0">
                 <a:latin typeface="Courier New" panose="02070309020205020404" pitchFamily="49" charset="0"/>
                 <a:cs typeface="Courier New" panose="02070309020205020404" pitchFamily="49" charset="0"/>
               </a:rPr>
             </a:br>
             <a:r>
-              <a:rPr lang="en-US" dirty="0">
-                <a:latin typeface="Courier New" panose="02070309020205020404" pitchFamily="49" charset="0"/>
-                <a:cs typeface="Courier New" panose="02070309020205020404" pitchFamily="49" charset="0"/>
-              </a:rPr>
-              <a:t> </a:t>
+              <a:rPr lang="en-US" sz="1640" b="1" dirty="0">
+                <a:latin typeface="Courier New" panose="02070309020205020404" pitchFamily="49" charset="0"/>
+                <a:cs typeface="Courier New" panose="02070309020205020404" pitchFamily="49" charset="0"/>
+              </a:rPr>
+              <a:t>&gt;</a:t>
+            </a:r>
+            <a:r>
+              <a:rPr lang="en-US" sz="1640" dirty="0">
+                <a:latin typeface="Courier New" panose="02070309020205020404" pitchFamily="49" charset="0"/>
+                <a:cs typeface="Courier New" panose="02070309020205020404" pitchFamily="49" charset="0"/>
+              </a:rPr>
+              <a:t>sp|Q06507|ATF4_MOUSE Cyclic AMP-dependent transcription factor ATF-4 OS=Mus musculus OX=10090 GN=Atf4 PE=1 SV=2</a:t>
             </a:r>
             <a:br>
-              <a:rPr lang="en-US" dirty="0">
+              <a:rPr lang="en-US" sz="1640" dirty="0">
                 <a:latin typeface="Courier New" panose="02070309020205020404" pitchFamily="49" charset="0"/>
                 <a:cs typeface="Courier New" panose="02070309020205020404" pitchFamily="49" charset="0"/>
               </a:rPr>
             </a:br>
             <a:r>
-              <a:rPr lang="en-US" dirty="0">
-                <a:latin typeface="Courier New" panose="02070309020205020404" pitchFamily="49" charset="0"/>
-                <a:cs typeface="Courier New" panose="02070309020205020404" pitchFamily="49" charset="0"/>
-              </a:rPr>
-              <a:t> "grep '&gt;' </a:t>
-            </a:r>
-            <a:r>
-              <a:rPr lang="en-US" dirty="0" err="1">
-                <a:latin typeface="Courier New" panose="02070309020205020404" pitchFamily="49" charset="0"/>
-                <a:cs typeface="Courier New" panose="02070309020205020404" pitchFamily="49" charset="0"/>
-              </a:rPr>
-              <a:t>uniprot_sprot.fasta</a:t>
-            </a:r>
-            <a:r>
-              <a:rPr lang="en-US" dirty="0">
-                <a:latin typeface="Courier New" panose="02070309020205020404" pitchFamily="49" charset="0"/>
-                <a:cs typeface="Courier New" panose="02070309020205020404" pitchFamily="49" charset="0"/>
-              </a:rPr>
-              <a:t> -c" | </a:t>
-            </a:r>
-            <a:r>
-              <a:rPr lang="en-US" dirty="0" err="1">
-                <a:latin typeface="Courier New" panose="02070309020205020404" pitchFamily="49" charset="0"/>
-                <a:cs typeface="Courier New" panose="02070309020205020404" pitchFamily="49" charset="0"/>
-              </a:rPr>
-              <a:t>getline</a:t>
-            </a:r>
-            <a:r>
-              <a:rPr lang="en-US" dirty="0">
-                <a:latin typeface="Courier New" panose="02070309020205020404" pitchFamily="49" charset="0"/>
-                <a:cs typeface="Courier New" panose="02070309020205020404" pitchFamily="49" charset="0"/>
-              </a:rPr>
-              <a:t> </a:t>
-            </a:r>
-            <a:r>
-              <a:rPr lang="en-US" dirty="0" err="1">
-                <a:latin typeface="Courier New" panose="02070309020205020404" pitchFamily="49" charset="0"/>
-                <a:cs typeface="Courier New" panose="02070309020205020404" pitchFamily="49" charset="0"/>
-              </a:rPr>
-              <a:t>totprots</a:t>
+              <a:rPr lang="en-US" sz="1640" dirty="0">
+                <a:latin typeface="Courier New" panose="02070309020205020404" pitchFamily="49" charset="0"/>
+                <a:cs typeface="Courier New" panose="02070309020205020404" pitchFamily="49" charset="0"/>
+              </a:rPr>
+              <a:t>MTEMSFLNSEVLAGDLMSPFDQSGLGAEESLGLLDDYLEVAKHLKPHGFSSDKAGSSEWP</a:t>
             </a:r>
             <a:br>
-              <a:rPr lang="en-US" dirty="0">
+              <a:rPr lang="en-US" sz="1640" dirty="0">
                 <a:latin typeface="Courier New" panose="02070309020205020404" pitchFamily="49" charset="0"/>
                 <a:cs typeface="Courier New" panose="02070309020205020404" pitchFamily="49" charset="0"/>
               </a:rPr>
             </a:br>
             <a:r>
-              <a:rPr lang="en-US" dirty="0">
-                <a:latin typeface="Courier New" panose="02070309020205020404" pitchFamily="49" charset="0"/>
-                <a:cs typeface="Courier New" panose="02070309020205020404" pitchFamily="49" charset="0"/>
-              </a:rPr>
-              <a:t>   </a:t>
-            </a:r>
-            <a:r>
-              <a:rPr lang="en-US" dirty="0" err="1">
-                <a:latin typeface="Courier New" panose="02070309020205020404" pitchFamily="49" charset="0"/>
-                <a:cs typeface="Courier New" panose="02070309020205020404" pitchFamily="49" charset="0"/>
-              </a:rPr>
-              <a:t>chunksize</a:t>
-            </a:r>
-            <a:r>
-              <a:rPr lang="en-US" dirty="0">
-                <a:latin typeface="Courier New" panose="02070309020205020404" pitchFamily="49" charset="0"/>
-                <a:cs typeface="Courier New" panose="02070309020205020404" pitchFamily="49" charset="0"/>
-              </a:rPr>
-              <a:t> = int(</a:t>
-            </a:r>
-            <a:r>
-              <a:rPr lang="en-US" dirty="0" err="1">
-                <a:latin typeface="Courier New" panose="02070309020205020404" pitchFamily="49" charset="0"/>
-                <a:cs typeface="Courier New" panose="02070309020205020404" pitchFamily="49" charset="0"/>
-              </a:rPr>
-              <a:t>totprots</a:t>
-            </a:r>
-            <a:r>
-              <a:rPr lang="en-US" dirty="0">
-                <a:latin typeface="Courier New" panose="02070309020205020404" pitchFamily="49" charset="0"/>
-                <a:cs typeface="Courier New" panose="02070309020205020404" pitchFamily="49" charset="0"/>
-              </a:rPr>
-              <a:t> / 512) + 1; n = 0;</a:t>
+              <a:rPr lang="en-US" sz="1640" dirty="0">
+                <a:latin typeface="Courier New" panose="02070309020205020404" pitchFamily="49" charset="0"/>
+                <a:cs typeface="Courier New" panose="02070309020205020404" pitchFamily="49" charset="0"/>
+              </a:rPr>
+              <a:t>AMDDGLASASDTGKEDAFSGTDWMLEKMDLKEFDFDALFRMDDLETMPDELLTTLDDTCD</a:t>
             </a:r>
             <a:br>
-              <a:rPr lang="en-US" dirty="0">
+              <a:rPr lang="en-US" sz="1640" dirty="0">
                 <a:latin typeface="Courier New" panose="02070309020205020404" pitchFamily="49" charset="0"/>
                 <a:cs typeface="Courier New" panose="02070309020205020404" pitchFamily="49" charset="0"/>
               </a:rPr>
             </a:br>
             <a:r>
-              <a:rPr lang="en-US" dirty="0">
-                <a:latin typeface="Courier New" panose="02070309020205020404" pitchFamily="49" charset="0"/>
-                <a:cs typeface="Courier New" panose="02070309020205020404" pitchFamily="49" charset="0"/>
-              </a:rPr>
-              <a:t> }</a:t>
+              <a:rPr lang="en-US" sz="1640" dirty="0">
+                <a:latin typeface="Courier New" panose="02070309020205020404" pitchFamily="49" charset="0"/>
+                <a:cs typeface="Courier New" panose="02070309020205020404" pitchFamily="49" charset="0"/>
+              </a:rPr>
+              <a:t>LFAPLVQETNKEPPQTVNPIGHLPESLIKVDQVAPFTFLQPFPCSPGVLSSTPEHSFSLE</a:t>
             </a:r>
             <a:br>
-              <a:rPr lang="en-US" dirty="0">
+              <a:rPr lang="en-US" sz="1640" dirty="0">
                 <a:latin typeface="Courier New" panose="02070309020205020404" pitchFamily="49" charset="0"/>
                 <a:cs typeface="Courier New" panose="02070309020205020404" pitchFamily="49" charset="0"/>
               </a:rPr>
             </a:br>
             <a:r>
-              <a:rPr lang="en-US" dirty="0">
-                <a:latin typeface="Courier New" panose="02070309020205020404" pitchFamily="49" charset="0"/>
-                <a:cs typeface="Courier New" panose="02070309020205020404" pitchFamily="49" charset="0"/>
-              </a:rPr>
-              <a:t> </a:t>
+              <a:rPr lang="en-US" sz="1640" dirty="0">
+                <a:latin typeface="Courier New" panose="02070309020205020404" pitchFamily="49" charset="0"/>
+                <a:cs typeface="Courier New" panose="02070309020205020404" pitchFamily="49" charset="0"/>
+              </a:rPr>
+              <a:t>LGSEVDISEGDRKPDSAAYITLIPPCVKEEDTPSDNDSGICMSPESYLGSPQHSPSTSRA</a:t>
             </a:r>
             <a:br>
-              <a:rPr lang="en-US" dirty="0">
+              <a:rPr lang="en-US" sz="1640" dirty="0">
                 <a:latin typeface="Courier New" panose="02070309020205020404" pitchFamily="49" charset="0"/>
                 <a:cs typeface="Courier New" panose="02070309020205020404" pitchFamily="49" charset="0"/>
               </a:rPr>
             </a:br>
             <a:r>
-              <a:rPr lang="en-US" dirty="0">
-                <a:latin typeface="Courier New" panose="02070309020205020404" pitchFamily="49" charset="0"/>
-                <a:cs typeface="Courier New" panose="02070309020205020404" pitchFamily="49" charset="0"/>
-              </a:rPr>
-              <a:t> </a:t>
-            </a:r>
-            <a:r>
-              <a:rPr lang="en-US" b="1" dirty="0">
-                <a:latin typeface="Courier New" panose="02070309020205020404" pitchFamily="49" charset="0"/>
-                <a:cs typeface="Courier New" panose="02070309020205020404" pitchFamily="49" charset="0"/>
-              </a:rPr>
-              <a:t>/^&gt;/</a:t>
-            </a:r>
-            <a:r>
-              <a:rPr lang="en-US" dirty="0">
-                <a:latin typeface="Courier New" panose="02070309020205020404" pitchFamily="49" charset="0"/>
-                <a:cs typeface="Courier New" panose="02070309020205020404" pitchFamily="49" charset="0"/>
-              </a:rPr>
-              <a:t> {</a:t>
+              <a:rPr lang="en-US" sz="1640" dirty="0">
+                <a:latin typeface="Courier New" panose="02070309020205020404" pitchFamily="49" charset="0"/>
+                <a:cs typeface="Courier New" panose="02070309020205020404" pitchFamily="49" charset="0"/>
+              </a:rPr>
+              <a:t>PPDNLPSPGGSRGSPRPKPYDPPGVSLTAKVKTEKLDKKLKKMEQNKTAATRYRQKKRAE</a:t>
             </a:r>
             <a:br>
-              <a:rPr lang="en-US" dirty="0">
+              <a:rPr lang="en-US" sz="1640" dirty="0">
                 <a:latin typeface="Courier New" panose="02070309020205020404" pitchFamily="49" charset="0"/>
                 <a:cs typeface="Courier New" panose="02070309020205020404" pitchFamily="49" charset="0"/>
               </a:rPr>
             </a:br>
             <a:r>
-              <a:rPr lang="en-US" dirty="0">
-                <a:latin typeface="Courier New" panose="02070309020205020404" pitchFamily="49" charset="0"/>
-                <a:cs typeface="Courier New" panose="02070309020205020404" pitchFamily="49" charset="0"/>
-              </a:rPr>
-              <a:t>       if(n % </a:t>
-            </a:r>
-            <a:r>
-              <a:rPr lang="en-US" dirty="0" err="1">
-                <a:latin typeface="Courier New" panose="02070309020205020404" pitchFamily="49" charset="0"/>
-                <a:cs typeface="Courier New" panose="02070309020205020404" pitchFamily="49" charset="0"/>
-              </a:rPr>
-              <a:t>chunksize</a:t>
-            </a:r>
-            <a:r>
-              <a:rPr lang="en-US" dirty="0">
-                <a:latin typeface="Courier New" panose="02070309020205020404" pitchFamily="49" charset="0"/>
-                <a:cs typeface="Courier New" panose="02070309020205020404" pitchFamily="49" charset="0"/>
-              </a:rPr>
-              <a:t>==0)</a:t>
+              <a:rPr lang="en-US" sz="1640" dirty="0">
+                <a:latin typeface="Courier New" panose="02070309020205020404" pitchFamily="49" charset="0"/>
+                <a:cs typeface="Courier New" panose="02070309020205020404" pitchFamily="49" charset="0"/>
+              </a:rPr>
+              <a:t>QEALTGECKELEKKNEALKEKADSLAKEIQYLKDLIEEVRKARGKKRVP</a:t>
             </a:r>
             <a:br>
-              <a:rPr lang="en-US" dirty="0">
+              <a:rPr lang="en-US" sz="1640" dirty="0">
                 <a:latin typeface="Courier New" panose="02070309020205020404" pitchFamily="49" charset="0"/>
                 <a:cs typeface="Courier New" panose="02070309020205020404" pitchFamily="49" charset="0"/>
               </a:rPr>
             </a:br>
             <a:r>
-              <a:rPr lang="en-US" dirty="0">
-                <a:latin typeface="Courier New" panose="02070309020205020404" pitchFamily="49" charset="0"/>
-                <a:cs typeface="Courier New" panose="02070309020205020404" pitchFamily="49" charset="0"/>
-              </a:rPr>
-              <a:t>         file=</a:t>
-            </a:r>
-            <a:r>
-              <a:rPr lang="en-US" dirty="0" err="1">
-                <a:latin typeface="Courier New" panose="02070309020205020404" pitchFamily="49" charset="0"/>
-                <a:cs typeface="Courier New" panose="02070309020205020404" pitchFamily="49" charset="0"/>
-              </a:rPr>
-              <a:t>sprintf</a:t>
-            </a:r>
-            <a:r>
-              <a:rPr lang="en-US" dirty="0">
-                <a:latin typeface="Courier New" panose="02070309020205020404" pitchFamily="49" charset="0"/>
-                <a:cs typeface="Courier New" panose="02070309020205020404" pitchFamily="49" charset="0"/>
-              </a:rPr>
-              <a:t>("</a:t>
-            </a:r>
-            <a:r>
-              <a:rPr lang="en-US" dirty="0" err="1">
-                <a:latin typeface="Courier New" panose="02070309020205020404" pitchFamily="49" charset="0"/>
-                <a:cs typeface="Courier New" panose="02070309020205020404" pitchFamily="49" charset="0"/>
-              </a:rPr>
-              <a:t>uniprot</a:t>
-            </a:r>
-            <a:r>
-              <a:rPr lang="en-US" dirty="0">
-                <a:latin typeface="Courier New" panose="02070309020205020404" pitchFamily="49" charset="0"/>
-                <a:cs typeface="Courier New" panose="02070309020205020404" pitchFamily="49" charset="0"/>
-              </a:rPr>
-              <a:t>_%</a:t>
-            </a:r>
-            <a:r>
-              <a:rPr lang="en-US" dirty="0" err="1">
-                <a:latin typeface="Courier New" panose="02070309020205020404" pitchFamily="49" charset="0"/>
-                <a:cs typeface="Courier New" panose="02070309020205020404" pitchFamily="49" charset="0"/>
-              </a:rPr>
-              <a:t>d.fasta</a:t>
-            </a:r>
-            <a:r>
-              <a:rPr lang="en-US" dirty="0">
-                <a:latin typeface="Courier New" panose="02070309020205020404" pitchFamily="49" charset="0"/>
-                <a:cs typeface="Courier New" panose="02070309020205020404" pitchFamily="49" charset="0"/>
-              </a:rPr>
-              <a:t>", 1 + (n % 512))</a:t>
+              <a:rPr lang="en-US" sz="1640" b="1" dirty="0">
+                <a:latin typeface="Courier New" panose="02070309020205020404" pitchFamily="49" charset="0"/>
+                <a:cs typeface="Courier New" panose="02070309020205020404" pitchFamily="49" charset="0"/>
+              </a:rPr>
+              <a:t>&gt;</a:t>
+            </a:r>
+            <a:r>
+              <a:rPr lang="en-US" sz="1640" dirty="0">
+                <a:latin typeface="Courier New" panose="02070309020205020404" pitchFamily="49" charset="0"/>
+                <a:cs typeface="Courier New" panose="02070309020205020404" pitchFamily="49" charset="0"/>
+              </a:rPr>
+              <a:t>sp|Q9ES19|ATF4_RAT Cyclic AMP-dependent transcription factor ATF-4 OS=Rattus norvegicus OX=10116 GN=Atf4 PE=1 SV=1</a:t>
             </a:r>
             <a:br>
-              <a:rPr lang="en-US" dirty="0">
+              <a:rPr lang="en-US" sz="1640" dirty="0">
                 <a:latin typeface="Courier New" panose="02070309020205020404" pitchFamily="49" charset="0"/>
                 <a:cs typeface="Courier New" panose="02070309020205020404" pitchFamily="49" charset="0"/>
               </a:rPr>
             </a:br>
             <a:r>
-              <a:rPr lang="en-US" dirty="0">
-                <a:latin typeface="Courier New" panose="02070309020205020404" pitchFamily="49" charset="0"/>
-                <a:cs typeface="Courier New" panose="02070309020205020404" pitchFamily="49" charset="0"/>
-              </a:rPr>
-              <a:t> </a:t>
+              <a:rPr lang="en-US" sz="1640" dirty="0">
+                <a:latin typeface="Courier New" panose="02070309020205020404" pitchFamily="49" charset="0"/>
+                <a:cs typeface="Courier New" panose="02070309020205020404" pitchFamily="49" charset="0"/>
+              </a:rPr>
+              <a:t>MTEMSFLNSEVLAGDLMSPFDQSGLGAEESLGLLDDYLEVAKHFKPHGFSSDKAGSSEWL</a:t>
             </a:r>
             <a:br>
-              <a:rPr lang="en-US" dirty="0">
+              <a:rPr lang="en-US" sz="1640" dirty="0">
                 <a:latin typeface="Courier New" panose="02070309020205020404" pitchFamily="49" charset="0"/>
                 <a:cs typeface="Courier New" panose="02070309020205020404" pitchFamily="49" charset="0"/>
               </a:rPr>
             </a:br>
             <a:r>
-              <a:rPr lang="en-US" dirty="0">
-                <a:latin typeface="Courier New" panose="02070309020205020404" pitchFamily="49" charset="0"/>
-                <a:cs typeface="Courier New" panose="02070309020205020404" pitchFamily="49" charset="0"/>
-              </a:rPr>
-              <a:t>      print &gt;&gt; file</a:t>
-            </a:r>
-            <a:br>
-              <a:rPr lang="en-US" dirty="0">
-                <a:latin typeface="Courier New" panose="02070309020205020404" pitchFamily="49" charset="0"/>
-                <a:cs typeface="Courier New" panose="02070309020205020404" pitchFamily="49" charset="0"/>
-              </a:rPr>
-            </a:br>
-            <a:r>
-              <a:rPr lang="en-US" dirty="0">
-                <a:latin typeface="Courier New" panose="02070309020205020404" pitchFamily="49" charset="0"/>
-                <a:cs typeface="Courier New" panose="02070309020205020404" pitchFamily="49" charset="0"/>
-              </a:rPr>
-              <a:t>      n++; next;</a:t>
-            </a:r>
-            <a:br>
-              <a:rPr lang="en-US" dirty="0">
-                <a:latin typeface="Courier New" panose="02070309020205020404" pitchFamily="49" charset="0"/>
-                <a:cs typeface="Courier New" panose="02070309020205020404" pitchFamily="49" charset="0"/>
-              </a:rPr>
-            </a:br>
-            <a:r>
-              <a:rPr lang="en-US" dirty="0">
-                <a:latin typeface="Courier New" panose="02070309020205020404" pitchFamily="49" charset="0"/>
-                <a:cs typeface="Courier New" panose="02070309020205020404" pitchFamily="49" charset="0"/>
-              </a:rPr>
-              <a:t> }</a:t>
-            </a:r>
-            <a:br>
-              <a:rPr lang="en-US" dirty="0">
-                <a:latin typeface="Courier New" panose="02070309020205020404" pitchFamily="49" charset="0"/>
-                <a:cs typeface="Courier New" panose="02070309020205020404" pitchFamily="49" charset="0"/>
-              </a:rPr>
-            </a:br>
-            <a:r>
-              <a:rPr lang="en-US" dirty="0">
-                <a:latin typeface="Courier New" panose="02070309020205020404" pitchFamily="49" charset="0"/>
-                <a:cs typeface="Courier New" panose="02070309020205020404" pitchFamily="49" charset="0"/>
-              </a:rPr>
-              <a:t> </a:t>
-            </a:r>
-            <a:br>
-              <a:rPr lang="en-US" dirty="0">
-                <a:latin typeface="Courier New" panose="02070309020205020404" pitchFamily="49" charset="0"/>
-                <a:cs typeface="Courier New" panose="02070309020205020404" pitchFamily="49" charset="0"/>
-              </a:rPr>
-            </a:br>
-            <a:r>
-              <a:rPr lang="en-US" dirty="0">
-                <a:latin typeface="Courier New" panose="02070309020205020404" pitchFamily="49" charset="0"/>
-                <a:cs typeface="Courier New" panose="02070309020205020404" pitchFamily="49" charset="0"/>
-              </a:rPr>
-              <a:t> {</a:t>
-            </a:r>
-            <a:br>
-              <a:rPr lang="en-US" dirty="0">
-                <a:latin typeface="Courier New" panose="02070309020205020404" pitchFamily="49" charset="0"/>
-                <a:cs typeface="Courier New" panose="02070309020205020404" pitchFamily="49" charset="0"/>
-              </a:rPr>
-            </a:br>
-            <a:r>
-              <a:rPr lang="en-US" dirty="0">
-                <a:latin typeface="Courier New" panose="02070309020205020404" pitchFamily="49" charset="0"/>
-                <a:cs typeface="Courier New" panose="02070309020205020404" pitchFamily="49" charset="0"/>
-              </a:rPr>
-              <a:t>    print &gt;&gt; file</a:t>
-            </a:r>
-            <a:br>
-              <a:rPr lang="en-US" dirty="0">
-                <a:latin typeface="Courier New" panose="02070309020205020404" pitchFamily="49" charset="0"/>
-                <a:cs typeface="Courier New" panose="02070309020205020404" pitchFamily="49" charset="0"/>
-              </a:rPr>
-            </a:br>
-            <a:r>
-              <a:rPr lang="en-US" dirty="0">
-                <a:latin typeface="Courier New" panose="02070309020205020404" pitchFamily="49" charset="0"/>
-                <a:cs typeface="Courier New" panose="02070309020205020404" pitchFamily="49" charset="0"/>
-              </a:rPr>
-              <a:t> }</a:t>
-            </a:r>
-          </a:p>
-          <a:p>
-            <a:pPr marL="0" indent="0">
-              <a:buNone/>
-            </a:pPr>
-            <a:endParaRPr lang="en-US" dirty="0">
-              <a:latin typeface="Courier New" panose="02070309020205020404" pitchFamily="49" charset="0"/>
-              <a:cs typeface="Courier New" panose="02070309020205020404" pitchFamily="49" charset="0"/>
-            </a:endParaRPr>
+              <a:rPr lang="en-US" sz="1640" dirty="0">
+                <a:latin typeface="Courier New" panose="02070309020205020404" pitchFamily="49" charset="0"/>
+                <a:cs typeface="Courier New" panose="02070309020205020404" pitchFamily="49" charset="0"/>
+              </a:rPr>
+              <a:t>...</a:t>
+            </a:r>
           </a:p>
         </p:txBody>
       </p:sp>
     </p:spTree>
     <p:extLst>
       <p:ext uri="{BB962C8B-B14F-4D97-AF65-F5344CB8AC3E}">
-        <p14:creationId xmlns:p14="http://schemas.microsoft.com/office/powerpoint/2010/main" val="4034275266"/>
+        <p14:creationId xmlns:p14="http://schemas.microsoft.com/office/powerpoint/2010/main" val="2768143595"/>
       </p:ext>
     </p:extLst>
   </p:cSld>
@@ -25299,7 +25233,7 @@
           <p:cNvPr id="2" name="Title 1">
             <a:extLst>
               <a:ext uri="{FF2B5EF4-FFF2-40B4-BE49-F238E27FC236}">
-                <a16:creationId xmlns:a16="http://schemas.microsoft.com/office/drawing/2014/main" id="{BB32880E-3461-51C6-DCC7-DFA1EC09CD50}"/>
+                <a16:creationId xmlns:a16="http://schemas.microsoft.com/office/drawing/2014/main" id="{65A94663-BE8F-F139-985F-62B1321FF839}"/>
               </a:ext>
             </a:extLst>
           </p:cNvPr>
@@ -25317,10 +25251,28 @@
           <a:p>
             <a:pPr algn="ctr"/>
             <a:r>
-              <a:rPr lang="en-US" dirty="0">
+              <a:rPr lang="en-US" dirty="0" err="1">
                 <a:latin typeface="National Park " pitchFamily="2" charset="77"/>
               </a:rPr>
-              <a:t>driver / payload</a:t>
+              <a:t>split.awk</a:t>
+            </a:r>
+            <a:r>
+              <a:rPr lang="en-US" dirty="0">
+                <a:latin typeface="National Park " pitchFamily="2" charset="77"/>
+              </a:rPr>
+              <a:t>: Split the </a:t>
+            </a:r>
+            <a:r>
+              <a:rPr lang="en-US" dirty="0" err="1">
+                <a:latin typeface="National Park " pitchFamily="2" charset="77"/>
+              </a:rPr>
+              <a:t>Fasta</a:t>
+            </a:r>
+            <a:r>
+              <a:rPr lang="en-US" dirty="0">
+                <a:latin typeface="National Park " pitchFamily="2" charset="77"/>
+              </a:rPr>
+              <a:t> file</a:t>
             </a:r>
           </a:p>
         </p:txBody>
@@ -25330,7 +25282,7 @@
           <p:cNvPr id="3" name="Content Placeholder 2">
             <a:extLst>
               <a:ext uri="{FF2B5EF4-FFF2-40B4-BE49-F238E27FC236}">
-                <a16:creationId xmlns:a16="http://schemas.microsoft.com/office/drawing/2014/main" id="{DEAB976F-7778-54E8-5445-4E85E7388081}"/>
+                <a16:creationId xmlns:a16="http://schemas.microsoft.com/office/drawing/2014/main" id="{DD914E1B-0402-D50B-34B6-F955E29BD02C}"/>
               </a:ext>
             </a:extLst>
           </p:cNvPr>
@@ -25341,256 +25293,370 @@
             <p:ph idx="1"/>
           </p:nvPr>
         </p:nvSpPr>
-        <p:spPr>
-          <a:xfrm>
-            <a:off x="338711" y="1237522"/>
-            <a:ext cx="8564601" cy="2491516"/>
-          </a:xfrm>
-        </p:spPr>
+        <p:spPr/>
         <p:txBody>
           <a:bodyPr>
-            <a:normAutofit/>
+            <a:normAutofit fontScale="77500" lnSpcReduction="20000"/>
           </a:bodyPr>
           <a:lstStyle/>
           <a:p>
             <a:pPr marL="0" indent="0">
               <a:buNone/>
             </a:pPr>
+            <a:r>
+              <a:rPr lang="en-US" dirty="0">
+                <a:latin typeface="Courier New" panose="02070309020205020404" pitchFamily="49" charset="0"/>
+                <a:cs typeface="Courier New" panose="02070309020205020404" pitchFamily="49" charset="0"/>
+              </a:rPr>
+              <a:t>BEGIN{</a:t>
+            </a:r>
             <a:br>
-              <a:rPr lang="en-US" sz="1800" b="1" dirty="0">
+              <a:rPr lang="en-US" dirty="0">
                 <a:latin typeface="Courier New" panose="02070309020205020404" pitchFamily="49" charset="0"/>
                 <a:cs typeface="Courier New" panose="02070309020205020404" pitchFamily="49" charset="0"/>
               </a:rPr>
             </a:br>
             <a:r>
-              <a:rPr lang="en-US" sz="1800" b="1" dirty="0">
-                <a:latin typeface="Courier New" panose="02070309020205020404" pitchFamily="49" charset="0"/>
-                <a:cs typeface="Courier New" panose="02070309020205020404" pitchFamily="49" charset="0"/>
-              </a:rPr>
-              <a:t>find . -</a:t>
-            </a:r>
-            <a:r>
-              <a:rPr lang="en-US" sz="1800" b="1" dirty="0" err="1">
-                <a:latin typeface="Courier New" panose="02070309020205020404" pitchFamily="49" charset="0"/>
-                <a:cs typeface="Courier New" panose="02070309020205020404" pitchFamily="49" charset="0"/>
-              </a:rPr>
-              <a:t>iname</a:t>
-            </a:r>
-            <a:r>
-              <a:rPr lang="en-US" sz="1800" b="1" dirty="0">
-                <a:latin typeface="Courier New" panose="02070309020205020404" pitchFamily="49" charset="0"/>
-                <a:cs typeface="Courier New" panose="02070309020205020404" pitchFamily="49" charset="0"/>
-              </a:rPr>
-              <a:t> ‘*.</a:t>
-            </a:r>
-            <a:r>
-              <a:rPr lang="en-US" sz="1800" b="1" dirty="0" err="1">
-                <a:latin typeface="Courier New" panose="02070309020205020404" pitchFamily="49" charset="0"/>
-                <a:cs typeface="Courier New" panose="02070309020205020404" pitchFamily="49" charset="0"/>
-              </a:rPr>
-              <a:t>fasta</a:t>
-            </a:r>
-            <a:r>
-              <a:rPr lang="en-US" sz="1800" b="1" dirty="0">
-                <a:latin typeface="Courier New" panose="02070309020205020404" pitchFamily="49" charset="0"/>
-                <a:cs typeface="Courier New" panose="02070309020205020404" pitchFamily="49" charset="0"/>
-              </a:rPr>
-              <a:t>’</a:t>
-            </a:r>
-            <a:r>
-              <a:rPr lang="en-US" sz="1800" dirty="0">
-                <a:latin typeface="Courier New" panose="02070309020205020404" pitchFamily="49" charset="0"/>
-                <a:cs typeface="Courier New" panose="02070309020205020404" pitchFamily="49" charset="0"/>
-              </a:rPr>
-              <a:t> | awk -v NNODE="$SLURM_NNODES" -v NODEID="$SLURM_NODEID” 'NR % NNODE == NODEID' | \</a:t>
+              <a:rPr lang="en-US" dirty="0">
+                <a:latin typeface="Courier New" panose="02070309020205020404" pitchFamily="49" charset="0"/>
+                <a:cs typeface="Courier New" panose="02070309020205020404" pitchFamily="49" charset="0"/>
+              </a:rPr>
+              <a:t> </a:t>
             </a:r>
             <a:br>
-              <a:rPr lang="en-US" sz="1800" dirty="0">
+              <a:rPr lang="en-US" dirty="0">
                 <a:latin typeface="Courier New" panose="02070309020205020404" pitchFamily="49" charset="0"/>
                 <a:cs typeface="Courier New" panose="02070309020205020404" pitchFamily="49" charset="0"/>
               </a:rPr>
             </a:br>
+            <a:r>
+              <a:rPr lang="en-US" dirty="0">
+                <a:latin typeface="Courier New" panose="02070309020205020404" pitchFamily="49" charset="0"/>
+                <a:cs typeface="Courier New" panose="02070309020205020404" pitchFamily="49" charset="0"/>
+              </a:rPr>
+              <a:t> "grep '&gt;' </a:t>
+            </a:r>
+            <a:r>
+              <a:rPr lang="en-US" dirty="0" err="1">
+                <a:latin typeface="Courier New" panose="02070309020205020404" pitchFamily="49" charset="0"/>
+                <a:cs typeface="Courier New" panose="02070309020205020404" pitchFamily="49" charset="0"/>
+              </a:rPr>
+              <a:t>uniprot_sprot.fasta</a:t>
+            </a:r>
+            <a:r>
+              <a:rPr lang="en-US" dirty="0">
+                <a:latin typeface="Courier New" panose="02070309020205020404" pitchFamily="49" charset="0"/>
+                <a:cs typeface="Courier New" panose="02070309020205020404" pitchFamily="49" charset="0"/>
+              </a:rPr>
+              <a:t> -c" | </a:t>
+            </a:r>
+            <a:r>
+              <a:rPr lang="en-US" dirty="0" err="1">
+                <a:latin typeface="Courier New" panose="02070309020205020404" pitchFamily="49" charset="0"/>
+                <a:cs typeface="Courier New" panose="02070309020205020404" pitchFamily="49" charset="0"/>
+              </a:rPr>
+              <a:t>getline</a:t>
+            </a:r>
+            <a:r>
+              <a:rPr lang="en-US" dirty="0">
+                <a:latin typeface="Courier New" panose="02070309020205020404" pitchFamily="49" charset="0"/>
+                <a:cs typeface="Courier New" panose="02070309020205020404" pitchFamily="49" charset="0"/>
+              </a:rPr>
+              <a:t> </a:t>
+            </a:r>
+            <a:r>
+              <a:rPr lang="en-US" dirty="0" err="1">
+                <a:latin typeface="Courier New" panose="02070309020205020404" pitchFamily="49" charset="0"/>
+                <a:cs typeface="Courier New" panose="02070309020205020404" pitchFamily="49" charset="0"/>
+              </a:rPr>
+              <a:t>totprots</a:t>
+            </a:r>
             <a:br>
-              <a:rPr lang="en-US" sz="1800" dirty="0">
+              <a:rPr lang="en-US" dirty="0">
                 <a:latin typeface="Courier New" panose="02070309020205020404" pitchFamily="49" charset="0"/>
                 <a:cs typeface="Courier New" panose="02070309020205020404" pitchFamily="49" charset="0"/>
               </a:rPr>
             </a:br>
             <a:r>
-              <a:rPr lang="en-US" sz="1800" b="1" dirty="0">
-                <a:latin typeface="Courier New" panose="02070309020205020404" pitchFamily="49" charset="0"/>
-                <a:cs typeface="Courier New" panose="02070309020205020404" pitchFamily="49" charset="0"/>
-              </a:rPr>
-              <a:t>parallel </a:t>
-            </a:r>
-            <a:r>
-              <a:rPr lang="en-US" sz="1800" dirty="0">
-                <a:latin typeface="Courier New" panose="02070309020205020404" pitchFamily="49" charset="0"/>
-                <a:cs typeface="Courier New" panose="02070309020205020404" pitchFamily="49" charset="0"/>
-              </a:rPr>
-              <a:t>-j 32 $PROJ/hmmer-3.3/install/bin/</a:t>
-            </a:r>
-            <a:r>
-              <a:rPr lang="en-US" sz="1800" dirty="0" err="1">
-                <a:latin typeface="Courier New" panose="02070309020205020404" pitchFamily="49" charset="0"/>
-                <a:cs typeface="Courier New" panose="02070309020205020404" pitchFamily="49" charset="0"/>
-              </a:rPr>
-              <a:t>hmmsearch</a:t>
-            </a:r>
-            <a:r>
-              <a:rPr lang="en-US" sz="1800" dirty="0">
+              <a:rPr lang="en-US" dirty="0">
+                <a:latin typeface="Courier New" panose="02070309020205020404" pitchFamily="49" charset="0"/>
+                <a:cs typeface="Courier New" panose="02070309020205020404" pitchFamily="49" charset="0"/>
+              </a:rPr>
+              <a:t>   </a:t>
+            </a:r>
+            <a:r>
+              <a:rPr lang="en-US" dirty="0" err="1">
+                <a:latin typeface="Courier New" panose="02070309020205020404" pitchFamily="49" charset="0"/>
+                <a:cs typeface="Courier New" panose="02070309020205020404" pitchFamily="49" charset="0"/>
+              </a:rPr>
+              <a:t>chunksize</a:t>
+            </a:r>
+            <a:r>
+              <a:rPr lang="en-US" dirty="0">
+                <a:latin typeface="Courier New" panose="02070309020205020404" pitchFamily="49" charset="0"/>
+                <a:cs typeface="Courier New" panose="02070309020205020404" pitchFamily="49" charset="0"/>
+              </a:rPr>
+              <a:t> = int(</a:t>
+            </a:r>
+            <a:r>
+              <a:rPr lang="en-US" dirty="0" err="1">
+                <a:latin typeface="Courier New" panose="02070309020205020404" pitchFamily="49" charset="0"/>
+                <a:cs typeface="Courier New" panose="02070309020205020404" pitchFamily="49" charset="0"/>
+              </a:rPr>
+              <a:t>totprots</a:t>
+            </a:r>
+            <a:r>
+              <a:rPr lang="en-US" dirty="0">
+                <a:latin typeface="Courier New" panose="02070309020205020404" pitchFamily="49" charset="0"/>
+                <a:cs typeface="Courier New" panose="02070309020205020404" pitchFamily="49" charset="0"/>
+              </a:rPr>
+              <a:t> / 512) + 1; n = 0;</a:t>
+            </a:r>
+            <a:br>
+              <a:rPr lang="en-US" dirty="0">
+                <a:latin typeface="Courier New" panose="02070309020205020404" pitchFamily="49" charset="0"/>
+                <a:cs typeface="Courier New" panose="02070309020205020404" pitchFamily="49" charset="0"/>
+              </a:rPr>
+            </a:br>
+            <a:r>
+              <a:rPr lang="en-US" dirty="0">
+                <a:latin typeface="Courier New" panose="02070309020205020404" pitchFamily="49" charset="0"/>
+                <a:cs typeface="Courier New" panose="02070309020205020404" pitchFamily="49" charset="0"/>
+              </a:rPr>
+              <a:t> }</a:t>
+            </a:r>
+            <a:br>
+              <a:rPr lang="en-US" dirty="0">
+                <a:latin typeface="Courier New" panose="02070309020205020404" pitchFamily="49" charset="0"/>
+                <a:cs typeface="Courier New" panose="02070309020205020404" pitchFamily="49" charset="0"/>
+              </a:rPr>
+            </a:br>
+            <a:r>
+              <a:rPr lang="en-US" dirty="0">
                 <a:latin typeface="Courier New" panose="02070309020205020404" pitchFamily="49" charset="0"/>
                 <a:cs typeface="Courier New" panose="02070309020205020404" pitchFamily="49" charset="0"/>
               </a:rPr>
               <a:t> </a:t>
             </a:r>
             <a:br>
-              <a:rPr lang="en-US" sz="1800" dirty="0">
+              <a:rPr lang="en-US" dirty="0">
                 <a:latin typeface="Courier New" panose="02070309020205020404" pitchFamily="49" charset="0"/>
                 <a:cs typeface="Courier New" panose="02070309020205020404" pitchFamily="49" charset="0"/>
               </a:rPr>
             </a:br>
             <a:r>
-              <a:rPr lang="en-US" sz="1800" dirty="0">
-                <a:latin typeface="Courier New" panose="02070309020205020404" pitchFamily="49" charset="0"/>
-                <a:cs typeface="Courier New" panose="02070309020205020404" pitchFamily="49" charset="0"/>
-              </a:rPr>
-              <a:t>--</a:t>
-            </a:r>
-            <a:r>
-              <a:rPr lang="en-US" sz="1800" dirty="0" err="1">
-                <a:latin typeface="Courier New" panose="02070309020205020404" pitchFamily="49" charset="0"/>
-                <a:cs typeface="Courier New" panose="02070309020205020404" pitchFamily="49" charset="0"/>
-              </a:rPr>
-              <a:t>cpu</a:t>
-            </a:r>
-            <a:r>
-              <a:rPr lang="en-US" sz="1800" dirty="0">
-                <a:latin typeface="Courier New" panose="02070309020205020404" pitchFamily="49" charset="0"/>
-                <a:cs typeface="Courier New" panose="02070309020205020404" pitchFamily="49" charset="0"/>
-              </a:rPr>
-              <a:t> 4 --</a:t>
-            </a:r>
-            <a:r>
-              <a:rPr lang="en-US" sz="1800" dirty="0" err="1">
-                <a:latin typeface="Courier New" panose="02070309020205020404" pitchFamily="49" charset="0"/>
-                <a:cs typeface="Courier New" panose="02070309020205020404" pitchFamily="49" charset="0"/>
-              </a:rPr>
-              <a:t>noali</a:t>
-            </a:r>
-            <a:r>
-              <a:rPr lang="en-US" sz="1800" dirty="0">
-                <a:latin typeface="Courier New" panose="02070309020205020404" pitchFamily="49" charset="0"/>
-                <a:cs typeface="Courier New" panose="02070309020205020404" pitchFamily="49" charset="0"/>
-              </a:rPr>
-              <a:t> -o {//}/output_{/.}.txt </a:t>
+              <a:rPr lang="en-US" dirty="0">
+                <a:latin typeface="Courier New" panose="02070309020205020404" pitchFamily="49" charset="0"/>
+                <a:cs typeface="Courier New" panose="02070309020205020404" pitchFamily="49" charset="0"/>
+              </a:rPr>
+              <a:t> </a:t>
+            </a:r>
+            <a:r>
+              <a:rPr lang="en-US" b="1" dirty="0">
+                <a:latin typeface="Courier New" panose="02070309020205020404" pitchFamily="49" charset="0"/>
+                <a:cs typeface="Courier New" panose="02070309020205020404" pitchFamily="49" charset="0"/>
+              </a:rPr>
+              <a:t>/^&gt;/</a:t>
+            </a:r>
+            <a:r>
+              <a:rPr lang="en-US" dirty="0">
+                <a:latin typeface="Courier New" panose="02070309020205020404" pitchFamily="49" charset="0"/>
+                <a:cs typeface="Courier New" panose="02070309020205020404" pitchFamily="49" charset="0"/>
+              </a:rPr>
+              <a:t> {</a:t>
             </a:r>
             <a:br>
-              <a:rPr lang="en-US" sz="1800" dirty="0">
+              <a:rPr lang="en-US" dirty="0">
                 <a:latin typeface="Courier New" panose="02070309020205020404" pitchFamily="49" charset="0"/>
                 <a:cs typeface="Courier New" panose="02070309020205020404" pitchFamily="49" charset="0"/>
               </a:rPr>
             </a:br>
             <a:r>
-              <a:rPr lang="en-US" sz="1800" dirty="0">
-                <a:latin typeface="Courier New" panose="02070309020205020404" pitchFamily="49" charset="0"/>
-                <a:cs typeface="Courier New" panose="02070309020205020404" pitchFamily="49" charset="0"/>
-              </a:rPr>
-              <a:t>$SCRATCH/</a:t>
-            </a:r>
-            <a:r>
-              <a:rPr lang="en-US" sz="1800" dirty="0" err="1">
-                <a:latin typeface="Courier New" panose="02070309020205020404" pitchFamily="49" charset="0"/>
-                <a:cs typeface="Courier New" panose="02070309020205020404" pitchFamily="49" charset="0"/>
-              </a:rPr>
-              <a:t>Pfam-A.hmm</a:t>
-            </a:r>
-            <a:r>
-              <a:rPr lang="en-US" sz="1800" dirty="0">
-                <a:latin typeface="Courier New" panose="02070309020205020404" pitchFamily="49" charset="0"/>
-                <a:cs typeface="Courier New" panose="02070309020205020404" pitchFamily="49" charset="0"/>
-              </a:rPr>
-              <a:t> {}</a:t>
-            </a:r>
-          </a:p>
-        </p:txBody>
-      </p:sp>
-      <p:sp>
-        <p:nvSpPr>
-          <p:cNvPr id="5" name="TextBox 4">
-            <a:extLst>
-              <a:ext uri="{FF2B5EF4-FFF2-40B4-BE49-F238E27FC236}">
-                <a16:creationId xmlns:a16="http://schemas.microsoft.com/office/drawing/2014/main" id="{E85B1C3A-799D-1BE2-8518-2E9D5568F00E}"/>
-              </a:ext>
-            </a:extLst>
-          </p:cNvPr>
-          <p:cNvSpPr txBox="1"/>
-          <p:nvPr/>
-        </p:nvSpPr>
-        <p:spPr>
-          <a:xfrm>
-            <a:off x="322327" y="4295806"/>
-            <a:ext cx="8375420" cy="429348"/>
-          </a:xfrm>
-          <a:prstGeom prst="rect">
-            <a:avLst/>
-          </a:prstGeom>
-          <a:noFill/>
-        </p:spPr>
-        <p:txBody>
-          <a:bodyPr wrap="square" rtlCol="0">
-            <a:spAutoFit/>
-          </a:bodyPr>
-          <a:lstStyle/>
-          <a:p>
-            <a:pPr algn="l">
-              <a:lnSpc>
-                <a:spcPct val="90000"/>
-              </a:lnSpc>
+              <a:rPr lang="en-US" dirty="0">
+                <a:latin typeface="Courier New" panose="02070309020205020404" pitchFamily="49" charset="0"/>
+                <a:cs typeface="Courier New" panose="02070309020205020404" pitchFamily="49" charset="0"/>
+              </a:rPr>
+              <a:t>       if(n % </a:t>
+            </a:r>
+            <a:r>
+              <a:rPr lang="en-US" dirty="0" err="1">
+                <a:latin typeface="Courier New" panose="02070309020205020404" pitchFamily="49" charset="0"/>
+                <a:cs typeface="Courier New" panose="02070309020205020404" pitchFamily="49" charset="0"/>
+              </a:rPr>
+              <a:t>chunksize</a:t>
+            </a:r>
+            <a:r>
+              <a:rPr lang="en-US" dirty="0">
+                <a:latin typeface="Courier New" panose="02070309020205020404" pitchFamily="49" charset="0"/>
+                <a:cs typeface="Courier New" panose="02070309020205020404" pitchFamily="49" charset="0"/>
+              </a:rPr>
+              <a:t>==0)</a:t>
+            </a:r>
+            <a:br>
+              <a:rPr lang="en-US" dirty="0">
+                <a:latin typeface="Courier New" panose="02070309020205020404" pitchFamily="49" charset="0"/>
+                <a:cs typeface="Courier New" panose="02070309020205020404" pitchFamily="49" charset="0"/>
+              </a:rPr>
+            </a:br>
+            <a:r>
+              <a:rPr lang="en-US" dirty="0">
+                <a:latin typeface="Courier New" panose="02070309020205020404" pitchFamily="49" charset="0"/>
+                <a:cs typeface="Courier New" panose="02070309020205020404" pitchFamily="49" charset="0"/>
+              </a:rPr>
+              <a:t>         file=</a:t>
+            </a:r>
+            <a:r>
+              <a:rPr lang="en-US" dirty="0" err="1">
+                <a:latin typeface="Courier New" panose="02070309020205020404" pitchFamily="49" charset="0"/>
+                <a:cs typeface="Courier New" panose="02070309020205020404" pitchFamily="49" charset="0"/>
+              </a:rPr>
+              <a:t>sprintf</a:t>
+            </a:r>
+            <a:r>
+              <a:rPr lang="en-US" dirty="0">
+                <a:latin typeface="Courier New" panose="02070309020205020404" pitchFamily="49" charset="0"/>
+                <a:cs typeface="Courier New" panose="02070309020205020404" pitchFamily="49" charset="0"/>
+              </a:rPr>
+              <a:t>("</a:t>
+            </a:r>
+            <a:r>
+              <a:rPr lang="en-US" dirty="0" err="1">
+                <a:latin typeface="Courier New" panose="02070309020205020404" pitchFamily="49" charset="0"/>
+                <a:cs typeface="Courier New" panose="02070309020205020404" pitchFamily="49" charset="0"/>
+              </a:rPr>
+              <a:t>uniprot</a:t>
+            </a:r>
+            <a:r>
+              <a:rPr lang="en-US" dirty="0">
+                <a:latin typeface="Courier New" panose="02070309020205020404" pitchFamily="49" charset="0"/>
+                <a:cs typeface="Courier New" panose="02070309020205020404" pitchFamily="49" charset="0"/>
+              </a:rPr>
+              <a:t>_%</a:t>
+            </a:r>
+            <a:r>
+              <a:rPr lang="en-US" dirty="0" err="1">
+                <a:latin typeface="Courier New" panose="02070309020205020404" pitchFamily="49" charset="0"/>
+                <a:cs typeface="Courier New" panose="02070309020205020404" pitchFamily="49" charset="0"/>
+              </a:rPr>
+              <a:t>d.fasta</a:t>
+            </a:r>
+            <a:r>
+              <a:rPr lang="en-US" dirty="0">
+                <a:latin typeface="Courier New" panose="02070309020205020404" pitchFamily="49" charset="0"/>
+                <a:cs typeface="Courier New" panose="02070309020205020404" pitchFamily="49" charset="0"/>
+              </a:rPr>
+              <a:t>", 1 + (n % 512))</a:t>
+            </a:r>
+            <a:br>
+              <a:rPr lang="en-US" dirty="0">
+                <a:latin typeface="Courier New" panose="02070309020205020404" pitchFamily="49" charset="0"/>
+                <a:cs typeface="Courier New" panose="02070309020205020404" pitchFamily="49" charset="0"/>
+              </a:rPr>
+            </a:br>
+            <a:r>
+              <a:rPr lang="en-US" dirty="0">
+                <a:latin typeface="Courier New" panose="02070309020205020404" pitchFamily="49" charset="0"/>
+                <a:cs typeface="Courier New" panose="02070309020205020404" pitchFamily="49" charset="0"/>
+              </a:rPr>
+              <a:t> </a:t>
+            </a:r>
+            <a:br>
+              <a:rPr lang="en-US" dirty="0">
+                <a:latin typeface="Courier New" panose="02070309020205020404" pitchFamily="49" charset="0"/>
+                <a:cs typeface="Courier New" panose="02070309020205020404" pitchFamily="49" charset="0"/>
+              </a:rPr>
+            </a:br>
+            <a:r>
+              <a:rPr lang="en-US" dirty="0">
+                <a:latin typeface="Courier New" panose="02070309020205020404" pitchFamily="49" charset="0"/>
+                <a:cs typeface="Courier New" panose="02070309020205020404" pitchFamily="49" charset="0"/>
+              </a:rPr>
+              <a:t>      print &gt;&gt; file</a:t>
+            </a:r>
+            <a:br>
+              <a:rPr lang="en-US" dirty="0">
+                <a:latin typeface="Courier New" panose="02070309020205020404" pitchFamily="49" charset="0"/>
+                <a:cs typeface="Courier New" panose="02070309020205020404" pitchFamily="49" charset="0"/>
+              </a:rPr>
+            </a:br>
+            <a:r>
+              <a:rPr lang="en-US" dirty="0">
+                <a:latin typeface="Courier New" panose="02070309020205020404" pitchFamily="49" charset="0"/>
+                <a:cs typeface="Courier New" panose="02070309020205020404" pitchFamily="49" charset="0"/>
+              </a:rPr>
+              <a:t>      n++; next;</a:t>
+            </a:r>
+            <a:br>
+              <a:rPr lang="en-US" dirty="0">
+                <a:latin typeface="Courier New" panose="02070309020205020404" pitchFamily="49" charset="0"/>
+                <a:cs typeface="Courier New" panose="02070309020205020404" pitchFamily="49" charset="0"/>
+              </a:rPr>
+            </a:br>
+            <a:r>
+              <a:rPr lang="en-US" dirty="0">
+                <a:latin typeface="Courier New" panose="02070309020205020404" pitchFamily="49" charset="0"/>
+                <a:cs typeface="Courier New" panose="02070309020205020404" pitchFamily="49" charset="0"/>
+              </a:rPr>
+              <a:t> }</a:t>
+            </a:r>
+            <a:br>
+              <a:rPr lang="en-US" dirty="0">
+                <a:latin typeface="Courier New" panose="02070309020205020404" pitchFamily="49" charset="0"/>
+                <a:cs typeface="Courier New" panose="02070309020205020404" pitchFamily="49" charset="0"/>
+              </a:rPr>
+            </a:br>
+            <a:r>
+              <a:rPr lang="en-US" dirty="0">
+                <a:latin typeface="Courier New" panose="02070309020205020404" pitchFamily="49" charset="0"/>
+                <a:cs typeface="Courier New" panose="02070309020205020404" pitchFamily="49" charset="0"/>
+              </a:rPr>
+              <a:t> </a:t>
+            </a:r>
+            <a:br>
+              <a:rPr lang="en-US" dirty="0">
+                <a:latin typeface="Courier New" panose="02070309020205020404" pitchFamily="49" charset="0"/>
+                <a:cs typeface="Courier New" panose="02070309020205020404" pitchFamily="49" charset="0"/>
+              </a:rPr>
+            </a:br>
+            <a:r>
+              <a:rPr lang="en-US" dirty="0">
+                <a:latin typeface="Courier New" panose="02070309020205020404" pitchFamily="49" charset="0"/>
+                <a:cs typeface="Courier New" panose="02070309020205020404" pitchFamily="49" charset="0"/>
+              </a:rPr>
+              <a:t> {</a:t>
+            </a:r>
+            <a:br>
+              <a:rPr lang="en-US" dirty="0">
+                <a:latin typeface="Courier New" panose="02070309020205020404" pitchFamily="49" charset="0"/>
+                <a:cs typeface="Courier New" panose="02070309020205020404" pitchFamily="49" charset="0"/>
+              </a:rPr>
+            </a:br>
+            <a:r>
+              <a:rPr lang="en-US" dirty="0">
+                <a:latin typeface="Courier New" panose="02070309020205020404" pitchFamily="49" charset="0"/>
+                <a:cs typeface="Courier New" panose="02070309020205020404" pitchFamily="49" charset="0"/>
+              </a:rPr>
+              <a:t>    print &gt;&gt; file</a:t>
+            </a:r>
+            <a:br>
+              <a:rPr lang="en-US" dirty="0">
+                <a:latin typeface="Courier New" panose="02070309020205020404" pitchFamily="49" charset="0"/>
+                <a:cs typeface="Courier New" panose="02070309020205020404" pitchFamily="49" charset="0"/>
+              </a:rPr>
+            </a:br>
+            <a:r>
+              <a:rPr lang="en-US" dirty="0">
+                <a:latin typeface="Courier New" panose="02070309020205020404" pitchFamily="49" charset="0"/>
+                <a:cs typeface="Courier New" panose="02070309020205020404" pitchFamily="49" charset="0"/>
+              </a:rPr>
+              <a:t> }</a:t>
+            </a:r>
+          </a:p>
+          <a:p>
+            <a:pPr marL="0" indent="0">
+              <a:buNone/>
             </a:pPr>
-            <a:r>
-              <a:rPr lang="en-US" sz="1200" dirty="0">
-                <a:latin typeface="Courier New" panose="02070309020205020404" pitchFamily="49" charset="0"/>
-                <a:cs typeface="Courier New" panose="02070309020205020404" pitchFamily="49" charset="0"/>
-              </a:rPr>
-              <a:t>Note: $ echo '/path/to/</a:t>
-            </a:r>
-            <a:r>
-              <a:rPr lang="en-US" sz="1200" dirty="0" err="1">
-                <a:latin typeface="Courier New" panose="02070309020205020404" pitchFamily="49" charset="0"/>
-                <a:cs typeface="Courier New" panose="02070309020205020404" pitchFamily="49" charset="0"/>
-              </a:rPr>
-              <a:t>afile.txt</a:t>
-            </a:r>
-            <a:r>
-              <a:rPr lang="en-US" sz="1200" dirty="0">
-                <a:latin typeface="Courier New" panose="02070309020205020404" pitchFamily="49" charset="0"/>
-                <a:cs typeface="Courier New" panose="02070309020205020404" pitchFamily="49" charset="0"/>
-              </a:rPr>
-              <a:t>' | parallel echo {//}, {/.}</a:t>
-            </a:r>
-          </a:p>
-          <a:p>
-            <a:pPr algn="l">
-              <a:lnSpc>
-                <a:spcPct val="90000"/>
-              </a:lnSpc>
-            </a:pPr>
-            <a:r>
-              <a:rPr lang="en-US" sz="1200" dirty="0">
-                <a:latin typeface="Courier New" panose="02070309020205020404" pitchFamily="49" charset="0"/>
-                <a:cs typeface="Courier New" panose="02070309020205020404" pitchFamily="49" charset="0"/>
-              </a:rPr>
-              <a:t>/path/to, </a:t>
-            </a:r>
-            <a:r>
-              <a:rPr lang="en-US" sz="1200" dirty="0" err="1">
-                <a:latin typeface="Courier New" panose="02070309020205020404" pitchFamily="49" charset="0"/>
-                <a:cs typeface="Courier New" panose="02070309020205020404" pitchFamily="49" charset="0"/>
-              </a:rPr>
-              <a:t>afile</a:t>
-            </a:r>
-            <a:endParaRPr lang="en-US" sz="1200" dirty="0">
+            <a:endParaRPr lang="en-US" dirty="0">
               <a:latin typeface="Courier New" panose="02070309020205020404" pitchFamily="49" charset="0"/>
               <a:cs typeface="Courier New" panose="02070309020205020404" pitchFamily="49" charset="0"/>
             </a:endParaRPr>
@@ -25600,7 +25666,7 @@
     </p:spTree>
     <p:extLst>
       <p:ext uri="{BB962C8B-B14F-4D97-AF65-F5344CB8AC3E}">
-        <p14:creationId xmlns:p14="http://schemas.microsoft.com/office/powerpoint/2010/main" val="355479598"/>
+        <p14:creationId xmlns:p14="http://schemas.microsoft.com/office/powerpoint/2010/main" val="4034275266"/>
       </p:ext>
     </p:extLst>
   </p:cSld>
@@ -25632,7 +25698,7 @@
           <p:cNvPr id="2" name="Title 1">
             <a:extLst>
               <a:ext uri="{FF2B5EF4-FFF2-40B4-BE49-F238E27FC236}">
-                <a16:creationId xmlns:a16="http://schemas.microsoft.com/office/drawing/2014/main" id="{0C28A41E-1C09-F0C0-19CB-22B134C5DF4B}"/>
+                <a16:creationId xmlns:a16="http://schemas.microsoft.com/office/drawing/2014/main" id="{BB32880E-3461-51C6-DCC7-DFA1EC09CD50}"/>
               </a:ext>
             </a:extLst>
           </p:cNvPr>
@@ -25652,9 +25718,8 @@
             <a:r>
               <a:rPr lang="en-US" dirty="0">
                 <a:latin typeface="National Park " pitchFamily="2" charset="77"/>
-                <a:cs typeface="Courier New" panose="02070309020205020404" pitchFamily="49" charset="0"/>
-              </a:rPr>
-              <a:t>Exercise: Download App, Data and Try it!</a:t>
+              </a:rPr>
+              <a:t>driver / payload</a:t>
             </a:r>
           </a:p>
         </p:txBody>
@@ -25664,7 +25729,7 @@
           <p:cNvPr id="3" name="Content Placeholder 2">
             <a:extLst>
               <a:ext uri="{FF2B5EF4-FFF2-40B4-BE49-F238E27FC236}">
-                <a16:creationId xmlns:a16="http://schemas.microsoft.com/office/drawing/2014/main" id="{FD6FF26F-55F2-B6F3-DC7F-AB9CF6D4E6D1}"/>
+                <a16:creationId xmlns:a16="http://schemas.microsoft.com/office/drawing/2014/main" id="{DEAB976F-7778-54E8-5445-4E85E7388081}"/>
               </a:ext>
             </a:extLst>
           </p:cNvPr>
@@ -25675,217 +25740,266 @@
             <p:ph idx="1"/>
           </p:nvPr>
         </p:nvSpPr>
-        <p:spPr/>
-        <p:txBody>
-          <a:bodyPr/>
-          <a:lstStyle/>
-          <a:p>
-            <a:r>
-              <a:rPr lang="en-US" dirty="0"/>
-              <a:t>Download the </a:t>
-            </a:r>
-            <a:r>
-              <a:rPr lang="en-US" dirty="0" err="1"/>
+        <p:spPr>
+          <a:xfrm>
+            <a:off x="338711" y="1237522"/>
+            <a:ext cx="8564601" cy="2491516"/>
+          </a:xfrm>
+        </p:spPr>
+        <p:txBody>
+          <a:bodyPr>
+            <a:normAutofit/>
+          </a:bodyPr>
+          <a:lstStyle/>
+          <a:p>
+            <a:pPr marL="0" indent="0">
+              <a:buNone/>
+            </a:pPr>
+            <a:br>
+              <a:rPr lang="en-US" sz="1800" b="1" dirty="0">
+                <a:latin typeface="Courier New" panose="02070309020205020404" pitchFamily="49" charset="0"/>
+                <a:cs typeface="Courier New" panose="02070309020205020404" pitchFamily="49" charset="0"/>
+              </a:rPr>
+            </a:br>
+            <a:r>
+              <a:rPr lang="en-US" sz="1800" b="1" dirty="0">
+                <a:latin typeface="Courier New" panose="02070309020205020404" pitchFamily="49" charset="0"/>
+                <a:cs typeface="Courier New" panose="02070309020205020404" pitchFamily="49" charset="0"/>
+              </a:rPr>
+              <a:t>find . -</a:t>
+            </a:r>
+            <a:r>
+              <a:rPr lang="en-US" sz="1800" b="1" dirty="0" err="1">
+                <a:latin typeface="Courier New" panose="02070309020205020404" pitchFamily="49" charset="0"/>
+                <a:cs typeface="Courier New" panose="02070309020205020404" pitchFamily="49" charset="0"/>
+              </a:rPr>
+              <a:t>iname</a:t>
+            </a:r>
+            <a:r>
+              <a:rPr lang="en-US" sz="1800" b="1" dirty="0">
+                <a:latin typeface="Courier New" panose="02070309020205020404" pitchFamily="49" charset="0"/>
+                <a:cs typeface="Courier New" panose="02070309020205020404" pitchFamily="49" charset="0"/>
+              </a:rPr>
+              <a:t> ‘*.</a:t>
+            </a:r>
+            <a:r>
+              <a:rPr lang="en-US" sz="1800" b="1" dirty="0" err="1">
+                <a:latin typeface="Courier New" panose="02070309020205020404" pitchFamily="49" charset="0"/>
+                <a:cs typeface="Courier New" panose="02070309020205020404" pitchFamily="49" charset="0"/>
+              </a:rPr>
+              <a:t>fasta</a:t>
+            </a:r>
+            <a:r>
+              <a:rPr lang="en-US" sz="1800" b="1" dirty="0">
+                <a:latin typeface="Courier New" panose="02070309020205020404" pitchFamily="49" charset="0"/>
+                <a:cs typeface="Courier New" panose="02070309020205020404" pitchFamily="49" charset="0"/>
+              </a:rPr>
+              <a:t>’</a:t>
+            </a:r>
+            <a:r>
+              <a:rPr lang="en-US" sz="1800" dirty="0">
+                <a:latin typeface="Courier New" panose="02070309020205020404" pitchFamily="49" charset="0"/>
+                <a:cs typeface="Courier New" panose="02070309020205020404" pitchFamily="49" charset="0"/>
+              </a:rPr>
+              <a:t> | awk -v NNODE="$SLURM_NNODES" -v NODEID="$SLURM_NODEID” 'NR % NNODE == NODEID' | \</a:t>
+            </a:r>
+            <a:br>
+              <a:rPr lang="en-US" sz="1800" dirty="0">
+                <a:latin typeface="Courier New" panose="02070309020205020404" pitchFamily="49" charset="0"/>
+                <a:cs typeface="Courier New" panose="02070309020205020404" pitchFamily="49" charset="0"/>
+              </a:rPr>
+            </a:br>
+            <a:br>
+              <a:rPr lang="en-US" sz="1800" dirty="0">
+                <a:latin typeface="Courier New" panose="02070309020205020404" pitchFamily="49" charset="0"/>
+                <a:cs typeface="Courier New" panose="02070309020205020404" pitchFamily="49" charset="0"/>
+              </a:rPr>
+            </a:br>
+            <a:r>
+              <a:rPr lang="en-US" sz="1800" b="1" dirty="0">
+                <a:latin typeface="Courier New" panose="02070309020205020404" pitchFamily="49" charset="0"/>
+                <a:cs typeface="Courier New" panose="02070309020205020404" pitchFamily="49" charset="0"/>
+              </a:rPr>
+              <a:t>parallel </a:t>
+            </a:r>
+            <a:r>
+              <a:rPr lang="en-US" sz="1800" dirty="0">
+                <a:latin typeface="Courier New" panose="02070309020205020404" pitchFamily="49" charset="0"/>
+                <a:cs typeface="Courier New" panose="02070309020205020404" pitchFamily="49" charset="0"/>
+              </a:rPr>
+              <a:t>-j 32 $PROJ/hmmer-3.3/install/bin/</a:t>
+            </a:r>
+            <a:r>
+              <a:rPr lang="en-US" sz="1800" dirty="0" err="1">
+                <a:latin typeface="Courier New" panose="02070309020205020404" pitchFamily="49" charset="0"/>
+                <a:cs typeface="Courier New" panose="02070309020205020404" pitchFamily="49" charset="0"/>
+              </a:rPr>
               <a:t>hmmsearch</a:t>
             </a:r>
             <a:r>
-              <a:rPr lang="en-US" dirty="0"/>
-              <a:t> package: </a:t>
-            </a:r>
-            <a:r>
-              <a:rPr lang="en-US" dirty="0">
-                <a:hlinkClick r:id="rId2"/>
-              </a:rPr>
-              <a:t>hmmer.org/download.html</a:t>
+              <a:rPr lang="en-US" sz="1800" dirty="0">
+                <a:latin typeface="Courier New" panose="02070309020205020404" pitchFamily="49" charset="0"/>
+                <a:cs typeface="Courier New" panose="02070309020205020404" pitchFamily="49" charset="0"/>
+              </a:rPr>
+              <a:t> </a:t>
             </a:r>
             <a:br>
-              <a:rPr lang="en-US" dirty="0"/>
+              <a:rPr lang="en-US" sz="1800" dirty="0">
+                <a:latin typeface="Courier New" panose="02070309020205020404" pitchFamily="49" charset="0"/>
+                <a:cs typeface="Courier New" panose="02070309020205020404" pitchFamily="49" charset="0"/>
+              </a:rPr>
             </a:br>
             <a:r>
-              <a:rPr lang="en-US" sz="1640" b="1" dirty="0" err="1">
-                <a:latin typeface="Courier New" panose="02070309020205020404" pitchFamily="49" charset="0"/>
-                <a:cs typeface="Courier New" panose="02070309020205020404" pitchFamily="49" charset="0"/>
-              </a:rPr>
-              <a:t>wget</a:t>
-            </a:r>
-            <a:r>
-              <a:rPr lang="en-US" sz="1640" b="1" dirty="0">
-                <a:latin typeface="Courier New" panose="02070309020205020404" pitchFamily="49" charset="0"/>
-                <a:cs typeface="Courier New" panose="02070309020205020404" pitchFamily="49" charset="0"/>
-              </a:rPr>
-              <a:t> http://</a:t>
-            </a:r>
-            <a:r>
-              <a:rPr lang="en-US" sz="1640" b="1" dirty="0" err="1">
-                <a:latin typeface="Courier New" panose="02070309020205020404" pitchFamily="49" charset="0"/>
-                <a:cs typeface="Courier New" panose="02070309020205020404" pitchFamily="49" charset="0"/>
-              </a:rPr>
-              <a:t>eddylab.org</a:t>
-            </a:r>
-            <a:r>
-              <a:rPr lang="en-US" sz="1640" b="1" dirty="0">
-                <a:latin typeface="Courier New" panose="02070309020205020404" pitchFamily="49" charset="0"/>
-                <a:cs typeface="Courier New" panose="02070309020205020404" pitchFamily="49" charset="0"/>
-              </a:rPr>
-              <a:t>/software/</a:t>
-            </a:r>
-            <a:r>
-              <a:rPr lang="en-US" sz="1640" b="1" dirty="0" err="1">
-                <a:latin typeface="Courier New" panose="02070309020205020404" pitchFamily="49" charset="0"/>
-                <a:cs typeface="Courier New" panose="02070309020205020404" pitchFamily="49" charset="0"/>
-              </a:rPr>
-              <a:t>hmmer</a:t>
-            </a:r>
-            <a:r>
-              <a:rPr lang="en-US" sz="1640" b="1" dirty="0">
-                <a:latin typeface="Courier New" panose="02070309020205020404" pitchFamily="49" charset="0"/>
-                <a:cs typeface="Courier New" panose="02070309020205020404" pitchFamily="49" charset="0"/>
-              </a:rPr>
-              <a:t>/hmmer-3.4.tar.gz</a:t>
-            </a:r>
-          </a:p>
-          <a:p>
-            <a:r>
-              <a:rPr lang="en-US" dirty="0"/>
-              <a:t>Download the protein HMM searchable library here: </a:t>
+              <a:rPr lang="en-US" sz="1800" dirty="0">
+                <a:latin typeface="Courier New" panose="02070309020205020404" pitchFamily="49" charset="0"/>
+                <a:cs typeface="Courier New" panose="02070309020205020404" pitchFamily="49" charset="0"/>
+              </a:rPr>
+              <a:t>--</a:t>
+            </a:r>
+            <a:r>
+              <a:rPr lang="en-US" sz="1800" dirty="0" err="1">
+                <a:latin typeface="Courier New" panose="02070309020205020404" pitchFamily="49" charset="0"/>
+                <a:cs typeface="Courier New" panose="02070309020205020404" pitchFamily="49" charset="0"/>
+              </a:rPr>
+              <a:t>cpu</a:t>
+            </a:r>
+            <a:r>
+              <a:rPr lang="en-US" sz="1800" dirty="0">
+                <a:latin typeface="Courier New" panose="02070309020205020404" pitchFamily="49" charset="0"/>
+                <a:cs typeface="Courier New" panose="02070309020205020404" pitchFamily="49" charset="0"/>
+              </a:rPr>
+              <a:t> 4 --</a:t>
+            </a:r>
+            <a:r>
+              <a:rPr lang="en-US" sz="1800" dirty="0" err="1">
+                <a:latin typeface="Courier New" panose="02070309020205020404" pitchFamily="49" charset="0"/>
+                <a:cs typeface="Courier New" panose="02070309020205020404" pitchFamily="49" charset="0"/>
+              </a:rPr>
+              <a:t>noali</a:t>
+            </a:r>
+            <a:r>
+              <a:rPr lang="en-US" sz="1800" dirty="0">
+                <a:latin typeface="Courier New" panose="02070309020205020404" pitchFamily="49" charset="0"/>
+                <a:cs typeface="Courier New" panose="02070309020205020404" pitchFamily="49" charset="0"/>
+              </a:rPr>
+              <a:t> -o {//}/output_{/.}.txt </a:t>
             </a:r>
             <a:br>
-              <a:rPr lang="en-US" dirty="0"/>
+              <a:rPr lang="en-US" sz="1800" dirty="0">
+                <a:latin typeface="Courier New" panose="02070309020205020404" pitchFamily="49" charset="0"/>
+                <a:cs typeface="Courier New" panose="02070309020205020404" pitchFamily="49" charset="0"/>
+              </a:rPr>
             </a:br>
             <a:r>
-              <a:rPr lang="en-US" sz="1640" b="1" dirty="0" err="1">
-                <a:latin typeface="Courier New" panose="02070309020205020404" pitchFamily="49" charset="0"/>
-                <a:cs typeface="Courier New" panose="02070309020205020404" pitchFamily="49" charset="0"/>
-              </a:rPr>
-              <a:t>wget</a:t>
-            </a:r>
-            <a:r>
-              <a:rPr lang="en-US" sz="1640" b="1" dirty="0">
-                <a:latin typeface="Courier New" panose="02070309020205020404" pitchFamily="49" charset="0"/>
-                <a:cs typeface="Courier New" panose="02070309020205020404" pitchFamily="49" charset="0"/>
-              </a:rPr>
-              <a:t> ftp.ebi.ac.uk/pub/databases/Pfam/current_release/Pfam-A.hmm.dat.gz</a:t>
-            </a:r>
-          </a:p>
-          <a:p>
-            <a:r>
-              <a:rPr lang="en-US" dirty="0"/>
-              <a:t>Download the </a:t>
-            </a:r>
-            <a:r>
-              <a:rPr lang="en-US" dirty="0" err="1"/>
-              <a:t>fasta</a:t>
-            </a:r>
-            <a:r>
-              <a:rPr lang="en-US" dirty="0"/>
-              <a:t> file:</a:t>
-            </a:r>
-            <a:br>
-              <a:rPr lang="en-US" dirty="0"/>
-            </a:br>
-            <a:r>
-              <a:rPr lang="en-US" sz="1640" b="1" dirty="0" err="1">
-                <a:latin typeface="Courier New" panose="02070309020205020404" pitchFamily="49" charset="0"/>
-                <a:cs typeface="Courier New" panose="02070309020205020404" pitchFamily="49" charset="0"/>
-              </a:rPr>
-              <a:t>wget</a:t>
-            </a:r>
-            <a:r>
-              <a:rPr lang="en-US" sz="1640" b="1" dirty="0">
-                <a:latin typeface="Courier New" panose="02070309020205020404" pitchFamily="49" charset="0"/>
-                <a:cs typeface="Courier New" panose="02070309020205020404" pitchFamily="49" charset="0"/>
-              </a:rPr>
-              <a:t> https://</a:t>
-            </a:r>
-            <a:r>
-              <a:rPr lang="en-US" sz="1640" b="1" dirty="0" err="1">
-                <a:latin typeface="Courier New" panose="02070309020205020404" pitchFamily="49" charset="0"/>
-                <a:cs typeface="Courier New" panose="02070309020205020404" pitchFamily="49" charset="0"/>
-              </a:rPr>
-              <a:t>ftp.uniprot.org</a:t>
-            </a:r>
-            <a:r>
-              <a:rPr lang="en-US" sz="1640" b="1" dirty="0">
-                <a:latin typeface="Courier New" panose="02070309020205020404" pitchFamily="49" charset="0"/>
-                <a:cs typeface="Courier New" panose="02070309020205020404" pitchFamily="49" charset="0"/>
-              </a:rPr>
-              <a:t>/pub/databases/</a:t>
-            </a:r>
-            <a:r>
-              <a:rPr lang="en-US" sz="1640" b="1" dirty="0" err="1">
-                <a:latin typeface="Courier New" panose="02070309020205020404" pitchFamily="49" charset="0"/>
-                <a:cs typeface="Courier New" panose="02070309020205020404" pitchFamily="49" charset="0"/>
-              </a:rPr>
-              <a:t>uniprot</a:t>
-            </a:r>
-            <a:r>
-              <a:rPr lang="en-US" sz="1640" b="1" dirty="0">
-                <a:latin typeface="Courier New" panose="02070309020205020404" pitchFamily="49" charset="0"/>
-                <a:cs typeface="Courier New" panose="02070309020205020404" pitchFamily="49" charset="0"/>
-              </a:rPr>
-              <a:t>/</a:t>
-            </a:r>
-            <a:r>
-              <a:rPr lang="en-US" sz="1640" b="1" dirty="0" err="1">
-                <a:latin typeface="Courier New" panose="02070309020205020404" pitchFamily="49" charset="0"/>
-                <a:cs typeface="Courier New" panose="02070309020205020404" pitchFamily="49" charset="0"/>
-              </a:rPr>
-              <a:t>current_release</a:t>
-            </a:r>
-            <a:r>
-              <a:rPr lang="en-US" sz="1640" b="1" dirty="0">
-                <a:latin typeface="Courier New" panose="02070309020205020404" pitchFamily="49" charset="0"/>
-                <a:cs typeface="Courier New" panose="02070309020205020404" pitchFamily="49" charset="0"/>
-              </a:rPr>
-              <a:t>/knowledgebase/complete/</a:t>
-            </a:r>
-            <a:r>
-              <a:rPr lang="en-US" sz="1640" b="1" dirty="0" err="1">
-                <a:latin typeface="Courier New" panose="02070309020205020404" pitchFamily="49" charset="0"/>
-                <a:cs typeface="Courier New" panose="02070309020205020404" pitchFamily="49" charset="0"/>
-              </a:rPr>
-              <a:t>uniprot_sprot.fasta.gz</a:t>
-            </a:r>
-            <a:endParaRPr lang="en-US" sz="1640" b="1" dirty="0">
+              <a:rPr lang="en-US" sz="1800" dirty="0">
+                <a:latin typeface="Courier New" panose="02070309020205020404" pitchFamily="49" charset="0"/>
+                <a:cs typeface="Courier New" panose="02070309020205020404" pitchFamily="49" charset="0"/>
+              </a:rPr>
+              <a:t>$SCRATCH/</a:t>
+            </a:r>
+            <a:r>
+              <a:rPr lang="en-US" sz="1800" dirty="0" err="1">
+                <a:latin typeface="Courier New" panose="02070309020205020404" pitchFamily="49" charset="0"/>
+                <a:cs typeface="Courier New" panose="02070309020205020404" pitchFamily="49" charset="0"/>
+              </a:rPr>
+              <a:t>Pfam-A.hmm</a:t>
+            </a:r>
+            <a:r>
+              <a:rPr lang="en-US" sz="1800" dirty="0">
+                <a:latin typeface="Courier New" panose="02070309020205020404" pitchFamily="49" charset="0"/>
+                <a:cs typeface="Courier New" panose="02070309020205020404" pitchFamily="49" charset="0"/>
+              </a:rPr>
+              <a:t> {}</a:t>
+            </a:r>
+          </a:p>
+        </p:txBody>
+      </p:sp>
+      <p:sp>
+        <p:nvSpPr>
+          <p:cNvPr id="5" name="TextBox 4">
+            <a:extLst>
+              <a:ext uri="{FF2B5EF4-FFF2-40B4-BE49-F238E27FC236}">
+                <a16:creationId xmlns:a16="http://schemas.microsoft.com/office/drawing/2014/main" id="{E85B1C3A-799D-1BE2-8518-2E9D5568F00E}"/>
+              </a:ext>
+            </a:extLst>
+          </p:cNvPr>
+          <p:cNvSpPr txBox="1"/>
+          <p:nvPr/>
+        </p:nvSpPr>
+        <p:spPr>
+          <a:xfrm>
+            <a:off x="322327" y="4295806"/>
+            <a:ext cx="8375420" cy="429348"/>
+          </a:xfrm>
+          <a:prstGeom prst="rect">
+            <a:avLst/>
+          </a:prstGeom>
+          <a:noFill/>
+        </p:spPr>
+        <p:txBody>
+          <a:bodyPr wrap="square" rtlCol="0">
+            <a:spAutoFit/>
+          </a:bodyPr>
+          <a:lstStyle/>
+          <a:p>
+            <a:pPr algn="l">
+              <a:lnSpc>
+                <a:spcPct val="90000"/>
+              </a:lnSpc>
+            </a:pPr>
+            <a:r>
+              <a:rPr lang="en-US" sz="1200" dirty="0">
+                <a:latin typeface="Courier New" panose="02070309020205020404" pitchFamily="49" charset="0"/>
+                <a:cs typeface="Courier New" panose="02070309020205020404" pitchFamily="49" charset="0"/>
+              </a:rPr>
+              <a:t>Note: $ echo '/path/to/</a:t>
+            </a:r>
+            <a:r>
+              <a:rPr lang="en-US" sz="1200" dirty="0" err="1">
+                <a:latin typeface="Courier New" panose="02070309020205020404" pitchFamily="49" charset="0"/>
+                <a:cs typeface="Courier New" panose="02070309020205020404" pitchFamily="49" charset="0"/>
+              </a:rPr>
+              <a:t>afile.txt</a:t>
+            </a:r>
+            <a:r>
+              <a:rPr lang="en-US" sz="1200" dirty="0">
+                <a:latin typeface="Courier New" panose="02070309020205020404" pitchFamily="49" charset="0"/>
+                <a:cs typeface="Courier New" panose="02070309020205020404" pitchFamily="49" charset="0"/>
+              </a:rPr>
+              <a:t>' | parallel echo {//}, {/.}</a:t>
+            </a:r>
+          </a:p>
+          <a:p>
+            <a:pPr algn="l">
+              <a:lnSpc>
+                <a:spcPct val="90000"/>
+              </a:lnSpc>
+            </a:pPr>
+            <a:r>
+              <a:rPr lang="en-US" sz="1200" dirty="0">
+                <a:latin typeface="Courier New" panose="02070309020205020404" pitchFamily="49" charset="0"/>
+                <a:cs typeface="Courier New" panose="02070309020205020404" pitchFamily="49" charset="0"/>
+              </a:rPr>
+              <a:t>/path/to, </a:t>
+            </a:r>
+            <a:r>
+              <a:rPr lang="en-US" sz="1200" dirty="0" err="1">
+                <a:latin typeface="Courier New" panose="02070309020205020404" pitchFamily="49" charset="0"/>
+                <a:cs typeface="Courier New" panose="02070309020205020404" pitchFamily="49" charset="0"/>
+              </a:rPr>
+              <a:t>afile</a:t>
+            </a:r>
+            <a:endParaRPr lang="en-US" sz="1200" dirty="0">
               <a:latin typeface="Courier New" panose="02070309020205020404" pitchFamily="49" charset="0"/>
               <a:cs typeface="Courier New" panose="02070309020205020404" pitchFamily="49" charset="0"/>
             </a:endParaRPr>
           </a:p>
         </p:txBody>
       </p:sp>
-      <p:sp>
-        <p:nvSpPr>
-          <p:cNvPr id="4" name="Slide Number Placeholder 3">
-            <a:extLst>
-              <a:ext uri="{FF2B5EF4-FFF2-40B4-BE49-F238E27FC236}">
-                <a16:creationId xmlns:a16="http://schemas.microsoft.com/office/drawing/2014/main" id="{C8CDDA20-D8A5-BC66-0663-09DE83FFACDE}"/>
-              </a:ext>
-            </a:extLst>
-          </p:cNvPr>
-          <p:cNvSpPr>
-            <a:spLocks noGrp="1"/>
-          </p:cNvSpPr>
-          <p:nvPr>
-            <p:ph type="sldNum" sz="quarter" idx="12"/>
-          </p:nvPr>
-        </p:nvSpPr>
-        <p:spPr/>
-        <p:txBody>
-          <a:bodyPr/>
-          <a:lstStyle/>
-          <a:p>
-            <a:fld id="{4E3AEE2C-3A74-8643-B4A2-442777B583A3}" type="slidenum">
-              <a:rPr lang="en-US" smtClean="0"/>
-              <a:t>68</a:t>
-            </a:fld>
-            <a:endParaRPr lang="en-US"/>
-          </a:p>
-        </p:txBody>
-      </p:sp>
     </p:spTree>
     <p:extLst>
       <p:ext uri="{BB962C8B-B14F-4D97-AF65-F5344CB8AC3E}">
-        <p14:creationId xmlns:p14="http://schemas.microsoft.com/office/powerpoint/2010/main" val="2097196495"/>
+        <p14:creationId xmlns:p14="http://schemas.microsoft.com/office/powerpoint/2010/main" val="355479598"/>
       </p:ext>
     </p:extLst>
   </p:cSld>
@@ -25917,7 +26031,7 @@
           <p:cNvPr id="2" name="Title 1">
             <a:extLst>
               <a:ext uri="{FF2B5EF4-FFF2-40B4-BE49-F238E27FC236}">
-                <a16:creationId xmlns:a16="http://schemas.microsoft.com/office/drawing/2014/main" id="{6972196C-1D2D-C240-AD57-E3EBC4FA030D}"/>
+                <a16:creationId xmlns:a16="http://schemas.microsoft.com/office/drawing/2014/main" id="{0C28A41E-1C09-F0C0-19CB-22B134C5DF4B}"/>
               </a:ext>
             </a:extLst>
           </p:cNvPr>
@@ -25937,8 +26051,9 @@
             <a:r>
               <a:rPr lang="en-US" dirty="0">
                 <a:latin typeface="National Park " pitchFamily="2" charset="77"/>
-              </a:rPr>
-              <a:t>Summary</a:t>
+                <a:cs typeface="Courier New" panose="02070309020205020404" pitchFamily="49" charset="0"/>
+              </a:rPr>
+              <a:t>Exercise: Download App, Data and Try it!</a:t>
             </a:r>
           </a:p>
         </p:txBody>
@@ -25948,7 +26063,7 @@
           <p:cNvPr id="3" name="Content Placeholder 2">
             <a:extLst>
               <a:ext uri="{FF2B5EF4-FFF2-40B4-BE49-F238E27FC236}">
-                <a16:creationId xmlns:a16="http://schemas.microsoft.com/office/drawing/2014/main" id="{59541F7C-8324-CD41-84A0-D9DC3E4E12B8}"/>
+                <a16:creationId xmlns:a16="http://schemas.microsoft.com/office/drawing/2014/main" id="{FD6FF26F-55F2-B6F3-DC7F-AB9CF6D4E6D1}"/>
               </a:ext>
             </a:extLst>
           </p:cNvPr>
@@ -25961,37 +26076,178 @@
         </p:nvSpPr>
         <p:spPr/>
         <p:txBody>
-          <a:bodyPr>
-            <a:normAutofit/>
-          </a:bodyPr>
-          <a:lstStyle/>
-          <a:p>
-            <a:r>
-              <a:rPr lang="en-US" dirty="0">
-                <a:latin typeface="National Park " pitchFamily="2" charset="77"/>
-              </a:rPr>
-              <a:t>GNU Parallel is an effective tool that could be useful in day to day tasks on the terminal as well as for larger workflows</a:t>
-            </a:r>
-          </a:p>
-          <a:p>
-            <a:r>
-              <a:rPr lang="en-US" dirty="0">
-                <a:latin typeface="National Park " pitchFamily="2" charset="77"/>
-              </a:rPr>
-              <a:t>Many many options to choose from to customize a parallel operation</a:t>
-            </a:r>
-          </a:p>
-          <a:p>
-            <a:r>
-              <a:rPr lang="en-US" dirty="0">
-                <a:latin typeface="National Park " pitchFamily="2" charset="77"/>
-              </a:rPr>
-              <a:t>Very handy for quick prototyping</a:t>
-            </a:r>
-          </a:p>
-          <a:p>
-            <a:endParaRPr lang="en-US" dirty="0">
-              <a:latin typeface="National Park " pitchFamily="2" charset="77"/>
+          <a:bodyPr/>
+          <a:lstStyle/>
+          <a:p>
+            <a:r>
+              <a:rPr lang="en-US" dirty="0"/>
+              <a:t>Download the </a:t>
+            </a:r>
+            <a:r>
+              <a:rPr lang="en-US" dirty="0" err="1"/>
+              <a:t>hmmsearch</a:t>
+            </a:r>
+            <a:r>
+              <a:rPr lang="en-US" dirty="0"/>
+              <a:t> package: </a:t>
+            </a:r>
+            <a:r>
+              <a:rPr lang="en-US" dirty="0">
+                <a:hlinkClick r:id="rId2"/>
+              </a:rPr>
+              <a:t>hmmer.org/download.html</a:t>
+            </a:r>
+            <a:br>
+              <a:rPr lang="en-US" dirty="0"/>
+            </a:br>
+            <a:r>
+              <a:rPr lang="en-US" sz="1640" b="1" dirty="0" err="1">
+                <a:latin typeface="Courier New" panose="02070309020205020404" pitchFamily="49" charset="0"/>
+                <a:cs typeface="Courier New" panose="02070309020205020404" pitchFamily="49" charset="0"/>
+              </a:rPr>
+              <a:t>wget</a:t>
+            </a:r>
+            <a:r>
+              <a:rPr lang="en-US" sz="1640" b="1" dirty="0">
+                <a:latin typeface="Courier New" panose="02070309020205020404" pitchFamily="49" charset="0"/>
+                <a:cs typeface="Courier New" panose="02070309020205020404" pitchFamily="49" charset="0"/>
+              </a:rPr>
+              <a:t> http://</a:t>
+            </a:r>
+            <a:r>
+              <a:rPr lang="en-US" sz="1640" b="1" dirty="0" err="1">
+                <a:latin typeface="Courier New" panose="02070309020205020404" pitchFamily="49" charset="0"/>
+                <a:cs typeface="Courier New" panose="02070309020205020404" pitchFamily="49" charset="0"/>
+              </a:rPr>
+              <a:t>eddylab.org</a:t>
+            </a:r>
+            <a:r>
+              <a:rPr lang="en-US" sz="1640" b="1" dirty="0">
+                <a:latin typeface="Courier New" panose="02070309020205020404" pitchFamily="49" charset="0"/>
+                <a:cs typeface="Courier New" panose="02070309020205020404" pitchFamily="49" charset="0"/>
+              </a:rPr>
+              <a:t>/software/</a:t>
+            </a:r>
+            <a:r>
+              <a:rPr lang="en-US" sz="1640" b="1" dirty="0" err="1">
+                <a:latin typeface="Courier New" panose="02070309020205020404" pitchFamily="49" charset="0"/>
+                <a:cs typeface="Courier New" panose="02070309020205020404" pitchFamily="49" charset="0"/>
+              </a:rPr>
+              <a:t>hmmer</a:t>
+            </a:r>
+            <a:r>
+              <a:rPr lang="en-US" sz="1640" b="1" dirty="0">
+                <a:latin typeface="Courier New" panose="02070309020205020404" pitchFamily="49" charset="0"/>
+                <a:cs typeface="Courier New" panose="02070309020205020404" pitchFamily="49" charset="0"/>
+              </a:rPr>
+              <a:t>/hmmer-3.4.tar.gz</a:t>
+            </a:r>
+          </a:p>
+          <a:p>
+            <a:r>
+              <a:rPr lang="en-US" dirty="0"/>
+              <a:t>Download the protein HMM searchable library here: </a:t>
+            </a:r>
+            <a:br>
+              <a:rPr lang="en-US" dirty="0"/>
+            </a:br>
+            <a:r>
+              <a:rPr lang="en-US" sz="1640" b="1" dirty="0" err="1">
+                <a:latin typeface="Courier New" panose="02070309020205020404" pitchFamily="49" charset="0"/>
+                <a:cs typeface="Courier New" panose="02070309020205020404" pitchFamily="49" charset="0"/>
+              </a:rPr>
+              <a:t>wget</a:t>
+            </a:r>
+            <a:r>
+              <a:rPr lang="en-US" sz="1640" b="1" dirty="0">
+                <a:latin typeface="Courier New" panose="02070309020205020404" pitchFamily="49" charset="0"/>
+                <a:cs typeface="Courier New" panose="02070309020205020404" pitchFamily="49" charset="0"/>
+              </a:rPr>
+              <a:t> ftp.ebi.ac.uk/pub/databases/Pfam/current_release/Pfam-A.hmm.dat.gz</a:t>
+            </a:r>
+          </a:p>
+          <a:p>
+            <a:r>
+              <a:rPr lang="en-US" dirty="0"/>
+              <a:t>Download the </a:t>
+            </a:r>
+            <a:r>
+              <a:rPr lang="en-US" dirty="0" err="1"/>
+              <a:t>fasta</a:t>
+            </a:r>
+            <a:r>
+              <a:rPr lang="en-US" dirty="0"/>
+              <a:t> file:</a:t>
+            </a:r>
+            <a:br>
+              <a:rPr lang="en-US" dirty="0"/>
+            </a:br>
+            <a:r>
+              <a:rPr lang="en-US" sz="1640" b="1" dirty="0" err="1">
+                <a:latin typeface="Courier New" panose="02070309020205020404" pitchFamily="49" charset="0"/>
+                <a:cs typeface="Courier New" panose="02070309020205020404" pitchFamily="49" charset="0"/>
+              </a:rPr>
+              <a:t>wget</a:t>
+            </a:r>
+            <a:r>
+              <a:rPr lang="en-US" sz="1640" b="1" dirty="0">
+                <a:latin typeface="Courier New" panose="02070309020205020404" pitchFamily="49" charset="0"/>
+                <a:cs typeface="Courier New" panose="02070309020205020404" pitchFamily="49" charset="0"/>
+              </a:rPr>
+              <a:t> https://</a:t>
+            </a:r>
+            <a:r>
+              <a:rPr lang="en-US" sz="1640" b="1" dirty="0" err="1">
+                <a:latin typeface="Courier New" panose="02070309020205020404" pitchFamily="49" charset="0"/>
+                <a:cs typeface="Courier New" panose="02070309020205020404" pitchFamily="49" charset="0"/>
+              </a:rPr>
+              <a:t>ftp.uniprot.org</a:t>
+            </a:r>
+            <a:r>
+              <a:rPr lang="en-US" sz="1640" b="1" dirty="0">
+                <a:latin typeface="Courier New" panose="02070309020205020404" pitchFamily="49" charset="0"/>
+                <a:cs typeface="Courier New" panose="02070309020205020404" pitchFamily="49" charset="0"/>
+              </a:rPr>
+              <a:t>/pub/databases/</a:t>
+            </a:r>
+            <a:r>
+              <a:rPr lang="en-US" sz="1640" b="1" dirty="0" err="1">
+                <a:latin typeface="Courier New" panose="02070309020205020404" pitchFamily="49" charset="0"/>
+                <a:cs typeface="Courier New" panose="02070309020205020404" pitchFamily="49" charset="0"/>
+              </a:rPr>
+              <a:t>uniprot</a:t>
+            </a:r>
+            <a:r>
+              <a:rPr lang="en-US" sz="1640" b="1" dirty="0">
+                <a:latin typeface="Courier New" panose="02070309020205020404" pitchFamily="49" charset="0"/>
+                <a:cs typeface="Courier New" panose="02070309020205020404" pitchFamily="49" charset="0"/>
+              </a:rPr>
+              <a:t>/</a:t>
+            </a:r>
+            <a:r>
+              <a:rPr lang="en-US" sz="1640" b="1" dirty="0" err="1">
+                <a:latin typeface="Courier New" panose="02070309020205020404" pitchFamily="49" charset="0"/>
+                <a:cs typeface="Courier New" panose="02070309020205020404" pitchFamily="49" charset="0"/>
+              </a:rPr>
+              <a:t>current_release</a:t>
+            </a:r>
+            <a:r>
+              <a:rPr lang="en-US" sz="1640" b="1" dirty="0">
+                <a:latin typeface="Courier New" panose="02070309020205020404" pitchFamily="49" charset="0"/>
+                <a:cs typeface="Courier New" panose="02070309020205020404" pitchFamily="49" charset="0"/>
+              </a:rPr>
+              <a:t>/knowledgebase/complete/</a:t>
+            </a:r>
+            <a:r>
+              <a:rPr lang="en-US" sz="1640" b="1" dirty="0" err="1">
+                <a:latin typeface="Courier New" panose="02070309020205020404" pitchFamily="49" charset="0"/>
+                <a:cs typeface="Courier New" panose="02070309020205020404" pitchFamily="49" charset="0"/>
+              </a:rPr>
+              <a:t>uniprot_sprot.fasta.gz</a:t>
+            </a:r>
+            <a:endParaRPr lang="en-US" sz="1640" b="1" dirty="0">
+              <a:latin typeface="Courier New" panose="02070309020205020404" pitchFamily="49" charset="0"/>
+              <a:cs typeface="Courier New" panose="02070309020205020404" pitchFamily="49" charset="0"/>
             </a:endParaRPr>
           </a:p>
         </p:txBody>
@@ -26001,7 +26257,7 @@
           <p:cNvPr id="4" name="Slide Number Placeholder 3">
             <a:extLst>
               <a:ext uri="{FF2B5EF4-FFF2-40B4-BE49-F238E27FC236}">
-                <a16:creationId xmlns:a16="http://schemas.microsoft.com/office/drawing/2014/main" id="{6D0E0BA3-5ECE-E94D-B034-8F400208F397}"/>
+                <a16:creationId xmlns:a16="http://schemas.microsoft.com/office/drawing/2014/main" id="{C8CDDA20-D8A5-BC66-0663-09DE83FFACDE}"/>
               </a:ext>
             </a:extLst>
           </p:cNvPr>
@@ -26018,62 +26274,17 @@
           <a:lstStyle/>
           <a:p>
             <a:fld id="{4E3AEE2C-3A74-8643-B4A2-442777B583A3}" type="slidenum">
-              <a:rPr lang="en-US" smtClean="0">
-                <a:latin typeface="National Park " pitchFamily="2" charset="77"/>
-              </a:rPr>
+              <a:rPr lang="en-US" smtClean="0"/>
               <a:t>69</a:t>
             </a:fld>
-            <a:endParaRPr lang="en-US">
-              <a:latin typeface="National Park " pitchFamily="2" charset="77"/>
-            </a:endParaRPr>
-          </a:p>
-        </p:txBody>
-      </p:sp>
-      <p:sp>
-        <p:nvSpPr>
-          <p:cNvPr id="5" name="TextBox 4">
-            <a:extLst>
-              <a:ext uri="{FF2B5EF4-FFF2-40B4-BE49-F238E27FC236}">
-                <a16:creationId xmlns:a16="http://schemas.microsoft.com/office/drawing/2014/main" id="{B9BD456B-BB50-C343-BC4E-DD06F77B9D78}"/>
-              </a:ext>
-            </a:extLst>
-          </p:cNvPr>
-          <p:cNvSpPr txBox="1"/>
-          <p:nvPr/>
-        </p:nvSpPr>
-        <p:spPr>
-          <a:xfrm>
-            <a:off x="7603274" y="4490264"/>
-            <a:ext cx="816249" cy="248209"/>
-          </a:xfrm>
-          <a:prstGeom prst="rect">
-            <a:avLst/>
-          </a:prstGeom>
-          <a:noFill/>
-        </p:spPr>
-        <p:txBody>
-          <a:bodyPr wrap="none" rtlCol="0">
-            <a:spAutoFit/>
-          </a:bodyPr>
-          <a:lstStyle/>
-          <a:p>
-            <a:r>
-              <a:rPr lang="en-US" sz="1013" dirty="0">
-                <a:latin typeface="National Park " pitchFamily="2" charset="77"/>
-                <a:hlinkClick r:id="rId2" action="ppaction://hlinksldjump"/>
-              </a:rPr>
-              <a:t>back to toc</a:t>
-            </a:r>
-            <a:endParaRPr lang="en-US" sz="1013" dirty="0">
-              <a:latin typeface="National Park " pitchFamily="2" charset="77"/>
-            </a:endParaRPr>
+            <a:endParaRPr lang="en-US"/>
           </a:p>
         </p:txBody>
       </p:sp>
     </p:spTree>
     <p:extLst>
       <p:ext uri="{BB962C8B-B14F-4D97-AF65-F5344CB8AC3E}">
-        <p14:creationId xmlns:p14="http://schemas.microsoft.com/office/powerpoint/2010/main" val="1077433394"/>
+        <p14:creationId xmlns:p14="http://schemas.microsoft.com/office/powerpoint/2010/main" val="2097196495"/>
       </p:ext>
     </p:extLst>
   </p:cSld>
@@ -26241,7 +26452,13 @@
       </p:grpSpPr>
       <p:sp>
         <p:nvSpPr>
-          <p:cNvPr id="2" name="Title 1"/>
+          <p:cNvPr id="2" name="Title 1">
+            <a:extLst>
+              <a:ext uri="{FF2B5EF4-FFF2-40B4-BE49-F238E27FC236}">
+                <a16:creationId xmlns:a16="http://schemas.microsoft.com/office/drawing/2014/main" id="{6972196C-1D2D-C240-AD57-E3EBC4FA030D}"/>
+              </a:ext>
+            </a:extLst>
+          </p:cNvPr>
           <p:cNvSpPr>
             <a:spLocks noGrp="1"/>
           </p:cNvSpPr>
@@ -26259,14 +26476,20 @@
               <a:rPr lang="en-US" dirty="0">
                 <a:latin typeface="National Park " pitchFamily="2" charset="77"/>
               </a:rPr>
-              <a:t>Credits, references and resources</a:t>
-            </a:r>
-          </a:p>
-        </p:txBody>
-      </p:sp>
-      <p:sp>
-        <p:nvSpPr>
-          <p:cNvPr id="3" name="Content Placeholder 2"/>
+              <a:t>Summary</a:t>
+            </a:r>
+          </a:p>
+        </p:txBody>
+      </p:sp>
+      <p:sp>
+        <p:nvSpPr>
+          <p:cNvPr id="3" name="Content Placeholder 2">
+            <a:extLst>
+              <a:ext uri="{FF2B5EF4-FFF2-40B4-BE49-F238E27FC236}">
+                <a16:creationId xmlns:a16="http://schemas.microsoft.com/office/drawing/2014/main" id="{59541F7C-8324-CD41-84A0-D9DC3E4E12B8}"/>
+              </a:ext>
+            </a:extLst>
+          </p:cNvPr>
           <p:cNvSpPr>
             <a:spLocks noGrp="1"/>
           </p:cNvSpPr>
@@ -26277,113 +26500,49 @@
         <p:spPr/>
         <p:txBody>
           <a:bodyPr>
-            <a:normAutofit fontScale="77500" lnSpcReduction="20000"/>
+            <a:normAutofit/>
           </a:bodyPr>
           <a:lstStyle/>
           <a:p>
             <a:r>
               <a:rPr lang="en-US" dirty="0">
-                <a:hlinkClick r:id="rId3"/>
-              </a:rPr>
-              <a:t>gnu.org/software/parallel</a:t>
-            </a:r>
-            <a:endParaRPr lang="en-US" dirty="0"/>
-          </a:p>
-          <a:p>
-            <a:r>
-              <a:rPr lang="en-US" dirty="0">
-                <a:hlinkClick r:id="rId4"/>
-              </a:rPr>
-              <a:t>rcc.uchicago.edu/documentation/_build/html/running-jobs/srun-parallel/index.html</a:t>
-            </a:r>
-            <a:endParaRPr lang="en-US" dirty="0"/>
-          </a:p>
-          <a:p>
-            <a:r>
-              <a:rPr lang="en-US" dirty="0">
-                <a:hlinkClick r:id="rId5"/>
-              </a:rPr>
-              <a:t>ulhpc-tutorials.readthedocs.io/en/latest/sequential/basics</a:t>
-            </a:r>
-            <a:endParaRPr lang="en-US" dirty="0"/>
-          </a:p>
-          <a:p>
-            <a:r>
-              <a:rPr lang="en-US" dirty="0">
-                <a:hlinkClick r:id="rId6"/>
-              </a:rPr>
-              <a:t>docs.ycrc.yale.edu/clusters-at-yale/guides/parallel</a:t>
-            </a:r>
-            <a:endParaRPr lang="en-US" dirty="0"/>
-          </a:p>
-          <a:p>
-            <a:r>
-              <a:rPr lang="en-US" dirty="0">
-                <a:hlinkClick r:id="rId7"/>
-              </a:rPr>
-              <a:t>www.vanderbilt.edu/accre/documentation/parallel</a:t>
-            </a:r>
-            <a:endParaRPr lang="en-US" dirty="0"/>
-          </a:p>
-          <a:p>
-            <a:r>
-              <a:rPr lang="en-US" dirty="0">
-                <a:hlinkClick r:id="rId8"/>
-              </a:rPr>
-              <a:t>docs-research-it.berkeley.edu/services/high-performance-computing/user-guide/running-your-jobs/gnu-parallel</a:t>
-            </a:r>
-            <a:endParaRPr lang="en-US" dirty="0"/>
-          </a:p>
-          <a:p>
-            <a:r>
-              <a:rPr lang="en-US" dirty="0">
-                <a:hlinkClick r:id="rId9"/>
-              </a:rPr>
-              <a:t>omgenomics.com/parallel</a:t>
-            </a:r>
-            <a:endParaRPr lang="en-US" dirty="0"/>
-          </a:p>
-          <a:p>
-            <a:r>
-              <a:rPr lang="en-US" dirty="0">
-                <a:hlinkClick r:id="rId10"/>
-              </a:rPr>
-              <a:t>curc.readthedocs.io/en/latest/software/GNUParallel.html</a:t>
-            </a:r>
-            <a:endParaRPr lang="en-US" dirty="0"/>
-          </a:p>
-          <a:p>
-            <a:r>
-              <a:rPr lang="en-US" dirty="0">
-                <a:hlinkClick r:id="rId11"/>
-              </a:rPr>
-              <a:t>thenybble.de/posts/json-analysis</a:t>
-            </a:r>
-            <a:endParaRPr lang="en-US" dirty="0"/>
-          </a:p>
-          <a:p>
-            <a:r>
-              <a:rPr lang="en-US" dirty="0">
-                <a:hlinkClick r:id="rId12"/>
-              </a:rPr>
-              <a:t>stackoverflow.com/questions/tagged/gnu-parallel</a:t>
-            </a:r>
-            <a:endParaRPr lang="en-US" dirty="0"/>
-          </a:p>
-          <a:p>
-            <a:r>
-              <a:rPr lang="en-US" dirty="0">
-                <a:hlinkClick r:id="rId13"/>
-              </a:rPr>
-              <a:t>unix.stackexchange.com/questions/tagged/gnu-parallel</a:t>
-            </a:r>
-            <a:endParaRPr lang="en-US" dirty="0"/>
-          </a:p>
-        </p:txBody>
-      </p:sp>
-      <p:sp>
-        <p:nvSpPr>
-          <p:cNvPr id="4" name="Slide Number Placeholder 3"/>
+                <a:latin typeface="National Park " pitchFamily="2" charset="77"/>
+              </a:rPr>
+              <a:t>GNU Parallel is an effective tool that could be useful in day to day tasks on the terminal as well as for larger workflows</a:t>
+            </a:r>
+          </a:p>
+          <a:p>
+            <a:r>
+              <a:rPr lang="en-US" dirty="0">
+                <a:latin typeface="National Park " pitchFamily="2" charset="77"/>
+              </a:rPr>
+              <a:t>Many many options to choose from to customize a parallel operation</a:t>
+            </a:r>
+          </a:p>
+          <a:p>
+            <a:r>
+              <a:rPr lang="en-US" dirty="0">
+                <a:latin typeface="National Park " pitchFamily="2" charset="77"/>
+              </a:rPr>
+              <a:t>Very handy for quick prototyping</a:t>
+            </a:r>
+          </a:p>
+          <a:p>
+            <a:endParaRPr lang="en-US" dirty="0">
+              <a:latin typeface="National Park " pitchFamily="2" charset="77"/>
+            </a:endParaRPr>
+          </a:p>
+        </p:txBody>
+      </p:sp>
+      <p:sp>
+        <p:nvSpPr>
+          <p:cNvPr id="4" name="Slide Number Placeholder 3">
+            <a:extLst>
+              <a:ext uri="{FF2B5EF4-FFF2-40B4-BE49-F238E27FC236}">
+                <a16:creationId xmlns:a16="http://schemas.microsoft.com/office/drawing/2014/main" id="{6D0E0BA3-5ECE-E94D-B034-8F400208F397}"/>
+              </a:ext>
+            </a:extLst>
+          </p:cNvPr>
           <p:cNvSpPr>
             <a:spLocks noGrp="1"/>
           </p:cNvSpPr>
@@ -26408,10 +26567,51 @@
           </a:p>
         </p:txBody>
       </p:sp>
+      <p:sp>
+        <p:nvSpPr>
+          <p:cNvPr id="5" name="TextBox 4">
+            <a:extLst>
+              <a:ext uri="{FF2B5EF4-FFF2-40B4-BE49-F238E27FC236}">
+                <a16:creationId xmlns:a16="http://schemas.microsoft.com/office/drawing/2014/main" id="{B9BD456B-BB50-C343-BC4E-DD06F77B9D78}"/>
+              </a:ext>
+            </a:extLst>
+          </p:cNvPr>
+          <p:cNvSpPr txBox="1"/>
+          <p:nvPr/>
+        </p:nvSpPr>
+        <p:spPr>
+          <a:xfrm>
+            <a:off x="7603274" y="4490264"/>
+            <a:ext cx="816249" cy="248209"/>
+          </a:xfrm>
+          <a:prstGeom prst="rect">
+            <a:avLst/>
+          </a:prstGeom>
+          <a:noFill/>
+        </p:spPr>
+        <p:txBody>
+          <a:bodyPr wrap="none" rtlCol="0">
+            <a:spAutoFit/>
+          </a:bodyPr>
+          <a:lstStyle/>
+          <a:p>
+            <a:r>
+              <a:rPr lang="en-US" sz="1013" dirty="0">
+                <a:latin typeface="National Park " pitchFamily="2" charset="77"/>
+                <a:hlinkClick r:id="rId2" action="ppaction://hlinksldjump"/>
+              </a:rPr>
+              <a:t>back to toc</a:t>
+            </a:r>
+            <a:endParaRPr lang="en-US" sz="1013" dirty="0">
+              <a:latin typeface="National Park " pitchFamily="2" charset="77"/>
+            </a:endParaRPr>
+          </a:p>
+        </p:txBody>
+      </p:sp>
     </p:spTree>
     <p:extLst>
       <p:ext uri="{BB962C8B-B14F-4D97-AF65-F5344CB8AC3E}">
-        <p14:creationId xmlns:p14="http://schemas.microsoft.com/office/powerpoint/2010/main" val="1816197902"/>
+        <p14:creationId xmlns:p14="http://schemas.microsoft.com/office/powerpoint/2010/main" val="1077433394"/>
       </p:ext>
     </p:extLst>
   </p:cSld>
@@ -26440,13 +26640,7 @@
       </p:grpSpPr>
       <p:sp>
         <p:nvSpPr>
-          <p:cNvPr id="2" name="Title 1">
-            <a:extLst>
-              <a:ext uri="{FF2B5EF4-FFF2-40B4-BE49-F238E27FC236}">
-                <a16:creationId xmlns:a16="http://schemas.microsoft.com/office/drawing/2014/main" id="{6972196C-1D2D-C240-AD57-E3EBC4FA030D}"/>
-              </a:ext>
-            </a:extLst>
-          </p:cNvPr>
+          <p:cNvPr id="2" name="Title 1"/>
           <p:cNvSpPr>
             <a:spLocks noGrp="1"/>
           </p:cNvSpPr>
@@ -26456,112 +26650,139 @@
         </p:nvSpPr>
         <p:spPr/>
         <p:txBody>
+          <a:bodyPr/>
+          <a:lstStyle/>
+          <a:p>
+            <a:pPr algn="ctr"/>
+            <a:r>
+              <a:rPr lang="en-US" dirty="0">
+                <a:latin typeface="National Park " pitchFamily="2" charset="77"/>
+              </a:rPr>
+              <a:t>Credits, references and resources</a:t>
+            </a:r>
+          </a:p>
+        </p:txBody>
+      </p:sp>
+      <p:sp>
+        <p:nvSpPr>
+          <p:cNvPr id="3" name="Content Placeholder 2"/>
+          <p:cNvSpPr>
+            <a:spLocks noGrp="1"/>
+          </p:cNvSpPr>
+          <p:nvPr>
+            <p:ph idx="1"/>
+          </p:nvPr>
+        </p:nvSpPr>
+        <p:spPr/>
+        <p:txBody>
           <a:bodyPr>
-            <a:normAutofit fontScale="90000"/>
+            <a:normAutofit fontScale="77500" lnSpcReduction="20000"/>
           </a:bodyPr>
           <a:lstStyle/>
           <a:p>
-            <a:pPr algn="ctr"/>
-            <a:r>
-              <a:rPr lang="en-US" dirty="0">
-                <a:latin typeface="National Park " pitchFamily="2" charset="77"/>
-              </a:rPr>
-              <a:t>Practice and Exercises : Titanic Data Challenge</a:t>
-            </a:r>
-          </a:p>
-        </p:txBody>
-      </p:sp>
-      <p:sp>
-        <p:nvSpPr>
-          <p:cNvPr id="3" name="Content Placeholder 2">
-            <a:extLst>
-              <a:ext uri="{FF2B5EF4-FFF2-40B4-BE49-F238E27FC236}">
-                <a16:creationId xmlns:a16="http://schemas.microsoft.com/office/drawing/2014/main" id="{59541F7C-8324-CD41-84A0-D9DC3E4E12B8}"/>
-              </a:ext>
-            </a:extLst>
-          </p:cNvPr>
-          <p:cNvSpPr>
-            <a:spLocks noGrp="1"/>
-          </p:cNvSpPr>
-          <p:nvPr>
-            <p:ph idx="1"/>
-          </p:nvPr>
-        </p:nvSpPr>
-        <p:spPr/>
-        <p:txBody>
-          <a:bodyPr>
-            <a:normAutofit fontScale="92500" lnSpcReduction="20000"/>
-          </a:bodyPr>
-          <a:lstStyle/>
-          <a:p>
-            <a:pPr marL="0" indent="0">
-              <a:buNone/>
-            </a:pPr>
-            <a:r>
-              <a:rPr lang="en-US" dirty="0"/>
-              <a:t>Data: in </a:t>
-            </a:r>
-            <a:r>
-              <a:rPr lang="en-US" dirty="0" err="1"/>
-              <a:t>Github</a:t>
-            </a:r>
-            <a:r>
-              <a:rPr lang="en-US" dirty="0"/>
-              <a:t>, </a:t>
-            </a:r>
-            <a:r>
-              <a:rPr lang="en-US" dirty="0" err="1"/>
-              <a:t>Titanic.csv</a:t>
-            </a:r>
-            <a:r>
-              <a:rPr lang="en-US" dirty="0"/>
-              <a:t> </a:t>
-            </a:r>
-          </a:p>
-          <a:p>
-            <a:r>
-              <a:rPr lang="en-US" dirty="0"/>
-              <a:t>Problem 1. What characteristics are shared by all passengers whose fare is 0?</a:t>
-            </a:r>
-          </a:p>
-          <a:p>
-            <a:r>
-              <a:rPr lang="en-US" dirty="0"/>
-              <a:t>Problem 2. How many married women over age 50 embarked in Cherbourg? (Married women are denoted by "Mrs.")</a:t>
-            </a:r>
-          </a:p>
-          <a:p>
-            <a:r>
-              <a:rPr lang="en-US" dirty="0"/>
-              <a:t>Problem 3. Which embarkation city had the highest-paying passengers on average?</a:t>
-            </a:r>
-          </a:p>
-          <a:p>
-            <a:r>
-              <a:rPr lang="en-US" dirty="0"/>
-              <a:t>Problem 4. What is the most common last name among passengers? What is the average number of passengers per last name?</a:t>
-            </a:r>
-          </a:p>
-          <a:p>
-            <a:r>
-              <a:rPr lang="en-US" dirty="0"/>
-              <a:t>Problem 5. What's the survival rate for passengers in the three different classes, i.e., what fraction of passengers in each class survived? Find the answer using spreadsheet functions only - don't perform any arithmetic by hand! </a:t>
-            </a:r>
-          </a:p>
-          <a:p>
+            <a:r>
+              <a:rPr lang="en-US" dirty="0">
+                <a:hlinkClick r:id="rId3"/>
+              </a:rPr>
+              <a:t>gnu.org/software/parallel</a:t>
+            </a:r>
             <a:endParaRPr lang="en-US" dirty="0"/>
           </a:p>
-        </p:txBody>
-      </p:sp>
-      <p:sp>
-        <p:nvSpPr>
-          <p:cNvPr id="4" name="Slide Number Placeholder 3">
-            <a:extLst>
-              <a:ext uri="{FF2B5EF4-FFF2-40B4-BE49-F238E27FC236}">
-                <a16:creationId xmlns:a16="http://schemas.microsoft.com/office/drawing/2014/main" id="{6D0E0BA3-5ECE-E94D-B034-8F400208F397}"/>
-              </a:ext>
-            </a:extLst>
-          </p:cNvPr>
+          <a:p>
+            <a:r>
+              <a:rPr lang="en-US" dirty="0">
+                <a:hlinkClick r:id="rId4"/>
+              </a:rPr>
+              <a:t>rcc.uchicago.edu/documentation/_build/html/running-jobs/srun-parallel/index.html</a:t>
+            </a:r>
+            <a:endParaRPr lang="en-US" dirty="0"/>
+          </a:p>
+          <a:p>
+            <a:r>
+              <a:rPr lang="en-US" dirty="0">
+                <a:hlinkClick r:id="rId5"/>
+              </a:rPr>
+              <a:t>ulhpc-tutorials.readthedocs.io/en/latest/sequential/basics</a:t>
+            </a:r>
+            <a:endParaRPr lang="en-US" dirty="0"/>
+          </a:p>
+          <a:p>
+            <a:r>
+              <a:rPr lang="en-US" dirty="0">
+                <a:hlinkClick r:id="rId6"/>
+              </a:rPr>
+              <a:t>docs.ycrc.yale.edu/clusters-at-yale/guides/parallel</a:t>
+            </a:r>
+            <a:endParaRPr lang="en-US" dirty="0"/>
+          </a:p>
+          <a:p>
+            <a:r>
+              <a:rPr lang="en-US" dirty="0">
+                <a:hlinkClick r:id="rId7"/>
+              </a:rPr>
+              <a:t>www.vanderbilt.edu/accre/documentation/parallel</a:t>
+            </a:r>
+            <a:endParaRPr lang="en-US" dirty="0"/>
+          </a:p>
+          <a:p>
+            <a:r>
+              <a:rPr lang="en-US" dirty="0">
+                <a:hlinkClick r:id="rId8"/>
+              </a:rPr>
+              <a:t>docs-research-it.berkeley.edu/services/high-performance-computing/user-guide/running-your-jobs/gnu-parallel</a:t>
+            </a:r>
+            <a:endParaRPr lang="en-US" dirty="0"/>
+          </a:p>
+          <a:p>
+            <a:r>
+              <a:rPr lang="en-US" dirty="0">
+                <a:hlinkClick r:id="rId9"/>
+              </a:rPr>
+              <a:t>omgenomics.com/parallel</a:t>
+            </a:r>
+            <a:endParaRPr lang="en-US" dirty="0"/>
+          </a:p>
+          <a:p>
+            <a:r>
+              <a:rPr lang="en-US" dirty="0">
+                <a:hlinkClick r:id="rId10"/>
+              </a:rPr>
+              <a:t>curc.readthedocs.io/en/latest/software/GNUParallel.html</a:t>
+            </a:r>
+            <a:endParaRPr lang="en-US" dirty="0"/>
+          </a:p>
+          <a:p>
+            <a:r>
+              <a:rPr lang="en-US" dirty="0">
+                <a:hlinkClick r:id="rId11"/>
+              </a:rPr>
+              <a:t>thenybble.de/posts/json-analysis</a:t>
+            </a:r>
+            <a:endParaRPr lang="en-US" dirty="0"/>
+          </a:p>
+          <a:p>
+            <a:r>
+              <a:rPr lang="en-US" dirty="0">
+                <a:hlinkClick r:id="rId12"/>
+              </a:rPr>
+              <a:t>stackoverflow.com/questions/tagged/gnu-parallel</a:t>
+            </a:r>
+            <a:endParaRPr lang="en-US" dirty="0"/>
+          </a:p>
+          <a:p>
+            <a:r>
+              <a:rPr lang="en-US" dirty="0">
+                <a:hlinkClick r:id="rId13"/>
+              </a:rPr>
+              <a:t>unix.stackexchange.com/questions/tagged/gnu-parallel</a:t>
+            </a:r>
+            <a:endParaRPr lang="en-US" dirty="0"/>
+          </a:p>
+        </p:txBody>
+      </p:sp>
+      <p:sp>
+        <p:nvSpPr>
+          <p:cNvPr id="4" name="Slide Number Placeholder 3"/>
           <p:cNvSpPr>
             <a:spLocks noGrp="1"/>
           </p:cNvSpPr>
@@ -26589,7 +26810,7 @@
     </p:spTree>
     <p:extLst>
       <p:ext uri="{BB962C8B-B14F-4D97-AF65-F5344CB8AC3E}">
-        <p14:creationId xmlns:p14="http://schemas.microsoft.com/office/powerpoint/2010/main" val="2526893295"/>
+        <p14:creationId xmlns:p14="http://schemas.microsoft.com/office/powerpoint/2010/main" val="1816197902"/>
       </p:ext>
     </p:extLst>
   </p:cSld>
@@ -26644,7 +26865,7 @@
               <a:rPr lang="en-US" dirty="0">
                 <a:latin typeface="National Park " pitchFamily="2" charset="77"/>
               </a:rPr>
-              <a:t>[longer] Practice and Exercises : MIT Datacenter Challenge</a:t>
+              <a:t>Practice and Exercises : Titanic Data Challenge</a:t>
             </a:r>
           </a:p>
         </p:txBody>
@@ -26668,15 +26889,28 @@
         <p:spPr/>
         <p:txBody>
           <a:bodyPr>
-            <a:normAutofit/>
+            <a:normAutofit fontScale="92500" lnSpcReduction="20000"/>
           </a:bodyPr>
           <a:lstStyle/>
           <a:p>
-            <a:r>
-              <a:rPr lang="en-US" dirty="0">
-                <a:hlinkClick r:id="rId2"/>
-              </a:rPr>
-              <a:t>dcc.mit.edu</a:t>
+            <a:pPr marL="0" indent="0">
+              <a:buNone/>
+            </a:pPr>
+            <a:r>
+              <a:rPr lang="en-US" dirty="0"/>
+              <a:t>Data: in </a:t>
+            </a:r>
+            <a:r>
+              <a:rPr lang="en-US" dirty="0" err="1"/>
+              <a:t>Github</a:t>
+            </a:r>
+            <a:r>
+              <a:rPr lang="en-US" dirty="0"/>
+              <a:t>, </a:t>
+            </a:r>
+            <a:r>
+              <a:rPr lang="en-US" dirty="0" err="1"/>
+              <a:t>Titanic.csv</a:t>
             </a:r>
             <a:r>
               <a:rPr lang="en-US" dirty="0"/>
@@ -26686,46 +26920,35 @@
           <a:p>
             <a:r>
               <a:rPr lang="en-US" dirty="0"/>
-              <a:t>Partial </a:t>
-            </a:r>
-            <a:r>
-              <a:rPr lang="en-US" b="1" dirty="0"/>
-              <a:t>data available</a:t>
-            </a:r>
+              <a:t>Problem 1. What characteristics are shared by all passengers whose fare is 0?</a:t>
+            </a:r>
+          </a:p>
+          <a:p>
             <a:r>
               <a:rPr lang="en-US" dirty="0"/>
-              <a:t> on git repo at /data/datacenter-challenge </a:t>
+              <a:t>Problem 2. How many married women over age 50 embarked in Cherbourg? (Married women are denoted by "Mrs.")</a:t>
             </a:r>
           </a:p>
           <a:p>
             <a:r>
               <a:rPr lang="en-US" dirty="0"/>
-              <a:t>Although geared towards AI based models, GNU parallel could help gain insight on patterns from existing data</a:t>
+              <a:t>Problem 3. Which embarkation city had the highest-paying passengers on average?</a:t>
             </a:r>
           </a:p>
           <a:p>
             <a:r>
               <a:rPr lang="en-US" dirty="0"/>
-              <a:t>Scheduling Characterization</a:t>
+              <a:t>Problem 4. What is the most common last name among passengers? What is the average number of passengers per last name?</a:t>
             </a:r>
           </a:p>
           <a:p>
             <a:r>
               <a:rPr lang="en-US" dirty="0"/>
-              <a:t>Workload Characterization</a:t>
-            </a:r>
-          </a:p>
-          <a:p>
-            <a:r>
-              <a:rPr lang="en-US" dirty="0"/>
-              <a:t>File System Characterization</a:t>
-            </a:r>
-          </a:p>
-          <a:p>
-            <a:r>
-              <a:rPr lang="en-US" dirty="0"/>
-              <a:t>Error Characterization</a:t>
-            </a:r>
+              <a:t>Problem 5. What's the survival rate for passengers in the three different classes, i.e., what fraction of passengers in each class survived? Find the answer using spreadsheet functions only - don't perform any arithmetic by hand! </a:t>
+            </a:r>
+          </a:p>
+          <a:p>
+            <a:endParaRPr lang="en-US" dirty="0"/>
           </a:p>
         </p:txBody>
       </p:sp>
@@ -26765,7 +26988,7 @@
     </p:spTree>
     <p:extLst>
       <p:ext uri="{BB962C8B-B14F-4D97-AF65-F5344CB8AC3E}">
-        <p14:creationId xmlns:p14="http://schemas.microsoft.com/office/powerpoint/2010/main" val="4215097671"/>
+        <p14:creationId xmlns:p14="http://schemas.microsoft.com/office/powerpoint/2010/main" val="2526893295"/>
       </p:ext>
     </p:extLst>
   </p:cSld>
@@ -26797,7 +27020,7 @@
           <p:cNvPr id="2" name="Title 1">
             <a:extLst>
               <a:ext uri="{FF2B5EF4-FFF2-40B4-BE49-F238E27FC236}">
-                <a16:creationId xmlns:a16="http://schemas.microsoft.com/office/drawing/2014/main" id="{3CDA2C0A-84C5-DDCE-DE2D-F26D112FC42D}"/>
+                <a16:creationId xmlns:a16="http://schemas.microsoft.com/office/drawing/2014/main" id="{6972196C-1D2D-C240-AD57-E3EBC4FA030D}"/>
               </a:ext>
             </a:extLst>
           </p:cNvPr>
@@ -26820,7 +27043,7 @@
               <a:rPr lang="en-US" dirty="0">
                 <a:latin typeface="National Park " pitchFamily="2" charset="77"/>
               </a:rPr>
-              <a:t>Other Possible Venues to look for challenges</a:t>
+              <a:t>[longer] Practice and Exercises : MIT Datacenter Challenge</a:t>
             </a:r>
           </a:p>
         </p:txBody>
@@ -26830,7 +27053,7 @@
           <p:cNvPr id="3" name="Content Placeholder 2">
             <a:extLst>
               <a:ext uri="{FF2B5EF4-FFF2-40B4-BE49-F238E27FC236}">
-                <a16:creationId xmlns:a16="http://schemas.microsoft.com/office/drawing/2014/main" id="{F46367CA-67BA-E0A5-9C11-0819709041BA}"/>
+                <a16:creationId xmlns:a16="http://schemas.microsoft.com/office/drawing/2014/main" id="{59541F7C-8324-CD41-84A0-D9DC3E4E12B8}"/>
               </a:ext>
             </a:extLst>
           </p:cNvPr>
@@ -26843,37 +27066,65 @@
         </p:nvSpPr>
         <p:spPr/>
         <p:txBody>
-          <a:bodyPr/>
+          <a:bodyPr>
+            <a:normAutofit/>
+          </a:bodyPr>
           <a:lstStyle/>
           <a:p>
             <a:r>
               <a:rPr lang="en-US" dirty="0">
                 <a:hlinkClick r:id="rId2"/>
               </a:rPr>
-              <a:t>annas-blog.org/worldcat-scrape.html</a:t>
-            </a:r>
-            <a:endParaRPr lang="en-US" dirty="0"/>
-          </a:p>
-          <a:p>
-            <a:r>
-              <a:rPr lang="en-US" dirty="0">
-                <a:hlinkClick r:id="rId3"/>
-              </a:rPr>
-              <a:t>smc-datachallenge.ornl.gov</a:t>
-            </a:r>
-            <a:endParaRPr lang="en-US" dirty="0"/>
-          </a:p>
-          <a:p>
-            <a:r>
-              <a:rPr lang="en-US" dirty="0">
-                <a:hlinkClick r:id="rId4"/>
-              </a:rPr>
-              <a:t>www.reddit.com/r/DataHoarder</a:t>
-            </a:r>
-            <a:endParaRPr lang="en-US" dirty="0"/>
-          </a:p>
-          <a:p>
-            <a:endParaRPr lang="en-US" dirty="0"/>
+              <a:t>dcc.mit.edu</a:t>
+            </a:r>
+            <a:r>
+              <a:rPr lang="en-US" dirty="0"/>
+              <a:t> </a:t>
+            </a:r>
+          </a:p>
+          <a:p>
+            <a:r>
+              <a:rPr lang="en-US" dirty="0"/>
+              <a:t>Partial </a:t>
+            </a:r>
+            <a:r>
+              <a:rPr lang="en-US" b="1" dirty="0"/>
+              <a:t>data available</a:t>
+            </a:r>
+            <a:r>
+              <a:rPr lang="en-US" dirty="0"/>
+              <a:t> on git repo at /data/datacenter-challenge </a:t>
+            </a:r>
+          </a:p>
+          <a:p>
+            <a:r>
+              <a:rPr lang="en-US" dirty="0"/>
+              <a:t>Although geared towards AI based models, GNU parallel could help gain insight on patterns from existing data</a:t>
+            </a:r>
+          </a:p>
+          <a:p>
+            <a:r>
+              <a:rPr lang="en-US" dirty="0"/>
+              <a:t>Scheduling Characterization</a:t>
+            </a:r>
+          </a:p>
+          <a:p>
+            <a:r>
+              <a:rPr lang="en-US" dirty="0"/>
+              <a:t>Workload Characterization</a:t>
+            </a:r>
+          </a:p>
+          <a:p>
+            <a:r>
+              <a:rPr lang="en-US" dirty="0"/>
+              <a:t>File System Characterization</a:t>
+            </a:r>
+          </a:p>
+          <a:p>
+            <a:r>
+              <a:rPr lang="en-US" dirty="0"/>
+              <a:t>Error Characterization</a:t>
+            </a:r>
           </a:p>
         </p:txBody>
       </p:sp>
@@ -26882,7 +27133,7 @@
           <p:cNvPr id="4" name="Slide Number Placeholder 3">
             <a:extLst>
               <a:ext uri="{FF2B5EF4-FFF2-40B4-BE49-F238E27FC236}">
-                <a16:creationId xmlns:a16="http://schemas.microsoft.com/office/drawing/2014/main" id="{DC20C616-4036-B93A-64BC-2D0981B65436}"/>
+                <a16:creationId xmlns:a16="http://schemas.microsoft.com/office/drawing/2014/main" id="{6D0E0BA3-5ECE-E94D-B034-8F400208F397}"/>
               </a:ext>
             </a:extLst>
           </p:cNvPr>
@@ -26899,17 +27150,21 @@
           <a:lstStyle/>
           <a:p>
             <a:fld id="{4E3AEE2C-3A74-8643-B4A2-442777B583A3}" type="slidenum">
-              <a:rPr lang="en-US" smtClean="0"/>
+              <a:rPr lang="en-US" smtClean="0">
+                <a:latin typeface="National Park " pitchFamily="2" charset="77"/>
+              </a:rPr>
               <a:t>73</a:t>
             </a:fld>
-            <a:endParaRPr lang="en-US"/>
+            <a:endParaRPr lang="en-US">
+              <a:latin typeface="National Park " pitchFamily="2" charset="77"/>
+            </a:endParaRPr>
           </a:p>
         </p:txBody>
       </p:sp>
     </p:spTree>
     <p:extLst>
       <p:ext uri="{BB962C8B-B14F-4D97-AF65-F5344CB8AC3E}">
-        <p14:creationId xmlns:p14="http://schemas.microsoft.com/office/powerpoint/2010/main" val="592777674"/>
+        <p14:creationId xmlns:p14="http://schemas.microsoft.com/office/powerpoint/2010/main" val="4215097671"/>
       </p:ext>
     </p:extLst>
   </p:cSld>
@@ -26938,6 +27193,150 @@
       </p:grpSpPr>
       <p:sp>
         <p:nvSpPr>
+          <p:cNvPr id="2" name="Title 1">
+            <a:extLst>
+              <a:ext uri="{FF2B5EF4-FFF2-40B4-BE49-F238E27FC236}">
+                <a16:creationId xmlns:a16="http://schemas.microsoft.com/office/drawing/2014/main" id="{3CDA2C0A-84C5-DDCE-DE2D-F26D112FC42D}"/>
+              </a:ext>
+            </a:extLst>
+          </p:cNvPr>
+          <p:cNvSpPr>
+            <a:spLocks noGrp="1"/>
+          </p:cNvSpPr>
+          <p:nvPr>
+            <p:ph type="title"/>
+          </p:nvPr>
+        </p:nvSpPr>
+        <p:spPr/>
+        <p:txBody>
+          <a:bodyPr>
+            <a:normAutofit fontScale="90000"/>
+          </a:bodyPr>
+          <a:lstStyle/>
+          <a:p>
+            <a:pPr algn="ctr"/>
+            <a:r>
+              <a:rPr lang="en-US" dirty="0">
+                <a:latin typeface="National Park " pitchFamily="2" charset="77"/>
+              </a:rPr>
+              <a:t>Other Possible Venues to look for challenges</a:t>
+            </a:r>
+          </a:p>
+        </p:txBody>
+      </p:sp>
+      <p:sp>
+        <p:nvSpPr>
+          <p:cNvPr id="3" name="Content Placeholder 2">
+            <a:extLst>
+              <a:ext uri="{FF2B5EF4-FFF2-40B4-BE49-F238E27FC236}">
+                <a16:creationId xmlns:a16="http://schemas.microsoft.com/office/drawing/2014/main" id="{F46367CA-67BA-E0A5-9C11-0819709041BA}"/>
+              </a:ext>
+            </a:extLst>
+          </p:cNvPr>
+          <p:cNvSpPr>
+            <a:spLocks noGrp="1"/>
+          </p:cNvSpPr>
+          <p:nvPr>
+            <p:ph idx="1"/>
+          </p:nvPr>
+        </p:nvSpPr>
+        <p:spPr/>
+        <p:txBody>
+          <a:bodyPr/>
+          <a:lstStyle/>
+          <a:p>
+            <a:r>
+              <a:rPr lang="en-US" dirty="0">
+                <a:hlinkClick r:id="rId2"/>
+              </a:rPr>
+              <a:t>annas-blog.org/worldcat-scrape.html</a:t>
+            </a:r>
+            <a:endParaRPr lang="en-US" dirty="0"/>
+          </a:p>
+          <a:p>
+            <a:r>
+              <a:rPr lang="en-US" dirty="0">
+                <a:hlinkClick r:id="rId3"/>
+              </a:rPr>
+              <a:t>smc-datachallenge.ornl.gov</a:t>
+            </a:r>
+            <a:endParaRPr lang="en-US" dirty="0"/>
+          </a:p>
+          <a:p>
+            <a:r>
+              <a:rPr lang="en-US" dirty="0">
+                <a:hlinkClick r:id="rId4"/>
+              </a:rPr>
+              <a:t>www.reddit.com/r/DataHoarder</a:t>
+            </a:r>
+            <a:endParaRPr lang="en-US" dirty="0"/>
+          </a:p>
+          <a:p>
+            <a:endParaRPr lang="en-US" dirty="0"/>
+          </a:p>
+        </p:txBody>
+      </p:sp>
+      <p:sp>
+        <p:nvSpPr>
+          <p:cNvPr id="4" name="Slide Number Placeholder 3">
+            <a:extLst>
+              <a:ext uri="{FF2B5EF4-FFF2-40B4-BE49-F238E27FC236}">
+                <a16:creationId xmlns:a16="http://schemas.microsoft.com/office/drawing/2014/main" id="{DC20C616-4036-B93A-64BC-2D0981B65436}"/>
+              </a:ext>
+            </a:extLst>
+          </p:cNvPr>
+          <p:cNvSpPr>
+            <a:spLocks noGrp="1"/>
+          </p:cNvSpPr>
+          <p:nvPr>
+            <p:ph type="sldNum" sz="quarter" idx="12"/>
+          </p:nvPr>
+        </p:nvSpPr>
+        <p:spPr/>
+        <p:txBody>
+          <a:bodyPr/>
+          <a:lstStyle/>
+          <a:p>
+            <a:fld id="{4E3AEE2C-3A74-8643-B4A2-442777B583A3}" type="slidenum">
+              <a:rPr lang="en-US" smtClean="0"/>
+              <a:t>74</a:t>
+            </a:fld>
+            <a:endParaRPr lang="en-US"/>
+          </a:p>
+        </p:txBody>
+      </p:sp>
+    </p:spTree>
+    <p:extLst>
+      <p:ext uri="{BB962C8B-B14F-4D97-AF65-F5344CB8AC3E}">
+        <p14:creationId xmlns:p14="http://schemas.microsoft.com/office/powerpoint/2010/main" val="592777674"/>
+      </p:ext>
+    </p:extLst>
+  </p:cSld>
+  <p:clrMapOvr>
+    <a:masterClrMapping/>
+  </p:clrMapOvr>
+</p:sld>
+</file>
+
+<file path=ppt/slides/slide75.xml><?xml version="1.0" encoding="utf-8"?>
+<p:sld xmlns:a="http://schemas.openxmlformats.org/drawingml/2006/main" xmlns:r="http://schemas.openxmlformats.org/officeDocument/2006/relationships" xmlns:p="http://schemas.openxmlformats.org/presentationml/2006/main">
+  <p:cSld>
+    <p:spTree>
+      <p:nvGrpSpPr>
+        <p:cNvPr id="1" name=""/>
+        <p:cNvGrpSpPr/>
+        <p:nvPr/>
+      </p:nvGrpSpPr>
+      <p:grpSpPr>
+        <a:xfrm>
+          <a:off x="0" y="0"/>
+          <a:ext cx="0" cy="0"/>
+          <a:chOff x="0" y="0"/>
+          <a:chExt cx="0" cy="0"/>
+        </a:xfrm>
+      </p:grpSpPr>
+      <p:sp>
+        <p:nvSpPr>
           <p:cNvPr id="2" name="Title 1"/>
           <p:cNvSpPr>
             <a:spLocks noGrp="1"/>
@@ -27031,7 +27430,7 @@
               <a:rPr lang="en-US" smtClean="0">
                 <a:latin typeface="National Park " pitchFamily="2" charset="77"/>
               </a:rPr>
-              <a:t>74</a:t>
+              <a:t>75</a:t>
             </a:fld>
             <a:endParaRPr lang="en-US">
               <a:latin typeface="National Park " pitchFamily="2" charset="77"/>

--- a/gnu-parallel-tutorial.pptx
+++ b/gnu-parallel-tutorial.pptx
@@ -4741,8 +4741,38 @@
         </p:blipFill>
         <p:spPr>
           <a:xfrm>
-            <a:off x="8096" y="4331754"/>
+            <a:off x="0" y="4218147"/>
             <a:ext cx="2194560" cy="822960"/>
+          </a:xfrm>
+          <a:prstGeom prst="rect">
+            <a:avLst/>
+          </a:prstGeom>
+        </p:spPr>
+      </p:pic>
+      <p:pic>
+        <p:nvPicPr>
+          <p:cNvPr id="9" name="Picture 8" descr="A close-up of a logo&#10;&#10;Description automatically generated">
+            <a:extLst>
+              <a:ext uri="{FF2B5EF4-FFF2-40B4-BE49-F238E27FC236}">
+                <a16:creationId xmlns:a16="http://schemas.microsoft.com/office/drawing/2014/main" id="{B15BD809-508C-A13A-9ADA-3A80AF37DD2A}"/>
+              </a:ext>
+            </a:extLst>
+          </p:cNvPr>
+          <p:cNvPicPr>
+            <a:picLocks noChangeAspect="1"/>
+          </p:cNvPicPr>
+          <p:nvPr/>
+        </p:nvPicPr>
+        <p:blipFill>
+          <a:blip r:embed="rId4"/>
+          <a:stretch>
+            <a:fillRect/>
+          </a:stretch>
+        </p:blipFill>
+        <p:spPr>
+          <a:xfrm>
+            <a:off x="2113471" y="3978205"/>
+            <a:ext cx="1796930" cy="1207870"/>
           </a:xfrm>
           <a:prstGeom prst="rect">
             <a:avLst/>
@@ -6396,6 +6426,47 @@
               <a:t>16</a:t>
             </a:fld>
             <a:endParaRPr lang="en-US"/>
+          </a:p>
+        </p:txBody>
+      </p:sp>
+      <p:sp>
+        <p:nvSpPr>
+          <p:cNvPr id="5" name="TextBox 4">
+            <a:extLst>
+              <a:ext uri="{FF2B5EF4-FFF2-40B4-BE49-F238E27FC236}">
+                <a16:creationId xmlns:a16="http://schemas.microsoft.com/office/drawing/2014/main" id="{96741E46-3501-3146-C695-1A8746AB3330}"/>
+              </a:ext>
+            </a:extLst>
+          </p:cNvPr>
+          <p:cNvSpPr txBox="1"/>
+          <p:nvPr/>
+        </p:nvSpPr>
+        <p:spPr>
+          <a:xfrm>
+            <a:off x="1958897" y="4767263"/>
+            <a:ext cx="4572000" cy="369332"/>
+          </a:xfrm>
+          <a:prstGeom prst="rect">
+            <a:avLst/>
+          </a:prstGeom>
+          <a:noFill/>
+        </p:spPr>
+        <p:txBody>
+          <a:bodyPr wrap="square">
+            <a:spAutoFit/>
+          </a:bodyPr>
+          <a:lstStyle/>
+          <a:p>
+            <a:pPr marL="0" indent="0" algn="ctr">
+              <a:buNone/>
+            </a:pPr>
+            <a:r>
+              <a:rPr lang="en-US" sz="1800" dirty="0">
+                <a:hlinkClick r:id="rId3"/>
+              </a:rPr>
+              <a:t>tinyurl.com/3eyd25ty</a:t>
+            </a:r>
+            <a:endParaRPr lang="en-US" dirty="0"/>
           </a:p>
         </p:txBody>
       </p:sp>
@@ -7972,6 +8043,47 @@
           </a:p>
         </p:txBody>
       </p:sp>
+      <p:sp>
+        <p:nvSpPr>
+          <p:cNvPr id="3" name="TextBox 2">
+            <a:extLst>
+              <a:ext uri="{FF2B5EF4-FFF2-40B4-BE49-F238E27FC236}">
+                <a16:creationId xmlns:a16="http://schemas.microsoft.com/office/drawing/2014/main" id="{76A8E7D7-0AB4-1774-19D0-FF765A005C7E}"/>
+              </a:ext>
+            </a:extLst>
+          </p:cNvPr>
+          <p:cNvSpPr txBox="1"/>
+          <p:nvPr/>
+        </p:nvSpPr>
+        <p:spPr>
+          <a:xfrm>
+            <a:off x="1966331" y="4568202"/>
+            <a:ext cx="4572000" cy="369332"/>
+          </a:xfrm>
+          <a:prstGeom prst="rect">
+            <a:avLst/>
+          </a:prstGeom>
+          <a:noFill/>
+        </p:spPr>
+        <p:txBody>
+          <a:bodyPr wrap="square">
+            <a:spAutoFit/>
+          </a:bodyPr>
+          <a:lstStyle/>
+          <a:p>
+            <a:pPr marL="0" indent="0" algn="ctr">
+              <a:buNone/>
+            </a:pPr>
+            <a:r>
+              <a:rPr lang="en-US" sz="1800" dirty="0">
+                <a:hlinkClick r:id="rId2"/>
+              </a:rPr>
+              <a:t>tinyurl.com/3eyd25ty</a:t>
+            </a:r>
+            <a:endParaRPr lang="en-US" dirty="0"/>
+          </a:p>
+        </p:txBody>
+      </p:sp>
     </p:spTree>
     <p:extLst>
       <p:ext uri="{BB962C8B-B14F-4D97-AF65-F5344CB8AC3E}">
@@ -26044,16 +26156,18 @@
         </p:nvSpPr>
         <p:spPr/>
         <p:txBody>
-          <a:bodyPr/>
+          <a:bodyPr>
+            <a:normAutofit/>
+          </a:bodyPr>
           <a:lstStyle/>
           <a:p>
             <a:pPr algn="ctr"/>
             <a:r>
-              <a:rPr lang="en-US" dirty="0">
+              <a:rPr lang="en-US" sz="2400" dirty="0">
                 <a:latin typeface="National Park " pitchFamily="2" charset="77"/>
                 <a:cs typeface="Courier New" panose="02070309020205020404" pitchFamily="49" charset="0"/>
               </a:rPr>
-              <a:t>Exercise: Download App, Data and Try it!</a:t>
+              <a:t>Exercise (~5-7 min): Download App, Data and Try it!</a:t>
             </a:r>
           </a:p>
         </p:txBody>
@@ -26372,6 +26486,28 @@
               <a:rPr lang="en-US" dirty="0"/>
               <a:t>Slides, source codes and practice data available:</a:t>
             </a:r>
+            <a:br>
+              <a:rPr lang="en-US" dirty="0"/>
+            </a:br>
+            <a:br>
+              <a:rPr lang="en-US" dirty="0"/>
+            </a:br>
+            <a:r>
+              <a:rPr lang="en-US" sz="3200" dirty="0">
+                <a:hlinkClick r:id="rId2"/>
+              </a:rPr>
+              <a:t>tinyurl.com/3eyd25ty</a:t>
+            </a:r>
+            <a:br>
+              <a:rPr lang="en-US" dirty="0"/>
+            </a:br>
+            <a:br>
+              <a:rPr lang="en-US" dirty="0"/>
+            </a:br>
+            <a:r>
+              <a:rPr lang="en-US" dirty="0"/>
+              <a:t>OR</a:t>
+            </a:r>
           </a:p>
           <a:p>
             <a:pPr marL="0" indent="0" algn="ctr">
@@ -26379,7 +26515,7 @@
             </a:pPr>
             <a:r>
               <a:rPr lang="en-US" sz="3200" dirty="0">
-                <a:hlinkClick r:id="rId2"/>
+                <a:hlinkClick r:id="rId3"/>
               </a:rPr>
               <a:t>github.com/ketancmaheshwari/pearc24tut</a:t>
             </a:r>
@@ -27542,6 +27678,36 @@
           </a:p>
         </p:txBody>
       </p:sp>
+      <p:pic>
+        <p:nvPicPr>
+          <p:cNvPr id="3" name="Picture 2" descr="A close-up of a logo&#10;&#10;Description automatically generated">
+            <a:extLst>
+              <a:ext uri="{FF2B5EF4-FFF2-40B4-BE49-F238E27FC236}">
+                <a16:creationId xmlns:a16="http://schemas.microsoft.com/office/drawing/2014/main" id="{219D2CCB-2C87-F24F-0DA3-5EA224B01814}"/>
+              </a:ext>
+            </a:extLst>
+          </p:cNvPr>
+          <p:cNvPicPr>
+            <a:picLocks noChangeAspect="1"/>
+          </p:cNvPicPr>
+          <p:nvPr/>
+        </p:nvPicPr>
+        <p:blipFill>
+          <a:blip r:embed="rId3"/>
+          <a:stretch>
+            <a:fillRect/>
+          </a:stretch>
+        </p:blipFill>
+        <p:spPr>
+          <a:xfrm>
+            <a:off x="7272316" y="3935630"/>
+            <a:ext cx="1796930" cy="1207870"/>
+          </a:xfrm>
+          <a:prstGeom prst="rect">
+            <a:avLst/>
+          </a:prstGeom>
+        </p:spPr>
+      </p:pic>
     </p:spTree>
     <p:extLst>
       <p:ext uri="{BB962C8B-B14F-4D97-AF65-F5344CB8AC3E}">
@@ -27702,7 +27868,7 @@
               <a:rPr lang="en-US" sz="1800" dirty="0">
                 <a:hlinkClick r:id="rId3"/>
               </a:rPr>
-              <a:t>github.com/ketancmaheshwari/pearc24tut</a:t>
+              <a:t>tinyurl.com/3eyd25ty</a:t>
             </a:r>
             <a:endParaRPr lang="en-US" dirty="0"/>
           </a:p>
@@ -27868,6 +28034,47 @@
             <a:endParaRPr lang="en-US">
               <a:latin typeface="National Park " pitchFamily="2" charset="77"/>
             </a:endParaRPr>
+          </a:p>
+        </p:txBody>
+      </p:sp>
+      <p:sp>
+        <p:nvSpPr>
+          <p:cNvPr id="5" name="TextBox 4">
+            <a:extLst>
+              <a:ext uri="{FF2B5EF4-FFF2-40B4-BE49-F238E27FC236}">
+                <a16:creationId xmlns:a16="http://schemas.microsoft.com/office/drawing/2014/main" id="{059E69AA-E67E-039E-BABF-209597C37FB8}"/>
+              </a:ext>
+            </a:extLst>
+          </p:cNvPr>
+          <p:cNvSpPr txBox="1"/>
+          <p:nvPr/>
+        </p:nvSpPr>
+        <p:spPr>
+          <a:xfrm>
+            <a:off x="1966331" y="4568202"/>
+            <a:ext cx="4572000" cy="369332"/>
+          </a:xfrm>
+          <a:prstGeom prst="rect">
+            <a:avLst/>
+          </a:prstGeom>
+          <a:noFill/>
+        </p:spPr>
+        <p:txBody>
+          <a:bodyPr wrap="square">
+            <a:spAutoFit/>
+          </a:bodyPr>
+          <a:lstStyle/>
+          <a:p>
+            <a:pPr marL="0" indent="0" algn="ctr">
+              <a:buNone/>
+            </a:pPr>
+            <a:r>
+              <a:rPr lang="en-US" sz="1800" dirty="0">
+                <a:hlinkClick r:id="rId2"/>
+              </a:rPr>
+              <a:t>tinyurl.com/3eyd25ty</a:t>
+            </a:r>
+            <a:endParaRPr lang="en-US" dirty="0"/>
           </a:p>
         </p:txBody>
       </p:sp>

--- a/gnu-parallel-tutorial.pptx
+++ b/gnu-parallel-tutorial.pptx
@@ -21804,10 +21804,24 @@
               <a:t> scripts for the </a:t>
             </a:r>
             <a:r>
-              <a:rPr lang="en-US" dirty="0" err="1">
+              <a:rPr lang="en-US" b="1" dirty="0" err="1">
+                <a:latin typeface="Courier New" panose="02070309020205020404" pitchFamily="49" charset="0"/>
+                <a:cs typeface="Courier New" panose="02070309020205020404" pitchFamily="49" charset="0"/>
+              </a:rPr>
+              <a:t>fizzbuzz</a:t>
+            </a:r>
+            <a:r>
+              <a:rPr lang="en-US" dirty="0">
                 <a:latin typeface="National Park " pitchFamily="2" charset="77"/>
               </a:rPr>
-              <a:t>fizzbuzz</a:t>
+              <a:t> and </a:t>
+            </a:r>
+            <a:r>
+              <a:rPr lang="en-US" b="1" dirty="0">
+                <a:latin typeface="Courier New" panose="02070309020205020404" pitchFamily="49" charset="0"/>
+                <a:cs typeface="Courier New" panose="02070309020205020404" pitchFamily="49" charset="0"/>
+              </a:rPr>
+              <a:t>prime</a:t>
             </a:r>
             <a:r>
               <a:rPr lang="en-US" dirty="0">
@@ -22350,7 +22364,7 @@
         <p:spPr>
           <a:xfrm>
             <a:off x="105083" y="1968909"/>
-            <a:ext cx="4713470" cy="1477328"/>
+            <a:ext cx="3752437" cy="1477328"/>
           </a:xfrm>
           <a:prstGeom prst="rect">
             <a:avLst/>
@@ -22389,55 +22403,48 @@
           <a:p>
             <a:r>
               <a:rPr lang="en-US" dirty="0"/>
-              <a:t>sleep $(</a:t>
+              <a:t>num=$RANDOM</a:t>
+            </a:r>
+          </a:p>
+          <a:p>
+            <a:r>
+              <a:rPr lang="en-US" dirty="0"/>
+              <a:t>echo $num &gt; /</a:t>
             </a:r>
             <a:r>
               <a:rPr lang="en-US" dirty="0" err="1"/>
-              <a:t>shuf</a:t>
+              <a:t>tmp</a:t>
             </a:r>
             <a:r>
               <a:rPr lang="en-US" dirty="0"/>
-              <a:t> -</a:t>
+              <a:t>/</a:t>
             </a:r>
             <a:r>
               <a:rPr lang="en-US" dirty="0" err="1"/>
-              <a:t>i</a:t>
-            </a:r>
+              <a:t>proc_$num</a:t>
+            </a:r>
+            <a:endParaRPr lang="en-US" dirty="0"/>
+          </a:p>
+          <a:p>
             <a:r>
               <a:rPr lang="en-US" dirty="0"/>
-              <a:t> 20-60 -n 1)</a:t>
-            </a:r>
-          </a:p>
-          <a:p>
+              <a:t>echo "/</a:t>
+            </a:r>
             <a:r>
               <a:rPr lang="en-US" dirty="0" err="1"/>
-              <a:t>shuf</a:t>
+              <a:t>tmp</a:t>
             </a:r>
             <a:r>
               <a:rPr lang="en-US" dirty="0"/>
-              <a:t> $1 &gt; ./out/proc_$(</a:t>
+              <a:t>/</a:t>
             </a:r>
             <a:r>
               <a:rPr lang="en-US" dirty="0" err="1"/>
-              <a:t>basename</a:t>
+              <a:t>proc_$num</a:t>
             </a:r>
             <a:r>
               <a:rPr lang="en-US" dirty="0"/>
-              <a:t> $1)</a:t>
-            </a:r>
-          </a:p>
-          <a:p>
-            <a:r>
-              <a:rPr lang="en-US" dirty="0"/>
-              <a:t>echo "./out/proc_$(</a:t>
-            </a:r>
-            <a:r>
-              <a:rPr lang="en-US" dirty="0" err="1"/>
-              <a:t>basename</a:t>
-            </a:r>
-            <a:r>
-              <a:rPr lang="en-US" dirty="0"/>
-              <a:t> $1)" &gt;&gt; </a:t>
+              <a:t>" &gt;&gt; </a:t>
             </a:r>
             <a:r>
               <a:rPr lang="en-US" dirty="0" err="1"/>
@@ -22462,7 +22469,7 @@
         <p:spPr>
           <a:xfrm>
             <a:off x="4942100" y="1971585"/>
-            <a:ext cx="3351430" cy="1477328"/>
+            <a:ext cx="3528530" cy="1200329"/>
           </a:xfrm>
           <a:prstGeom prst="rect">
             <a:avLst/>
@@ -22501,12 +22508,16 @@
               <a:rPr lang="en-US" dirty="0"/>
             </a:br>
             <a:r>
+              <a:rPr lang="en-US" dirty="0"/>
+              <a:t>echo $1 &gt;&gt; /</a:t>
+            </a:r>
+            <a:r>
               <a:rPr lang="en-US" dirty="0" err="1"/>
-              <a:t>shuf</a:t>
+              <a:t>tmp</a:t>
             </a:r>
             <a:r>
               <a:rPr lang="en-US" dirty="0"/>
-              <a:t> $1 &gt; ./out/f_$(</a:t>
+              <a:t>/f_$(</a:t>
             </a:r>
             <a:r>
               <a:rPr lang="en-US" dirty="0" err="1"/>
@@ -22522,9 +22533,6 @@
               <a:rPr lang="en-US" dirty="0"/>
               <a:t>echo "Done for $1”</a:t>
             </a:r>
-          </a:p>
-          <a:p>
-            <a:endParaRPr lang="en-US" dirty="0"/>
           </a:p>
         </p:txBody>
       </p:sp>
@@ -22542,8 +22550,8 @@
         </p:nvSpPr>
         <p:spPr>
           <a:xfrm>
-            <a:off x="2034233" y="3771920"/>
-            <a:ext cx="5568640" cy="1200329"/>
+            <a:off x="1576404" y="3757479"/>
+            <a:ext cx="5991192" cy="1200329"/>
           </a:xfrm>
           <a:prstGeom prst="rect">
             <a:avLst/>
@@ -22586,13 +22594,13 @@
           <a:p>
             <a:r>
               <a:rPr lang="en-US" dirty="0"/>
-              <a:t>parallel ./proc1.sh {} ::: ./inputs/*.txt &amp;</a:t>
+              <a:t>parallel -n0 ./proc1.sh ::: {1..10} &amp;</a:t>
             </a:r>
           </a:p>
           <a:p>
             <a:r>
               <a:rPr lang="en-US" dirty="0"/>
-              <a:t>&gt;</a:t>
+              <a:t>touch </a:t>
             </a:r>
             <a:r>
               <a:rPr lang="en-US" dirty="0" err="1"/>
@@ -23120,8 +23128,28 @@
               <a:buNone/>
             </a:pPr>
             <a:r>
-              <a:rPr lang="en-US" sz="1600" dirty="0"/>
-              <a:t>p1/p1.sh inputs/in1.txt p1/out1.txt</a:t>
+              <a:rPr lang="en-US" sz="1600" dirty="0">
+                <a:highlight>
+                  <a:srgbClr val="FFFF00"/>
+                </a:highlight>
+              </a:rPr>
+              <a:t>p1/p1.sh </a:t>
+            </a:r>
+            <a:r>
+              <a:rPr lang="en-US" sz="1600" dirty="0">
+                <a:highlight>
+                  <a:srgbClr val="00FF00"/>
+                </a:highlight>
+              </a:rPr>
+              <a:t>inputs/in1.txt </a:t>
+            </a:r>
+            <a:r>
+              <a:rPr lang="en-US" sz="1600" dirty="0">
+                <a:highlight>
+                  <a:srgbClr val="00FFFF"/>
+                </a:highlight>
+              </a:rPr>
+              <a:t>p1/out1.txt</a:t>
             </a:r>
           </a:p>
           <a:p>
@@ -23550,7 +23578,7 @@
         <p:spPr>
           <a:xfrm>
             <a:off x="2013154" y="4771108"/>
-            <a:ext cx="4182235" cy="369332"/>
+            <a:ext cx="4967001" cy="369332"/>
           </a:xfrm>
           <a:prstGeom prst="rect">
             <a:avLst/>
@@ -23568,18 +23596,30 @@
               <a:t>All sources available in </a:t>
             </a:r>
             <a:r>
-              <a:rPr lang="en-US" dirty="0" err="1"/>
+              <a:rPr lang="en-US" b="1" dirty="0" err="1">
+                <a:latin typeface="Courier New" panose="02070309020205020404" pitchFamily="49" charset="0"/>
+                <a:cs typeface="Courier New" panose="02070309020205020404" pitchFamily="49" charset="0"/>
+              </a:rPr>
               <a:t>src</a:t>
             </a:r>
             <a:r>
-              <a:rPr lang="en-US" dirty="0"/>
+              <a:rPr lang="en-US" b="1" dirty="0">
+                <a:latin typeface="Courier New" panose="02070309020205020404" pitchFamily="49" charset="0"/>
+                <a:cs typeface="Courier New" panose="02070309020205020404" pitchFamily="49" charset="0"/>
+              </a:rPr>
               <a:t>/</a:t>
             </a:r>
             <a:r>
-              <a:rPr lang="en-US" dirty="0" err="1"/>
+              <a:rPr lang="en-US" b="1" dirty="0" err="1">
+                <a:latin typeface="Courier New" panose="02070309020205020404" pitchFamily="49" charset="0"/>
+                <a:cs typeface="Courier New" panose="02070309020205020404" pitchFamily="49" charset="0"/>
+              </a:rPr>
               <a:t>crystalworkflow</a:t>
             </a:r>
-            <a:endParaRPr lang="en-US" dirty="0"/>
+            <a:endParaRPr lang="en-US" b="1" dirty="0">
+              <a:latin typeface="Courier New" panose="02070309020205020404" pitchFamily="49" charset="0"/>
+              <a:cs typeface="Courier New" panose="02070309020205020404" pitchFamily="49" charset="0"/>
+            </a:endParaRPr>
           </a:p>
         </p:txBody>
       </p:sp>
@@ -24230,6 +24270,26 @@
               <a:rPr lang="en-US" dirty="0"/>
               <a:t>Connect the two stages so that they can run asynchronously</a:t>
             </a:r>
+          </a:p>
+          <a:p>
+            <a:pPr lvl="1"/>
+            <a:r>
+              <a:rPr lang="en-US" dirty="0"/>
+              <a:t>Fill in the gaps in the scripts: </a:t>
+            </a:r>
+            <a:r>
+              <a:rPr lang="en-US" dirty="0" err="1"/>
+              <a:t>getdata.sh</a:t>
+            </a:r>
+            <a:r>
+              <a:rPr lang="en-US" dirty="0"/>
+              <a:t> and </a:t>
+            </a:r>
+            <a:r>
+              <a:rPr lang="en-US" dirty="0" err="1"/>
+              <a:t>procdata.sh</a:t>
+            </a:r>
+            <a:endParaRPr lang="en-US" dirty="0"/>
           </a:p>
           <a:p>
             <a:r>
